--- a/Slides/2. Query Execution.pptx
+++ b/Slides/2. Query Execution.pptx
@@ -4,27 +4,33 @@
   <p:sldMasterIdLst>
     <p:sldMasterId id="2147483648" r:id="rId1"/>
   </p:sldMasterIdLst>
+  <p:notesMasterIdLst>
+    <p:notesMasterId r:id="rId25"/>
+  </p:notesMasterIdLst>
   <p:sldIdLst>
     <p:sldId id="256" r:id="rId2"/>
-    <p:sldId id="257" r:id="rId3"/>
-    <p:sldId id="258" r:id="rId4"/>
-    <p:sldId id="259" r:id="rId5"/>
-    <p:sldId id="262" r:id="rId6"/>
-    <p:sldId id="260" r:id="rId7"/>
-    <p:sldId id="261" r:id="rId8"/>
-    <p:sldId id="263" r:id="rId9"/>
-    <p:sldId id="264" r:id="rId10"/>
-    <p:sldId id="265" r:id="rId11"/>
-    <p:sldId id="266" r:id="rId12"/>
-    <p:sldId id="267" r:id="rId13"/>
-    <p:sldId id="268" r:id="rId14"/>
-    <p:sldId id="269" r:id="rId15"/>
-    <p:sldId id="272" r:id="rId16"/>
-    <p:sldId id="270" r:id="rId17"/>
-    <p:sldId id="273" r:id="rId18"/>
-    <p:sldId id="271" r:id="rId19"/>
-    <p:sldId id="274" r:id="rId20"/>
-    <p:sldId id="275" r:id="rId21"/>
+    <p:sldId id="281" r:id="rId3"/>
+    <p:sldId id="257" r:id="rId4"/>
+    <p:sldId id="276" r:id="rId5"/>
+    <p:sldId id="277" r:id="rId6"/>
+    <p:sldId id="258" r:id="rId7"/>
+    <p:sldId id="259" r:id="rId8"/>
+    <p:sldId id="262" r:id="rId9"/>
+    <p:sldId id="260" r:id="rId10"/>
+    <p:sldId id="261" r:id="rId11"/>
+    <p:sldId id="263" r:id="rId12"/>
+    <p:sldId id="280" r:id="rId13"/>
+    <p:sldId id="264" r:id="rId14"/>
+    <p:sldId id="278" r:id="rId15"/>
+    <p:sldId id="279" r:id="rId16"/>
+    <p:sldId id="275" r:id="rId17"/>
+    <p:sldId id="272" r:id="rId18"/>
+    <p:sldId id="265" r:id="rId19"/>
+    <p:sldId id="269" r:id="rId20"/>
+    <p:sldId id="270" r:id="rId21"/>
+    <p:sldId id="273" r:id="rId22"/>
+    <p:sldId id="271" r:id="rId23"/>
+    <p:sldId id="274" r:id="rId24"/>
   </p:sldIdLst>
   <p:sldSz cx="12192000" cy="6858000"/>
   <p:notesSz cx="6858000" cy="9144000"/>
@@ -123,7 +129,6710 @@
       </a:defRPr>
     </a:lvl9pPr>
   </p:defaultTextStyle>
+  <p:extLst>
+    <p:ext uri="{EFAFB233-063F-42B5-8137-9DF3F51BA10A}">
+      <p15:sldGuideLst xmlns:p15="http://schemas.microsoft.com/office/powerpoint/2012/main"/>
+    </p:ext>
+  </p:extLst>
 </p:presentation>
+</file>
+
+<file path=ppt/diagrams/colors1.xml><?xml version="1.0" encoding="utf-8"?>
+<dgm:colorsDef xmlns:dgm="http://schemas.openxmlformats.org/drawingml/2006/diagram" xmlns:a="http://schemas.openxmlformats.org/drawingml/2006/main" uniqueId="urn:microsoft.com/office/officeart/2005/8/colors/colorful1#1">
+  <dgm:title val=""/>
+  <dgm:desc val=""/>
+  <dgm:catLst>
+    <dgm:cat type="colorful" pri="10100"/>
+  </dgm:catLst>
+  <dgm:styleLbl name="node0">
+    <dgm:fillClrLst meth="repeat">
+      <a:schemeClr val="accent1"/>
+    </dgm:fillClrLst>
+    <dgm:linClrLst meth="repeat">
+      <a:schemeClr val="lt1"/>
+    </dgm:linClrLst>
+    <dgm:effectClrLst/>
+    <dgm:txLinClrLst/>
+    <dgm:txFillClrLst/>
+    <dgm:txEffectClrLst/>
+  </dgm:styleLbl>
+  <dgm:styleLbl name="node1">
+    <dgm:fillClrLst meth="repeat">
+      <a:schemeClr val="accent2"/>
+      <a:schemeClr val="accent3"/>
+      <a:schemeClr val="accent4"/>
+      <a:schemeClr val="accent5"/>
+      <a:schemeClr val="accent6"/>
+    </dgm:fillClrLst>
+    <dgm:linClrLst meth="repeat">
+      <a:schemeClr val="lt1"/>
+    </dgm:linClrLst>
+    <dgm:effectClrLst/>
+    <dgm:txLinClrLst/>
+    <dgm:txFillClrLst/>
+    <dgm:txEffectClrLst/>
+  </dgm:styleLbl>
+  <dgm:styleLbl name="alignNode1">
+    <dgm:fillClrLst meth="repeat">
+      <a:schemeClr val="accent2"/>
+      <a:schemeClr val="accent3"/>
+      <a:schemeClr val="accent4"/>
+      <a:schemeClr val="accent5"/>
+      <a:schemeClr val="accent6"/>
+    </dgm:fillClrLst>
+    <dgm:linClrLst meth="repeat">
+      <a:schemeClr val="accent2"/>
+      <a:schemeClr val="accent3"/>
+      <a:schemeClr val="accent4"/>
+      <a:schemeClr val="accent5"/>
+      <a:schemeClr val="accent6"/>
+    </dgm:linClrLst>
+    <dgm:effectClrLst/>
+    <dgm:txLinClrLst/>
+    <dgm:txFillClrLst/>
+    <dgm:txEffectClrLst/>
+  </dgm:styleLbl>
+  <dgm:styleLbl name="lnNode1">
+    <dgm:fillClrLst meth="repeat">
+      <a:schemeClr val="accent2"/>
+      <a:schemeClr val="accent3"/>
+      <a:schemeClr val="accent4"/>
+      <a:schemeClr val="accent5"/>
+      <a:schemeClr val="accent6"/>
+    </dgm:fillClrLst>
+    <dgm:linClrLst meth="repeat">
+      <a:schemeClr val="lt1"/>
+    </dgm:linClrLst>
+    <dgm:effectClrLst/>
+    <dgm:txLinClrLst/>
+    <dgm:txFillClrLst/>
+    <dgm:txEffectClrLst/>
+  </dgm:styleLbl>
+  <dgm:styleLbl name="vennNode1">
+    <dgm:fillClrLst meth="repeat">
+      <a:schemeClr val="accent2">
+        <a:alpha val="50000"/>
+      </a:schemeClr>
+      <a:schemeClr val="accent3">
+        <a:alpha val="50000"/>
+      </a:schemeClr>
+      <a:schemeClr val="accent4">
+        <a:alpha val="50000"/>
+      </a:schemeClr>
+      <a:schemeClr val="accent5">
+        <a:alpha val="50000"/>
+      </a:schemeClr>
+      <a:schemeClr val="accent6">
+        <a:alpha val="50000"/>
+      </a:schemeClr>
+    </dgm:fillClrLst>
+    <dgm:linClrLst meth="repeat">
+      <a:schemeClr val="lt1"/>
+    </dgm:linClrLst>
+    <dgm:effectClrLst/>
+    <dgm:txLinClrLst/>
+    <dgm:txFillClrLst/>
+    <dgm:txEffectClrLst/>
+  </dgm:styleLbl>
+  <dgm:styleLbl name="node2">
+    <dgm:fillClrLst>
+      <a:schemeClr val="accent2"/>
+    </dgm:fillClrLst>
+    <dgm:linClrLst meth="repeat">
+      <a:schemeClr val="lt1"/>
+    </dgm:linClrLst>
+    <dgm:effectClrLst/>
+    <dgm:txLinClrLst/>
+    <dgm:txFillClrLst/>
+    <dgm:txEffectClrLst/>
+  </dgm:styleLbl>
+  <dgm:styleLbl name="node3">
+    <dgm:fillClrLst>
+      <a:schemeClr val="accent3"/>
+    </dgm:fillClrLst>
+    <dgm:linClrLst meth="repeat">
+      <a:schemeClr val="lt1"/>
+    </dgm:linClrLst>
+    <dgm:effectClrLst/>
+    <dgm:txLinClrLst/>
+    <dgm:txFillClrLst/>
+    <dgm:txEffectClrLst/>
+  </dgm:styleLbl>
+  <dgm:styleLbl name="node4">
+    <dgm:fillClrLst>
+      <a:schemeClr val="accent4"/>
+    </dgm:fillClrLst>
+    <dgm:linClrLst meth="repeat">
+      <a:schemeClr val="lt1"/>
+    </dgm:linClrLst>
+    <dgm:effectClrLst/>
+    <dgm:txLinClrLst/>
+    <dgm:txFillClrLst/>
+    <dgm:txEffectClrLst/>
+  </dgm:styleLbl>
+  <dgm:styleLbl name="fgImgPlace1">
+    <dgm:fillClrLst meth="repeat">
+      <a:schemeClr val="accent2">
+        <a:tint val="50000"/>
+      </a:schemeClr>
+      <a:schemeClr val="accent3">
+        <a:tint val="50000"/>
+      </a:schemeClr>
+      <a:schemeClr val="accent4">
+        <a:tint val="50000"/>
+      </a:schemeClr>
+      <a:schemeClr val="accent5">
+        <a:tint val="50000"/>
+      </a:schemeClr>
+      <a:schemeClr val="accent6">
+        <a:tint val="50000"/>
+      </a:schemeClr>
+    </dgm:fillClrLst>
+    <dgm:linClrLst meth="repeat">
+      <a:schemeClr val="lt1"/>
+    </dgm:linClrLst>
+    <dgm:effectClrLst/>
+    <dgm:txLinClrLst/>
+    <dgm:txFillClrLst meth="repeat">
+      <a:schemeClr val="lt1"/>
+    </dgm:txFillClrLst>
+    <dgm:txEffectClrLst/>
+  </dgm:styleLbl>
+  <dgm:styleLbl name="alignImgPlace1">
+    <dgm:fillClrLst>
+      <a:schemeClr val="accent1">
+        <a:tint val="50000"/>
+      </a:schemeClr>
+      <a:schemeClr val="accent1">
+        <a:tint val="20000"/>
+      </a:schemeClr>
+    </dgm:fillClrLst>
+    <dgm:linClrLst meth="repeat">
+      <a:schemeClr val="lt1"/>
+    </dgm:linClrLst>
+    <dgm:effectClrLst/>
+    <dgm:txLinClrLst/>
+    <dgm:txFillClrLst meth="repeat">
+      <a:schemeClr val="lt1"/>
+    </dgm:txFillClrLst>
+    <dgm:txEffectClrLst/>
+  </dgm:styleLbl>
+  <dgm:styleLbl name="bgImgPlace1">
+    <dgm:fillClrLst>
+      <a:schemeClr val="accent1">
+        <a:tint val="50000"/>
+      </a:schemeClr>
+      <a:schemeClr val="accent1">
+        <a:tint val="20000"/>
+      </a:schemeClr>
+    </dgm:fillClrLst>
+    <dgm:linClrLst meth="repeat">
+      <a:schemeClr val="lt1"/>
+    </dgm:linClrLst>
+    <dgm:effectClrLst/>
+    <dgm:txLinClrLst/>
+    <dgm:txFillClrLst meth="repeat">
+      <a:schemeClr val="lt1"/>
+    </dgm:txFillClrLst>
+    <dgm:txEffectClrLst/>
+  </dgm:styleLbl>
+  <dgm:styleLbl name="sibTrans2D1">
+    <dgm:fillClrLst meth="repeat">
+      <a:schemeClr val="accent2"/>
+      <a:schemeClr val="accent3"/>
+      <a:schemeClr val="accent4"/>
+      <a:schemeClr val="accent5"/>
+      <a:schemeClr val="accent6"/>
+    </dgm:fillClrLst>
+    <dgm:linClrLst meth="cycle">
+      <a:schemeClr val="lt1"/>
+    </dgm:linClrLst>
+    <dgm:effectClrLst/>
+    <dgm:txLinClrLst/>
+    <dgm:txFillClrLst/>
+    <dgm:txEffectClrLst/>
+  </dgm:styleLbl>
+  <dgm:styleLbl name="fgSibTrans2D1">
+    <dgm:fillClrLst meth="repeat">
+      <a:schemeClr val="accent2"/>
+      <a:schemeClr val="accent3"/>
+      <a:schemeClr val="accent4"/>
+      <a:schemeClr val="accent5"/>
+      <a:schemeClr val="accent6"/>
+    </dgm:fillClrLst>
+    <dgm:linClrLst meth="cycle">
+      <a:schemeClr val="lt1"/>
+    </dgm:linClrLst>
+    <dgm:effectClrLst/>
+    <dgm:txLinClrLst/>
+    <dgm:txFillClrLst meth="repeat">
+      <a:schemeClr val="lt1"/>
+    </dgm:txFillClrLst>
+    <dgm:txEffectClrLst/>
+  </dgm:styleLbl>
+  <dgm:styleLbl name="bgSibTrans2D1">
+    <dgm:fillClrLst meth="repeat">
+      <a:schemeClr val="accent2"/>
+      <a:schemeClr val="accent3"/>
+      <a:schemeClr val="accent4"/>
+      <a:schemeClr val="accent5"/>
+      <a:schemeClr val="accent6"/>
+    </dgm:fillClrLst>
+    <dgm:linClrLst meth="cycle">
+      <a:schemeClr val="lt1"/>
+    </dgm:linClrLst>
+    <dgm:effectClrLst/>
+    <dgm:txLinClrLst/>
+    <dgm:txFillClrLst meth="repeat">
+      <a:schemeClr val="lt1"/>
+    </dgm:txFillClrLst>
+    <dgm:txEffectClrLst/>
+  </dgm:styleLbl>
+  <dgm:styleLbl name="sibTrans1D1">
+    <dgm:fillClrLst meth="repeat">
+      <a:schemeClr val="accent2"/>
+      <a:schemeClr val="accent3"/>
+      <a:schemeClr val="accent4"/>
+      <a:schemeClr val="accent5"/>
+      <a:schemeClr val="accent6"/>
+    </dgm:fillClrLst>
+    <dgm:linClrLst meth="repeat">
+      <a:schemeClr val="accent2"/>
+      <a:schemeClr val="accent3"/>
+      <a:schemeClr val="accent4"/>
+      <a:schemeClr val="accent5"/>
+      <a:schemeClr val="accent6"/>
+    </dgm:linClrLst>
+    <dgm:effectClrLst/>
+    <dgm:txLinClrLst/>
+    <dgm:txFillClrLst meth="repeat">
+      <a:schemeClr val="tx1"/>
+    </dgm:txFillClrLst>
+    <dgm:txEffectClrLst/>
+  </dgm:styleLbl>
+  <dgm:styleLbl name="callout">
+    <dgm:fillClrLst meth="repeat">
+      <a:schemeClr val="accent2"/>
+    </dgm:fillClrLst>
+    <dgm:linClrLst meth="repeat">
+      <a:schemeClr val="accent2">
+        <a:tint val="50000"/>
+      </a:schemeClr>
+    </dgm:linClrLst>
+    <dgm:effectClrLst/>
+    <dgm:txLinClrLst/>
+    <dgm:txFillClrLst meth="repeat">
+      <a:schemeClr val="tx1"/>
+    </dgm:txFillClrLst>
+    <dgm:txEffectClrLst/>
+  </dgm:styleLbl>
+  <dgm:styleLbl name="asst0">
+    <dgm:fillClrLst meth="repeat">
+      <a:schemeClr val="accent1"/>
+    </dgm:fillClrLst>
+    <dgm:linClrLst meth="repeat">
+      <a:schemeClr val="lt1"/>
+    </dgm:linClrLst>
+    <dgm:effectClrLst/>
+    <dgm:txLinClrLst/>
+    <dgm:txFillClrLst/>
+    <dgm:txEffectClrLst/>
+  </dgm:styleLbl>
+  <dgm:styleLbl name="asst1">
+    <dgm:fillClrLst meth="repeat">
+      <a:schemeClr val="accent2"/>
+    </dgm:fillClrLst>
+    <dgm:linClrLst meth="repeat">
+      <a:schemeClr val="lt1"/>
+    </dgm:linClrLst>
+    <dgm:effectClrLst/>
+    <dgm:txLinClrLst/>
+    <dgm:txFillClrLst/>
+    <dgm:txEffectClrLst/>
+  </dgm:styleLbl>
+  <dgm:styleLbl name="asst2">
+    <dgm:fillClrLst>
+      <a:schemeClr val="accent3"/>
+    </dgm:fillClrLst>
+    <dgm:linClrLst meth="repeat">
+      <a:schemeClr val="lt1"/>
+    </dgm:linClrLst>
+    <dgm:effectClrLst/>
+    <dgm:txLinClrLst/>
+    <dgm:txFillClrLst/>
+    <dgm:txEffectClrLst/>
+  </dgm:styleLbl>
+  <dgm:styleLbl name="asst3">
+    <dgm:fillClrLst>
+      <a:schemeClr val="accent4"/>
+    </dgm:fillClrLst>
+    <dgm:linClrLst meth="repeat">
+      <a:schemeClr val="lt1"/>
+    </dgm:linClrLst>
+    <dgm:effectClrLst/>
+    <dgm:txLinClrLst/>
+    <dgm:txFillClrLst/>
+    <dgm:txEffectClrLst/>
+  </dgm:styleLbl>
+  <dgm:styleLbl name="asst4">
+    <dgm:fillClrLst>
+      <a:schemeClr val="accent5"/>
+    </dgm:fillClrLst>
+    <dgm:linClrLst meth="repeat">
+      <a:schemeClr val="lt1"/>
+    </dgm:linClrLst>
+    <dgm:effectClrLst/>
+    <dgm:txLinClrLst/>
+    <dgm:txFillClrLst/>
+    <dgm:txEffectClrLst/>
+  </dgm:styleLbl>
+  <dgm:styleLbl name="parChTrans2D1">
+    <dgm:fillClrLst meth="repeat">
+      <a:schemeClr val="accent2"/>
+    </dgm:fillClrLst>
+    <dgm:linClrLst meth="repeat">
+      <a:schemeClr val="lt1"/>
+    </dgm:linClrLst>
+    <dgm:effectClrLst/>
+    <dgm:txLinClrLst/>
+    <dgm:txFillClrLst meth="repeat">
+      <a:schemeClr val="lt1"/>
+    </dgm:txFillClrLst>
+    <dgm:txEffectClrLst/>
+  </dgm:styleLbl>
+  <dgm:styleLbl name="parChTrans2D2">
+    <dgm:fillClrLst meth="repeat">
+      <a:schemeClr val="accent3"/>
+    </dgm:fillClrLst>
+    <dgm:linClrLst meth="repeat">
+      <a:schemeClr val="lt1"/>
+    </dgm:linClrLst>
+    <dgm:effectClrLst/>
+    <dgm:txLinClrLst/>
+    <dgm:txFillClrLst/>
+    <dgm:txEffectClrLst/>
+  </dgm:styleLbl>
+  <dgm:styleLbl name="parChTrans2D3">
+    <dgm:fillClrLst meth="repeat">
+      <a:schemeClr val="accent4"/>
+    </dgm:fillClrLst>
+    <dgm:linClrLst meth="repeat">
+      <a:schemeClr val="lt1"/>
+    </dgm:linClrLst>
+    <dgm:effectClrLst/>
+    <dgm:txLinClrLst/>
+    <dgm:txFillClrLst/>
+    <dgm:txEffectClrLst/>
+  </dgm:styleLbl>
+  <dgm:styleLbl name="parChTrans2D4">
+    <dgm:fillClrLst meth="repeat">
+      <a:schemeClr val="accent5"/>
+    </dgm:fillClrLst>
+    <dgm:linClrLst meth="repeat">
+      <a:schemeClr val="lt1"/>
+    </dgm:linClrLst>
+    <dgm:effectClrLst/>
+    <dgm:txLinClrLst/>
+    <dgm:txFillClrLst meth="repeat">
+      <a:schemeClr val="lt1"/>
+    </dgm:txFillClrLst>
+    <dgm:txEffectClrLst/>
+  </dgm:styleLbl>
+  <dgm:styleLbl name="parChTrans1D1">
+    <dgm:fillClrLst meth="repeat">
+      <a:schemeClr val="accent2"/>
+    </dgm:fillClrLst>
+    <dgm:linClrLst meth="repeat">
+      <a:schemeClr val="accent1"/>
+    </dgm:linClrLst>
+    <dgm:effectClrLst/>
+    <dgm:txLinClrLst/>
+    <dgm:txFillClrLst meth="repeat">
+      <a:schemeClr val="tx1"/>
+    </dgm:txFillClrLst>
+    <dgm:txEffectClrLst/>
+  </dgm:styleLbl>
+  <dgm:styleLbl name="parChTrans1D2">
+    <dgm:fillClrLst meth="repeat">
+      <a:schemeClr val="accent3">
+        <a:tint val="90000"/>
+      </a:schemeClr>
+    </dgm:fillClrLst>
+    <dgm:linClrLst meth="repeat">
+      <a:schemeClr val="accent2"/>
+    </dgm:linClrLst>
+    <dgm:effectClrLst/>
+    <dgm:txLinClrLst/>
+    <dgm:txFillClrLst meth="repeat">
+      <a:schemeClr val="tx1"/>
+    </dgm:txFillClrLst>
+    <dgm:txEffectClrLst/>
+  </dgm:styleLbl>
+  <dgm:styleLbl name="parChTrans1D3">
+    <dgm:fillClrLst meth="repeat">
+      <a:schemeClr val="accent4">
+        <a:tint val="70000"/>
+      </a:schemeClr>
+    </dgm:fillClrLst>
+    <dgm:linClrLst meth="repeat">
+      <a:schemeClr val="accent3"/>
+    </dgm:linClrLst>
+    <dgm:effectClrLst/>
+    <dgm:txLinClrLst/>
+    <dgm:txFillClrLst meth="repeat">
+      <a:schemeClr val="tx1"/>
+    </dgm:txFillClrLst>
+    <dgm:txEffectClrLst/>
+  </dgm:styleLbl>
+  <dgm:styleLbl name="parChTrans1D4">
+    <dgm:fillClrLst meth="repeat">
+      <a:schemeClr val="accent5">
+        <a:tint val="50000"/>
+      </a:schemeClr>
+    </dgm:fillClrLst>
+    <dgm:linClrLst meth="repeat">
+      <a:schemeClr val="accent4"/>
+    </dgm:linClrLst>
+    <dgm:effectClrLst/>
+    <dgm:txLinClrLst/>
+    <dgm:txFillClrLst meth="repeat">
+      <a:schemeClr val="tx1"/>
+    </dgm:txFillClrLst>
+    <dgm:txEffectClrLst/>
+  </dgm:styleLbl>
+  <dgm:styleLbl name="fgAcc1">
+    <dgm:fillClrLst meth="repeat">
+      <a:schemeClr val="lt1">
+        <a:alpha val="90000"/>
+      </a:schemeClr>
+    </dgm:fillClrLst>
+    <dgm:linClrLst meth="repeat">
+      <a:schemeClr val="accent2"/>
+      <a:schemeClr val="accent3"/>
+      <a:schemeClr val="accent4"/>
+      <a:schemeClr val="accent5"/>
+      <a:schemeClr val="accent6"/>
+    </dgm:linClrLst>
+    <dgm:effectClrLst/>
+    <dgm:txLinClrLst/>
+    <dgm:txFillClrLst meth="repeat">
+      <a:schemeClr val="dk1"/>
+    </dgm:txFillClrLst>
+    <dgm:txEffectClrLst/>
+  </dgm:styleLbl>
+  <dgm:styleLbl name="conFgAcc1">
+    <dgm:fillClrLst meth="repeat">
+      <a:schemeClr val="lt1">
+        <a:alpha val="90000"/>
+      </a:schemeClr>
+    </dgm:fillClrLst>
+    <dgm:linClrLst meth="repeat">
+      <a:schemeClr val="accent2"/>
+      <a:schemeClr val="accent3"/>
+      <a:schemeClr val="accent4"/>
+      <a:schemeClr val="accent5"/>
+      <a:schemeClr val="accent6"/>
+    </dgm:linClrLst>
+    <dgm:effectClrLst/>
+    <dgm:txLinClrLst/>
+    <dgm:txFillClrLst meth="repeat">
+      <a:schemeClr val="dk1"/>
+    </dgm:txFillClrLst>
+    <dgm:txEffectClrLst/>
+  </dgm:styleLbl>
+  <dgm:styleLbl name="alignAcc1">
+    <dgm:fillClrLst meth="repeat">
+      <a:schemeClr val="lt1">
+        <a:alpha val="90000"/>
+      </a:schemeClr>
+    </dgm:fillClrLst>
+    <dgm:linClrLst meth="repeat">
+      <a:schemeClr val="accent2"/>
+      <a:schemeClr val="accent3"/>
+      <a:schemeClr val="accent4"/>
+      <a:schemeClr val="accent5"/>
+      <a:schemeClr val="accent6"/>
+    </dgm:linClrLst>
+    <dgm:effectClrLst/>
+    <dgm:txLinClrLst/>
+    <dgm:txFillClrLst meth="repeat">
+      <a:schemeClr val="dk1"/>
+    </dgm:txFillClrLst>
+    <dgm:txEffectClrLst/>
+  </dgm:styleLbl>
+  <dgm:styleLbl name="trAlignAcc1">
+    <dgm:fillClrLst meth="repeat">
+      <a:schemeClr val="lt1">
+        <a:alpha val="40000"/>
+      </a:schemeClr>
+    </dgm:fillClrLst>
+    <dgm:linClrLst meth="repeat">
+      <a:schemeClr val="accent1"/>
+    </dgm:linClrLst>
+    <dgm:effectClrLst/>
+    <dgm:txLinClrLst/>
+    <dgm:txFillClrLst meth="repeat">
+      <a:schemeClr val="dk1"/>
+    </dgm:txFillClrLst>
+    <dgm:txEffectClrLst/>
+  </dgm:styleLbl>
+  <dgm:styleLbl name="bgAcc1">
+    <dgm:fillClrLst meth="repeat">
+      <a:schemeClr val="lt1">
+        <a:alpha val="90000"/>
+      </a:schemeClr>
+    </dgm:fillClrLst>
+    <dgm:linClrLst meth="repeat">
+      <a:schemeClr val="accent2"/>
+      <a:schemeClr val="accent3"/>
+      <a:schemeClr val="accent4"/>
+      <a:schemeClr val="accent5"/>
+      <a:schemeClr val="accent6"/>
+    </dgm:linClrLst>
+    <dgm:effectClrLst/>
+    <dgm:txLinClrLst/>
+    <dgm:txFillClrLst meth="repeat">
+      <a:schemeClr val="dk1"/>
+    </dgm:txFillClrLst>
+    <dgm:txEffectClrLst/>
+  </dgm:styleLbl>
+  <dgm:styleLbl name="solidFgAcc1">
+    <dgm:fillClrLst meth="repeat">
+      <a:schemeClr val="lt1"/>
+    </dgm:fillClrLst>
+    <dgm:linClrLst meth="repeat">
+      <a:schemeClr val="accent2"/>
+      <a:schemeClr val="accent3"/>
+      <a:schemeClr val="accent4"/>
+      <a:schemeClr val="accent5"/>
+      <a:schemeClr val="accent6"/>
+    </dgm:linClrLst>
+    <dgm:effectClrLst/>
+    <dgm:txLinClrLst/>
+    <dgm:txFillClrLst meth="repeat">
+      <a:schemeClr val="dk1"/>
+    </dgm:txFillClrLst>
+    <dgm:txEffectClrLst/>
+  </dgm:styleLbl>
+  <dgm:styleLbl name="solidAlignAcc1">
+    <dgm:fillClrLst meth="repeat">
+      <a:schemeClr val="lt1"/>
+    </dgm:fillClrLst>
+    <dgm:linClrLst meth="repeat">
+      <a:schemeClr val="accent2"/>
+      <a:schemeClr val="accent3"/>
+      <a:schemeClr val="accent4"/>
+      <a:schemeClr val="accent5"/>
+      <a:schemeClr val="accent6"/>
+    </dgm:linClrLst>
+    <dgm:effectClrLst/>
+    <dgm:txLinClrLst/>
+    <dgm:txFillClrLst meth="repeat">
+      <a:schemeClr val="dk1"/>
+    </dgm:txFillClrLst>
+    <dgm:txEffectClrLst/>
+  </dgm:styleLbl>
+  <dgm:styleLbl name="solidBgAcc1">
+    <dgm:fillClrLst meth="repeat">
+      <a:schemeClr val="lt1"/>
+    </dgm:fillClrLst>
+    <dgm:linClrLst meth="repeat">
+      <a:schemeClr val="accent2"/>
+      <a:schemeClr val="accent3"/>
+      <a:schemeClr val="accent4"/>
+      <a:schemeClr val="accent5"/>
+      <a:schemeClr val="accent6"/>
+    </dgm:linClrLst>
+    <dgm:effectClrLst/>
+    <dgm:txLinClrLst/>
+    <dgm:txFillClrLst meth="repeat">
+      <a:schemeClr val="dk1"/>
+    </dgm:txFillClrLst>
+    <dgm:txEffectClrLst/>
+  </dgm:styleLbl>
+  <dgm:styleLbl name="fgAccFollowNode1">
+    <dgm:fillClrLst meth="repeat">
+      <a:schemeClr val="accent2">
+        <a:tint val="40000"/>
+        <a:alpha val="90000"/>
+      </a:schemeClr>
+      <a:schemeClr val="accent3">
+        <a:tint val="40000"/>
+        <a:alpha val="90000"/>
+      </a:schemeClr>
+      <a:schemeClr val="accent4">
+        <a:tint val="40000"/>
+        <a:alpha val="90000"/>
+      </a:schemeClr>
+      <a:schemeClr val="accent5">
+        <a:tint val="40000"/>
+        <a:alpha val="90000"/>
+      </a:schemeClr>
+      <a:schemeClr val="accent6">
+        <a:tint val="40000"/>
+        <a:alpha val="90000"/>
+      </a:schemeClr>
+    </dgm:fillClrLst>
+    <dgm:linClrLst meth="repeat">
+      <a:schemeClr val="accent2">
+        <a:tint val="40000"/>
+        <a:alpha val="90000"/>
+      </a:schemeClr>
+      <a:schemeClr val="accent3">
+        <a:tint val="40000"/>
+        <a:alpha val="90000"/>
+      </a:schemeClr>
+      <a:schemeClr val="accent4">
+        <a:tint val="40000"/>
+        <a:alpha val="90000"/>
+      </a:schemeClr>
+      <a:schemeClr val="accent5">
+        <a:tint val="40000"/>
+        <a:alpha val="90000"/>
+      </a:schemeClr>
+      <a:schemeClr val="accent6">
+        <a:tint val="40000"/>
+        <a:alpha val="90000"/>
+      </a:schemeClr>
+    </dgm:linClrLst>
+    <dgm:effectClrLst/>
+    <dgm:txLinClrLst/>
+    <dgm:txFillClrLst meth="repeat">
+      <a:schemeClr val="dk1"/>
+    </dgm:txFillClrLst>
+    <dgm:txEffectClrLst/>
+  </dgm:styleLbl>
+  <dgm:styleLbl name="alignAccFollowNode1">
+    <dgm:fillClrLst meth="repeat">
+      <a:schemeClr val="accent2">
+        <a:tint val="40000"/>
+        <a:alpha val="90000"/>
+      </a:schemeClr>
+      <a:schemeClr val="accent3">
+        <a:tint val="40000"/>
+        <a:alpha val="90000"/>
+      </a:schemeClr>
+      <a:schemeClr val="accent4">
+        <a:tint val="40000"/>
+        <a:alpha val="90000"/>
+      </a:schemeClr>
+      <a:schemeClr val="accent5">
+        <a:tint val="40000"/>
+        <a:alpha val="90000"/>
+      </a:schemeClr>
+      <a:schemeClr val="accent6">
+        <a:tint val="40000"/>
+        <a:alpha val="90000"/>
+      </a:schemeClr>
+    </dgm:fillClrLst>
+    <dgm:linClrLst meth="repeat">
+      <a:schemeClr val="accent2">
+        <a:tint val="40000"/>
+        <a:alpha val="90000"/>
+      </a:schemeClr>
+      <a:schemeClr val="accent3">
+        <a:tint val="40000"/>
+        <a:alpha val="90000"/>
+      </a:schemeClr>
+      <a:schemeClr val="accent4">
+        <a:tint val="40000"/>
+        <a:alpha val="90000"/>
+      </a:schemeClr>
+      <a:schemeClr val="accent5">
+        <a:tint val="40000"/>
+        <a:alpha val="90000"/>
+      </a:schemeClr>
+      <a:schemeClr val="accent6">
+        <a:tint val="40000"/>
+        <a:alpha val="90000"/>
+      </a:schemeClr>
+    </dgm:linClrLst>
+    <dgm:effectClrLst/>
+    <dgm:txLinClrLst/>
+    <dgm:txFillClrLst meth="repeat">
+      <a:schemeClr val="dk1"/>
+    </dgm:txFillClrLst>
+    <dgm:txEffectClrLst/>
+  </dgm:styleLbl>
+  <dgm:styleLbl name="bgAccFollowNode1">
+    <dgm:fillClrLst meth="repeat">
+      <a:schemeClr val="accent2">
+        <a:tint val="40000"/>
+        <a:alpha val="90000"/>
+      </a:schemeClr>
+      <a:schemeClr val="accent3">
+        <a:tint val="40000"/>
+        <a:alpha val="90000"/>
+      </a:schemeClr>
+      <a:schemeClr val="accent4">
+        <a:tint val="40000"/>
+        <a:alpha val="90000"/>
+      </a:schemeClr>
+      <a:schemeClr val="accent5">
+        <a:tint val="40000"/>
+        <a:alpha val="90000"/>
+      </a:schemeClr>
+      <a:schemeClr val="accent6">
+        <a:tint val="40000"/>
+        <a:alpha val="90000"/>
+      </a:schemeClr>
+    </dgm:fillClrLst>
+    <dgm:linClrLst meth="repeat">
+      <a:schemeClr val="accent2">
+        <a:tint val="40000"/>
+        <a:alpha val="90000"/>
+      </a:schemeClr>
+      <a:schemeClr val="accent3">
+        <a:tint val="40000"/>
+        <a:alpha val="90000"/>
+      </a:schemeClr>
+      <a:schemeClr val="accent4">
+        <a:tint val="40000"/>
+        <a:alpha val="90000"/>
+      </a:schemeClr>
+      <a:schemeClr val="accent5">
+        <a:tint val="40000"/>
+        <a:alpha val="90000"/>
+      </a:schemeClr>
+      <a:schemeClr val="accent6">
+        <a:tint val="40000"/>
+        <a:alpha val="90000"/>
+      </a:schemeClr>
+    </dgm:linClrLst>
+    <dgm:effectClrLst/>
+    <dgm:txLinClrLst/>
+    <dgm:txFillClrLst meth="repeat">
+      <a:schemeClr val="dk1"/>
+    </dgm:txFillClrLst>
+    <dgm:txEffectClrLst/>
+  </dgm:styleLbl>
+  <dgm:styleLbl name="fgAcc0">
+    <dgm:fillClrLst meth="repeat">
+      <a:schemeClr val="lt1">
+        <a:alpha val="90000"/>
+      </a:schemeClr>
+    </dgm:fillClrLst>
+    <dgm:linClrLst>
+      <a:schemeClr val="accent1"/>
+    </dgm:linClrLst>
+    <dgm:effectClrLst/>
+    <dgm:txLinClrLst/>
+    <dgm:txFillClrLst meth="repeat">
+      <a:schemeClr val="dk1"/>
+    </dgm:txFillClrLst>
+    <dgm:txEffectClrLst/>
+  </dgm:styleLbl>
+  <dgm:styleLbl name="fgAcc2">
+    <dgm:fillClrLst meth="repeat">
+      <a:schemeClr val="lt1">
+        <a:alpha val="90000"/>
+      </a:schemeClr>
+    </dgm:fillClrLst>
+    <dgm:linClrLst>
+      <a:schemeClr val="accent2"/>
+    </dgm:linClrLst>
+    <dgm:effectClrLst/>
+    <dgm:txLinClrLst/>
+    <dgm:txFillClrLst meth="repeat">
+      <a:schemeClr val="dk1"/>
+    </dgm:txFillClrLst>
+    <dgm:txEffectClrLst/>
+  </dgm:styleLbl>
+  <dgm:styleLbl name="fgAcc3">
+    <dgm:fillClrLst meth="repeat">
+      <a:schemeClr val="lt1">
+        <a:alpha val="90000"/>
+      </a:schemeClr>
+    </dgm:fillClrLst>
+    <dgm:linClrLst>
+      <a:schemeClr val="accent3"/>
+    </dgm:linClrLst>
+    <dgm:effectClrLst/>
+    <dgm:txLinClrLst/>
+    <dgm:txFillClrLst meth="repeat">
+      <a:schemeClr val="dk1"/>
+    </dgm:txFillClrLst>
+    <dgm:txEffectClrLst/>
+  </dgm:styleLbl>
+  <dgm:styleLbl name="fgAcc4">
+    <dgm:fillClrLst meth="repeat">
+      <a:schemeClr val="lt1">
+        <a:alpha val="90000"/>
+      </a:schemeClr>
+    </dgm:fillClrLst>
+    <dgm:linClrLst>
+      <a:schemeClr val="accent4"/>
+    </dgm:linClrLst>
+    <dgm:effectClrLst/>
+    <dgm:txLinClrLst/>
+    <dgm:txFillClrLst meth="repeat">
+      <a:schemeClr val="dk1"/>
+    </dgm:txFillClrLst>
+    <dgm:txEffectClrLst/>
+  </dgm:styleLbl>
+  <dgm:styleLbl name="bgShp">
+    <dgm:fillClrLst meth="repeat">
+      <a:schemeClr val="accent2">
+        <a:tint val="40000"/>
+      </a:schemeClr>
+    </dgm:fillClrLst>
+    <dgm:linClrLst meth="repeat">
+      <a:schemeClr val="dk1"/>
+    </dgm:linClrLst>
+    <dgm:effectClrLst/>
+    <dgm:txLinClrLst/>
+    <dgm:txFillClrLst meth="repeat">
+      <a:schemeClr val="dk1"/>
+    </dgm:txFillClrLst>
+    <dgm:txEffectClrLst/>
+  </dgm:styleLbl>
+  <dgm:styleLbl name="dkBgShp">
+    <dgm:fillClrLst meth="repeat">
+      <a:schemeClr val="accent2">
+        <a:shade val="90000"/>
+      </a:schemeClr>
+    </dgm:fillClrLst>
+    <dgm:linClrLst meth="repeat">
+      <a:schemeClr val="dk1"/>
+    </dgm:linClrLst>
+    <dgm:effectClrLst/>
+    <dgm:txLinClrLst/>
+    <dgm:txFillClrLst meth="repeat">
+      <a:schemeClr val="lt1"/>
+    </dgm:txFillClrLst>
+    <dgm:txEffectClrLst/>
+  </dgm:styleLbl>
+  <dgm:styleLbl name="trBgShp">
+    <dgm:fillClrLst meth="repeat">
+      <a:schemeClr val="accent1">
+        <a:tint val="50000"/>
+        <a:alpha val="40000"/>
+      </a:schemeClr>
+    </dgm:fillClrLst>
+    <dgm:linClrLst meth="repeat">
+      <a:schemeClr val="accent2"/>
+    </dgm:linClrLst>
+    <dgm:effectClrLst/>
+    <dgm:txLinClrLst/>
+    <dgm:txFillClrLst meth="repeat">
+      <a:schemeClr val="lt1"/>
+    </dgm:txFillClrLst>
+    <dgm:txEffectClrLst/>
+  </dgm:styleLbl>
+  <dgm:styleLbl name="fgShp">
+    <dgm:fillClrLst meth="repeat">
+      <a:schemeClr val="accent2">
+        <a:tint val="40000"/>
+      </a:schemeClr>
+    </dgm:fillClrLst>
+    <dgm:linClrLst meth="repeat">
+      <a:schemeClr val="lt1"/>
+    </dgm:linClrLst>
+    <dgm:effectClrLst/>
+    <dgm:txLinClrLst/>
+    <dgm:txFillClrLst meth="repeat">
+      <a:schemeClr val="dk1"/>
+    </dgm:txFillClrLst>
+    <dgm:txEffectClrLst/>
+  </dgm:styleLbl>
+  <dgm:styleLbl name="revTx">
+    <dgm:fillClrLst meth="repeat">
+      <a:schemeClr val="lt1">
+        <a:alpha val="0"/>
+      </a:schemeClr>
+    </dgm:fillClrLst>
+    <dgm:linClrLst meth="repeat">
+      <a:schemeClr val="dk1">
+        <a:alpha val="0"/>
+      </a:schemeClr>
+    </dgm:linClrLst>
+    <dgm:effectClrLst/>
+    <dgm:txLinClrLst/>
+    <dgm:txFillClrLst meth="repeat">
+      <a:schemeClr val="tx1"/>
+    </dgm:txFillClrLst>
+    <dgm:txEffectClrLst/>
+  </dgm:styleLbl>
+</dgm:colorsDef>
+</file>
+
+<file path=ppt/diagrams/data1.xml><?xml version="1.0" encoding="utf-8"?>
+<dgm:dataModel xmlns:dgm="http://schemas.openxmlformats.org/drawingml/2006/diagram" xmlns:a="http://schemas.openxmlformats.org/drawingml/2006/main">
+  <dgm:ptLst>
+    <dgm:pt modelId="{47179704-B36E-43EE-A8E7-3C65146642B3}" type="doc">
+      <dgm:prSet loTypeId="urn:microsoft.com/office/officeart/2005/8/layout/balance1" loCatId="relationship" qsTypeId="urn:microsoft.com/office/officeart/2005/8/quickstyle/simple1" qsCatId="simple" csTypeId="urn:microsoft.com/office/officeart/2005/8/colors/colorful1#1" csCatId="colorful" phldr="1"/>
+      <dgm:spPr/>
+      <dgm:t>
+        <a:bodyPr/>
+        <a:lstStyle/>
+        <a:p>
+          <a:endParaRPr lang="en-GB"/>
+        </a:p>
+      </dgm:t>
+    </dgm:pt>
+    <dgm:pt modelId="{AC504D79-5753-4100-AF16-7F4F5A98AA0C}">
+      <dgm:prSet phldrT="[Text]"/>
+      <dgm:spPr/>
+      <dgm:t>
+        <a:bodyPr/>
+        <a:lstStyle/>
+        <a:p>
+          <a:r>
+            <a:rPr lang="en-GB" dirty="0" smtClean="0"/>
+            <a:t>Reuse</a:t>
+          </a:r>
+          <a:endParaRPr lang="en-GB" dirty="0"/>
+        </a:p>
+      </dgm:t>
+    </dgm:pt>
+    <dgm:pt modelId="{1A5F847E-1F2B-4148-9193-BCFF04593C0F}" type="parTrans" cxnId="{46994509-5C8E-492F-B35A-DF3CC15BC75D}">
+      <dgm:prSet/>
+      <dgm:spPr/>
+      <dgm:t>
+        <a:bodyPr/>
+        <a:lstStyle/>
+        <a:p>
+          <a:endParaRPr lang="en-GB"/>
+        </a:p>
+      </dgm:t>
+    </dgm:pt>
+    <dgm:pt modelId="{37AC889E-5E62-4381-A909-A06E9208EE45}" type="sibTrans" cxnId="{46994509-5C8E-492F-B35A-DF3CC15BC75D}">
+      <dgm:prSet/>
+      <dgm:spPr/>
+      <dgm:t>
+        <a:bodyPr/>
+        <a:lstStyle/>
+        <a:p>
+          <a:endParaRPr lang="en-GB"/>
+        </a:p>
+      </dgm:t>
+    </dgm:pt>
+    <dgm:pt modelId="{F6219F53-FEB6-4E05-A182-B8ED6CDE8214}">
+      <dgm:prSet phldrT="[Text]"/>
+      <dgm:spPr/>
+      <dgm:t>
+        <a:bodyPr/>
+        <a:lstStyle/>
+        <a:p>
+          <a:r>
+            <a:rPr lang="en-GB" dirty="0" smtClean="0"/>
+            <a:t>Guaranteed plan</a:t>
+          </a:r>
+          <a:endParaRPr lang="en-GB" dirty="0"/>
+        </a:p>
+      </dgm:t>
+    </dgm:pt>
+    <dgm:pt modelId="{B472A294-1FD1-4DAB-8ADE-326175678B8E}" type="parTrans" cxnId="{5751BD6A-8CE7-475D-9E67-F4652D624E0C}">
+      <dgm:prSet/>
+      <dgm:spPr/>
+      <dgm:t>
+        <a:bodyPr/>
+        <a:lstStyle/>
+        <a:p>
+          <a:endParaRPr lang="en-GB"/>
+        </a:p>
+      </dgm:t>
+    </dgm:pt>
+    <dgm:pt modelId="{EAE9DC26-7A1D-4DF5-8436-0CC78E152F84}" type="sibTrans" cxnId="{5751BD6A-8CE7-475D-9E67-F4652D624E0C}">
+      <dgm:prSet/>
+      <dgm:spPr/>
+      <dgm:t>
+        <a:bodyPr/>
+        <a:lstStyle/>
+        <a:p>
+          <a:endParaRPr lang="en-GB"/>
+        </a:p>
+      </dgm:t>
+    </dgm:pt>
+    <dgm:pt modelId="{1E1BD6B2-340B-4584-AC37-CFE3D3813FF3}">
+      <dgm:prSet phldrT="[Text]"/>
+      <dgm:spPr/>
+      <dgm:t>
+        <a:bodyPr/>
+        <a:lstStyle/>
+        <a:p>
+          <a:r>
+            <a:rPr lang="en-GB" dirty="0" smtClean="0"/>
+            <a:t>Sub optimal</a:t>
+          </a:r>
+          <a:endParaRPr lang="en-GB" dirty="0"/>
+        </a:p>
+      </dgm:t>
+    </dgm:pt>
+    <dgm:pt modelId="{8E260586-5D10-4577-9CBE-DF6CB90EECE2}" type="parTrans" cxnId="{B9C166AB-2BF2-433A-B7E8-A87DE619EA74}">
+      <dgm:prSet/>
+      <dgm:spPr/>
+      <dgm:t>
+        <a:bodyPr/>
+        <a:lstStyle/>
+        <a:p>
+          <a:endParaRPr lang="en-GB"/>
+        </a:p>
+      </dgm:t>
+    </dgm:pt>
+    <dgm:pt modelId="{AA099CFE-B85C-4434-8FC5-11F177FBEF9F}" type="sibTrans" cxnId="{B9C166AB-2BF2-433A-B7E8-A87DE619EA74}">
+      <dgm:prSet/>
+      <dgm:spPr/>
+      <dgm:t>
+        <a:bodyPr/>
+        <a:lstStyle/>
+        <a:p>
+          <a:endParaRPr lang="en-GB"/>
+        </a:p>
+      </dgm:t>
+    </dgm:pt>
+    <dgm:pt modelId="{A688FFC1-229D-4906-8037-92FBAEDDA5D4}">
+      <dgm:prSet phldrT="[Text]"/>
+      <dgm:spPr/>
+      <dgm:t>
+        <a:bodyPr/>
+        <a:lstStyle/>
+        <a:p>
+          <a:r>
+            <a:rPr lang="en-GB" dirty="0" smtClean="0"/>
+            <a:t>No reuse</a:t>
+          </a:r>
+          <a:endParaRPr lang="en-GB" dirty="0"/>
+        </a:p>
+      </dgm:t>
+    </dgm:pt>
+    <dgm:pt modelId="{F5247E29-1996-4103-8A4B-4E8C6DC97C50}" type="parTrans" cxnId="{D6F668C4-5C73-4A4A-B9F3-8EF5F70CDAEB}">
+      <dgm:prSet/>
+      <dgm:spPr/>
+      <dgm:t>
+        <a:bodyPr/>
+        <a:lstStyle/>
+        <a:p>
+          <a:endParaRPr lang="en-GB"/>
+        </a:p>
+      </dgm:t>
+    </dgm:pt>
+    <dgm:pt modelId="{AD02AB81-96E7-4779-ADC2-C406A7EDBBC1}" type="sibTrans" cxnId="{D6F668C4-5C73-4A4A-B9F3-8EF5F70CDAEB}">
+      <dgm:prSet/>
+      <dgm:spPr/>
+      <dgm:t>
+        <a:bodyPr/>
+        <a:lstStyle/>
+        <a:p>
+          <a:endParaRPr lang="en-GB"/>
+        </a:p>
+      </dgm:t>
+    </dgm:pt>
+    <dgm:pt modelId="{381B9D55-AB07-4BB6-A7FA-6BAB38DC6611}">
+      <dgm:prSet phldrT="[Text]"/>
+      <dgm:spPr/>
+      <dgm:t>
+        <a:bodyPr/>
+        <a:lstStyle/>
+        <a:p>
+          <a:r>
+            <a:rPr lang="en-GB" dirty="0" smtClean="0"/>
+            <a:t>Execution time Compile</a:t>
+          </a:r>
+          <a:endParaRPr lang="en-GB" dirty="0"/>
+        </a:p>
+      </dgm:t>
+    </dgm:pt>
+    <dgm:pt modelId="{8B882347-5B73-4471-834A-3500B987C59B}" type="parTrans" cxnId="{3B83173D-DB52-4471-90F0-EB73C6F571D1}">
+      <dgm:prSet/>
+      <dgm:spPr/>
+      <dgm:t>
+        <a:bodyPr/>
+        <a:lstStyle/>
+        <a:p>
+          <a:endParaRPr lang="en-GB"/>
+        </a:p>
+      </dgm:t>
+    </dgm:pt>
+    <dgm:pt modelId="{D1742CDD-52E8-4D60-BFD9-254101B5BAB5}" type="sibTrans" cxnId="{3B83173D-DB52-4471-90F0-EB73C6F571D1}">
+      <dgm:prSet/>
+      <dgm:spPr/>
+      <dgm:t>
+        <a:bodyPr/>
+        <a:lstStyle/>
+        <a:p>
+          <a:endParaRPr lang="en-GB"/>
+        </a:p>
+      </dgm:t>
+    </dgm:pt>
+    <dgm:pt modelId="{AD9BF768-EB86-4BB2-B82A-CDA1D19567E4}">
+      <dgm:prSet phldrT="[Text]"/>
+      <dgm:spPr/>
+      <dgm:t>
+        <a:bodyPr/>
+        <a:lstStyle/>
+        <a:p>
+          <a:r>
+            <a:rPr lang="en-GB" dirty="0" smtClean="0"/>
+            <a:t>Optimal plan</a:t>
+          </a:r>
+          <a:endParaRPr lang="en-GB" dirty="0"/>
+        </a:p>
+      </dgm:t>
+    </dgm:pt>
+    <dgm:pt modelId="{854796A6-2B63-4EA6-A6FC-E9E4B9455241}" type="parTrans" cxnId="{FED9DA3B-9CEF-4CF1-B0CB-142DB5E31B7B}">
+      <dgm:prSet/>
+      <dgm:spPr/>
+      <dgm:t>
+        <a:bodyPr/>
+        <a:lstStyle/>
+        <a:p>
+          <a:endParaRPr lang="en-GB"/>
+        </a:p>
+      </dgm:t>
+    </dgm:pt>
+    <dgm:pt modelId="{1884D1F2-218F-4473-8ADE-5C1A582A63DB}" type="sibTrans" cxnId="{FED9DA3B-9CEF-4CF1-B0CB-142DB5E31B7B}">
+      <dgm:prSet/>
+      <dgm:spPr/>
+      <dgm:t>
+        <a:bodyPr/>
+        <a:lstStyle/>
+        <a:p>
+          <a:endParaRPr lang="en-GB"/>
+        </a:p>
+      </dgm:t>
+    </dgm:pt>
+    <dgm:pt modelId="{B4B452B6-9DBE-4AC5-8ADB-F43BA3F489CA}">
+      <dgm:prSet phldrT="[Text]"/>
+      <dgm:spPr/>
+      <dgm:t>
+        <a:bodyPr/>
+        <a:lstStyle/>
+        <a:p>
+          <a:r>
+            <a:rPr lang="en-GB" dirty="0" smtClean="0"/>
+            <a:t>Plan cache bloat</a:t>
+          </a:r>
+          <a:endParaRPr lang="en-GB" dirty="0"/>
+        </a:p>
+      </dgm:t>
+    </dgm:pt>
+    <dgm:pt modelId="{65B7C0BA-4E1C-493C-B97A-DD4DF72DC4D0}" type="parTrans" cxnId="{7BB7CA47-D793-4782-BFC5-BB7690881028}">
+      <dgm:prSet/>
+      <dgm:spPr/>
+      <dgm:t>
+        <a:bodyPr/>
+        <a:lstStyle/>
+        <a:p>
+          <a:endParaRPr lang="en-GB"/>
+        </a:p>
+      </dgm:t>
+    </dgm:pt>
+    <dgm:pt modelId="{9C64C543-5D3A-43B5-874D-098B56BA88E8}" type="sibTrans" cxnId="{7BB7CA47-D793-4782-BFC5-BB7690881028}">
+      <dgm:prSet/>
+      <dgm:spPr/>
+      <dgm:t>
+        <a:bodyPr/>
+        <a:lstStyle/>
+        <a:p>
+          <a:endParaRPr lang="en-GB"/>
+        </a:p>
+      </dgm:t>
+    </dgm:pt>
+    <dgm:pt modelId="{D87A3EE3-1BA1-4D8C-B570-B2CAFC0EFDBC}" type="pres">
+      <dgm:prSet presAssocID="{47179704-B36E-43EE-A8E7-3C65146642B3}" presName="outerComposite" presStyleCnt="0">
+        <dgm:presLayoutVars>
+          <dgm:chMax val="2"/>
+          <dgm:animLvl val="lvl"/>
+          <dgm:resizeHandles val="exact"/>
+        </dgm:presLayoutVars>
+      </dgm:prSet>
+      <dgm:spPr/>
+      <dgm:t>
+        <a:bodyPr/>
+        <a:lstStyle/>
+        <a:p>
+          <a:endParaRPr lang="en-GB"/>
+        </a:p>
+      </dgm:t>
+    </dgm:pt>
+    <dgm:pt modelId="{7E15209D-7685-4458-B051-D72517B06ADB}" type="pres">
+      <dgm:prSet presAssocID="{47179704-B36E-43EE-A8E7-3C65146642B3}" presName="dummyMaxCanvas" presStyleCnt="0"/>
+      <dgm:spPr/>
+    </dgm:pt>
+    <dgm:pt modelId="{397F3B23-EEAA-4305-A116-AAABF49776E6}" type="pres">
+      <dgm:prSet presAssocID="{47179704-B36E-43EE-A8E7-3C65146642B3}" presName="parentComposite" presStyleCnt="0"/>
+      <dgm:spPr/>
+    </dgm:pt>
+    <dgm:pt modelId="{4A4CEE9B-6A81-4727-93CE-B1267FBEE7AB}" type="pres">
+      <dgm:prSet presAssocID="{47179704-B36E-43EE-A8E7-3C65146642B3}" presName="parent1" presStyleLbl="alignAccFollowNode1" presStyleIdx="0" presStyleCnt="4">
+        <dgm:presLayoutVars>
+          <dgm:chMax val="4"/>
+        </dgm:presLayoutVars>
+      </dgm:prSet>
+      <dgm:spPr/>
+      <dgm:t>
+        <a:bodyPr/>
+        <a:lstStyle/>
+        <a:p>
+          <a:endParaRPr lang="en-GB"/>
+        </a:p>
+      </dgm:t>
+    </dgm:pt>
+    <dgm:pt modelId="{003FA6EB-E41C-427E-B3A7-B33C6D1A6409}" type="pres">
+      <dgm:prSet presAssocID="{47179704-B36E-43EE-A8E7-3C65146642B3}" presName="parent2" presStyleLbl="alignAccFollowNode1" presStyleIdx="1" presStyleCnt="4">
+        <dgm:presLayoutVars>
+          <dgm:chMax val="4"/>
+        </dgm:presLayoutVars>
+      </dgm:prSet>
+      <dgm:spPr/>
+      <dgm:t>
+        <a:bodyPr/>
+        <a:lstStyle/>
+        <a:p>
+          <a:endParaRPr lang="en-GB"/>
+        </a:p>
+      </dgm:t>
+    </dgm:pt>
+    <dgm:pt modelId="{AA095D9C-A853-4EF8-B87C-64B879A27742}" type="pres">
+      <dgm:prSet presAssocID="{47179704-B36E-43EE-A8E7-3C65146642B3}" presName="childrenComposite" presStyleCnt="0"/>
+      <dgm:spPr/>
+    </dgm:pt>
+    <dgm:pt modelId="{6B7B1C1D-9751-47E2-91B2-77D14E2C24AE}" type="pres">
+      <dgm:prSet presAssocID="{47179704-B36E-43EE-A8E7-3C65146642B3}" presName="dummyMaxCanvas_ChildArea" presStyleCnt="0"/>
+      <dgm:spPr/>
+    </dgm:pt>
+    <dgm:pt modelId="{80057356-DCAB-42EF-9275-85E9842B677A}" type="pres">
+      <dgm:prSet presAssocID="{47179704-B36E-43EE-A8E7-3C65146642B3}" presName="fulcrum" presStyleLbl="alignAccFollowNode1" presStyleIdx="2" presStyleCnt="4"/>
+      <dgm:spPr/>
+    </dgm:pt>
+    <dgm:pt modelId="{6C2E36ED-F8C4-48E9-9761-0A01E903D81E}" type="pres">
+      <dgm:prSet presAssocID="{47179704-B36E-43EE-A8E7-3C65146642B3}" presName="balance_23" presStyleLbl="alignAccFollowNode1" presStyleIdx="3" presStyleCnt="4">
+        <dgm:presLayoutVars>
+          <dgm:bulletEnabled val="1"/>
+        </dgm:presLayoutVars>
+      </dgm:prSet>
+      <dgm:spPr/>
+    </dgm:pt>
+    <dgm:pt modelId="{2BDF2C11-42FC-4D0D-84E7-5A028936F2ED}" type="pres">
+      <dgm:prSet presAssocID="{47179704-B36E-43EE-A8E7-3C65146642B3}" presName="right_23_1" presStyleLbl="node1" presStyleIdx="0" presStyleCnt="5">
+        <dgm:presLayoutVars>
+          <dgm:bulletEnabled val="1"/>
+        </dgm:presLayoutVars>
+      </dgm:prSet>
+      <dgm:spPr/>
+      <dgm:t>
+        <a:bodyPr/>
+        <a:lstStyle/>
+        <a:p>
+          <a:endParaRPr lang="en-GB"/>
+        </a:p>
+      </dgm:t>
+    </dgm:pt>
+    <dgm:pt modelId="{7A998F41-F99F-4BC0-AE0B-78D0D8FB5576}" type="pres">
+      <dgm:prSet presAssocID="{47179704-B36E-43EE-A8E7-3C65146642B3}" presName="right_23_2" presStyleLbl="node1" presStyleIdx="1" presStyleCnt="5">
+        <dgm:presLayoutVars>
+          <dgm:bulletEnabled val="1"/>
+        </dgm:presLayoutVars>
+      </dgm:prSet>
+      <dgm:spPr/>
+      <dgm:t>
+        <a:bodyPr/>
+        <a:lstStyle/>
+        <a:p>
+          <a:endParaRPr lang="en-GB"/>
+        </a:p>
+      </dgm:t>
+    </dgm:pt>
+    <dgm:pt modelId="{59DFEEDD-8F3A-46D8-8E70-54C16210FEC5}" type="pres">
+      <dgm:prSet presAssocID="{47179704-B36E-43EE-A8E7-3C65146642B3}" presName="right_23_3" presStyleLbl="node1" presStyleIdx="2" presStyleCnt="5">
+        <dgm:presLayoutVars>
+          <dgm:bulletEnabled val="1"/>
+        </dgm:presLayoutVars>
+      </dgm:prSet>
+      <dgm:spPr/>
+      <dgm:t>
+        <a:bodyPr/>
+        <a:lstStyle/>
+        <a:p>
+          <a:endParaRPr lang="en-GB"/>
+        </a:p>
+      </dgm:t>
+    </dgm:pt>
+    <dgm:pt modelId="{65D712B9-A98D-4CF8-B9FA-4959E85CCFF8}" type="pres">
+      <dgm:prSet presAssocID="{47179704-B36E-43EE-A8E7-3C65146642B3}" presName="left_23_1" presStyleLbl="node1" presStyleIdx="3" presStyleCnt="5">
+        <dgm:presLayoutVars>
+          <dgm:bulletEnabled val="1"/>
+        </dgm:presLayoutVars>
+      </dgm:prSet>
+      <dgm:spPr/>
+      <dgm:t>
+        <a:bodyPr/>
+        <a:lstStyle/>
+        <a:p>
+          <a:endParaRPr lang="en-GB"/>
+        </a:p>
+      </dgm:t>
+    </dgm:pt>
+    <dgm:pt modelId="{0410B633-E123-4AD5-A33B-4AAE1166CEA4}" type="pres">
+      <dgm:prSet presAssocID="{47179704-B36E-43EE-A8E7-3C65146642B3}" presName="left_23_2" presStyleLbl="node1" presStyleIdx="4" presStyleCnt="5">
+        <dgm:presLayoutVars>
+          <dgm:bulletEnabled val="1"/>
+        </dgm:presLayoutVars>
+      </dgm:prSet>
+      <dgm:spPr/>
+      <dgm:t>
+        <a:bodyPr/>
+        <a:lstStyle/>
+        <a:p>
+          <a:endParaRPr lang="en-GB"/>
+        </a:p>
+      </dgm:t>
+    </dgm:pt>
+  </dgm:ptLst>
+  <dgm:cxnLst>
+    <dgm:cxn modelId="{5751BD6A-8CE7-475D-9E67-F4652D624E0C}" srcId="{AC504D79-5753-4100-AF16-7F4F5A98AA0C}" destId="{F6219F53-FEB6-4E05-A182-B8ED6CDE8214}" srcOrd="0" destOrd="0" parTransId="{B472A294-1FD1-4DAB-8ADE-326175678B8E}" sibTransId="{EAE9DC26-7A1D-4DF5-8436-0CC78E152F84}"/>
+    <dgm:cxn modelId="{8144C3CF-999F-48AC-8040-71D8F69A4150}" type="presOf" srcId="{47179704-B36E-43EE-A8E7-3C65146642B3}" destId="{D87A3EE3-1BA1-4D8C-B570-B2CAFC0EFDBC}" srcOrd="0" destOrd="0" presId="urn:microsoft.com/office/officeart/2005/8/layout/balance1"/>
+    <dgm:cxn modelId="{FED9DA3B-9CEF-4CF1-B0CB-142DB5E31B7B}" srcId="{A688FFC1-229D-4906-8037-92FBAEDDA5D4}" destId="{AD9BF768-EB86-4BB2-B82A-CDA1D19567E4}" srcOrd="1" destOrd="0" parTransId="{854796A6-2B63-4EA6-A6FC-E9E4B9455241}" sibTransId="{1884D1F2-218F-4473-8ADE-5C1A582A63DB}"/>
+    <dgm:cxn modelId="{46994509-5C8E-492F-B35A-DF3CC15BC75D}" srcId="{47179704-B36E-43EE-A8E7-3C65146642B3}" destId="{AC504D79-5753-4100-AF16-7F4F5A98AA0C}" srcOrd="0" destOrd="0" parTransId="{1A5F847E-1F2B-4148-9193-BCFF04593C0F}" sibTransId="{37AC889E-5E62-4381-A909-A06E9208EE45}"/>
+    <dgm:cxn modelId="{7BB7CA47-D793-4782-BFC5-BB7690881028}" srcId="{A688FFC1-229D-4906-8037-92FBAEDDA5D4}" destId="{B4B452B6-9DBE-4AC5-8ADB-F43BA3F489CA}" srcOrd="2" destOrd="0" parTransId="{65B7C0BA-4E1C-493C-B97A-DD4DF72DC4D0}" sibTransId="{9C64C543-5D3A-43B5-874D-098B56BA88E8}"/>
+    <dgm:cxn modelId="{E27F034D-82BA-4DCA-A2A5-5AE0E5CCDDCC}" type="presOf" srcId="{A688FFC1-229D-4906-8037-92FBAEDDA5D4}" destId="{003FA6EB-E41C-427E-B3A7-B33C6D1A6409}" srcOrd="0" destOrd="0" presId="urn:microsoft.com/office/officeart/2005/8/layout/balance1"/>
+    <dgm:cxn modelId="{3B83173D-DB52-4471-90F0-EB73C6F571D1}" srcId="{A688FFC1-229D-4906-8037-92FBAEDDA5D4}" destId="{381B9D55-AB07-4BB6-A7FA-6BAB38DC6611}" srcOrd="0" destOrd="0" parTransId="{8B882347-5B73-4471-834A-3500B987C59B}" sibTransId="{D1742CDD-52E8-4D60-BFD9-254101B5BAB5}"/>
+    <dgm:cxn modelId="{88938031-BA9A-4A49-A95D-6370EF3D73FA}" type="presOf" srcId="{381B9D55-AB07-4BB6-A7FA-6BAB38DC6611}" destId="{2BDF2C11-42FC-4D0D-84E7-5A028936F2ED}" srcOrd="0" destOrd="0" presId="urn:microsoft.com/office/officeart/2005/8/layout/balance1"/>
+    <dgm:cxn modelId="{597A167F-2BC7-4B40-B0F2-1E4361D94248}" type="presOf" srcId="{B4B452B6-9DBE-4AC5-8ADB-F43BA3F489CA}" destId="{59DFEEDD-8F3A-46D8-8E70-54C16210FEC5}" srcOrd="0" destOrd="0" presId="urn:microsoft.com/office/officeart/2005/8/layout/balance1"/>
+    <dgm:cxn modelId="{B9C166AB-2BF2-433A-B7E8-A87DE619EA74}" srcId="{AC504D79-5753-4100-AF16-7F4F5A98AA0C}" destId="{1E1BD6B2-340B-4584-AC37-CFE3D3813FF3}" srcOrd="1" destOrd="0" parTransId="{8E260586-5D10-4577-9CBE-DF6CB90EECE2}" sibTransId="{AA099CFE-B85C-4434-8FC5-11F177FBEF9F}"/>
+    <dgm:cxn modelId="{D6F668C4-5C73-4A4A-B9F3-8EF5F70CDAEB}" srcId="{47179704-B36E-43EE-A8E7-3C65146642B3}" destId="{A688FFC1-229D-4906-8037-92FBAEDDA5D4}" srcOrd="1" destOrd="0" parTransId="{F5247E29-1996-4103-8A4B-4E8C6DC97C50}" sibTransId="{AD02AB81-96E7-4779-ADC2-C406A7EDBBC1}"/>
+    <dgm:cxn modelId="{1231F1F9-C166-4084-9DF8-5B6B1369A979}" type="presOf" srcId="{AC504D79-5753-4100-AF16-7F4F5A98AA0C}" destId="{4A4CEE9B-6A81-4727-93CE-B1267FBEE7AB}" srcOrd="0" destOrd="0" presId="urn:microsoft.com/office/officeart/2005/8/layout/balance1"/>
+    <dgm:cxn modelId="{6AB0A903-CDE5-4326-8E24-A94D6332DE8F}" type="presOf" srcId="{F6219F53-FEB6-4E05-A182-B8ED6CDE8214}" destId="{65D712B9-A98D-4CF8-B9FA-4959E85CCFF8}" srcOrd="0" destOrd="0" presId="urn:microsoft.com/office/officeart/2005/8/layout/balance1"/>
+    <dgm:cxn modelId="{2475197C-D215-48CD-934B-C41CCA3671E9}" type="presOf" srcId="{1E1BD6B2-340B-4584-AC37-CFE3D3813FF3}" destId="{0410B633-E123-4AD5-A33B-4AAE1166CEA4}" srcOrd="0" destOrd="0" presId="urn:microsoft.com/office/officeart/2005/8/layout/balance1"/>
+    <dgm:cxn modelId="{4A9189F2-93F2-4905-9A9A-2906A6D7E80E}" type="presOf" srcId="{AD9BF768-EB86-4BB2-B82A-CDA1D19567E4}" destId="{7A998F41-F99F-4BC0-AE0B-78D0D8FB5576}" srcOrd="0" destOrd="0" presId="urn:microsoft.com/office/officeart/2005/8/layout/balance1"/>
+    <dgm:cxn modelId="{C5F8E0BF-B3FE-4251-97F0-58DC676E635C}" type="presParOf" srcId="{D87A3EE3-1BA1-4D8C-B570-B2CAFC0EFDBC}" destId="{7E15209D-7685-4458-B051-D72517B06ADB}" srcOrd="0" destOrd="0" presId="urn:microsoft.com/office/officeart/2005/8/layout/balance1"/>
+    <dgm:cxn modelId="{A9262DC9-B86A-4355-8FB7-B3A697778C2B}" type="presParOf" srcId="{D87A3EE3-1BA1-4D8C-B570-B2CAFC0EFDBC}" destId="{397F3B23-EEAA-4305-A116-AAABF49776E6}" srcOrd="1" destOrd="0" presId="urn:microsoft.com/office/officeart/2005/8/layout/balance1"/>
+    <dgm:cxn modelId="{53583C4A-79A3-4BC3-B82B-44F1A27A757A}" type="presParOf" srcId="{397F3B23-EEAA-4305-A116-AAABF49776E6}" destId="{4A4CEE9B-6A81-4727-93CE-B1267FBEE7AB}" srcOrd="0" destOrd="0" presId="urn:microsoft.com/office/officeart/2005/8/layout/balance1"/>
+    <dgm:cxn modelId="{D044E6EB-217F-4FA2-B091-ADC90D175773}" type="presParOf" srcId="{397F3B23-EEAA-4305-A116-AAABF49776E6}" destId="{003FA6EB-E41C-427E-B3A7-B33C6D1A6409}" srcOrd="1" destOrd="0" presId="urn:microsoft.com/office/officeart/2005/8/layout/balance1"/>
+    <dgm:cxn modelId="{17026F2C-FEF3-4C36-98B7-77A142FC2F29}" type="presParOf" srcId="{D87A3EE3-1BA1-4D8C-B570-B2CAFC0EFDBC}" destId="{AA095D9C-A853-4EF8-B87C-64B879A27742}" srcOrd="2" destOrd="0" presId="urn:microsoft.com/office/officeart/2005/8/layout/balance1"/>
+    <dgm:cxn modelId="{486A2B5B-6022-45B0-889D-BFCF39A42C88}" type="presParOf" srcId="{AA095D9C-A853-4EF8-B87C-64B879A27742}" destId="{6B7B1C1D-9751-47E2-91B2-77D14E2C24AE}" srcOrd="0" destOrd="0" presId="urn:microsoft.com/office/officeart/2005/8/layout/balance1"/>
+    <dgm:cxn modelId="{A2F0C9CF-7E45-4067-B4F1-12523F8A68EA}" type="presParOf" srcId="{AA095D9C-A853-4EF8-B87C-64B879A27742}" destId="{80057356-DCAB-42EF-9275-85E9842B677A}" srcOrd="1" destOrd="0" presId="urn:microsoft.com/office/officeart/2005/8/layout/balance1"/>
+    <dgm:cxn modelId="{EF0AEC27-3646-46C4-9BFF-EF16FA6E2C49}" type="presParOf" srcId="{AA095D9C-A853-4EF8-B87C-64B879A27742}" destId="{6C2E36ED-F8C4-48E9-9761-0A01E903D81E}" srcOrd="2" destOrd="0" presId="urn:microsoft.com/office/officeart/2005/8/layout/balance1"/>
+    <dgm:cxn modelId="{669C2A41-2F0D-4D3C-A4B2-C87FCFECF6FA}" type="presParOf" srcId="{AA095D9C-A853-4EF8-B87C-64B879A27742}" destId="{2BDF2C11-42FC-4D0D-84E7-5A028936F2ED}" srcOrd="3" destOrd="0" presId="urn:microsoft.com/office/officeart/2005/8/layout/balance1"/>
+    <dgm:cxn modelId="{583D73F6-A85B-4EB6-94DB-6CBC403D04DB}" type="presParOf" srcId="{AA095D9C-A853-4EF8-B87C-64B879A27742}" destId="{7A998F41-F99F-4BC0-AE0B-78D0D8FB5576}" srcOrd="4" destOrd="0" presId="urn:microsoft.com/office/officeart/2005/8/layout/balance1"/>
+    <dgm:cxn modelId="{FE69F458-7636-4D5A-8FF9-80CBB583A42A}" type="presParOf" srcId="{AA095D9C-A853-4EF8-B87C-64B879A27742}" destId="{59DFEEDD-8F3A-46D8-8E70-54C16210FEC5}" srcOrd="5" destOrd="0" presId="urn:microsoft.com/office/officeart/2005/8/layout/balance1"/>
+    <dgm:cxn modelId="{41B55A24-42EE-4233-942C-E4CB4358DCBA}" type="presParOf" srcId="{AA095D9C-A853-4EF8-B87C-64B879A27742}" destId="{65D712B9-A98D-4CF8-B9FA-4959E85CCFF8}" srcOrd="6" destOrd="0" presId="urn:microsoft.com/office/officeart/2005/8/layout/balance1"/>
+    <dgm:cxn modelId="{74E4F8E1-B2B4-4848-ADB0-7F8426075392}" type="presParOf" srcId="{AA095D9C-A853-4EF8-B87C-64B879A27742}" destId="{0410B633-E123-4AD5-A33B-4AAE1166CEA4}" srcOrd="7" destOrd="0" presId="urn:microsoft.com/office/officeart/2005/8/layout/balance1"/>
+  </dgm:cxnLst>
+  <dgm:bg/>
+  <dgm:whole/>
+  <dgm:extLst>
+    <a:ext uri="http://schemas.microsoft.com/office/drawing/2008/diagram">
+      <dsp:dataModelExt xmlns:dsp="http://schemas.microsoft.com/office/drawing/2008/diagram" relId="rId7" minVer="http://schemas.openxmlformats.org/drawingml/2006/diagram"/>
+    </a:ext>
+  </dgm:extLst>
+</dgm:dataModel>
+</file>
+
+<file path=ppt/diagrams/drawing1.xml><?xml version="1.0" encoding="utf-8"?>
+<dsp:drawing xmlns:dgm="http://schemas.openxmlformats.org/drawingml/2006/diagram" xmlns:dsp="http://schemas.microsoft.com/office/drawing/2008/diagram" xmlns:a="http://schemas.openxmlformats.org/drawingml/2006/main">
+  <dsp:spTree>
+    <dsp:nvGrpSpPr>
+      <dsp:cNvPr id="0" name=""/>
+      <dsp:cNvGrpSpPr/>
+    </dsp:nvGrpSpPr>
+    <dsp:grpSpPr/>
+    <dsp:sp modelId="{4A4CEE9B-6A81-4727-93CE-B1267FBEE7AB}">
+      <dsp:nvSpPr>
+        <dsp:cNvPr id="0" name=""/>
+        <dsp:cNvSpPr/>
+      </dsp:nvSpPr>
+      <dsp:spPr>
+        <a:xfrm>
+          <a:off x="2165985" y="0"/>
+          <a:ext cx="1594485" cy="885825"/>
+        </a:xfrm>
+        <a:prstGeom prst="roundRect">
+          <a:avLst>
+            <a:gd name="adj" fmla="val 10000"/>
+          </a:avLst>
+        </a:prstGeom>
+        <a:solidFill>
+          <a:schemeClr val="accent2">
+            <a:tint val="40000"/>
+            <a:alpha val="90000"/>
+            <a:hueOff val="0"/>
+            <a:satOff val="0"/>
+            <a:lumOff val="0"/>
+            <a:alphaOff val="0"/>
+          </a:schemeClr>
+        </a:solidFill>
+        <a:ln w="12700" cap="flat" cmpd="sng" algn="ctr">
+          <a:solidFill>
+            <a:schemeClr val="accent2">
+              <a:tint val="40000"/>
+              <a:alpha val="90000"/>
+              <a:hueOff val="0"/>
+              <a:satOff val="0"/>
+              <a:lumOff val="0"/>
+              <a:alphaOff val="0"/>
+            </a:schemeClr>
+          </a:solidFill>
+          <a:prstDash val="solid"/>
+          <a:miter lim="800000"/>
+        </a:ln>
+        <a:effectLst/>
+      </dsp:spPr>
+      <dsp:style>
+        <a:lnRef idx="2">
+          <a:scrgbClr r="0" g="0" b="0"/>
+        </a:lnRef>
+        <a:fillRef idx="1">
+          <a:scrgbClr r="0" g="0" b="0"/>
+        </a:fillRef>
+        <a:effectRef idx="0">
+          <a:scrgbClr r="0" g="0" b="0"/>
+        </a:effectRef>
+        <a:fontRef idx="minor"/>
+      </dsp:style>
+      <dsp:txBody>
+        <a:bodyPr spcFirstLastPara="0" vert="horz" wrap="square" lIns="106680" tIns="106680" rIns="106680" bIns="106680" numCol="1" spcCol="1270" anchor="ctr" anchorCtr="0">
+          <a:noAutofit/>
+        </a:bodyPr>
+        <a:lstStyle/>
+        <a:p>
+          <a:pPr lvl="0" algn="ctr" defTabSz="1244600">
+            <a:lnSpc>
+              <a:spcPct val="90000"/>
+            </a:lnSpc>
+            <a:spcBef>
+              <a:spcPct val="0"/>
+            </a:spcBef>
+            <a:spcAft>
+              <a:spcPct val="35000"/>
+            </a:spcAft>
+          </a:pPr>
+          <a:r>
+            <a:rPr lang="en-GB" sz="2800" kern="1200" dirty="0" smtClean="0"/>
+            <a:t>Reuse</a:t>
+          </a:r>
+          <a:endParaRPr lang="en-GB" sz="2800" kern="1200" dirty="0"/>
+        </a:p>
+      </dsp:txBody>
+      <dsp:txXfrm>
+        <a:off x="2191930" y="25945"/>
+        <a:ext cx="1542595" cy="833935"/>
+      </dsp:txXfrm>
+    </dsp:sp>
+    <dsp:sp modelId="{003FA6EB-E41C-427E-B3A7-B33C6D1A6409}">
+      <dsp:nvSpPr>
+        <dsp:cNvPr id="0" name=""/>
+        <dsp:cNvSpPr/>
+      </dsp:nvSpPr>
+      <dsp:spPr>
+        <a:xfrm>
+          <a:off x="4469130" y="0"/>
+          <a:ext cx="1594485" cy="885825"/>
+        </a:xfrm>
+        <a:prstGeom prst="roundRect">
+          <a:avLst>
+            <a:gd name="adj" fmla="val 10000"/>
+          </a:avLst>
+        </a:prstGeom>
+        <a:solidFill>
+          <a:schemeClr val="accent3">
+            <a:tint val="40000"/>
+            <a:alpha val="90000"/>
+            <a:hueOff val="0"/>
+            <a:satOff val="0"/>
+            <a:lumOff val="0"/>
+            <a:alphaOff val="0"/>
+          </a:schemeClr>
+        </a:solidFill>
+        <a:ln w="12700" cap="flat" cmpd="sng" algn="ctr">
+          <a:solidFill>
+            <a:schemeClr val="accent3">
+              <a:tint val="40000"/>
+              <a:alpha val="90000"/>
+              <a:hueOff val="0"/>
+              <a:satOff val="0"/>
+              <a:lumOff val="0"/>
+              <a:alphaOff val="0"/>
+            </a:schemeClr>
+          </a:solidFill>
+          <a:prstDash val="solid"/>
+          <a:miter lim="800000"/>
+        </a:ln>
+        <a:effectLst/>
+      </dsp:spPr>
+      <dsp:style>
+        <a:lnRef idx="2">
+          <a:scrgbClr r="0" g="0" b="0"/>
+        </a:lnRef>
+        <a:fillRef idx="1">
+          <a:scrgbClr r="0" g="0" b="0"/>
+        </a:fillRef>
+        <a:effectRef idx="0">
+          <a:scrgbClr r="0" g="0" b="0"/>
+        </a:effectRef>
+        <a:fontRef idx="minor"/>
+      </dsp:style>
+      <dsp:txBody>
+        <a:bodyPr spcFirstLastPara="0" vert="horz" wrap="square" lIns="106680" tIns="106680" rIns="106680" bIns="106680" numCol="1" spcCol="1270" anchor="ctr" anchorCtr="0">
+          <a:noAutofit/>
+        </a:bodyPr>
+        <a:lstStyle/>
+        <a:p>
+          <a:pPr lvl="0" algn="ctr" defTabSz="1244600">
+            <a:lnSpc>
+              <a:spcPct val="90000"/>
+            </a:lnSpc>
+            <a:spcBef>
+              <a:spcPct val="0"/>
+            </a:spcBef>
+            <a:spcAft>
+              <a:spcPct val="35000"/>
+            </a:spcAft>
+          </a:pPr>
+          <a:r>
+            <a:rPr lang="en-GB" sz="2800" kern="1200" dirty="0" smtClean="0"/>
+            <a:t>No reuse</a:t>
+          </a:r>
+          <a:endParaRPr lang="en-GB" sz="2800" kern="1200" dirty="0"/>
+        </a:p>
+      </dsp:txBody>
+      <dsp:txXfrm>
+        <a:off x="4495075" y="25945"/>
+        <a:ext cx="1542595" cy="833935"/>
+      </dsp:txXfrm>
+    </dsp:sp>
+    <dsp:sp modelId="{80057356-DCAB-42EF-9275-85E9842B677A}">
+      <dsp:nvSpPr>
+        <dsp:cNvPr id="0" name=""/>
+        <dsp:cNvSpPr/>
+      </dsp:nvSpPr>
+      <dsp:spPr>
+        <a:xfrm>
+          <a:off x="3782615" y="3764756"/>
+          <a:ext cx="664368" cy="664368"/>
+        </a:xfrm>
+        <a:prstGeom prst="triangle">
+          <a:avLst/>
+        </a:prstGeom>
+        <a:solidFill>
+          <a:schemeClr val="accent4">
+            <a:tint val="40000"/>
+            <a:alpha val="90000"/>
+            <a:hueOff val="0"/>
+            <a:satOff val="0"/>
+            <a:lumOff val="0"/>
+            <a:alphaOff val="0"/>
+          </a:schemeClr>
+        </a:solidFill>
+        <a:ln w="12700" cap="flat" cmpd="sng" algn="ctr">
+          <a:solidFill>
+            <a:schemeClr val="accent4">
+              <a:tint val="40000"/>
+              <a:alpha val="90000"/>
+              <a:hueOff val="0"/>
+              <a:satOff val="0"/>
+              <a:lumOff val="0"/>
+              <a:alphaOff val="0"/>
+            </a:schemeClr>
+          </a:solidFill>
+          <a:prstDash val="solid"/>
+          <a:miter lim="800000"/>
+        </a:ln>
+        <a:effectLst/>
+      </dsp:spPr>
+      <dsp:style>
+        <a:lnRef idx="2">
+          <a:scrgbClr r="0" g="0" b="0"/>
+        </a:lnRef>
+        <a:fillRef idx="1">
+          <a:scrgbClr r="0" g="0" b="0"/>
+        </a:fillRef>
+        <a:effectRef idx="0">
+          <a:scrgbClr r="0" g="0" b="0"/>
+        </a:effectRef>
+        <a:fontRef idx="minor"/>
+      </dsp:style>
+    </dsp:sp>
+    <dsp:sp modelId="{6C2E36ED-F8C4-48E9-9761-0A01E903D81E}">
+      <dsp:nvSpPr>
+        <dsp:cNvPr id="0" name=""/>
+        <dsp:cNvSpPr/>
+      </dsp:nvSpPr>
+      <dsp:spPr>
+        <a:xfrm rot="240000">
+          <a:off x="2121085" y="3480066"/>
+          <a:ext cx="3987429" cy="278828"/>
+        </a:xfrm>
+        <a:prstGeom prst="rect">
+          <a:avLst/>
+        </a:prstGeom>
+        <a:solidFill>
+          <a:schemeClr val="accent5">
+            <a:tint val="40000"/>
+            <a:alpha val="90000"/>
+            <a:hueOff val="0"/>
+            <a:satOff val="0"/>
+            <a:lumOff val="0"/>
+            <a:alphaOff val="0"/>
+          </a:schemeClr>
+        </a:solidFill>
+        <a:ln w="12700" cap="flat" cmpd="sng" algn="ctr">
+          <a:solidFill>
+            <a:schemeClr val="accent5">
+              <a:tint val="40000"/>
+              <a:alpha val="90000"/>
+              <a:hueOff val="0"/>
+              <a:satOff val="0"/>
+              <a:lumOff val="0"/>
+              <a:alphaOff val="0"/>
+            </a:schemeClr>
+          </a:solidFill>
+          <a:prstDash val="solid"/>
+          <a:miter lim="800000"/>
+        </a:ln>
+        <a:effectLst/>
+      </dsp:spPr>
+      <dsp:style>
+        <a:lnRef idx="2">
+          <a:scrgbClr r="0" g="0" b="0"/>
+        </a:lnRef>
+        <a:fillRef idx="1">
+          <a:scrgbClr r="0" g="0" b="0"/>
+        </a:fillRef>
+        <a:effectRef idx="0">
+          <a:scrgbClr r="0" g="0" b="0"/>
+        </a:effectRef>
+        <a:fontRef idx="minor"/>
+      </dsp:style>
+    </dsp:sp>
+    <dsp:sp modelId="{2BDF2C11-42FC-4D0D-84E7-5A028936F2ED}">
+      <dsp:nvSpPr>
+        <dsp:cNvPr id="0" name=""/>
+        <dsp:cNvSpPr/>
+      </dsp:nvSpPr>
+      <dsp:spPr>
+        <a:xfrm rot="240000">
+          <a:off x="4515190" y="2782927"/>
+          <a:ext cx="1590946" cy="741218"/>
+        </a:xfrm>
+        <a:prstGeom prst="roundRect">
+          <a:avLst/>
+        </a:prstGeom>
+        <a:solidFill>
+          <a:schemeClr val="accent2">
+            <a:hueOff val="0"/>
+            <a:satOff val="0"/>
+            <a:lumOff val="0"/>
+            <a:alphaOff val="0"/>
+          </a:schemeClr>
+        </a:solidFill>
+        <a:ln w="12700" cap="flat" cmpd="sng" algn="ctr">
+          <a:solidFill>
+            <a:schemeClr val="lt1">
+              <a:hueOff val="0"/>
+              <a:satOff val="0"/>
+              <a:lumOff val="0"/>
+              <a:alphaOff val="0"/>
+            </a:schemeClr>
+          </a:solidFill>
+          <a:prstDash val="solid"/>
+          <a:miter lim="800000"/>
+        </a:ln>
+        <a:effectLst/>
+      </dsp:spPr>
+      <dsp:style>
+        <a:lnRef idx="2">
+          <a:scrgbClr r="0" g="0" b="0"/>
+        </a:lnRef>
+        <a:fillRef idx="1">
+          <a:scrgbClr r="0" g="0" b="0"/>
+        </a:fillRef>
+        <a:effectRef idx="0">
+          <a:scrgbClr r="0" g="0" b="0"/>
+        </a:effectRef>
+        <a:fontRef idx="minor">
+          <a:schemeClr val="lt1"/>
+        </a:fontRef>
+      </dsp:style>
+      <dsp:txBody>
+        <a:bodyPr spcFirstLastPara="0" vert="horz" wrap="square" lIns="68580" tIns="68580" rIns="68580" bIns="68580" numCol="1" spcCol="1270" anchor="ctr" anchorCtr="0">
+          <a:noAutofit/>
+        </a:bodyPr>
+        <a:lstStyle/>
+        <a:p>
+          <a:pPr lvl="0" algn="ctr" defTabSz="800100">
+            <a:lnSpc>
+              <a:spcPct val="90000"/>
+            </a:lnSpc>
+            <a:spcBef>
+              <a:spcPct val="0"/>
+            </a:spcBef>
+            <a:spcAft>
+              <a:spcPct val="35000"/>
+            </a:spcAft>
+          </a:pPr>
+          <a:r>
+            <a:rPr lang="en-GB" sz="1800" kern="1200" dirty="0" smtClean="0"/>
+            <a:t>Execution time Compile</a:t>
+          </a:r>
+          <a:endParaRPr lang="en-GB" sz="1800" kern="1200" dirty="0"/>
+        </a:p>
+      </dsp:txBody>
+      <dsp:txXfrm>
+        <a:off x="4551373" y="2819110"/>
+        <a:ext cx="1518580" cy="668852"/>
+      </dsp:txXfrm>
+    </dsp:sp>
+    <dsp:sp modelId="{7A998F41-F99F-4BC0-AE0B-78D0D8FB5576}">
+      <dsp:nvSpPr>
+        <dsp:cNvPr id="0" name=""/>
+        <dsp:cNvSpPr/>
+      </dsp:nvSpPr>
+      <dsp:spPr>
+        <a:xfrm rot="240000">
+          <a:off x="4572768" y="1985685"/>
+          <a:ext cx="1590946" cy="741218"/>
+        </a:xfrm>
+        <a:prstGeom prst="roundRect">
+          <a:avLst/>
+        </a:prstGeom>
+        <a:solidFill>
+          <a:schemeClr val="accent3">
+            <a:hueOff val="0"/>
+            <a:satOff val="0"/>
+            <a:lumOff val="0"/>
+            <a:alphaOff val="0"/>
+          </a:schemeClr>
+        </a:solidFill>
+        <a:ln w="12700" cap="flat" cmpd="sng" algn="ctr">
+          <a:solidFill>
+            <a:schemeClr val="lt1">
+              <a:hueOff val="0"/>
+              <a:satOff val="0"/>
+              <a:lumOff val="0"/>
+              <a:alphaOff val="0"/>
+            </a:schemeClr>
+          </a:solidFill>
+          <a:prstDash val="solid"/>
+          <a:miter lim="800000"/>
+        </a:ln>
+        <a:effectLst/>
+      </dsp:spPr>
+      <dsp:style>
+        <a:lnRef idx="2">
+          <a:scrgbClr r="0" g="0" b="0"/>
+        </a:lnRef>
+        <a:fillRef idx="1">
+          <a:scrgbClr r="0" g="0" b="0"/>
+        </a:fillRef>
+        <a:effectRef idx="0">
+          <a:scrgbClr r="0" g="0" b="0"/>
+        </a:effectRef>
+        <a:fontRef idx="minor">
+          <a:schemeClr val="lt1"/>
+        </a:fontRef>
+      </dsp:style>
+      <dsp:txBody>
+        <a:bodyPr spcFirstLastPara="0" vert="horz" wrap="square" lIns="68580" tIns="68580" rIns="68580" bIns="68580" numCol="1" spcCol="1270" anchor="ctr" anchorCtr="0">
+          <a:noAutofit/>
+        </a:bodyPr>
+        <a:lstStyle/>
+        <a:p>
+          <a:pPr lvl="0" algn="ctr" defTabSz="800100">
+            <a:lnSpc>
+              <a:spcPct val="90000"/>
+            </a:lnSpc>
+            <a:spcBef>
+              <a:spcPct val="0"/>
+            </a:spcBef>
+            <a:spcAft>
+              <a:spcPct val="35000"/>
+            </a:spcAft>
+          </a:pPr>
+          <a:r>
+            <a:rPr lang="en-GB" sz="1800" kern="1200" dirty="0" smtClean="0"/>
+            <a:t>Optimal plan</a:t>
+          </a:r>
+          <a:endParaRPr lang="en-GB" sz="1800" kern="1200" dirty="0"/>
+        </a:p>
+      </dsp:txBody>
+      <dsp:txXfrm>
+        <a:off x="4608951" y="2021868"/>
+        <a:ext cx="1518580" cy="668852"/>
+      </dsp:txXfrm>
+    </dsp:sp>
+    <dsp:sp modelId="{59DFEEDD-8F3A-46D8-8E70-54C16210FEC5}">
+      <dsp:nvSpPr>
+        <dsp:cNvPr id="0" name=""/>
+        <dsp:cNvSpPr/>
+      </dsp:nvSpPr>
+      <dsp:spPr>
+        <a:xfrm rot="240000">
+          <a:off x="4630347" y="1206159"/>
+          <a:ext cx="1590946" cy="741218"/>
+        </a:xfrm>
+        <a:prstGeom prst="roundRect">
+          <a:avLst/>
+        </a:prstGeom>
+        <a:solidFill>
+          <a:schemeClr val="accent4">
+            <a:hueOff val="0"/>
+            <a:satOff val="0"/>
+            <a:lumOff val="0"/>
+            <a:alphaOff val="0"/>
+          </a:schemeClr>
+        </a:solidFill>
+        <a:ln w="12700" cap="flat" cmpd="sng" algn="ctr">
+          <a:solidFill>
+            <a:schemeClr val="lt1">
+              <a:hueOff val="0"/>
+              <a:satOff val="0"/>
+              <a:lumOff val="0"/>
+              <a:alphaOff val="0"/>
+            </a:schemeClr>
+          </a:solidFill>
+          <a:prstDash val="solid"/>
+          <a:miter lim="800000"/>
+        </a:ln>
+        <a:effectLst/>
+      </dsp:spPr>
+      <dsp:style>
+        <a:lnRef idx="2">
+          <a:scrgbClr r="0" g="0" b="0"/>
+        </a:lnRef>
+        <a:fillRef idx="1">
+          <a:scrgbClr r="0" g="0" b="0"/>
+        </a:fillRef>
+        <a:effectRef idx="0">
+          <a:scrgbClr r="0" g="0" b="0"/>
+        </a:effectRef>
+        <a:fontRef idx="minor">
+          <a:schemeClr val="lt1"/>
+        </a:fontRef>
+      </dsp:style>
+      <dsp:txBody>
+        <a:bodyPr spcFirstLastPara="0" vert="horz" wrap="square" lIns="68580" tIns="68580" rIns="68580" bIns="68580" numCol="1" spcCol="1270" anchor="ctr" anchorCtr="0">
+          <a:noAutofit/>
+        </a:bodyPr>
+        <a:lstStyle/>
+        <a:p>
+          <a:pPr lvl="0" algn="ctr" defTabSz="800100">
+            <a:lnSpc>
+              <a:spcPct val="90000"/>
+            </a:lnSpc>
+            <a:spcBef>
+              <a:spcPct val="0"/>
+            </a:spcBef>
+            <a:spcAft>
+              <a:spcPct val="35000"/>
+            </a:spcAft>
+          </a:pPr>
+          <a:r>
+            <a:rPr lang="en-GB" sz="1800" kern="1200" dirty="0" smtClean="0"/>
+            <a:t>Plan cache bloat</a:t>
+          </a:r>
+          <a:endParaRPr lang="en-GB" sz="1800" kern="1200" dirty="0"/>
+        </a:p>
+      </dsp:txBody>
+      <dsp:txXfrm>
+        <a:off x="4666530" y="1242342"/>
+        <a:ext cx="1518580" cy="668852"/>
+      </dsp:txXfrm>
+    </dsp:sp>
+    <dsp:sp modelId="{65D712B9-A98D-4CF8-B9FA-4959E85CCFF8}">
+      <dsp:nvSpPr>
+        <dsp:cNvPr id="0" name=""/>
+        <dsp:cNvSpPr/>
+      </dsp:nvSpPr>
+      <dsp:spPr>
+        <a:xfrm rot="240000">
+          <a:off x="2234190" y="2623479"/>
+          <a:ext cx="1590946" cy="741218"/>
+        </a:xfrm>
+        <a:prstGeom prst="roundRect">
+          <a:avLst/>
+        </a:prstGeom>
+        <a:solidFill>
+          <a:schemeClr val="accent5">
+            <a:hueOff val="0"/>
+            <a:satOff val="0"/>
+            <a:lumOff val="0"/>
+            <a:alphaOff val="0"/>
+          </a:schemeClr>
+        </a:solidFill>
+        <a:ln w="12700" cap="flat" cmpd="sng" algn="ctr">
+          <a:solidFill>
+            <a:schemeClr val="lt1">
+              <a:hueOff val="0"/>
+              <a:satOff val="0"/>
+              <a:lumOff val="0"/>
+              <a:alphaOff val="0"/>
+            </a:schemeClr>
+          </a:solidFill>
+          <a:prstDash val="solid"/>
+          <a:miter lim="800000"/>
+        </a:ln>
+        <a:effectLst/>
+      </dsp:spPr>
+      <dsp:style>
+        <a:lnRef idx="2">
+          <a:scrgbClr r="0" g="0" b="0"/>
+        </a:lnRef>
+        <a:fillRef idx="1">
+          <a:scrgbClr r="0" g="0" b="0"/>
+        </a:fillRef>
+        <a:effectRef idx="0">
+          <a:scrgbClr r="0" g="0" b="0"/>
+        </a:effectRef>
+        <a:fontRef idx="minor">
+          <a:schemeClr val="lt1"/>
+        </a:fontRef>
+      </dsp:style>
+      <dsp:txBody>
+        <a:bodyPr spcFirstLastPara="0" vert="horz" wrap="square" lIns="68580" tIns="68580" rIns="68580" bIns="68580" numCol="1" spcCol="1270" anchor="ctr" anchorCtr="0">
+          <a:noAutofit/>
+        </a:bodyPr>
+        <a:lstStyle/>
+        <a:p>
+          <a:pPr lvl="0" algn="ctr" defTabSz="800100">
+            <a:lnSpc>
+              <a:spcPct val="90000"/>
+            </a:lnSpc>
+            <a:spcBef>
+              <a:spcPct val="0"/>
+            </a:spcBef>
+            <a:spcAft>
+              <a:spcPct val="35000"/>
+            </a:spcAft>
+          </a:pPr>
+          <a:r>
+            <a:rPr lang="en-GB" sz="1800" kern="1200" dirty="0" smtClean="0"/>
+            <a:t>Guaranteed plan</a:t>
+          </a:r>
+          <a:endParaRPr lang="en-GB" sz="1800" kern="1200" dirty="0"/>
+        </a:p>
+      </dsp:txBody>
+      <dsp:txXfrm>
+        <a:off x="2270373" y="2659662"/>
+        <a:ext cx="1518580" cy="668852"/>
+      </dsp:txXfrm>
+    </dsp:sp>
+    <dsp:sp modelId="{0410B633-E123-4AD5-A33B-4AAE1166CEA4}">
+      <dsp:nvSpPr>
+        <dsp:cNvPr id="0" name=""/>
+        <dsp:cNvSpPr/>
+      </dsp:nvSpPr>
+      <dsp:spPr>
+        <a:xfrm rot="240000">
+          <a:off x="2291769" y="1826236"/>
+          <a:ext cx="1590946" cy="741218"/>
+        </a:xfrm>
+        <a:prstGeom prst="roundRect">
+          <a:avLst/>
+        </a:prstGeom>
+        <a:solidFill>
+          <a:schemeClr val="accent6">
+            <a:hueOff val="0"/>
+            <a:satOff val="0"/>
+            <a:lumOff val="0"/>
+            <a:alphaOff val="0"/>
+          </a:schemeClr>
+        </a:solidFill>
+        <a:ln w="12700" cap="flat" cmpd="sng" algn="ctr">
+          <a:solidFill>
+            <a:schemeClr val="lt1">
+              <a:hueOff val="0"/>
+              <a:satOff val="0"/>
+              <a:lumOff val="0"/>
+              <a:alphaOff val="0"/>
+            </a:schemeClr>
+          </a:solidFill>
+          <a:prstDash val="solid"/>
+          <a:miter lim="800000"/>
+        </a:ln>
+        <a:effectLst/>
+      </dsp:spPr>
+      <dsp:style>
+        <a:lnRef idx="2">
+          <a:scrgbClr r="0" g="0" b="0"/>
+        </a:lnRef>
+        <a:fillRef idx="1">
+          <a:scrgbClr r="0" g="0" b="0"/>
+        </a:fillRef>
+        <a:effectRef idx="0">
+          <a:scrgbClr r="0" g="0" b="0"/>
+        </a:effectRef>
+        <a:fontRef idx="minor">
+          <a:schemeClr val="lt1"/>
+        </a:fontRef>
+      </dsp:style>
+      <dsp:txBody>
+        <a:bodyPr spcFirstLastPara="0" vert="horz" wrap="square" lIns="68580" tIns="68580" rIns="68580" bIns="68580" numCol="1" spcCol="1270" anchor="ctr" anchorCtr="0">
+          <a:noAutofit/>
+        </a:bodyPr>
+        <a:lstStyle/>
+        <a:p>
+          <a:pPr lvl="0" algn="ctr" defTabSz="800100">
+            <a:lnSpc>
+              <a:spcPct val="90000"/>
+            </a:lnSpc>
+            <a:spcBef>
+              <a:spcPct val="0"/>
+            </a:spcBef>
+            <a:spcAft>
+              <a:spcPct val="35000"/>
+            </a:spcAft>
+          </a:pPr>
+          <a:r>
+            <a:rPr lang="en-GB" sz="1800" kern="1200" dirty="0" smtClean="0"/>
+            <a:t>Sub optimal</a:t>
+          </a:r>
+          <a:endParaRPr lang="en-GB" sz="1800" kern="1200" dirty="0"/>
+        </a:p>
+      </dsp:txBody>
+      <dsp:txXfrm>
+        <a:off x="2327952" y="1862419"/>
+        <a:ext cx="1518580" cy="668852"/>
+      </dsp:txXfrm>
+    </dsp:sp>
+  </dsp:spTree>
+</dsp:drawing>
+</file>
+
+<file path=ppt/diagrams/layout1.xml><?xml version="1.0" encoding="utf-8"?>
+<dgm:layoutDef xmlns:dgm="http://schemas.openxmlformats.org/drawingml/2006/diagram" xmlns:a="http://schemas.openxmlformats.org/drawingml/2006/main" uniqueId="urn:microsoft.com/office/officeart/2005/8/layout/balance1">
+  <dgm:title val=""/>
+  <dgm:desc val=""/>
+  <dgm:catLst>
+    <dgm:cat type="relationship" pri="1000"/>
+  </dgm:catLst>
+  <dgm:sampData>
+    <dgm:dataModel>
+      <dgm:ptLst>
+        <dgm:pt modelId="0" type="doc"/>
+        <dgm:pt modelId="1">
+          <dgm:prSet phldr="1"/>
+        </dgm:pt>
+        <dgm:pt modelId="11">
+          <dgm:prSet phldr="1"/>
+        </dgm:pt>
+        <dgm:pt modelId="12">
+          <dgm:prSet phldr="1"/>
+        </dgm:pt>
+        <dgm:pt modelId="2">
+          <dgm:prSet phldr="1"/>
+        </dgm:pt>
+        <dgm:pt modelId="21">
+          <dgm:prSet phldr="1"/>
+        </dgm:pt>
+        <dgm:pt modelId="22">
+          <dgm:prSet phldr="1"/>
+        </dgm:pt>
+        <dgm:pt modelId="23">
+          <dgm:prSet phldr="1"/>
+        </dgm:pt>
+      </dgm:ptLst>
+      <dgm:cxnLst>
+        <dgm:cxn modelId="4" srcId="0" destId="1" srcOrd="0" destOrd="0"/>
+        <dgm:cxn modelId="5" srcId="0" destId="2" srcOrd="1" destOrd="0"/>
+        <dgm:cxn modelId="13" srcId="1" destId="11" srcOrd="0" destOrd="0"/>
+        <dgm:cxn modelId="14" srcId="1" destId="12" srcOrd="0" destOrd="0"/>
+        <dgm:cxn modelId="23" srcId="2" destId="21" srcOrd="0" destOrd="0"/>
+        <dgm:cxn modelId="24" srcId="2" destId="22" srcOrd="0" destOrd="0"/>
+        <dgm:cxn modelId="25" srcId="2" destId="23" srcOrd="0" destOrd="0"/>
+      </dgm:cxnLst>
+      <dgm:bg/>
+      <dgm:whole/>
+    </dgm:dataModel>
+  </dgm:sampData>
+  <dgm:styleData>
+    <dgm:dataModel>
+      <dgm:ptLst>
+        <dgm:pt modelId="0" type="doc"/>
+        <dgm:pt modelId="1"/>
+        <dgm:pt modelId="11"/>
+        <dgm:pt modelId="12"/>
+        <dgm:pt modelId="2"/>
+        <dgm:pt modelId="21"/>
+        <dgm:pt modelId="22"/>
+      </dgm:ptLst>
+      <dgm:cxnLst>
+        <dgm:cxn modelId="4" srcId="0" destId="1" srcOrd="0" destOrd="0"/>
+        <dgm:cxn modelId="5" srcId="0" destId="2" srcOrd="1" destOrd="0"/>
+        <dgm:cxn modelId="13" srcId="1" destId="11" srcOrd="0" destOrd="0"/>
+        <dgm:cxn modelId="14" srcId="1" destId="12" srcOrd="0" destOrd="0"/>
+        <dgm:cxn modelId="23" srcId="2" destId="21" srcOrd="0" destOrd="0"/>
+        <dgm:cxn modelId="24" srcId="2" destId="22" srcOrd="0" destOrd="0"/>
+      </dgm:cxnLst>
+      <dgm:bg/>
+      <dgm:whole/>
+    </dgm:dataModel>
+  </dgm:styleData>
+  <dgm:clrData>
+    <dgm:dataModel>
+      <dgm:ptLst>
+        <dgm:pt modelId="0" type="doc"/>
+        <dgm:pt modelId="1"/>
+        <dgm:pt modelId="11"/>
+        <dgm:pt modelId="12"/>
+        <dgm:pt modelId="13"/>
+        <dgm:pt modelId="2"/>
+        <dgm:pt modelId="21"/>
+        <dgm:pt modelId="22"/>
+        <dgm:pt modelId="23"/>
+      </dgm:ptLst>
+      <dgm:cxnLst>
+        <dgm:cxn modelId="4" srcId="0" destId="1" srcOrd="0" destOrd="0"/>
+        <dgm:cxn modelId="5" srcId="0" destId="2" srcOrd="1" destOrd="0"/>
+        <dgm:cxn modelId="15" srcId="1" destId="11" srcOrd="0" destOrd="0"/>
+        <dgm:cxn modelId="16" srcId="1" destId="12" srcOrd="0" destOrd="0"/>
+        <dgm:cxn modelId="17" srcId="1" destId="13" srcOrd="0" destOrd="0"/>
+        <dgm:cxn modelId="25" srcId="2" destId="21" srcOrd="0" destOrd="0"/>
+        <dgm:cxn modelId="26" srcId="2" destId="22" srcOrd="0" destOrd="0"/>
+        <dgm:cxn modelId="27" srcId="2" destId="23" srcOrd="0" destOrd="0"/>
+      </dgm:cxnLst>
+      <dgm:bg/>
+      <dgm:whole/>
+    </dgm:dataModel>
+  </dgm:clrData>
+  <dgm:layoutNode name="outerComposite">
+    <dgm:varLst>
+      <dgm:chMax val="2"/>
+      <dgm:animLvl val="lvl"/>
+      <dgm:resizeHandles val="exact"/>
+    </dgm:varLst>
+    <dgm:alg type="composite">
+      <dgm:param type="ar" val="1"/>
+    </dgm:alg>
+    <dgm:shape xmlns:r="http://schemas.openxmlformats.org/officeDocument/2006/relationships" r:blip="">
+      <dgm:adjLst/>
+    </dgm:shape>
+    <dgm:presOf/>
+    <dgm:constrLst>
+      <dgm:constr type="h" for="ch" forName="parentComposite" refType="h" refFor="ch" refForName="dummyMaxCanvas" op="equ" fact="0.2"/>
+      <dgm:constr type="t" for="ch" forName="parentComposite"/>
+      <dgm:constr type="h" for="ch" forName="childrenComposite" refType="h" refFor="ch" refForName="dummyMaxCanvas" op="equ" fact="0.8"/>
+      <dgm:constr type="t" for="ch" forName="childrenComposite" refType="h" refFor="ch" refForName="dummyMaxCanvas" fact="0.2"/>
+    </dgm:constrLst>
+    <dgm:ruleLst/>
+    <dgm:layoutNode name="dummyMaxCanvas">
+      <dgm:alg type="sp"/>
+      <dgm:shape xmlns:r="http://schemas.openxmlformats.org/officeDocument/2006/relationships" r:blip="">
+        <dgm:adjLst/>
+      </dgm:shape>
+      <dgm:presOf/>
+      <dgm:constrLst/>
+      <dgm:ruleLst/>
+    </dgm:layoutNode>
+    <dgm:layoutNode name="parentComposite">
+      <dgm:alg type="composite"/>
+      <dgm:shape xmlns:r="http://schemas.openxmlformats.org/officeDocument/2006/relationships" r:blip="">
+        <dgm:adjLst/>
+      </dgm:shape>
+      <dgm:presOf/>
+      <dgm:constrLst>
+        <dgm:constr type="w" for="ch" forName="parent1" refType="w" fact="0.36"/>
+        <dgm:constr type="ctrX" for="ch" forName="parent1" refType="w" fact="0.24"/>
+        <dgm:constr type="w" for="ch" forName="parent2" refType="w" fact="0.36"/>
+        <dgm:constr type="ctrX" for="ch" forName="parent2" refType="w" fact="0.76"/>
+        <dgm:constr type="primFontSz" for="ch" ptType="node" op="equ"/>
+      </dgm:constrLst>
+      <dgm:ruleLst/>
+      <dgm:layoutNode name="parent1" styleLbl="alignAccFollowNode1">
+        <dgm:varLst>
+          <dgm:chMax val="4"/>
+        </dgm:varLst>
+        <dgm:alg type="tx"/>
+        <dgm:shape xmlns:r="http://schemas.openxmlformats.org/officeDocument/2006/relationships" type="roundRect" r:blip="">
+          <dgm:adjLst>
+            <dgm:adj idx="1" val="0.1"/>
+          </dgm:adjLst>
+        </dgm:shape>
+        <dgm:presOf axis="ch" ptType="node" cnt="1"/>
+        <dgm:constrLst>
+          <dgm:constr type="primFontSz" val="65"/>
+          <dgm:constr type="lMarg" refType="primFontSz" fact="0.3"/>
+          <dgm:constr type="rMarg" refType="primFontSz" fact="0.3"/>
+          <dgm:constr type="tMarg" refType="primFontSz" fact="0.3"/>
+          <dgm:constr type="bMarg" refType="primFontSz" fact="0.3"/>
+        </dgm:constrLst>
+        <dgm:ruleLst>
+          <dgm:rule type="primFontSz" val="5" fact="NaN" max="NaN"/>
+        </dgm:ruleLst>
+      </dgm:layoutNode>
+      <dgm:layoutNode name="parent2" styleLbl="alignAccFollowNode1">
+        <dgm:varLst>
+          <dgm:chMax val="4"/>
+        </dgm:varLst>
+        <dgm:alg type="tx"/>
+        <dgm:shape xmlns:r="http://schemas.openxmlformats.org/officeDocument/2006/relationships" type="roundRect" r:blip="">
+          <dgm:adjLst>
+            <dgm:adj idx="1" val="0.1"/>
+          </dgm:adjLst>
+        </dgm:shape>
+        <dgm:presOf axis="ch" ptType="node" st="2" cnt="1"/>
+        <dgm:constrLst>
+          <dgm:constr type="primFontSz" val="65"/>
+          <dgm:constr type="lMarg" refType="primFontSz" fact="0.3"/>
+          <dgm:constr type="rMarg" refType="primFontSz" fact="0.3"/>
+          <dgm:constr type="tMarg" refType="primFontSz" fact="0.3"/>
+          <dgm:constr type="bMarg" refType="primFontSz" fact="0.3"/>
+        </dgm:constrLst>
+        <dgm:ruleLst>
+          <dgm:rule type="primFontSz" val="5" fact="NaN" max="NaN"/>
+        </dgm:ruleLst>
+      </dgm:layoutNode>
+    </dgm:layoutNode>
+    <dgm:layoutNode name="childrenComposite">
+      <dgm:alg type="composite"/>
+      <dgm:shape xmlns:r="http://schemas.openxmlformats.org/officeDocument/2006/relationships" r:blip="">
+        <dgm:adjLst/>
+      </dgm:shape>
+      <dgm:presOf/>
+      <dgm:constrLst>
+        <dgm:constr type="primFontSz" for="ch" ptType="node" op="equ" val="65"/>
+        <dgm:constr type="w" for="ch" forName="fulcrum" refType="w" fact="0.15"/>
+        <dgm:constr type="h" for="ch" forName="fulcrum" refType="w" refFor="ch" refForName="fulcrum"/>
+        <dgm:constr type="b" for="ch" forName="fulcrum" refType="h"/>
+        <dgm:constr type="ctrX" for="ch" forName="fulcrum" refType="w" fact="0.5"/>
+        <dgm:constr type="w" for="ch" forName="balance_00" refType="w" fact="0.9"/>
+        <dgm:constr type="h" for="ch" forName="balance_00" refType="h" fact="0.076"/>
+        <dgm:constr type="b" for="ch" forName="balance_00" refType="h" fact="0.81"/>
+        <dgm:constr type="ctrX" for="ch" forName="balance_00" refType="w" fact="0.5"/>
+        <dgm:constr type="w" for="ch" forName="balance_01" refType="w"/>
+        <dgm:constr type="h" for="ch" forName="balance_01" refType="h" fact="0.157"/>
+        <dgm:constr type="b" for="ch" forName="balance_01" refType="h" fact="0.85"/>
+        <dgm:constr type="ctrX" for="ch" forName="balance_01" refType="w" fact="0.5"/>
+        <dgm:constr type="w" for="ch" forName="balance_02" refType="w"/>
+        <dgm:constr type="h" for="ch" forName="balance_02" refType="h" fact="0.157"/>
+        <dgm:constr type="b" for="ch" forName="balance_02" refType="h" fact="0.85"/>
+        <dgm:constr type="ctrX" for="ch" forName="balance_02" refType="w" fact="0.5"/>
+        <dgm:constr type="w" for="ch" forName="balance_03" refType="w"/>
+        <dgm:constr type="h" for="ch" forName="balance_03" refType="h" fact="0.157"/>
+        <dgm:constr type="b" for="ch" forName="balance_03" refType="h" fact="0.85"/>
+        <dgm:constr type="ctrX" for="ch" forName="balance_03" refType="w" fact="0.5"/>
+        <dgm:constr type="w" for="ch" forName="balance_04" refType="w"/>
+        <dgm:constr type="h" for="ch" forName="balance_04" refType="h" fact="0.157"/>
+        <dgm:constr type="b" for="ch" forName="balance_04" refType="h" fact="0.85"/>
+        <dgm:constr type="ctrX" for="ch" forName="balance_04" refType="w" fact="0.5"/>
+        <dgm:constr type="w" for="ch" forName="balance_10" refType="w"/>
+        <dgm:constr type="h" for="ch" forName="balance_10" refType="h" fact="0.157"/>
+        <dgm:constr type="b" for="ch" forName="balance_10" refType="h" fact="0.85"/>
+        <dgm:constr type="ctrX" for="ch" forName="balance_10" refType="w" fact="0.5"/>
+        <dgm:constr type="w" for="ch" forName="balance_11" refType="w" fact="0.9"/>
+        <dgm:constr type="h" for="ch" forName="balance_11" refType="h" fact="0.076"/>
+        <dgm:constr type="b" for="ch" forName="balance_11" refType="h" fact="0.81"/>
+        <dgm:constr type="ctrX" for="ch" forName="balance_11" refType="w" fact="0.5"/>
+        <dgm:constr type="w" for="ch" forName="balance_12" refType="w"/>
+        <dgm:constr type="h" for="ch" forName="balance_12" refType="h" fact="0.157"/>
+        <dgm:constr type="b" for="ch" forName="balance_12" refType="h" fact="0.85"/>
+        <dgm:constr type="ctrX" for="ch" forName="balance_12" refType="w" fact="0.5"/>
+        <dgm:constr type="w" for="ch" forName="balance_13" refType="w"/>
+        <dgm:constr type="h" for="ch" forName="balance_13" refType="h" fact="0.157"/>
+        <dgm:constr type="b" for="ch" forName="balance_13" refType="h" fact="0.85"/>
+        <dgm:constr type="ctrX" for="ch" forName="balance_13" refType="w" fact="0.5"/>
+        <dgm:constr type="w" for="ch" forName="balance_14" refType="w"/>
+        <dgm:constr type="h" for="ch" forName="balance_14" refType="h" fact="0.157"/>
+        <dgm:constr type="b" for="ch" forName="balance_14" refType="h" fact="0.85"/>
+        <dgm:constr type="ctrX" for="ch" forName="balance_14" refType="w" fact="0.5"/>
+        <dgm:constr type="w" for="ch" forName="balance_20" refType="w"/>
+        <dgm:constr type="h" for="ch" forName="balance_20" refType="h" fact="0.157"/>
+        <dgm:constr type="b" for="ch" forName="balance_20" refType="h" fact="0.85"/>
+        <dgm:constr type="ctrX" for="ch" forName="balance_20" refType="w" fact="0.5"/>
+        <dgm:constr type="w" for="ch" forName="balance_21" refType="w"/>
+        <dgm:constr type="h" for="ch" forName="balance_21" refType="h" fact="0.157"/>
+        <dgm:constr type="b" for="ch" forName="balance_21" refType="h" fact="0.85"/>
+        <dgm:constr type="ctrX" for="ch" forName="balance_21" refType="w" fact="0.5"/>
+        <dgm:constr type="w" for="ch" forName="balance_22" refType="w" fact="0.9"/>
+        <dgm:constr type="h" for="ch" forName="balance_22" refType="h" fact="0.076"/>
+        <dgm:constr type="b" for="ch" forName="balance_22" refType="h" fact="0.81"/>
+        <dgm:constr type="ctrX" for="ch" forName="balance_22" refType="w" fact="0.5"/>
+        <dgm:constr type="w" for="ch" forName="balance_23" refType="w"/>
+        <dgm:constr type="h" for="ch" forName="balance_23" refType="h" fact="0.157"/>
+        <dgm:constr type="b" for="ch" forName="balance_23" refType="h" fact="0.85"/>
+        <dgm:constr type="ctrX" for="ch" forName="balance_23" refType="w" fact="0.5"/>
+        <dgm:constr type="w" for="ch" forName="balance_24" refType="w"/>
+        <dgm:constr type="h" for="ch" forName="balance_24" refType="h" fact="0.157"/>
+        <dgm:constr type="b" for="ch" forName="balance_24" refType="h" fact="0.85"/>
+        <dgm:constr type="ctrX" for="ch" forName="balance_24" refType="w" fact="0.5"/>
+        <dgm:constr type="w" for="ch" forName="balance_30" refType="w"/>
+        <dgm:constr type="h" for="ch" forName="balance_30" refType="h" fact="0.157"/>
+        <dgm:constr type="b" for="ch" forName="balance_30" refType="h" fact="0.85"/>
+        <dgm:constr type="ctrX" for="ch" forName="balance_30" refType="w" fact="0.5"/>
+        <dgm:constr type="w" for="ch" forName="balance_31" refType="w"/>
+        <dgm:constr type="h" for="ch" forName="balance_31" refType="h" fact="0.157"/>
+        <dgm:constr type="b" for="ch" forName="balance_31" refType="h" fact="0.85"/>
+        <dgm:constr type="ctrX" for="ch" forName="balance_31" refType="w" fact="0.5"/>
+        <dgm:constr type="w" for="ch" forName="balance_32" refType="w"/>
+        <dgm:constr type="h" for="ch" forName="balance_32" refType="h" fact="0.157"/>
+        <dgm:constr type="b" for="ch" forName="balance_32" refType="h" fact="0.85"/>
+        <dgm:constr type="ctrX" for="ch" forName="balance_32" refType="w" fact="0.5"/>
+        <dgm:constr type="w" for="ch" forName="balance_33" refType="w" fact="0.9"/>
+        <dgm:constr type="h" for="ch" forName="balance_33" refType="h" fact="0.076"/>
+        <dgm:constr type="b" for="ch" forName="balance_33" refType="h" fact="0.81"/>
+        <dgm:constr type="ctrX" for="ch" forName="balance_33" refType="w" fact="0.5"/>
+        <dgm:constr type="w" for="ch" forName="balance_34" refType="w"/>
+        <dgm:constr type="h" for="ch" forName="balance_34" refType="h" fact="0.157"/>
+        <dgm:constr type="b" for="ch" forName="balance_34" refType="h" fact="0.85"/>
+        <dgm:constr type="ctrX" for="ch" forName="balance_34" refType="w" fact="0.5"/>
+        <dgm:constr type="w" for="ch" forName="balance_40" refType="w"/>
+        <dgm:constr type="h" for="ch" forName="balance_40" refType="h" fact="0.157"/>
+        <dgm:constr type="b" for="ch" forName="balance_40" refType="h" fact="0.85"/>
+        <dgm:constr type="ctrX" for="ch" forName="balance_40" refType="w" fact="0.5"/>
+        <dgm:constr type="w" for="ch" forName="balance_41" refType="w"/>
+        <dgm:constr type="h" for="ch" forName="balance_41" refType="h" fact="0.157"/>
+        <dgm:constr type="b" for="ch" forName="balance_41" refType="h" fact="0.85"/>
+        <dgm:constr type="ctrX" for="ch" forName="balance_41" refType="w" fact="0.5"/>
+        <dgm:constr type="w" for="ch" forName="balance_42" refType="w"/>
+        <dgm:constr type="h" for="ch" forName="balance_42" refType="h" fact="0.157"/>
+        <dgm:constr type="b" for="ch" forName="balance_42" refType="h" fact="0.85"/>
+        <dgm:constr type="ctrX" for="ch" forName="balance_42" refType="w" fact="0.5"/>
+        <dgm:constr type="w" for="ch" forName="balance_43" refType="w"/>
+        <dgm:constr type="h" for="ch" forName="balance_43" refType="h" fact="0.157"/>
+        <dgm:constr type="b" for="ch" forName="balance_43" refType="h" fact="0.85"/>
+        <dgm:constr type="ctrX" for="ch" forName="balance_43" refType="w" fact="0.5"/>
+        <dgm:constr type="w" for="ch" forName="balance_44" refType="w" fact="0.9"/>
+        <dgm:constr type="h" for="ch" forName="balance_44" refType="h" fact="0.076"/>
+        <dgm:constr type="b" for="ch" forName="balance_44" refType="h" fact="0.81"/>
+        <dgm:constr type="ctrX" for="ch" forName="balance_44" refType="w" fact="0.5"/>
+        <dgm:constr type="w" for="ch" forName="right_01_1" refType="w" fact="0.4"/>
+        <dgm:constr type="h" for="ch" forName="right_01_1" refType="h" fact="0.7"/>
+        <dgm:constr type="b" for="ch" forName="right_01_1" refType="h" fact="0.76"/>
+        <dgm:constr type="ctrX" for="ch" forName="right_01_1" refType="w" fact="0.78"/>
+        <dgm:constr type="w" for="ch" forName="left_10_1" refType="w" fact="0.4"/>
+        <dgm:constr type="h" for="ch" forName="left_10_1" refType="h" fact="0.7"/>
+        <dgm:constr type="b" for="ch" forName="left_10_1" refType="h" fact="0.76"/>
+        <dgm:constr type="ctrX" for="ch" forName="left_10_1" refType="w" fact="0.22"/>
+        <dgm:constr type="w" for="ch" forName="right_11_1" refType="w" fact="0.36"/>
+        <dgm:constr type="h" for="ch" forName="right_11_1" refType="h" fact="0.67"/>
+        <dgm:constr type="b" for="ch" forName="right_11_1" refType="h" fact="0.725"/>
+        <dgm:constr type="ctrX" for="ch" forName="right_11_1" refType="w" fact="0.76"/>
+        <dgm:constr type="w" for="ch" forName="left_11_1" refType="w" fact="0.36"/>
+        <dgm:constr type="h" for="ch" forName="left_11_1" refType="h" fact="0.67"/>
+        <dgm:constr type="b" for="ch" forName="left_11_1" refType="h" fact="0.725"/>
+        <dgm:constr type="ctrX" for="ch" forName="left_11_1" refType="w" fact="0.24"/>
+        <dgm:constr type="w" for="ch" forName="right_02_1" refType="w" fact="0.388"/>
+        <dgm:constr type="h" for="ch" forName="right_02_1" refType="h" fact="0.36"/>
+        <dgm:constr type="b" for="ch" forName="right_02_1" refType="h" fact="0.76"/>
+        <dgm:constr type="ctrX" for="ch" forName="right_02_1" refType="w" fact="0.77"/>
+        <dgm:constr type="w" for="ch" forName="right_02_2" refType="w" fact="0.388"/>
+        <dgm:constr type="h" for="ch" forName="right_02_2" refType="h" fact="0.36"/>
+        <dgm:constr type="b" for="ch" forName="right_02_2" refType="h" fact="0.42"/>
+        <dgm:constr type="ctrX" for="ch" forName="right_02_2" refType="w" fact="0.79"/>
+        <dgm:constr type="w" for="ch" forName="left_20_1" refType="w" fact="0.388"/>
+        <dgm:constr type="h" for="ch" forName="left_20_1" refType="h" fact="0.36"/>
+        <dgm:constr type="b" for="ch" forName="left_20_1" refType="h" fact="0.76"/>
+        <dgm:constr type="ctrX" for="ch" forName="left_20_1" refType="w" fact="0.23"/>
+        <dgm:constr type="w" for="ch" forName="left_20_2" refType="w" fact="0.388"/>
+        <dgm:constr type="h" for="ch" forName="left_20_2" refType="h" fact="0.36"/>
+        <dgm:constr type="b" for="ch" forName="left_20_2" refType="h" fact="0.42"/>
+        <dgm:constr type="ctrX" for="ch" forName="left_20_2" refType="w" fact="0.21"/>
+        <dgm:constr type="w" for="ch" forName="right_12_1" refType="w" fact="0.388"/>
+        <dgm:constr type="h" for="ch" forName="right_12_1" refType="h" fact="0.36"/>
+        <dgm:constr type="b" for="ch" forName="right_12_1" refType="h" fact="0.76"/>
+        <dgm:constr type="ctrX" for="ch" forName="right_12_1" refType="w" fact="0.77"/>
+        <dgm:constr type="w" for="ch" forName="right_12_2" refType="w" fact="0.388"/>
+        <dgm:constr type="h" for="ch" forName="right_12_2" refType="h" fact="0.36"/>
+        <dgm:constr type="b" for="ch" forName="right_12_2" refType="h" fact="0.42"/>
+        <dgm:constr type="ctrX" for="ch" forName="right_12_2" refType="w" fact="0.79"/>
+        <dgm:constr type="w" for="ch" forName="left_12_1" refType="w" fact="0.388"/>
+        <dgm:constr type="h" for="ch" forName="left_12_1" refType="h" fact="0.36"/>
+        <dgm:constr type="b" for="ch" forName="left_12_1" refType="h" fact="0.715"/>
+        <dgm:constr type="ctrX" for="ch" forName="left_12_1" refType="w" fact="0.255"/>
+        <dgm:constr type="w" for="ch" forName="right_22_1" refType="w" fact="0.36"/>
+        <dgm:constr type="h" for="ch" forName="right_22_1" refType="h" fact="0.32"/>
+        <dgm:constr type="b" for="ch" forName="right_22_1" refType="h" fact="0.725"/>
+        <dgm:constr type="ctrX" for="ch" forName="right_22_1" refType="w" fact="0.76"/>
+        <dgm:constr type="w" for="ch" forName="right_22_2" refType="w" fact="0.36"/>
+        <dgm:constr type="h" for="ch" forName="right_22_2" refType="h" fact="0.32"/>
+        <dgm:constr type="b" for="ch" forName="right_22_2" refType="h" fact="0.39"/>
+        <dgm:constr type="ctrX" for="ch" forName="right_22_2" refType="w" fact="0.76"/>
+        <dgm:constr type="w" for="ch" forName="left_22_1" refType="w" fact="0.36"/>
+        <dgm:constr type="h" for="ch" forName="left_22_1" refType="h" fact="0.32"/>
+        <dgm:constr type="b" for="ch" forName="left_22_1" refType="h" fact="0.725"/>
+        <dgm:constr type="ctrX" for="ch" forName="left_22_1" refType="w" fact="0.24"/>
+        <dgm:constr type="w" for="ch" forName="left_22_2" refType="w" fact="0.36"/>
+        <dgm:constr type="h" for="ch" forName="left_22_2" refType="h" fact="0.32"/>
+        <dgm:constr type="b" for="ch" forName="left_22_2" refType="h" fact="0.39"/>
+        <dgm:constr type="ctrX" for="ch" forName="left_22_2" refType="w" fact="0.24"/>
+        <dgm:constr type="w" for="ch" forName="left_21_1" refType="w" fact="0.388"/>
+        <dgm:constr type="h" for="ch" forName="left_21_1" refType="h" fact="0.36"/>
+        <dgm:constr type="b" for="ch" forName="left_21_1" refType="h" fact="0.76"/>
+        <dgm:constr type="ctrX" for="ch" forName="left_21_1" refType="w" fact="0.23"/>
+        <dgm:constr type="w" for="ch" forName="left_21_2" refType="w" fact="0.388"/>
+        <dgm:constr type="h" for="ch" forName="left_21_2" refType="h" fact="0.36"/>
+        <dgm:constr type="b" for="ch" forName="left_21_2" refType="h" fact="0.42"/>
+        <dgm:constr type="ctrX" for="ch" forName="left_21_2" refType="w" fact="0.21"/>
+        <dgm:constr type="w" for="ch" forName="right_21_1" refType="w" fact="0.388"/>
+        <dgm:constr type="h" for="ch" forName="right_21_1" refType="h" fact="0.36"/>
+        <dgm:constr type="b" for="ch" forName="right_21_1" refType="h" fact="0.715"/>
+        <dgm:constr type="ctrX" for="ch" forName="right_21_1" refType="w" fact="0.745"/>
+        <dgm:constr type="w" for="ch" forName="right_03_1" refType="w" fact="0.37"/>
+        <dgm:constr type="h" for="ch" forName="right_03_1" refType="h" fact="0.24"/>
+        <dgm:constr type="b" for="ch" forName="right_03_1" refType="h" fact="0.76"/>
+        <dgm:constr type="ctrX" for="ch" forName="right_03_1" refType="w" fact="0.77"/>
+        <dgm:constr type="w" for="ch" forName="right_03_2" refType="w" fact="0.37"/>
+        <dgm:constr type="h" for="ch" forName="right_03_2" refType="h" fact="0.24"/>
+        <dgm:constr type="b" for="ch" forName="right_03_2" refType="h" fact="0.535"/>
+        <dgm:constr type="ctrX" for="ch" forName="right_03_2" refType="w" fact="0.783"/>
+        <dgm:constr type="w" for="ch" forName="right_03_3" refType="w" fact="0.37"/>
+        <dgm:constr type="h" for="ch" forName="right_03_3" refType="h" fact="0.24"/>
+        <dgm:constr type="b" for="ch" forName="right_03_3" refType="h" fact="0.315"/>
+        <dgm:constr type="ctrX" for="ch" forName="right_03_3" refType="w" fact="0.796"/>
+        <dgm:constr type="w" for="ch" forName="left_30_1" refType="w" fact="0.37"/>
+        <dgm:constr type="h" for="ch" forName="left_30_1" refType="h" fact="0.24"/>
+        <dgm:constr type="b" for="ch" forName="left_30_1" refType="h" fact="0.76"/>
+        <dgm:constr type="ctrX" for="ch" forName="left_30_1" refType="w" fact="0.23"/>
+        <dgm:constr type="w" for="ch" forName="left_30_2" refType="w" fact="0.37"/>
+        <dgm:constr type="h" for="ch" forName="left_30_2" refType="h" fact="0.24"/>
+        <dgm:constr type="b" for="ch" forName="left_30_2" refType="h" fact="0.535"/>
+        <dgm:constr type="ctrX" for="ch" forName="left_30_2" refType="w" fact="0.217"/>
+        <dgm:constr type="w" for="ch" forName="left_30_3" refType="w" fact="0.37"/>
+        <dgm:constr type="h" for="ch" forName="left_30_3" refType="h" fact="0.24"/>
+        <dgm:constr type="b" for="ch" forName="left_30_3" refType="h" fact="0.315"/>
+        <dgm:constr type="ctrX" for="ch" forName="left_30_3" refType="w" fact="0.204"/>
+        <dgm:constr type="w" for="ch" forName="right_13_1" refType="w" fact="0.37"/>
+        <dgm:constr type="h" for="ch" forName="right_13_1" refType="h" fact="0.24"/>
+        <dgm:constr type="b" for="ch" forName="right_13_1" refType="h" fact="0.76"/>
+        <dgm:constr type="ctrX" for="ch" forName="right_13_1" refType="w" fact="0.77"/>
+        <dgm:constr type="w" for="ch" forName="right_13_2" refType="w" fact="0.37"/>
+        <dgm:constr type="h" for="ch" forName="right_13_2" refType="h" fact="0.24"/>
+        <dgm:constr type="b" for="ch" forName="right_13_2" refType="h" fact="0.535"/>
+        <dgm:constr type="ctrX" for="ch" forName="right_13_2" refType="w" fact="0.783"/>
+        <dgm:constr type="w" for="ch" forName="right_13_3" refType="w" fact="0.37"/>
+        <dgm:constr type="h" for="ch" forName="right_13_3" refType="h" fact="0.24"/>
+        <dgm:constr type="b" for="ch" forName="right_13_3" refType="h" fact="0.315"/>
+        <dgm:constr type="ctrX" for="ch" forName="right_13_3" refType="w" fact="0.796"/>
+        <dgm:constr type="w" for="ch" forName="left_13_1" refType="w" fact="0.37"/>
+        <dgm:constr type="h" for="ch" forName="left_13_1" refType="h" fact="0.24"/>
+        <dgm:constr type="b" for="ch" forName="left_13_1" refType="h" fact="0.715"/>
+        <dgm:constr type="ctrX" for="ch" forName="left_13_1" refType="w" fact="0.255"/>
+        <dgm:constr type="w" for="ch" forName="left_31_1" refType="w" fact="0.37"/>
+        <dgm:constr type="h" for="ch" forName="left_31_1" refType="h" fact="0.24"/>
+        <dgm:constr type="b" for="ch" forName="left_31_1" refType="h" fact="0.76"/>
+        <dgm:constr type="ctrX" for="ch" forName="left_31_1" refType="w" fact="0.23"/>
+        <dgm:constr type="w" for="ch" forName="left_31_2" refType="w" fact="0.37"/>
+        <dgm:constr type="h" for="ch" forName="left_31_2" refType="h" fact="0.24"/>
+        <dgm:constr type="b" for="ch" forName="left_31_2" refType="h" fact="0.535"/>
+        <dgm:constr type="ctrX" for="ch" forName="left_31_2" refType="w" fact="0.217"/>
+        <dgm:constr type="w" for="ch" forName="left_31_3" refType="w" fact="0.37"/>
+        <dgm:constr type="h" for="ch" forName="left_31_3" refType="h" fact="0.24"/>
+        <dgm:constr type="b" for="ch" forName="left_31_3" refType="h" fact="0.315"/>
+        <dgm:constr type="ctrX" for="ch" forName="left_31_3" refType="w" fact="0.204"/>
+        <dgm:constr type="w" for="ch" forName="right_31_1" refType="w" fact="0.37"/>
+        <dgm:constr type="h" for="ch" forName="right_31_1" refType="h" fact="0.24"/>
+        <dgm:constr type="b" for="ch" forName="right_31_1" refType="h" fact="0.715"/>
+        <dgm:constr type="ctrX" for="ch" forName="right_31_1" refType="w" fact="0.745"/>
+        <dgm:constr type="w" for="ch" forName="right_23_1" refType="w" fact="0.37"/>
+        <dgm:constr type="h" for="ch" forName="right_23_1" refType="h" fact="0.24"/>
+        <dgm:constr type="b" for="ch" forName="right_23_1" refType="h" fact="0.76"/>
+        <dgm:constr type="ctrX" for="ch" forName="right_23_1" refType="w" fact="0.77"/>
+        <dgm:constr type="w" for="ch" forName="right_23_2" refType="w" fact="0.37"/>
+        <dgm:constr type="h" for="ch" forName="right_23_2" refType="h" fact="0.24"/>
+        <dgm:constr type="b" for="ch" forName="right_23_2" refType="h" fact="0.535"/>
+        <dgm:constr type="ctrX" for="ch" forName="right_23_2" refType="w" fact="0.783"/>
+        <dgm:constr type="w" for="ch" forName="right_23_3" refType="w" fact="0.37"/>
+        <dgm:constr type="h" for="ch" forName="right_23_3" refType="h" fact="0.24"/>
+        <dgm:constr type="b" for="ch" forName="right_23_3" refType="h" fact="0.315"/>
+        <dgm:constr type="ctrX" for="ch" forName="right_23_3" refType="w" fact="0.796"/>
+        <dgm:constr type="w" for="ch" forName="left_23_1" refType="w" fact="0.37"/>
+        <dgm:constr type="h" for="ch" forName="left_23_1" refType="h" fact="0.24"/>
+        <dgm:constr type="b" for="ch" forName="left_23_1" refType="h" fact="0.715"/>
+        <dgm:constr type="ctrX" for="ch" forName="left_23_1" refType="w" fact="0.255"/>
+        <dgm:constr type="w" for="ch" forName="left_23_2" refType="w" fact="0.37"/>
+        <dgm:constr type="h" for="ch" forName="left_23_2" refType="h" fact="0.24"/>
+        <dgm:constr type="b" for="ch" forName="left_23_2" refType="h" fact="0.49"/>
+        <dgm:constr type="ctrX" for="ch" forName="left_23_2" refType="w" fact="0.268"/>
+        <dgm:constr type="w" for="ch" forName="left_32_1" refType="w" fact="0.37"/>
+        <dgm:constr type="h" for="ch" forName="left_32_1" refType="h" fact="0.24"/>
+        <dgm:constr type="b" for="ch" forName="left_32_1" refType="h" fact="0.76"/>
+        <dgm:constr type="ctrX" for="ch" forName="left_32_1" refType="w" fact="0.23"/>
+        <dgm:constr type="w" for="ch" forName="left_32_2" refType="w" fact="0.37"/>
+        <dgm:constr type="h" for="ch" forName="left_32_2" refType="h" fact="0.24"/>
+        <dgm:constr type="b" for="ch" forName="left_32_2" refType="h" fact="0.535"/>
+        <dgm:constr type="ctrX" for="ch" forName="left_32_2" refType="w" fact="0.217"/>
+        <dgm:constr type="w" for="ch" forName="left_32_3" refType="w" fact="0.37"/>
+        <dgm:constr type="h" for="ch" forName="left_32_3" refType="h" fact="0.24"/>
+        <dgm:constr type="b" for="ch" forName="left_32_3" refType="h" fact="0.315"/>
+        <dgm:constr type="ctrX" for="ch" forName="left_32_3" refType="w" fact="0.204"/>
+        <dgm:constr type="w" for="ch" forName="right_32_1" refType="w" fact="0.37"/>
+        <dgm:constr type="h" for="ch" forName="right_32_1" refType="h" fact="0.24"/>
+        <dgm:constr type="b" for="ch" forName="right_32_1" refType="h" fact="0.715"/>
+        <dgm:constr type="ctrX" for="ch" forName="right_32_1" refType="w" fact="0.745"/>
+        <dgm:constr type="w" for="ch" forName="right_32_2" refType="w" fact="0.37"/>
+        <dgm:constr type="h" for="ch" forName="right_32_2" refType="h" fact="0.24"/>
+        <dgm:constr type="b" for="ch" forName="right_32_2" refType="h" fact="0.49"/>
+        <dgm:constr type="ctrX" for="ch" forName="right_32_2" refType="w" fact="0.732"/>
+        <dgm:constr type="w" for="ch" forName="right_33_1" refType="w" fact="0.36"/>
+        <dgm:constr type="h" for="ch" forName="right_33_1" refType="h" fact="0.21"/>
+        <dgm:constr type="b" for="ch" forName="right_33_1" refType="h" fact="0.725"/>
+        <dgm:constr type="ctrX" for="ch" forName="right_33_1" refType="w" fact="0.76"/>
+        <dgm:constr type="w" for="ch" forName="right_33_2" refType="w" fact="0.36"/>
+        <dgm:constr type="h" for="ch" forName="right_33_2" refType="h" fact="0.21"/>
+        <dgm:constr type="b" for="ch" forName="right_33_2" refType="h" fact="0.5"/>
+        <dgm:constr type="ctrX" for="ch" forName="right_33_2" refType="w" fact="0.76"/>
+        <dgm:constr type="w" for="ch" forName="right_33_3" refType="w" fact="0.36"/>
+        <dgm:constr type="h" for="ch" forName="right_33_3" refType="h" fact="0.21"/>
+        <dgm:constr type="b" for="ch" forName="right_33_3" refType="h" fact="0.275"/>
+        <dgm:constr type="ctrX" for="ch" forName="right_33_3" refType="w" fact="0.76"/>
+        <dgm:constr type="w" for="ch" forName="left_33_1" refType="w" fact="0.36"/>
+        <dgm:constr type="h" for="ch" forName="left_33_1" refType="h" fact="0.21"/>
+        <dgm:constr type="b" for="ch" forName="left_33_1" refType="h" fact="0.725"/>
+        <dgm:constr type="ctrX" for="ch" forName="left_33_1" refType="w" fact="0.24"/>
+        <dgm:constr type="w" for="ch" forName="left_33_2" refType="w" fact="0.36"/>
+        <dgm:constr type="h" for="ch" forName="left_33_2" refType="h" fact="0.21"/>
+        <dgm:constr type="b" for="ch" forName="left_33_2" refType="h" fact="0.5"/>
+        <dgm:constr type="ctrX" for="ch" forName="left_33_2" refType="w" fact="0.24"/>
+        <dgm:constr type="w" for="ch" forName="left_33_3" refType="w" fact="0.36"/>
+        <dgm:constr type="h" for="ch" forName="left_33_3" refType="h" fact="0.21"/>
+        <dgm:constr type="b" for="ch" forName="left_33_3" refType="h" fact="0.275"/>
+        <dgm:constr type="ctrX" for="ch" forName="left_33_3" refType="w" fact="0.24"/>
+        <dgm:constr type="w" for="ch" forName="right_04_1" refType="w" fact="0.365"/>
+        <dgm:constr type="h" for="ch" forName="right_04_1" refType="h" fact="0.185"/>
+        <dgm:constr type="b" for="ch" forName="right_04_1" refType="h" fact="0.76"/>
+        <dgm:constr type="ctrX" for="ch" forName="right_04_1" refType="w" fact="0.77"/>
+        <dgm:constr type="w" for="ch" forName="right_04_2" refType="w" fact="0.365"/>
+        <dgm:constr type="h" for="ch" forName="right_04_2" refType="h" fact="0.185"/>
+        <dgm:constr type="b" for="ch" forName="right_04_2" refType="h" fact="0.595"/>
+        <dgm:constr type="ctrX" for="ch" forName="right_04_2" refType="w" fact="0.78"/>
+        <dgm:constr type="w" for="ch" forName="right_04_3" refType="w" fact="0.365"/>
+        <dgm:constr type="h" for="ch" forName="right_04_3" refType="h" fact="0.185"/>
+        <dgm:constr type="b" for="ch" forName="right_04_3" refType="h" fact="0.43"/>
+        <dgm:constr type="ctrX" for="ch" forName="right_04_3" refType="w" fact="0.79"/>
+        <dgm:constr type="w" for="ch" forName="right_04_4" refType="w" fact="0.365"/>
+        <dgm:constr type="h" for="ch" forName="right_04_4" refType="h" fact="0.185"/>
+        <dgm:constr type="b" for="ch" forName="right_04_4" refType="h" fact="0.265"/>
+        <dgm:constr type="ctrX" for="ch" forName="right_04_4" refType="w" fact="0.8"/>
+        <dgm:constr type="w" for="ch" forName="left_40_1" refType="w" fact="0.365"/>
+        <dgm:constr type="h" for="ch" forName="left_40_1" refType="h" fact="0.185"/>
+        <dgm:constr type="b" for="ch" forName="left_40_1" refType="h" fact="0.76"/>
+        <dgm:constr type="ctrX" for="ch" forName="left_40_1" refType="w" fact="0.23"/>
+        <dgm:constr type="w" for="ch" forName="left_40_2" refType="w" fact="0.365"/>
+        <dgm:constr type="h" for="ch" forName="left_40_2" refType="h" fact="0.185"/>
+        <dgm:constr type="b" for="ch" forName="left_40_2" refType="h" fact="0.595"/>
+        <dgm:constr type="ctrX" for="ch" forName="left_40_2" refType="w" fact="0.22"/>
+        <dgm:constr type="w" for="ch" forName="left_40_3" refType="w" fact="0.365"/>
+        <dgm:constr type="h" for="ch" forName="left_40_3" refType="h" fact="0.185"/>
+        <dgm:constr type="b" for="ch" forName="left_40_3" refType="h" fact="0.43"/>
+        <dgm:constr type="ctrX" for="ch" forName="left_40_3" refType="w" fact="0.21"/>
+        <dgm:constr type="w" for="ch" forName="left_40_4" refType="w" fact="0.365"/>
+        <dgm:constr type="h" for="ch" forName="left_40_4" refType="h" fact="0.185"/>
+        <dgm:constr type="b" for="ch" forName="left_40_4" refType="h" fact="0.265"/>
+        <dgm:constr type="ctrX" for="ch" forName="left_40_4" refType="w" fact="0.2"/>
+        <dgm:constr type="w" for="ch" forName="right_14_1" refType="w" fact="0.365"/>
+        <dgm:constr type="h" for="ch" forName="right_14_1" refType="h" fact="0.185"/>
+        <dgm:constr type="b" for="ch" forName="right_14_1" refType="h" fact="0.76"/>
+        <dgm:constr type="ctrX" for="ch" forName="right_14_1" refType="w" fact="0.77"/>
+        <dgm:constr type="w" for="ch" forName="right_14_2" refType="w" fact="0.365"/>
+        <dgm:constr type="h" for="ch" forName="right_14_2" refType="h" fact="0.185"/>
+        <dgm:constr type="b" for="ch" forName="right_14_2" refType="h" fact="0.595"/>
+        <dgm:constr type="ctrX" for="ch" forName="right_14_2" refType="w" fact="0.78"/>
+        <dgm:constr type="w" for="ch" forName="right_14_3" refType="w" fact="0.365"/>
+        <dgm:constr type="h" for="ch" forName="right_14_3" refType="h" fact="0.185"/>
+        <dgm:constr type="b" for="ch" forName="right_14_3" refType="h" fact="0.43"/>
+        <dgm:constr type="ctrX" for="ch" forName="right_14_3" refType="w" fact="0.79"/>
+        <dgm:constr type="w" for="ch" forName="right_14_4" refType="w" fact="0.365"/>
+        <dgm:constr type="h" for="ch" forName="right_14_4" refType="h" fact="0.185"/>
+        <dgm:constr type="b" for="ch" forName="right_14_4" refType="h" fact="0.265"/>
+        <dgm:constr type="ctrX" for="ch" forName="right_14_4" refType="w" fact="0.8"/>
+        <dgm:constr type="w" for="ch" forName="left_14_1" refType="w" fact="0.365"/>
+        <dgm:constr type="h" for="ch" forName="left_14_1" refType="h" fact="0.185"/>
+        <dgm:constr type="b" for="ch" forName="left_14_1" refType="h" fact="0.715"/>
+        <dgm:constr type="ctrX" for="ch" forName="left_14_1" refType="w" fact="0.25"/>
+        <dgm:constr type="w" for="ch" forName="left_41_1" refType="w" fact="0.365"/>
+        <dgm:constr type="h" for="ch" forName="left_41_1" refType="h" fact="0.185"/>
+        <dgm:constr type="b" for="ch" forName="left_41_1" refType="h" fact="0.76"/>
+        <dgm:constr type="ctrX" for="ch" forName="left_41_1" refType="w" fact="0.23"/>
+        <dgm:constr type="w" for="ch" forName="left_41_2" refType="w" fact="0.365"/>
+        <dgm:constr type="h" for="ch" forName="left_41_2" refType="h" fact="0.185"/>
+        <dgm:constr type="b" for="ch" forName="left_41_2" refType="h" fact="0.595"/>
+        <dgm:constr type="ctrX" for="ch" forName="left_41_2" refType="w" fact="0.22"/>
+        <dgm:constr type="w" for="ch" forName="left_41_3" refType="w" fact="0.365"/>
+        <dgm:constr type="h" for="ch" forName="left_41_3" refType="h" fact="0.185"/>
+        <dgm:constr type="b" for="ch" forName="left_41_3" refType="h" fact="0.43"/>
+        <dgm:constr type="ctrX" for="ch" forName="left_41_3" refType="w" fact="0.21"/>
+        <dgm:constr type="w" for="ch" forName="left_41_4" refType="w" fact="0.365"/>
+        <dgm:constr type="h" for="ch" forName="left_41_4" refType="h" fact="0.185"/>
+        <dgm:constr type="b" for="ch" forName="left_41_4" refType="h" fact="0.265"/>
+        <dgm:constr type="ctrX" for="ch" forName="left_41_4" refType="w" fact="0.2"/>
+        <dgm:constr type="w" for="ch" forName="right_41_1" refType="w" fact="0.365"/>
+        <dgm:constr type="h" for="ch" forName="right_41_1" refType="h" fact="0.185"/>
+        <dgm:constr type="b" for="ch" forName="right_41_1" refType="h" fact="0.715"/>
+        <dgm:constr type="ctrX" for="ch" forName="right_41_1" refType="w" fact="0.75"/>
+        <dgm:constr type="w" for="ch" forName="right_24_1" refType="w" fact="0.365"/>
+        <dgm:constr type="h" for="ch" forName="right_24_1" refType="h" fact="0.185"/>
+        <dgm:constr type="b" for="ch" forName="right_24_1" refType="h" fact="0.76"/>
+        <dgm:constr type="ctrX" for="ch" forName="right_24_1" refType="w" fact="0.77"/>
+        <dgm:constr type="w" for="ch" forName="right_24_2" refType="w" fact="0.365"/>
+        <dgm:constr type="h" for="ch" forName="right_24_2" refType="h" fact="0.185"/>
+        <dgm:constr type="b" for="ch" forName="right_24_2" refType="h" fact="0.595"/>
+        <dgm:constr type="ctrX" for="ch" forName="right_24_2" refType="w" fact="0.78"/>
+        <dgm:constr type="w" for="ch" forName="right_24_3" refType="w" fact="0.365"/>
+        <dgm:constr type="h" for="ch" forName="right_24_3" refType="h" fact="0.185"/>
+        <dgm:constr type="b" for="ch" forName="right_24_3" refType="h" fact="0.43"/>
+        <dgm:constr type="ctrX" for="ch" forName="right_24_3" refType="w" fact="0.79"/>
+        <dgm:constr type="w" for="ch" forName="right_24_4" refType="w" fact="0.365"/>
+        <dgm:constr type="h" for="ch" forName="right_24_4" refType="h" fact="0.185"/>
+        <dgm:constr type="b" for="ch" forName="right_24_4" refType="h" fact="0.265"/>
+        <dgm:constr type="ctrX" for="ch" forName="right_24_4" refType="w" fact="0.8"/>
+        <dgm:constr type="w" for="ch" forName="left_24_1" refType="w" fact="0.365"/>
+        <dgm:constr type="h" for="ch" forName="left_24_1" refType="h" fact="0.185"/>
+        <dgm:constr type="b" for="ch" forName="left_24_1" refType="h" fact="0.715"/>
+        <dgm:constr type="ctrX" for="ch" forName="left_24_1" refType="w" fact="0.25"/>
+        <dgm:constr type="w" for="ch" forName="left_24_2" refType="w" fact="0.365"/>
+        <dgm:constr type="h" for="ch" forName="left_24_2" refType="h" fact="0.185"/>
+        <dgm:constr type="b" for="ch" forName="left_24_2" refType="h" fact="0.55"/>
+        <dgm:constr type="ctrX" for="ch" forName="left_24_2" refType="w" fact="0.26"/>
+        <dgm:constr type="w" for="ch" forName="left_42_1" refType="w" fact="0.365"/>
+        <dgm:constr type="h" for="ch" forName="left_42_1" refType="h" fact="0.185"/>
+        <dgm:constr type="b" for="ch" forName="left_42_1" refType="h" fact="0.76"/>
+        <dgm:constr type="ctrX" for="ch" forName="left_42_1" refType="w" fact="0.23"/>
+        <dgm:constr type="w" for="ch" forName="left_42_2" refType="w" fact="0.365"/>
+        <dgm:constr type="h" for="ch" forName="left_42_2" refType="h" fact="0.185"/>
+        <dgm:constr type="b" for="ch" forName="left_42_2" refType="h" fact="0.595"/>
+        <dgm:constr type="ctrX" for="ch" forName="left_42_2" refType="w" fact="0.22"/>
+        <dgm:constr type="w" for="ch" forName="left_42_3" refType="w" fact="0.365"/>
+        <dgm:constr type="h" for="ch" forName="left_42_3" refType="h" fact="0.185"/>
+        <dgm:constr type="b" for="ch" forName="left_42_3" refType="h" fact="0.43"/>
+        <dgm:constr type="ctrX" for="ch" forName="left_42_3" refType="w" fact="0.21"/>
+        <dgm:constr type="w" for="ch" forName="left_42_4" refType="w" fact="0.365"/>
+        <dgm:constr type="h" for="ch" forName="left_42_4" refType="h" fact="0.185"/>
+        <dgm:constr type="b" for="ch" forName="left_42_4" refType="h" fact="0.265"/>
+        <dgm:constr type="ctrX" for="ch" forName="left_42_4" refType="w" fact="0.2"/>
+        <dgm:constr type="w" for="ch" forName="right_42_1" refType="w" fact="0.365"/>
+        <dgm:constr type="h" for="ch" forName="right_42_1" refType="h" fact="0.185"/>
+        <dgm:constr type="b" for="ch" forName="right_42_1" refType="h" fact="0.715"/>
+        <dgm:constr type="ctrX" for="ch" forName="right_42_1" refType="w" fact="0.75"/>
+        <dgm:constr type="w" for="ch" forName="right_42_2" refType="w" fact="0.365"/>
+        <dgm:constr type="h" for="ch" forName="right_42_2" refType="h" fact="0.185"/>
+        <dgm:constr type="b" for="ch" forName="right_42_2" refType="h" fact="0.55"/>
+        <dgm:constr type="ctrX" for="ch" forName="right_42_2" refType="w" fact="0.74"/>
+        <dgm:constr type="w" for="ch" forName="right_34_1" refType="w" fact="0.365"/>
+        <dgm:constr type="h" for="ch" forName="right_34_1" refType="h" fact="0.185"/>
+        <dgm:constr type="b" for="ch" forName="right_34_1" refType="h" fact="0.76"/>
+        <dgm:constr type="ctrX" for="ch" forName="right_34_1" refType="w" fact="0.77"/>
+        <dgm:constr type="w" for="ch" forName="right_34_2" refType="w" fact="0.365"/>
+        <dgm:constr type="h" for="ch" forName="right_34_2" refType="h" fact="0.185"/>
+        <dgm:constr type="b" for="ch" forName="right_34_2" refType="h" fact="0.595"/>
+        <dgm:constr type="ctrX" for="ch" forName="right_34_2" refType="w" fact="0.78"/>
+        <dgm:constr type="w" for="ch" forName="right_34_3" refType="w" fact="0.365"/>
+        <dgm:constr type="h" for="ch" forName="right_34_3" refType="h" fact="0.185"/>
+        <dgm:constr type="b" for="ch" forName="right_34_3" refType="h" fact="0.43"/>
+        <dgm:constr type="ctrX" for="ch" forName="right_34_3" refType="w" fact="0.79"/>
+        <dgm:constr type="w" for="ch" forName="right_34_4" refType="w" fact="0.365"/>
+        <dgm:constr type="h" for="ch" forName="right_34_4" refType="h" fact="0.185"/>
+        <dgm:constr type="b" for="ch" forName="right_34_4" refType="h" fact="0.265"/>
+        <dgm:constr type="ctrX" for="ch" forName="right_34_4" refType="w" fact="0.8"/>
+        <dgm:constr type="w" for="ch" forName="left_34_1" refType="w" fact="0.365"/>
+        <dgm:constr type="h" for="ch" forName="left_34_1" refType="h" fact="0.185"/>
+        <dgm:constr type="b" for="ch" forName="left_34_1" refType="h" fact="0.715"/>
+        <dgm:constr type="ctrX" for="ch" forName="left_34_1" refType="w" fact="0.25"/>
+        <dgm:constr type="w" for="ch" forName="left_34_2" refType="w" fact="0.365"/>
+        <dgm:constr type="h" for="ch" forName="left_34_2" refType="h" fact="0.185"/>
+        <dgm:constr type="b" for="ch" forName="left_34_2" refType="h" fact="0.55"/>
+        <dgm:constr type="ctrX" for="ch" forName="left_34_2" refType="w" fact="0.26"/>
+        <dgm:constr type="w" for="ch" forName="left_34_3" refType="w" fact="0.365"/>
+        <dgm:constr type="h" for="ch" forName="left_34_3" refType="h" fact="0.185"/>
+        <dgm:constr type="b" for="ch" forName="left_34_3" refType="h" fact="0.385"/>
+        <dgm:constr type="ctrX" for="ch" forName="left_34_3" refType="w" fact="0.27"/>
+        <dgm:constr type="w" for="ch" forName="left_43_1" refType="w" fact="0.365"/>
+        <dgm:constr type="h" for="ch" forName="left_43_1" refType="h" fact="0.185"/>
+        <dgm:constr type="b" for="ch" forName="left_43_1" refType="h" fact="0.76"/>
+        <dgm:constr type="ctrX" for="ch" forName="left_43_1" refType="w" fact="0.23"/>
+        <dgm:constr type="w" for="ch" forName="left_43_2" refType="w" fact="0.365"/>
+        <dgm:constr type="h" for="ch" forName="left_43_2" refType="h" fact="0.185"/>
+        <dgm:constr type="b" for="ch" forName="left_43_2" refType="h" fact="0.595"/>
+        <dgm:constr type="ctrX" for="ch" forName="left_43_2" refType="w" fact="0.22"/>
+        <dgm:constr type="w" for="ch" forName="left_43_3" refType="w" fact="0.365"/>
+        <dgm:constr type="h" for="ch" forName="left_43_3" refType="h" fact="0.185"/>
+        <dgm:constr type="b" for="ch" forName="left_43_3" refType="h" fact="0.43"/>
+        <dgm:constr type="ctrX" for="ch" forName="left_43_3" refType="w" fact="0.21"/>
+        <dgm:constr type="w" for="ch" forName="left_43_4" refType="w" fact="0.365"/>
+        <dgm:constr type="h" for="ch" forName="left_43_4" refType="h" fact="0.185"/>
+        <dgm:constr type="b" for="ch" forName="left_43_4" refType="h" fact="0.265"/>
+        <dgm:constr type="ctrX" for="ch" forName="left_43_4" refType="w" fact="0.2"/>
+        <dgm:constr type="w" for="ch" forName="right_43_1" refType="w" fact="0.365"/>
+        <dgm:constr type="h" for="ch" forName="right_43_1" refType="h" fact="0.185"/>
+        <dgm:constr type="b" for="ch" forName="right_43_1" refType="h" fact="0.715"/>
+        <dgm:constr type="ctrX" for="ch" forName="right_43_1" refType="w" fact="0.75"/>
+        <dgm:constr type="w" for="ch" forName="right_43_2" refType="w" fact="0.365"/>
+        <dgm:constr type="h" for="ch" forName="right_43_2" refType="h" fact="0.185"/>
+        <dgm:constr type="b" for="ch" forName="right_43_2" refType="h" fact="0.55"/>
+        <dgm:constr type="ctrX" for="ch" forName="right_43_2" refType="w" fact="0.74"/>
+        <dgm:constr type="w" for="ch" forName="right_43_3" refType="w" fact="0.365"/>
+        <dgm:constr type="h" for="ch" forName="right_43_3" refType="h" fact="0.185"/>
+        <dgm:constr type="b" for="ch" forName="right_43_3" refType="h" fact="0.385"/>
+        <dgm:constr type="ctrX" for="ch" forName="right_43_3" refType="w" fact="0.73"/>
+        <dgm:constr type="w" for="ch" forName="right_44_1" refType="w" fact="0.36"/>
+        <dgm:constr type="h" for="ch" forName="right_44_1" refType="h" fact="0.154"/>
+        <dgm:constr type="b" for="ch" forName="right_44_1" refType="h" fact="0.725"/>
+        <dgm:constr type="ctrX" for="ch" forName="right_44_1" refType="w" fact="0.76"/>
+        <dgm:constr type="w" for="ch" forName="right_44_2" refType="w" fact="0.36"/>
+        <dgm:constr type="h" for="ch" forName="right_44_2" refType="h" fact="0.154"/>
+        <dgm:constr type="b" for="ch" forName="right_44_2" refType="h" fact="0.559"/>
+        <dgm:constr type="ctrX" for="ch" forName="right_44_2" refType="w" fact="0.76"/>
+        <dgm:constr type="w" for="ch" forName="right_44_3" refType="w" fact="0.36"/>
+        <dgm:constr type="h" for="ch" forName="right_44_3" refType="h" fact="0.154"/>
+        <dgm:constr type="b" for="ch" forName="right_44_3" refType="h" fact="0.393"/>
+        <dgm:constr type="ctrX" for="ch" forName="right_44_3" refType="w" fact="0.76"/>
+        <dgm:constr type="w" for="ch" forName="right_44_4" refType="w" fact="0.36"/>
+        <dgm:constr type="h" for="ch" forName="right_44_4" refType="h" fact="0.154"/>
+        <dgm:constr type="b" for="ch" forName="right_44_4" refType="h" fact="0.224"/>
+        <dgm:constr type="ctrX" for="ch" forName="right_44_4" refType="w" fact="0.76"/>
+        <dgm:constr type="w" for="ch" forName="left_44_1" refType="w" fact="0.36"/>
+        <dgm:constr type="h" for="ch" forName="left_44_1" refType="h" fact="0.154"/>
+        <dgm:constr type="b" for="ch" forName="left_44_1" refType="h" fact="0.725"/>
+        <dgm:constr type="ctrX" for="ch" forName="left_44_1" refType="w" fact="0.24"/>
+        <dgm:constr type="w" for="ch" forName="left_44_2" refType="w" fact="0.36"/>
+        <dgm:constr type="h" for="ch" forName="left_44_2" refType="h" fact="0.154"/>
+        <dgm:constr type="b" for="ch" forName="left_44_2" refType="h" fact="0.559"/>
+        <dgm:constr type="ctrX" for="ch" forName="left_44_2" refType="w" fact="0.24"/>
+        <dgm:constr type="w" for="ch" forName="left_44_3" refType="w" fact="0.36"/>
+        <dgm:constr type="h" for="ch" forName="left_44_3" refType="h" fact="0.154"/>
+        <dgm:constr type="b" for="ch" forName="left_44_3" refType="h" fact="0.393"/>
+        <dgm:constr type="ctrX" for="ch" forName="left_44_3" refType="w" fact="0.24"/>
+        <dgm:constr type="w" for="ch" forName="left_44_4" refType="w" fact="0.36"/>
+        <dgm:constr type="h" for="ch" forName="left_44_4" refType="h" fact="0.154"/>
+        <dgm:constr type="b" for="ch" forName="left_44_4" refType="h" fact="0.224"/>
+        <dgm:constr type="ctrX" for="ch" forName="left_44_4" refType="w" fact="0.24"/>
+      </dgm:constrLst>
+      <dgm:ruleLst/>
+      <dgm:layoutNode name="dummyMaxCanvas_ChildArea">
+        <dgm:alg type="sp"/>
+        <dgm:shape xmlns:r="http://schemas.openxmlformats.org/officeDocument/2006/relationships" r:blip="">
+          <dgm:adjLst/>
+        </dgm:shape>
+        <dgm:presOf/>
+        <dgm:constrLst/>
+        <dgm:ruleLst/>
+      </dgm:layoutNode>
+      <dgm:layoutNode name="fulcrum" styleLbl="alignAccFollowNode1">
+        <dgm:alg type="sp"/>
+        <dgm:shape xmlns:r="http://schemas.openxmlformats.org/officeDocument/2006/relationships" type="triangle" r:blip="">
+          <dgm:adjLst/>
+        </dgm:shape>
+        <dgm:presOf/>
+        <dgm:constrLst/>
+        <dgm:ruleLst/>
+      </dgm:layoutNode>
+      <dgm:choose name="Name0">
+        <dgm:if name="Name1" axis="ch ch" ptType="node node" st="1 1" cnt="1 0" func="cnt" op="equ" val="0">
+          <dgm:choose name="Name2">
+            <dgm:if name="Name3" axis="ch ch" ptType="node node" st="2 1" cnt="1 0" func="cnt" op="equ" val="0">
+              <dgm:layoutNode name="balance_00" styleLbl="alignAccFollowNode1">
+                <dgm:varLst>
+                  <dgm:bulletEnabled val="1"/>
+                </dgm:varLst>
+                <dgm:alg type="sp"/>
+                <dgm:shape xmlns:r="http://schemas.openxmlformats.org/officeDocument/2006/relationships" type="rect" r:blip="">
+                  <dgm:adjLst/>
+                </dgm:shape>
+                <dgm:presOf/>
+                <dgm:constrLst/>
+                <dgm:ruleLst/>
+              </dgm:layoutNode>
+            </dgm:if>
+            <dgm:else name="Name4">
+              <dgm:choose name="Name5">
+                <dgm:if name="Name6" axis="ch ch" ptType="node node" st="2 1" cnt="1 0" func="cnt" op="equ" val="1">
+                  <dgm:layoutNode name="balance_01" styleLbl="alignAccFollowNode1">
+                    <dgm:varLst>
+                      <dgm:bulletEnabled val="1"/>
+                    </dgm:varLst>
+                    <dgm:alg type="sp"/>
+                    <dgm:shape xmlns:r="http://schemas.openxmlformats.org/officeDocument/2006/relationships" rot="4" type="rect" r:blip="">
+                      <dgm:adjLst/>
+                    </dgm:shape>
+                    <dgm:presOf/>
+                    <dgm:constrLst/>
+                    <dgm:ruleLst/>
+                  </dgm:layoutNode>
+                  <dgm:layoutNode name="right_01_1" styleLbl="node1">
+                    <dgm:varLst>
+                      <dgm:bulletEnabled val="1"/>
+                    </dgm:varLst>
+                    <dgm:alg type="tx"/>
+                    <dgm:shape xmlns:r="http://schemas.openxmlformats.org/officeDocument/2006/relationships" rot="4" type="roundRect" r:blip="">
+                      <dgm:adjLst/>
+                    </dgm:shape>
+                    <dgm:presOf axis="ch ch desOrSelf" ptType="node node node" st="2 1 1" cnt="1 1 0"/>
+                    <dgm:constrLst>
+                      <dgm:constr type="lMarg" refType="primFontSz" fact="0.3"/>
+                      <dgm:constr type="rMarg" refType="primFontSz" fact="0.3"/>
+                      <dgm:constr type="tMarg" refType="primFontSz" fact="0.3"/>
+                      <dgm:constr type="bMarg" refType="primFontSz" fact="0.3"/>
+                    </dgm:constrLst>
+                    <dgm:ruleLst>
+                      <dgm:rule type="primFontSz" val="5" fact="NaN" max="NaN"/>
+                    </dgm:ruleLst>
+                  </dgm:layoutNode>
+                </dgm:if>
+                <dgm:else name="Name7">
+                  <dgm:choose name="Name8">
+                    <dgm:if name="Name9" axis="ch ch" ptType="node node" st="2 1" cnt="1 0" func="cnt" op="equ" val="2">
+                      <dgm:layoutNode name="balance_02" styleLbl="alignAccFollowNode1">
+                        <dgm:varLst>
+                          <dgm:bulletEnabled val="1"/>
+                        </dgm:varLst>
+                        <dgm:alg type="sp"/>
+                        <dgm:shape xmlns:r="http://schemas.openxmlformats.org/officeDocument/2006/relationships" rot="4" type="rect" r:blip="">
+                          <dgm:adjLst/>
+                        </dgm:shape>
+                        <dgm:presOf/>
+                        <dgm:constrLst/>
+                        <dgm:ruleLst/>
+                      </dgm:layoutNode>
+                      <dgm:layoutNode name="right_02_1" styleLbl="node1">
+                        <dgm:varLst>
+                          <dgm:bulletEnabled val="1"/>
+                        </dgm:varLst>
+                        <dgm:alg type="tx"/>
+                        <dgm:shape xmlns:r="http://schemas.openxmlformats.org/officeDocument/2006/relationships" rot="4" type="roundRect" r:blip="">
+                          <dgm:adjLst/>
+                        </dgm:shape>
+                        <dgm:presOf axis="ch ch desOrSelf" ptType="node node node" st="2 1 1" cnt="1 1 0"/>
+                        <dgm:constrLst>
+                          <dgm:constr type="lMarg" refType="primFontSz" fact="0.3"/>
+                          <dgm:constr type="rMarg" refType="primFontSz" fact="0.3"/>
+                          <dgm:constr type="tMarg" refType="primFontSz" fact="0.3"/>
+                          <dgm:constr type="bMarg" refType="primFontSz" fact="0.3"/>
+                        </dgm:constrLst>
+                        <dgm:ruleLst>
+                          <dgm:rule type="primFontSz" val="5" fact="NaN" max="NaN"/>
+                        </dgm:ruleLst>
+                      </dgm:layoutNode>
+                      <dgm:layoutNode name="right_02_2" styleLbl="node1">
+                        <dgm:varLst>
+                          <dgm:bulletEnabled val="1"/>
+                        </dgm:varLst>
+                        <dgm:alg type="tx"/>
+                        <dgm:shape xmlns:r="http://schemas.openxmlformats.org/officeDocument/2006/relationships" rot="4" type="roundRect" r:blip="">
+                          <dgm:adjLst/>
+                        </dgm:shape>
+                        <dgm:presOf axis="ch ch desOrSelf" ptType="node node node" st="2 2 1" cnt="1 1 0"/>
+                        <dgm:constrLst>
+                          <dgm:constr type="lMarg" refType="primFontSz" fact="0.3"/>
+                          <dgm:constr type="rMarg" refType="primFontSz" fact="0.3"/>
+                          <dgm:constr type="tMarg" refType="primFontSz" fact="0.3"/>
+                          <dgm:constr type="bMarg" refType="primFontSz" fact="0.3"/>
+                        </dgm:constrLst>
+                        <dgm:ruleLst>
+                          <dgm:rule type="primFontSz" val="5" fact="NaN" max="NaN"/>
+                        </dgm:ruleLst>
+                      </dgm:layoutNode>
+                    </dgm:if>
+                    <dgm:else name="Name10">
+                      <dgm:choose name="Name11">
+                        <dgm:if name="Name12" axis="ch ch" ptType="node node" st="2 1" cnt="1 0" func="cnt" op="equ" val="3">
+                          <dgm:layoutNode name="balance_03" styleLbl="alignAccFollowNode1">
+                            <dgm:varLst>
+                              <dgm:bulletEnabled val="1"/>
+                            </dgm:varLst>
+                            <dgm:alg type="sp"/>
+                            <dgm:shape xmlns:r="http://schemas.openxmlformats.org/officeDocument/2006/relationships" rot="4" type="rect" r:blip="">
+                              <dgm:adjLst/>
+                            </dgm:shape>
+                            <dgm:presOf/>
+                            <dgm:constrLst/>
+                            <dgm:ruleLst/>
+                          </dgm:layoutNode>
+                          <dgm:layoutNode name="right_03_1" styleLbl="node1">
+                            <dgm:varLst>
+                              <dgm:bulletEnabled val="1"/>
+                            </dgm:varLst>
+                            <dgm:alg type="tx"/>
+                            <dgm:shape xmlns:r="http://schemas.openxmlformats.org/officeDocument/2006/relationships" rot="4" type="roundRect" r:blip="">
+                              <dgm:adjLst/>
+                            </dgm:shape>
+                            <dgm:presOf axis="ch ch desOrSelf" ptType="node node node" st="2 1 1" cnt="1 1 0"/>
+                            <dgm:constrLst>
+                              <dgm:constr type="lMarg" refType="primFontSz" fact="0.3"/>
+                              <dgm:constr type="rMarg" refType="primFontSz" fact="0.3"/>
+                              <dgm:constr type="tMarg" refType="primFontSz" fact="0.3"/>
+                              <dgm:constr type="bMarg" refType="primFontSz" fact="0.3"/>
+                            </dgm:constrLst>
+                            <dgm:ruleLst>
+                              <dgm:rule type="primFontSz" val="5" fact="NaN" max="NaN"/>
+                            </dgm:ruleLst>
+                          </dgm:layoutNode>
+                          <dgm:layoutNode name="right_03_2" styleLbl="node1">
+                            <dgm:varLst>
+                              <dgm:bulletEnabled val="1"/>
+                            </dgm:varLst>
+                            <dgm:alg type="tx"/>
+                            <dgm:shape xmlns:r="http://schemas.openxmlformats.org/officeDocument/2006/relationships" rot="4" type="roundRect" r:blip="">
+                              <dgm:adjLst/>
+                            </dgm:shape>
+                            <dgm:presOf axis="ch ch desOrSelf" ptType="node node node" st="2 2 1" cnt="1 1 0"/>
+                            <dgm:constrLst>
+                              <dgm:constr type="lMarg" refType="primFontSz" fact="0.3"/>
+                              <dgm:constr type="rMarg" refType="primFontSz" fact="0.3"/>
+                              <dgm:constr type="tMarg" refType="primFontSz" fact="0.3"/>
+                              <dgm:constr type="bMarg" refType="primFontSz" fact="0.3"/>
+                            </dgm:constrLst>
+                            <dgm:ruleLst>
+                              <dgm:rule type="primFontSz" val="5" fact="NaN" max="NaN"/>
+                            </dgm:ruleLst>
+                          </dgm:layoutNode>
+                          <dgm:layoutNode name="right_03_3" styleLbl="node1">
+                            <dgm:varLst>
+                              <dgm:bulletEnabled val="1"/>
+                            </dgm:varLst>
+                            <dgm:alg type="tx"/>
+                            <dgm:shape xmlns:r="http://schemas.openxmlformats.org/officeDocument/2006/relationships" rot="4" type="roundRect" r:blip="">
+                              <dgm:adjLst/>
+                            </dgm:shape>
+                            <dgm:presOf axis="ch ch desOrSelf" ptType="node node node" st="2 3 1" cnt="1 1 0"/>
+                            <dgm:constrLst>
+                              <dgm:constr type="lMarg" refType="primFontSz" fact="0.3"/>
+                              <dgm:constr type="rMarg" refType="primFontSz" fact="0.3"/>
+                              <dgm:constr type="tMarg" refType="primFontSz" fact="0.3"/>
+                              <dgm:constr type="bMarg" refType="primFontSz" fact="0.3"/>
+                            </dgm:constrLst>
+                            <dgm:ruleLst>
+                              <dgm:rule type="primFontSz" val="5" fact="NaN" max="NaN"/>
+                            </dgm:ruleLst>
+                          </dgm:layoutNode>
+                        </dgm:if>
+                        <dgm:else name="Name13">
+                          <dgm:choose name="Name14">
+                            <dgm:if name="Name15" axis="ch ch" ptType="node node" st="2 1" cnt="1 0" func="cnt" op="gte" val="4">
+                              <dgm:layoutNode name="balance_04" styleLbl="alignAccFollowNode1">
+                                <dgm:varLst>
+                                  <dgm:bulletEnabled val="1"/>
+                                </dgm:varLst>
+                                <dgm:alg type="sp"/>
+                                <dgm:shape xmlns:r="http://schemas.openxmlformats.org/officeDocument/2006/relationships" rot="4" type="rect" r:blip="">
+                                  <dgm:adjLst/>
+                                </dgm:shape>
+                                <dgm:presOf/>
+                                <dgm:constrLst/>
+                                <dgm:ruleLst/>
+                              </dgm:layoutNode>
+                              <dgm:layoutNode name="right_04_1" styleLbl="node1">
+                                <dgm:varLst>
+                                  <dgm:bulletEnabled val="1"/>
+                                </dgm:varLst>
+                                <dgm:alg type="tx"/>
+                                <dgm:shape xmlns:r="http://schemas.openxmlformats.org/officeDocument/2006/relationships" rot="4" type="roundRect" r:blip="">
+                                  <dgm:adjLst/>
+                                </dgm:shape>
+                                <dgm:presOf axis="ch ch desOrSelf" ptType="node node node" st="2 1 1" cnt="1 1 0"/>
+                                <dgm:constrLst>
+                                  <dgm:constr type="lMarg" refType="primFontSz" fact="0.3"/>
+                                  <dgm:constr type="rMarg" refType="primFontSz" fact="0.3"/>
+                                  <dgm:constr type="tMarg" refType="primFontSz" fact="0.3"/>
+                                  <dgm:constr type="bMarg" refType="primFontSz" fact="0.3"/>
+                                </dgm:constrLst>
+                                <dgm:ruleLst>
+                                  <dgm:rule type="primFontSz" val="5" fact="NaN" max="NaN"/>
+                                </dgm:ruleLst>
+                              </dgm:layoutNode>
+                              <dgm:layoutNode name="right_04_2" styleLbl="node1">
+                                <dgm:varLst>
+                                  <dgm:bulletEnabled val="1"/>
+                                </dgm:varLst>
+                                <dgm:alg type="tx"/>
+                                <dgm:shape xmlns:r="http://schemas.openxmlformats.org/officeDocument/2006/relationships" rot="4" type="roundRect" r:blip="">
+                                  <dgm:adjLst/>
+                                </dgm:shape>
+                                <dgm:presOf axis="ch ch desOrSelf" ptType="node node node" st="2 2 1" cnt="1 1 0"/>
+                                <dgm:constrLst>
+                                  <dgm:constr type="lMarg" refType="primFontSz" fact="0.3"/>
+                                  <dgm:constr type="rMarg" refType="primFontSz" fact="0.3"/>
+                                  <dgm:constr type="tMarg" refType="primFontSz" fact="0.3"/>
+                                  <dgm:constr type="bMarg" refType="primFontSz" fact="0.3"/>
+                                </dgm:constrLst>
+                                <dgm:ruleLst>
+                                  <dgm:rule type="primFontSz" val="5" fact="NaN" max="NaN"/>
+                                </dgm:ruleLst>
+                              </dgm:layoutNode>
+                              <dgm:layoutNode name="right_04_3" styleLbl="node1">
+                                <dgm:varLst>
+                                  <dgm:bulletEnabled val="1"/>
+                                </dgm:varLst>
+                                <dgm:alg type="tx"/>
+                                <dgm:shape xmlns:r="http://schemas.openxmlformats.org/officeDocument/2006/relationships" rot="4" type="roundRect" r:blip="">
+                                  <dgm:adjLst/>
+                                </dgm:shape>
+                                <dgm:presOf axis="ch ch desOrSelf" ptType="node node node" st="2 3 1" cnt="1 1 0"/>
+                                <dgm:constrLst>
+                                  <dgm:constr type="lMarg" refType="primFontSz" fact="0.3"/>
+                                  <dgm:constr type="rMarg" refType="primFontSz" fact="0.3"/>
+                                  <dgm:constr type="tMarg" refType="primFontSz" fact="0.3"/>
+                                  <dgm:constr type="bMarg" refType="primFontSz" fact="0.3"/>
+                                </dgm:constrLst>
+                                <dgm:ruleLst>
+                                  <dgm:rule type="primFontSz" val="5" fact="NaN" max="NaN"/>
+                                </dgm:ruleLst>
+                              </dgm:layoutNode>
+                              <dgm:layoutNode name="right_04_4" styleLbl="node1">
+                                <dgm:varLst>
+                                  <dgm:bulletEnabled val="1"/>
+                                </dgm:varLst>
+                                <dgm:alg type="tx"/>
+                                <dgm:shape xmlns:r="http://schemas.openxmlformats.org/officeDocument/2006/relationships" rot="4" type="roundRect" r:blip="">
+                                  <dgm:adjLst/>
+                                </dgm:shape>
+                                <dgm:presOf axis="ch ch desOrSelf" ptType="node node node" st="2 4 1" cnt="1 1 0"/>
+                                <dgm:constrLst>
+                                  <dgm:constr type="lMarg" refType="primFontSz" fact="0.3"/>
+                                  <dgm:constr type="rMarg" refType="primFontSz" fact="0.3"/>
+                                  <dgm:constr type="tMarg" refType="primFontSz" fact="0.3"/>
+                                  <dgm:constr type="bMarg" refType="primFontSz" fact="0.3"/>
+                                </dgm:constrLst>
+                                <dgm:ruleLst>
+                                  <dgm:rule type="primFontSz" val="5" fact="NaN" max="NaN"/>
+                                </dgm:ruleLst>
+                              </dgm:layoutNode>
+                            </dgm:if>
+                            <dgm:else name="Name16"/>
+                          </dgm:choose>
+                        </dgm:else>
+                      </dgm:choose>
+                    </dgm:else>
+                  </dgm:choose>
+                </dgm:else>
+              </dgm:choose>
+            </dgm:else>
+          </dgm:choose>
+        </dgm:if>
+        <dgm:else name="Name17">
+          <dgm:choose name="Name18">
+            <dgm:if name="Name19" axis="ch ch" ptType="node node" st="1 1" cnt="1 0" func="cnt" op="equ" val="1">
+              <dgm:choose name="Name20">
+                <dgm:if name="Name21" axis="ch ch" ptType="node node" st="2 1" cnt="1 0" func="cnt" op="equ" val="0">
+                  <dgm:layoutNode name="balance_10" styleLbl="alignAccFollowNode1">
+                    <dgm:varLst>
+                      <dgm:bulletEnabled val="1"/>
+                    </dgm:varLst>
+                    <dgm:alg type="sp"/>
+                    <dgm:shape xmlns:r="http://schemas.openxmlformats.org/officeDocument/2006/relationships" rot="-4" type="rect" r:blip="">
+                      <dgm:adjLst/>
+                    </dgm:shape>
+                    <dgm:presOf/>
+                    <dgm:constrLst/>
+                    <dgm:ruleLst/>
+                  </dgm:layoutNode>
+                  <dgm:layoutNode name="left_10_1" styleLbl="node1">
+                    <dgm:varLst>
+                      <dgm:bulletEnabled val="1"/>
+                    </dgm:varLst>
+                    <dgm:alg type="tx"/>
+                    <dgm:shape xmlns:r="http://schemas.openxmlformats.org/officeDocument/2006/relationships" rot="-4" type="roundRect" r:blip="">
+                      <dgm:adjLst/>
+                    </dgm:shape>
+                    <dgm:presOf axis="ch ch desOrSelf" ptType="node node node" st="1 1 1" cnt="1 1 0"/>
+                    <dgm:constrLst>
+                      <dgm:constr type="lMarg" refType="primFontSz" fact="0.3"/>
+                      <dgm:constr type="rMarg" refType="primFontSz" fact="0.3"/>
+                      <dgm:constr type="tMarg" refType="primFontSz" fact="0.3"/>
+                      <dgm:constr type="bMarg" refType="primFontSz" fact="0.3"/>
+                    </dgm:constrLst>
+                    <dgm:ruleLst>
+                      <dgm:rule type="primFontSz" val="5" fact="NaN" max="NaN"/>
+                    </dgm:ruleLst>
+                  </dgm:layoutNode>
+                </dgm:if>
+                <dgm:else name="Name22">
+                  <dgm:choose name="Name23">
+                    <dgm:if name="Name24" axis="ch ch" ptType="node node" st="2 1" cnt="1 0" func="cnt" op="equ" val="1">
+                      <dgm:layoutNode name="balance_11" styleLbl="alignAccFollowNode1">
+                        <dgm:varLst>
+                          <dgm:bulletEnabled val="1"/>
+                        </dgm:varLst>
+                        <dgm:alg type="sp"/>
+                        <dgm:shape xmlns:r="http://schemas.openxmlformats.org/officeDocument/2006/relationships" type="rect" r:blip="">
+                          <dgm:adjLst/>
+                        </dgm:shape>
+                        <dgm:presOf/>
+                        <dgm:constrLst/>
+                        <dgm:ruleLst/>
+                      </dgm:layoutNode>
+                      <dgm:layoutNode name="left_11_1" styleLbl="node1">
+                        <dgm:varLst>
+                          <dgm:bulletEnabled val="1"/>
+                        </dgm:varLst>
+                        <dgm:alg type="tx"/>
+                        <dgm:shape xmlns:r="http://schemas.openxmlformats.org/officeDocument/2006/relationships" type="roundRect" r:blip="">
+                          <dgm:adjLst/>
+                        </dgm:shape>
+                        <dgm:presOf axis="ch ch desOrSelf" ptType="node node node" st="1 1 1" cnt="1 1 0"/>
+                        <dgm:constrLst>
+                          <dgm:constr type="lMarg" refType="primFontSz" fact="0.3"/>
+                          <dgm:constr type="rMarg" refType="primFontSz" fact="0.3"/>
+                          <dgm:constr type="tMarg" refType="primFontSz" fact="0.3"/>
+                          <dgm:constr type="bMarg" refType="primFontSz" fact="0.3"/>
+                        </dgm:constrLst>
+                        <dgm:ruleLst>
+                          <dgm:rule type="primFontSz" val="5" fact="NaN" max="NaN"/>
+                        </dgm:ruleLst>
+                      </dgm:layoutNode>
+                      <dgm:layoutNode name="right_11_1" styleLbl="node1">
+                        <dgm:varLst>
+                          <dgm:bulletEnabled val="1"/>
+                        </dgm:varLst>
+                        <dgm:alg type="tx"/>
+                        <dgm:shape xmlns:r="http://schemas.openxmlformats.org/officeDocument/2006/relationships" type="roundRect" r:blip="">
+                          <dgm:adjLst/>
+                        </dgm:shape>
+                        <dgm:presOf axis="ch ch desOrSelf" ptType="node node node" st="2 1 1" cnt="1 1 0"/>
+                        <dgm:constrLst>
+                          <dgm:constr type="lMarg" refType="primFontSz" fact="0.3"/>
+                          <dgm:constr type="rMarg" refType="primFontSz" fact="0.3"/>
+                          <dgm:constr type="tMarg" refType="primFontSz" fact="0.3"/>
+                          <dgm:constr type="bMarg" refType="primFontSz" fact="0.3"/>
+                        </dgm:constrLst>
+                        <dgm:ruleLst>
+                          <dgm:rule type="primFontSz" val="5" fact="NaN" max="NaN"/>
+                        </dgm:ruleLst>
+                      </dgm:layoutNode>
+                    </dgm:if>
+                    <dgm:else name="Name25">
+                      <dgm:choose name="Name26">
+                        <dgm:if name="Name27" axis="ch ch" ptType="node node" st="2 1" cnt="1 0" func="cnt" op="equ" val="2">
+                          <dgm:layoutNode name="balance_12" styleLbl="alignAccFollowNode1">
+                            <dgm:varLst>
+                              <dgm:bulletEnabled val="1"/>
+                            </dgm:varLst>
+                            <dgm:alg type="sp"/>
+                            <dgm:shape xmlns:r="http://schemas.openxmlformats.org/officeDocument/2006/relationships" rot="4" type="rect" r:blip="">
+                              <dgm:adjLst/>
+                            </dgm:shape>
+                            <dgm:presOf/>
+                            <dgm:constrLst/>
+                            <dgm:ruleLst/>
+                          </dgm:layoutNode>
+                          <dgm:layoutNode name="right_12_1" styleLbl="node1">
+                            <dgm:varLst>
+                              <dgm:bulletEnabled val="1"/>
+                            </dgm:varLst>
+                            <dgm:alg type="tx"/>
+                            <dgm:shape xmlns:r="http://schemas.openxmlformats.org/officeDocument/2006/relationships" rot="4" type="roundRect" r:blip="">
+                              <dgm:adjLst/>
+                            </dgm:shape>
+                            <dgm:presOf axis="ch ch desOrSelf" ptType="node node node" st="2 1 1" cnt="1 1 0"/>
+                            <dgm:constrLst>
+                              <dgm:constr type="lMarg" refType="primFontSz" fact="0.3"/>
+                              <dgm:constr type="rMarg" refType="primFontSz" fact="0.3"/>
+                              <dgm:constr type="tMarg" refType="primFontSz" fact="0.3"/>
+                              <dgm:constr type="bMarg" refType="primFontSz" fact="0.3"/>
+                            </dgm:constrLst>
+                            <dgm:ruleLst>
+                              <dgm:rule type="primFontSz" val="5" fact="NaN" max="NaN"/>
+                            </dgm:ruleLst>
+                          </dgm:layoutNode>
+                          <dgm:layoutNode name="right_12_2" styleLbl="node1">
+                            <dgm:varLst>
+                              <dgm:bulletEnabled val="1"/>
+                            </dgm:varLst>
+                            <dgm:alg type="tx"/>
+                            <dgm:shape xmlns:r="http://schemas.openxmlformats.org/officeDocument/2006/relationships" rot="4" type="roundRect" r:blip="">
+                              <dgm:adjLst/>
+                            </dgm:shape>
+                            <dgm:presOf axis="ch ch desOrSelf" ptType="node node node" st="2 2 1" cnt="1 1 0"/>
+                            <dgm:constrLst>
+                              <dgm:constr type="lMarg" refType="primFontSz" fact="0.3"/>
+                              <dgm:constr type="rMarg" refType="primFontSz" fact="0.3"/>
+                              <dgm:constr type="tMarg" refType="primFontSz" fact="0.3"/>
+                              <dgm:constr type="bMarg" refType="primFontSz" fact="0.3"/>
+                            </dgm:constrLst>
+                            <dgm:ruleLst>
+                              <dgm:rule type="primFontSz" val="5" fact="NaN" max="NaN"/>
+                            </dgm:ruleLst>
+                          </dgm:layoutNode>
+                          <dgm:layoutNode name="left_12_1" styleLbl="node1">
+                            <dgm:varLst>
+                              <dgm:bulletEnabled val="1"/>
+                            </dgm:varLst>
+                            <dgm:alg type="tx"/>
+                            <dgm:shape xmlns:r="http://schemas.openxmlformats.org/officeDocument/2006/relationships" rot="4" type="roundRect" r:blip="">
+                              <dgm:adjLst/>
+                            </dgm:shape>
+                            <dgm:presOf axis="ch ch desOrSelf" ptType="node node node" st="1 1 1" cnt="1 1 0"/>
+                            <dgm:constrLst>
+                              <dgm:constr type="lMarg" refType="primFontSz" fact="0.3"/>
+                              <dgm:constr type="rMarg" refType="primFontSz" fact="0.3"/>
+                              <dgm:constr type="tMarg" refType="primFontSz" fact="0.3"/>
+                              <dgm:constr type="bMarg" refType="primFontSz" fact="0.3"/>
+                            </dgm:constrLst>
+                            <dgm:ruleLst>
+                              <dgm:rule type="primFontSz" val="5" fact="NaN" max="NaN"/>
+                            </dgm:ruleLst>
+                          </dgm:layoutNode>
+                        </dgm:if>
+                        <dgm:else name="Name28">
+                          <dgm:choose name="Name29">
+                            <dgm:if name="Name30" axis="ch ch" ptType="node node" st="2 1" cnt="1 0" func="cnt" op="equ" val="3">
+                              <dgm:layoutNode name="balance_13" styleLbl="alignAccFollowNode1">
+                                <dgm:varLst>
+                                  <dgm:bulletEnabled val="1"/>
+                                </dgm:varLst>
+                                <dgm:alg type="sp"/>
+                                <dgm:shape xmlns:r="http://schemas.openxmlformats.org/officeDocument/2006/relationships" rot="4" type="rect" r:blip="">
+                                  <dgm:adjLst/>
+                                </dgm:shape>
+                                <dgm:presOf/>
+                                <dgm:constrLst/>
+                                <dgm:ruleLst/>
+                              </dgm:layoutNode>
+                              <dgm:layoutNode name="right_13_1" styleLbl="node1">
+                                <dgm:varLst>
+                                  <dgm:bulletEnabled val="1"/>
+                                </dgm:varLst>
+                                <dgm:alg type="tx"/>
+                                <dgm:shape xmlns:r="http://schemas.openxmlformats.org/officeDocument/2006/relationships" rot="4" type="roundRect" r:blip="">
+                                  <dgm:adjLst/>
+                                </dgm:shape>
+                                <dgm:presOf axis="ch ch desOrSelf" ptType="node node node" st="2 1 1" cnt="1 1 0"/>
+                                <dgm:constrLst>
+                                  <dgm:constr type="lMarg" refType="primFontSz" fact="0.3"/>
+                                  <dgm:constr type="rMarg" refType="primFontSz" fact="0.3"/>
+                                  <dgm:constr type="tMarg" refType="primFontSz" fact="0.3"/>
+                                  <dgm:constr type="bMarg" refType="primFontSz" fact="0.3"/>
+                                </dgm:constrLst>
+                                <dgm:ruleLst>
+                                  <dgm:rule type="primFontSz" val="5" fact="NaN" max="NaN"/>
+                                </dgm:ruleLst>
+                              </dgm:layoutNode>
+                              <dgm:layoutNode name="right_13_2" styleLbl="node1">
+                                <dgm:varLst>
+                                  <dgm:bulletEnabled val="1"/>
+                                </dgm:varLst>
+                                <dgm:alg type="tx"/>
+                                <dgm:shape xmlns:r="http://schemas.openxmlformats.org/officeDocument/2006/relationships" rot="4" type="roundRect" r:blip="">
+                                  <dgm:adjLst/>
+                                </dgm:shape>
+                                <dgm:presOf axis="ch ch desOrSelf" ptType="node node node" st="2 2 1" cnt="1 1 0"/>
+                                <dgm:constrLst>
+                                  <dgm:constr type="lMarg" refType="primFontSz" fact="0.3"/>
+                                  <dgm:constr type="rMarg" refType="primFontSz" fact="0.3"/>
+                                  <dgm:constr type="tMarg" refType="primFontSz" fact="0.3"/>
+                                  <dgm:constr type="bMarg" refType="primFontSz" fact="0.3"/>
+                                </dgm:constrLst>
+                                <dgm:ruleLst>
+                                  <dgm:rule type="primFontSz" val="5" fact="NaN" max="NaN"/>
+                                </dgm:ruleLst>
+                              </dgm:layoutNode>
+                              <dgm:layoutNode name="right_13_3" styleLbl="node1">
+                                <dgm:varLst>
+                                  <dgm:bulletEnabled val="1"/>
+                                </dgm:varLst>
+                                <dgm:alg type="tx"/>
+                                <dgm:shape xmlns:r="http://schemas.openxmlformats.org/officeDocument/2006/relationships" rot="4" type="roundRect" r:blip="">
+                                  <dgm:adjLst/>
+                                </dgm:shape>
+                                <dgm:presOf axis="ch ch desOrSelf" ptType="node node node" st="2 3 1" cnt="1 1 0"/>
+                                <dgm:constrLst>
+                                  <dgm:constr type="lMarg" refType="primFontSz" fact="0.3"/>
+                                  <dgm:constr type="rMarg" refType="primFontSz" fact="0.3"/>
+                                  <dgm:constr type="tMarg" refType="primFontSz" fact="0.3"/>
+                                  <dgm:constr type="bMarg" refType="primFontSz" fact="0.3"/>
+                                </dgm:constrLst>
+                                <dgm:ruleLst>
+                                  <dgm:rule type="primFontSz" val="5" fact="NaN" max="NaN"/>
+                                </dgm:ruleLst>
+                              </dgm:layoutNode>
+                              <dgm:layoutNode name="left_13_1" styleLbl="node1">
+                                <dgm:varLst>
+                                  <dgm:bulletEnabled val="1"/>
+                                </dgm:varLst>
+                                <dgm:alg type="tx"/>
+                                <dgm:shape xmlns:r="http://schemas.openxmlformats.org/officeDocument/2006/relationships" rot="4" type="roundRect" r:blip="">
+                                  <dgm:adjLst/>
+                                </dgm:shape>
+                                <dgm:presOf axis="ch ch desOrSelf" ptType="node node node" st="1 1 1" cnt="1 1 0"/>
+                                <dgm:constrLst>
+                                  <dgm:constr type="lMarg" refType="primFontSz" fact="0.3"/>
+                                  <dgm:constr type="rMarg" refType="primFontSz" fact="0.3"/>
+                                  <dgm:constr type="tMarg" refType="primFontSz" fact="0.3"/>
+                                  <dgm:constr type="bMarg" refType="primFontSz" fact="0.3"/>
+                                </dgm:constrLst>
+                                <dgm:ruleLst>
+                                  <dgm:rule type="primFontSz" val="5" fact="NaN" max="NaN"/>
+                                </dgm:ruleLst>
+                              </dgm:layoutNode>
+                            </dgm:if>
+                            <dgm:else name="Name31">
+                              <dgm:choose name="Name32">
+                                <dgm:if name="Name33" axis="ch ch" ptType="node node" st="2 1" cnt="1 0" func="cnt" op="gte" val="4">
+                                  <dgm:layoutNode name="balance_14" styleLbl="alignAccFollowNode1">
+                                    <dgm:varLst>
+                                      <dgm:bulletEnabled val="1"/>
+                                    </dgm:varLst>
+                                    <dgm:alg type="sp"/>
+                                    <dgm:shape xmlns:r="http://schemas.openxmlformats.org/officeDocument/2006/relationships" rot="4" type="rect" r:blip="">
+                                      <dgm:adjLst/>
+                                    </dgm:shape>
+                                    <dgm:presOf/>
+                                    <dgm:constrLst/>
+                                    <dgm:ruleLst/>
+                                  </dgm:layoutNode>
+                                  <dgm:layoutNode name="right_14_1" styleLbl="node1">
+                                    <dgm:varLst>
+                                      <dgm:bulletEnabled val="1"/>
+                                    </dgm:varLst>
+                                    <dgm:alg type="tx"/>
+                                    <dgm:shape xmlns:r="http://schemas.openxmlformats.org/officeDocument/2006/relationships" rot="4" type="roundRect" r:blip="">
+                                      <dgm:adjLst/>
+                                    </dgm:shape>
+                                    <dgm:presOf axis="ch ch desOrSelf" ptType="node node node" st="2 1 1" cnt="1 1 0"/>
+                                    <dgm:constrLst>
+                                      <dgm:constr type="lMarg" refType="primFontSz" fact="0.3"/>
+                                      <dgm:constr type="rMarg" refType="primFontSz" fact="0.3"/>
+                                      <dgm:constr type="tMarg" refType="primFontSz" fact="0.3"/>
+                                      <dgm:constr type="bMarg" refType="primFontSz" fact="0.3"/>
+                                    </dgm:constrLst>
+                                    <dgm:ruleLst>
+                                      <dgm:rule type="primFontSz" val="5" fact="NaN" max="NaN"/>
+                                    </dgm:ruleLst>
+                                  </dgm:layoutNode>
+                                  <dgm:layoutNode name="right_14_2" styleLbl="node1">
+                                    <dgm:varLst>
+                                      <dgm:bulletEnabled val="1"/>
+                                    </dgm:varLst>
+                                    <dgm:alg type="tx"/>
+                                    <dgm:shape xmlns:r="http://schemas.openxmlformats.org/officeDocument/2006/relationships" rot="4" type="roundRect" r:blip="">
+                                      <dgm:adjLst/>
+                                    </dgm:shape>
+                                    <dgm:presOf axis="ch ch desOrSelf" ptType="node node node" st="2 2 1" cnt="1 1 0"/>
+                                    <dgm:constrLst>
+                                      <dgm:constr type="lMarg" refType="primFontSz" fact="0.3"/>
+                                      <dgm:constr type="rMarg" refType="primFontSz" fact="0.3"/>
+                                      <dgm:constr type="tMarg" refType="primFontSz" fact="0.3"/>
+                                      <dgm:constr type="bMarg" refType="primFontSz" fact="0.3"/>
+                                    </dgm:constrLst>
+                                    <dgm:ruleLst>
+                                      <dgm:rule type="primFontSz" val="5" fact="NaN" max="NaN"/>
+                                    </dgm:ruleLst>
+                                  </dgm:layoutNode>
+                                  <dgm:layoutNode name="right_14_3" styleLbl="node1">
+                                    <dgm:varLst>
+                                      <dgm:bulletEnabled val="1"/>
+                                    </dgm:varLst>
+                                    <dgm:alg type="tx"/>
+                                    <dgm:shape xmlns:r="http://schemas.openxmlformats.org/officeDocument/2006/relationships" rot="4" type="roundRect" r:blip="">
+                                      <dgm:adjLst/>
+                                    </dgm:shape>
+                                    <dgm:presOf axis="ch ch desOrSelf" ptType="node node node" st="2 3 1" cnt="1 1 0"/>
+                                    <dgm:constrLst>
+                                      <dgm:constr type="lMarg" refType="primFontSz" fact="0.3"/>
+                                      <dgm:constr type="rMarg" refType="primFontSz" fact="0.3"/>
+                                      <dgm:constr type="tMarg" refType="primFontSz" fact="0.3"/>
+                                      <dgm:constr type="bMarg" refType="primFontSz" fact="0.3"/>
+                                    </dgm:constrLst>
+                                    <dgm:ruleLst>
+                                      <dgm:rule type="primFontSz" val="5" fact="NaN" max="NaN"/>
+                                    </dgm:ruleLst>
+                                  </dgm:layoutNode>
+                                  <dgm:layoutNode name="right_14_4" styleLbl="node1">
+                                    <dgm:varLst>
+                                      <dgm:bulletEnabled val="1"/>
+                                    </dgm:varLst>
+                                    <dgm:alg type="tx"/>
+                                    <dgm:shape xmlns:r="http://schemas.openxmlformats.org/officeDocument/2006/relationships" rot="4" type="roundRect" r:blip="">
+                                      <dgm:adjLst/>
+                                    </dgm:shape>
+                                    <dgm:presOf axis="ch ch desOrSelf" ptType="node node node" st="2 4 1" cnt="1 1 0"/>
+                                    <dgm:constrLst>
+                                      <dgm:constr type="lMarg" refType="primFontSz" fact="0.3"/>
+                                      <dgm:constr type="rMarg" refType="primFontSz" fact="0.3"/>
+                                      <dgm:constr type="tMarg" refType="primFontSz" fact="0.3"/>
+                                      <dgm:constr type="bMarg" refType="primFontSz" fact="0.3"/>
+                                    </dgm:constrLst>
+                                    <dgm:ruleLst>
+                                      <dgm:rule type="primFontSz" val="5" fact="NaN" max="NaN"/>
+                                    </dgm:ruleLst>
+                                  </dgm:layoutNode>
+                                  <dgm:layoutNode name="left_14_1" styleLbl="node1">
+                                    <dgm:varLst>
+                                      <dgm:bulletEnabled val="1"/>
+                                    </dgm:varLst>
+                                    <dgm:alg type="tx"/>
+                                    <dgm:shape xmlns:r="http://schemas.openxmlformats.org/officeDocument/2006/relationships" rot="4" type="roundRect" r:blip="">
+                                      <dgm:adjLst/>
+                                    </dgm:shape>
+                                    <dgm:presOf axis="ch ch desOrSelf" ptType="node node node" st="1 1 1" cnt="1 1 0"/>
+                                    <dgm:constrLst>
+                                      <dgm:constr type="lMarg" refType="primFontSz" fact="0.3"/>
+                                      <dgm:constr type="rMarg" refType="primFontSz" fact="0.3"/>
+                                      <dgm:constr type="tMarg" refType="primFontSz" fact="0.3"/>
+                                      <dgm:constr type="bMarg" refType="primFontSz" fact="0.3"/>
+                                    </dgm:constrLst>
+                                    <dgm:ruleLst>
+                                      <dgm:rule type="primFontSz" val="5" fact="NaN" max="NaN"/>
+                                    </dgm:ruleLst>
+                                  </dgm:layoutNode>
+                                </dgm:if>
+                                <dgm:else name="Name34"/>
+                              </dgm:choose>
+                            </dgm:else>
+                          </dgm:choose>
+                        </dgm:else>
+                      </dgm:choose>
+                    </dgm:else>
+                  </dgm:choose>
+                </dgm:else>
+              </dgm:choose>
+            </dgm:if>
+            <dgm:else name="Name35">
+              <dgm:choose name="Name36">
+                <dgm:if name="Name37" axis="ch ch" ptType="node node" st="1 1" cnt="1 0" func="cnt" op="equ" val="2">
+                  <dgm:choose name="Name38">
+                    <dgm:if name="Name39" axis="ch ch" ptType="node node" st="2 1" cnt="1 0" func="cnt" op="equ" val="0">
+                      <dgm:layoutNode name="balance_20" styleLbl="alignAccFollowNode1">
+                        <dgm:varLst>
+                          <dgm:bulletEnabled val="1"/>
+                        </dgm:varLst>
+                        <dgm:alg type="sp"/>
+                        <dgm:shape xmlns:r="http://schemas.openxmlformats.org/officeDocument/2006/relationships" rot="-4" type="rect" r:blip="">
+                          <dgm:adjLst/>
+                        </dgm:shape>
+                        <dgm:presOf/>
+                        <dgm:constrLst/>
+                        <dgm:ruleLst/>
+                      </dgm:layoutNode>
+                      <dgm:layoutNode name="left_20_1" styleLbl="node1">
+                        <dgm:varLst>
+                          <dgm:bulletEnabled val="1"/>
+                        </dgm:varLst>
+                        <dgm:alg type="tx"/>
+                        <dgm:shape xmlns:r="http://schemas.openxmlformats.org/officeDocument/2006/relationships" rot="-4" type="roundRect" r:blip="">
+                          <dgm:adjLst/>
+                        </dgm:shape>
+                        <dgm:presOf axis="ch ch desOrSelf" ptType="node node node" st="1 1 1" cnt="1 1 0"/>
+                        <dgm:constrLst>
+                          <dgm:constr type="lMarg" refType="primFontSz" fact="0.3"/>
+                          <dgm:constr type="rMarg" refType="primFontSz" fact="0.3"/>
+                          <dgm:constr type="tMarg" refType="primFontSz" fact="0.3"/>
+                          <dgm:constr type="bMarg" refType="primFontSz" fact="0.3"/>
+                        </dgm:constrLst>
+                        <dgm:ruleLst>
+                          <dgm:rule type="primFontSz" val="5" fact="NaN" max="NaN"/>
+                        </dgm:ruleLst>
+                      </dgm:layoutNode>
+                      <dgm:layoutNode name="left_20_2" styleLbl="node1">
+                        <dgm:varLst>
+                          <dgm:bulletEnabled val="1"/>
+                        </dgm:varLst>
+                        <dgm:alg type="tx"/>
+                        <dgm:shape xmlns:r="http://schemas.openxmlformats.org/officeDocument/2006/relationships" rot="-4" type="roundRect" r:blip="">
+                          <dgm:adjLst/>
+                        </dgm:shape>
+                        <dgm:presOf axis="ch ch desOrSelf" ptType="node node node" st="1 2 1" cnt="1 1 0"/>
+                        <dgm:constrLst>
+                          <dgm:constr type="lMarg" refType="primFontSz" fact="0.3"/>
+                          <dgm:constr type="rMarg" refType="primFontSz" fact="0.3"/>
+                          <dgm:constr type="tMarg" refType="primFontSz" fact="0.3"/>
+                          <dgm:constr type="bMarg" refType="primFontSz" fact="0.3"/>
+                        </dgm:constrLst>
+                        <dgm:ruleLst>
+                          <dgm:rule type="primFontSz" val="5" fact="NaN" max="NaN"/>
+                        </dgm:ruleLst>
+                      </dgm:layoutNode>
+                    </dgm:if>
+                    <dgm:else name="Name40">
+                      <dgm:choose name="Name41">
+                        <dgm:if name="Name42" axis="ch ch" ptType="node node" st="2 1" cnt="1 0" func="cnt" op="equ" val="1">
+                          <dgm:layoutNode name="balance_21" styleLbl="alignAccFollowNode1">
+                            <dgm:varLst>
+                              <dgm:bulletEnabled val="1"/>
+                            </dgm:varLst>
+                            <dgm:alg type="sp"/>
+                            <dgm:shape xmlns:r="http://schemas.openxmlformats.org/officeDocument/2006/relationships" rot="-4" type="rect" r:blip="">
+                              <dgm:adjLst/>
+                            </dgm:shape>
+                            <dgm:presOf/>
+                            <dgm:constrLst/>
+                            <dgm:ruleLst/>
+                          </dgm:layoutNode>
+                          <dgm:layoutNode name="left_21_1" styleLbl="node1">
+                            <dgm:varLst>
+                              <dgm:bulletEnabled val="1"/>
+                            </dgm:varLst>
+                            <dgm:alg type="tx"/>
+                            <dgm:shape xmlns:r="http://schemas.openxmlformats.org/officeDocument/2006/relationships" rot="-4" type="roundRect" r:blip="">
+                              <dgm:adjLst/>
+                            </dgm:shape>
+                            <dgm:presOf axis="ch ch desOrSelf" ptType="node node node" st="1 1 1" cnt="1 1 0"/>
+                            <dgm:constrLst>
+                              <dgm:constr type="lMarg" refType="primFontSz" fact="0.3"/>
+                              <dgm:constr type="rMarg" refType="primFontSz" fact="0.3"/>
+                              <dgm:constr type="tMarg" refType="primFontSz" fact="0.3"/>
+                              <dgm:constr type="bMarg" refType="primFontSz" fact="0.3"/>
+                            </dgm:constrLst>
+                            <dgm:ruleLst>
+                              <dgm:rule type="primFontSz" val="5" fact="NaN" max="NaN"/>
+                            </dgm:ruleLst>
+                          </dgm:layoutNode>
+                          <dgm:layoutNode name="left_21_2" styleLbl="node1">
+                            <dgm:varLst>
+                              <dgm:bulletEnabled val="1"/>
+                            </dgm:varLst>
+                            <dgm:alg type="tx"/>
+                            <dgm:shape xmlns:r="http://schemas.openxmlformats.org/officeDocument/2006/relationships" rot="-4" type="roundRect" r:blip="">
+                              <dgm:adjLst/>
+                            </dgm:shape>
+                            <dgm:presOf axis="ch ch desOrSelf" ptType="node node node" st="1 2 1" cnt="1 1 0"/>
+                            <dgm:constrLst>
+                              <dgm:constr type="lMarg" refType="primFontSz" fact="0.3"/>
+                              <dgm:constr type="rMarg" refType="primFontSz" fact="0.3"/>
+                              <dgm:constr type="tMarg" refType="primFontSz" fact="0.3"/>
+                              <dgm:constr type="bMarg" refType="primFontSz" fact="0.3"/>
+                            </dgm:constrLst>
+                            <dgm:ruleLst>
+                              <dgm:rule type="primFontSz" val="5" fact="NaN" max="NaN"/>
+                            </dgm:ruleLst>
+                          </dgm:layoutNode>
+                          <dgm:layoutNode name="right_21_1" styleLbl="node1">
+                            <dgm:varLst>
+                              <dgm:bulletEnabled val="1"/>
+                            </dgm:varLst>
+                            <dgm:alg type="tx"/>
+                            <dgm:shape xmlns:r="http://schemas.openxmlformats.org/officeDocument/2006/relationships" rot="-4" type="roundRect" r:blip="">
+                              <dgm:adjLst/>
+                            </dgm:shape>
+                            <dgm:presOf axis="ch ch desOrSelf" ptType="node node node" st="2 1 1" cnt="1 1 0"/>
+                            <dgm:constrLst>
+                              <dgm:constr type="lMarg" refType="primFontSz" fact="0.3"/>
+                              <dgm:constr type="rMarg" refType="primFontSz" fact="0.3"/>
+                              <dgm:constr type="tMarg" refType="primFontSz" fact="0.3"/>
+                              <dgm:constr type="bMarg" refType="primFontSz" fact="0.3"/>
+                            </dgm:constrLst>
+                            <dgm:ruleLst>
+                              <dgm:rule type="primFontSz" val="5" fact="NaN" max="NaN"/>
+                            </dgm:ruleLst>
+                          </dgm:layoutNode>
+                        </dgm:if>
+                        <dgm:else name="Name43">
+                          <dgm:choose name="Name44">
+                            <dgm:if name="Name45" axis="ch ch" ptType="node node" st="2 1" cnt="1 0" func="cnt" op="equ" val="2">
+                              <dgm:layoutNode name="balance_22" styleLbl="alignAccFollowNode1">
+                                <dgm:varLst>
+                                  <dgm:bulletEnabled val="1"/>
+                                </dgm:varLst>
+                                <dgm:alg type="sp"/>
+                                <dgm:shape xmlns:r="http://schemas.openxmlformats.org/officeDocument/2006/relationships" type="rect" r:blip="">
+                                  <dgm:adjLst/>
+                                </dgm:shape>
+                                <dgm:presOf/>
+                                <dgm:constrLst/>
+                                <dgm:ruleLst/>
+                              </dgm:layoutNode>
+                              <dgm:layoutNode name="right_22_1" styleLbl="node1">
+                                <dgm:varLst>
+                                  <dgm:bulletEnabled val="1"/>
+                                </dgm:varLst>
+                                <dgm:alg type="tx"/>
+                                <dgm:shape xmlns:r="http://schemas.openxmlformats.org/officeDocument/2006/relationships" type="roundRect" r:blip="">
+                                  <dgm:adjLst/>
+                                </dgm:shape>
+                                <dgm:presOf axis="ch ch desOrSelf" ptType="node node node" st="2 1 1" cnt="1 1 0"/>
+                                <dgm:constrLst>
+                                  <dgm:constr type="lMarg" refType="primFontSz" fact="0.3"/>
+                                  <dgm:constr type="rMarg" refType="primFontSz" fact="0.3"/>
+                                  <dgm:constr type="tMarg" refType="primFontSz" fact="0.3"/>
+                                  <dgm:constr type="bMarg" refType="primFontSz" fact="0.3"/>
+                                </dgm:constrLst>
+                                <dgm:ruleLst>
+                                  <dgm:rule type="primFontSz" val="5" fact="NaN" max="NaN"/>
+                                </dgm:ruleLst>
+                              </dgm:layoutNode>
+                              <dgm:layoutNode name="right_22_2" styleLbl="node1">
+                                <dgm:varLst>
+                                  <dgm:bulletEnabled val="1"/>
+                                </dgm:varLst>
+                                <dgm:alg type="tx"/>
+                                <dgm:shape xmlns:r="http://schemas.openxmlformats.org/officeDocument/2006/relationships" type="roundRect" r:blip="">
+                                  <dgm:adjLst/>
+                                </dgm:shape>
+                                <dgm:presOf axis="ch ch desOrSelf" ptType="node node node" st="2 2 1" cnt="1 1 0"/>
+                                <dgm:constrLst>
+                                  <dgm:constr type="lMarg" refType="primFontSz" fact="0.3"/>
+                                  <dgm:constr type="rMarg" refType="primFontSz" fact="0.3"/>
+                                  <dgm:constr type="tMarg" refType="primFontSz" fact="0.3"/>
+                                  <dgm:constr type="bMarg" refType="primFontSz" fact="0.3"/>
+                                </dgm:constrLst>
+                                <dgm:ruleLst>
+                                  <dgm:rule type="primFontSz" val="5" fact="NaN" max="NaN"/>
+                                </dgm:ruleLst>
+                              </dgm:layoutNode>
+                              <dgm:layoutNode name="left_22_1" styleLbl="node1">
+                                <dgm:varLst>
+                                  <dgm:bulletEnabled val="1"/>
+                                </dgm:varLst>
+                                <dgm:alg type="tx"/>
+                                <dgm:shape xmlns:r="http://schemas.openxmlformats.org/officeDocument/2006/relationships" type="roundRect" r:blip="">
+                                  <dgm:adjLst/>
+                                </dgm:shape>
+                                <dgm:presOf axis="ch ch desOrSelf" ptType="node node node" st="1 1 1" cnt="1 1 0"/>
+                                <dgm:constrLst>
+                                  <dgm:constr type="lMarg" refType="primFontSz" fact="0.3"/>
+                                  <dgm:constr type="rMarg" refType="primFontSz" fact="0.3"/>
+                                  <dgm:constr type="tMarg" refType="primFontSz" fact="0.3"/>
+                                  <dgm:constr type="bMarg" refType="primFontSz" fact="0.3"/>
+                                </dgm:constrLst>
+                                <dgm:ruleLst>
+                                  <dgm:rule type="primFontSz" val="5" fact="NaN" max="NaN"/>
+                                </dgm:ruleLst>
+                              </dgm:layoutNode>
+                              <dgm:layoutNode name="left_22_2" styleLbl="node1">
+                                <dgm:varLst>
+                                  <dgm:bulletEnabled val="1"/>
+                                </dgm:varLst>
+                                <dgm:alg type="tx"/>
+                                <dgm:shape xmlns:r="http://schemas.openxmlformats.org/officeDocument/2006/relationships" type="roundRect" r:blip="">
+                                  <dgm:adjLst/>
+                                </dgm:shape>
+                                <dgm:presOf axis="ch ch desOrSelf" ptType="node node node" st="1 2 1" cnt="1 1 0"/>
+                                <dgm:constrLst>
+                                  <dgm:constr type="lMarg" refType="primFontSz" fact="0.3"/>
+                                  <dgm:constr type="rMarg" refType="primFontSz" fact="0.3"/>
+                                  <dgm:constr type="tMarg" refType="primFontSz" fact="0.3"/>
+                                  <dgm:constr type="bMarg" refType="primFontSz" fact="0.3"/>
+                                </dgm:constrLst>
+                                <dgm:ruleLst>
+                                  <dgm:rule type="primFontSz" val="5" fact="NaN" max="NaN"/>
+                                </dgm:ruleLst>
+                              </dgm:layoutNode>
+                            </dgm:if>
+                            <dgm:else name="Name46">
+                              <dgm:choose name="Name47">
+                                <dgm:if name="Name48" axis="ch ch" ptType="node node" st="2 1" cnt="1 0" func="cnt" op="equ" val="3">
+                                  <dgm:layoutNode name="balance_23" styleLbl="alignAccFollowNode1">
+                                    <dgm:varLst>
+                                      <dgm:bulletEnabled val="1"/>
+                                    </dgm:varLst>
+                                    <dgm:alg type="sp"/>
+                                    <dgm:shape xmlns:r="http://schemas.openxmlformats.org/officeDocument/2006/relationships" rot="4" type="rect" r:blip="">
+                                      <dgm:adjLst/>
+                                    </dgm:shape>
+                                    <dgm:presOf/>
+                                    <dgm:constrLst/>
+                                    <dgm:ruleLst/>
+                                  </dgm:layoutNode>
+                                  <dgm:layoutNode name="right_23_1" styleLbl="node1">
+                                    <dgm:varLst>
+                                      <dgm:bulletEnabled val="1"/>
+                                    </dgm:varLst>
+                                    <dgm:alg type="tx"/>
+                                    <dgm:shape xmlns:r="http://schemas.openxmlformats.org/officeDocument/2006/relationships" rot="4" type="roundRect" r:blip="">
+                                      <dgm:adjLst/>
+                                    </dgm:shape>
+                                    <dgm:presOf axis="ch ch desOrSelf" ptType="node node node" st="2 1 1" cnt="1 1 0"/>
+                                    <dgm:constrLst>
+                                      <dgm:constr type="lMarg" refType="primFontSz" fact="0.3"/>
+                                      <dgm:constr type="rMarg" refType="primFontSz" fact="0.3"/>
+                                      <dgm:constr type="tMarg" refType="primFontSz" fact="0.3"/>
+                                      <dgm:constr type="bMarg" refType="primFontSz" fact="0.3"/>
+                                    </dgm:constrLst>
+                                    <dgm:ruleLst>
+                                      <dgm:rule type="primFontSz" val="5" fact="NaN" max="NaN"/>
+                                    </dgm:ruleLst>
+                                  </dgm:layoutNode>
+                                  <dgm:layoutNode name="right_23_2" styleLbl="node1">
+                                    <dgm:varLst>
+                                      <dgm:bulletEnabled val="1"/>
+                                    </dgm:varLst>
+                                    <dgm:alg type="tx"/>
+                                    <dgm:shape xmlns:r="http://schemas.openxmlformats.org/officeDocument/2006/relationships" rot="4" type="roundRect" r:blip="">
+                                      <dgm:adjLst/>
+                                    </dgm:shape>
+                                    <dgm:presOf axis="ch ch desOrSelf" ptType="node node node" st="2 2 1" cnt="1 1 0"/>
+                                    <dgm:constrLst>
+                                      <dgm:constr type="lMarg" refType="primFontSz" fact="0.3"/>
+                                      <dgm:constr type="rMarg" refType="primFontSz" fact="0.3"/>
+                                      <dgm:constr type="tMarg" refType="primFontSz" fact="0.3"/>
+                                      <dgm:constr type="bMarg" refType="primFontSz" fact="0.3"/>
+                                    </dgm:constrLst>
+                                    <dgm:ruleLst>
+                                      <dgm:rule type="primFontSz" val="5" fact="NaN" max="NaN"/>
+                                    </dgm:ruleLst>
+                                  </dgm:layoutNode>
+                                  <dgm:layoutNode name="right_23_3" styleLbl="node1">
+                                    <dgm:varLst>
+                                      <dgm:bulletEnabled val="1"/>
+                                    </dgm:varLst>
+                                    <dgm:alg type="tx"/>
+                                    <dgm:shape xmlns:r="http://schemas.openxmlformats.org/officeDocument/2006/relationships" rot="4" type="roundRect" r:blip="">
+                                      <dgm:adjLst/>
+                                    </dgm:shape>
+                                    <dgm:presOf axis="ch ch desOrSelf" ptType="node node node" st="2 3 1" cnt="1 1 0"/>
+                                    <dgm:constrLst>
+                                      <dgm:constr type="lMarg" refType="primFontSz" fact="0.3"/>
+                                      <dgm:constr type="rMarg" refType="primFontSz" fact="0.3"/>
+                                      <dgm:constr type="tMarg" refType="primFontSz" fact="0.3"/>
+                                      <dgm:constr type="bMarg" refType="primFontSz" fact="0.3"/>
+                                    </dgm:constrLst>
+                                    <dgm:ruleLst>
+                                      <dgm:rule type="primFontSz" val="5" fact="NaN" max="NaN"/>
+                                    </dgm:ruleLst>
+                                  </dgm:layoutNode>
+                                  <dgm:layoutNode name="left_23_1" styleLbl="node1">
+                                    <dgm:varLst>
+                                      <dgm:bulletEnabled val="1"/>
+                                    </dgm:varLst>
+                                    <dgm:alg type="tx"/>
+                                    <dgm:shape xmlns:r="http://schemas.openxmlformats.org/officeDocument/2006/relationships" rot="4" type="roundRect" r:blip="">
+                                      <dgm:adjLst/>
+                                    </dgm:shape>
+                                    <dgm:presOf axis="ch ch desOrSelf" ptType="node node node" st="1 1 1" cnt="1 1 0"/>
+                                    <dgm:constrLst>
+                                      <dgm:constr type="lMarg" refType="primFontSz" fact="0.3"/>
+                                      <dgm:constr type="rMarg" refType="primFontSz" fact="0.3"/>
+                                      <dgm:constr type="tMarg" refType="primFontSz" fact="0.3"/>
+                                      <dgm:constr type="bMarg" refType="primFontSz" fact="0.3"/>
+                                    </dgm:constrLst>
+                                    <dgm:ruleLst>
+                                      <dgm:rule type="primFontSz" val="5" fact="NaN" max="NaN"/>
+                                    </dgm:ruleLst>
+                                  </dgm:layoutNode>
+                                  <dgm:layoutNode name="left_23_2" styleLbl="node1">
+                                    <dgm:varLst>
+                                      <dgm:bulletEnabled val="1"/>
+                                    </dgm:varLst>
+                                    <dgm:alg type="tx"/>
+                                    <dgm:shape xmlns:r="http://schemas.openxmlformats.org/officeDocument/2006/relationships" rot="4" type="roundRect" r:blip="">
+                                      <dgm:adjLst/>
+                                    </dgm:shape>
+                                    <dgm:presOf axis="ch ch desOrSelf" ptType="node node node" st="1 2 1" cnt="1 1 0"/>
+                                    <dgm:constrLst>
+                                      <dgm:constr type="lMarg" refType="primFontSz" fact="0.3"/>
+                                      <dgm:constr type="rMarg" refType="primFontSz" fact="0.3"/>
+                                      <dgm:constr type="tMarg" refType="primFontSz" fact="0.3"/>
+                                      <dgm:constr type="bMarg" refType="primFontSz" fact="0.3"/>
+                                    </dgm:constrLst>
+                                    <dgm:ruleLst>
+                                      <dgm:rule type="primFontSz" val="5" fact="NaN" max="NaN"/>
+                                    </dgm:ruleLst>
+                                  </dgm:layoutNode>
+                                </dgm:if>
+                                <dgm:else name="Name49">
+                                  <dgm:choose name="Name50">
+                                    <dgm:if name="Name51" axis="ch ch" ptType="node node" st="2 1" cnt="1 0" func="cnt" op="gte" val="4">
+                                      <dgm:layoutNode name="balance_24" styleLbl="alignAccFollowNode1">
+                                        <dgm:varLst>
+                                          <dgm:bulletEnabled val="1"/>
+                                        </dgm:varLst>
+                                        <dgm:alg type="sp"/>
+                                        <dgm:shape xmlns:r="http://schemas.openxmlformats.org/officeDocument/2006/relationships" rot="4" type="rect" r:blip="">
+                                          <dgm:adjLst/>
+                                        </dgm:shape>
+                                        <dgm:presOf/>
+                                        <dgm:constrLst/>
+                                        <dgm:ruleLst/>
+                                      </dgm:layoutNode>
+                                      <dgm:layoutNode name="right_24_1" styleLbl="node1">
+                                        <dgm:varLst>
+                                          <dgm:bulletEnabled val="1"/>
+                                        </dgm:varLst>
+                                        <dgm:alg type="tx"/>
+                                        <dgm:shape xmlns:r="http://schemas.openxmlformats.org/officeDocument/2006/relationships" rot="4" type="roundRect" r:blip="">
+                                          <dgm:adjLst/>
+                                        </dgm:shape>
+                                        <dgm:presOf axis="ch ch desOrSelf" ptType="node node node" st="2 1 1" cnt="1 1 0"/>
+                                        <dgm:constrLst>
+                                          <dgm:constr type="lMarg" refType="primFontSz" fact="0.3"/>
+                                          <dgm:constr type="rMarg" refType="primFontSz" fact="0.3"/>
+                                          <dgm:constr type="tMarg" refType="primFontSz" fact="0.3"/>
+                                          <dgm:constr type="bMarg" refType="primFontSz" fact="0.3"/>
+                                        </dgm:constrLst>
+                                        <dgm:ruleLst>
+                                          <dgm:rule type="primFontSz" val="5" fact="NaN" max="NaN"/>
+                                        </dgm:ruleLst>
+                                      </dgm:layoutNode>
+                                      <dgm:layoutNode name="right_24_2" styleLbl="node1">
+                                        <dgm:varLst>
+                                          <dgm:bulletEnabled val="1"/>
+                                        </dgm:varLst>
+                                        <dgm:alg type="tx"/>
+                                        <dgm:shape xmlns:r="http://schemas.openxmlformats.org/officeDocument/2006/relationships" rot="4" type="roundRect" r:blip="">
+                                          <dgm:adjLst/>
+                                        </dgm:shape>
+                                        <dgm:presOf axis="ch ch desOrSelf" ptType="node node node" st="2 2 1" cnt="1 1 0"/>
+                                        <dgm:constrLst>
+                                          <dgm:constr type="lMarg" refType="primFontSz" fact="0.3"/>
+                                          <dgm:constr type="rMarg" refType="primFontSz" fact="0.3"/>
+                                          <dgm:constr type="tMarg" refType="primFontSz" fact="0.3"/>
+                                          <dgm:constr type="bMarg" refType="primFontSz" fact="0.3"/>
+                                        </dgm:constrLst>
+                                        <dgm:ruleLst>
+                                          <dgm:rule type="primFontSz" val="5" fact="NaN" max="NaN"/>
+                                        </dgm:ruleLst>
+                                      </dgm:layoutNode>
+                                      <dgm:layoutNode name="right_24_3" styleLbl="node1">
+                                        <dgm:varLst>
+                                          <dgm:bulletEnabled val="1"/>
+                                        </dgm:varLst>
+                                        <dgm:alg type="tx"/>
+                                        <dgm:shape xmlns:r="http://schemas.openxmlformats.org/officeDocument/2006/relationships" rot="4" type="roundRect" r:blip="">
+                                          <dgm:adjLst/>
+                                        </dgm:shape>
+                                        <dgm:presOf axis="ch ch desOrSelf" ptType="node node node" st="2 3 1" cnt="1 1 0"/>
+                                        <dgm:constrLst>
+                                          <dgm:constr type="lMarg" refType="primFontSz" fact="0.3"/>
+                                          <dgm:constr type="rMarg" refType="primFontSz" fact="0.3"/>
+                                          <dgm:constr type="tMarg" refType="primFontSz" fact="0.3"/>
+                                          <dgm:constr type="bMarg" refType="primFontSz" fact="0.3"/>
+                                        </dgm:constrLst>
+                                        <dgm:ruleLst>
+                                          <dgm:rule type="primFontSz" val="5" fact="NaN" max="NaN"/>
+                                        </dgm:ruleLst>
+                                      </dgm:layoutNode>
+                                      <dgm:layoutNode name="right_24_4" styleLbl="node1">
+                                        <dgm:varLst>
+                                          <dgm:bulletEnabled val="1"/>
+                                        </dgm:varLst>
+                                        <dgm:alg type="tx"/>
+                                        <dgm:shape xmlns:r="http://schemas.openxmlformats.org/officeDocument/2006/relationships" rot="4" type="roundRect" r:blip="">
+                                          <dgm:adjLst/>
+                                        </dgm:shape>
+                                        <dgm:presOf axis="ch ch desOrSelf" ptType="node node node" st="2 4 1" cnt="1 1 0"/>
+                                        <dgm:constrLst>
+                                          <dgm:constr type="lMarg" refType="primFontSz" fact="0.3"/>
+                                          <dgm:constr type="rMarg" refType="primFontSz" fact="0.3"/>
+                                          <dgm:constr type="tMarg" refType="primFontSz" fact="0.3"/>
+                                          <dgm:constr type="bMarg" refType="primFontSz" fact="0.3"/>
+                                        </dgm:constrLst>
+                                        <dgm:ruleLst>
+                                          <dgm:rule type="primFontSz" val="5" fact="NaN" max="NaN"/>
+                                        </dgm:ruleLst>
+                                      </dgm:layoutNode>
+                                      <dgm:layoutNode name="left_24_1" styleLbl="node1">
+                                        <dgm:varLst>
+                                          <dgm:bulletEnabled val="1"/>
+                                        </dgm:varLst>
+                                        <dgm:alg type="tx"/>
+                                        <dgm:shape xmlns:r="http://schemas.openxmlformats.org/officeDocument/2006/relationships" rot="4" type="roundRect" r:blip="">
+                                          <dgm:adjLst/>
+                                        </dgm:shape>
+                                        <dgm:presOf axis="ch ch desOrSelf" ptType="node node node" st="1 1 1" cnt="1 1 0"/>
+                                        <dgm:constrLst>
+                                          <dgm:constr type="lMarg" refType="primFontSz" fact="0.3"/>
+                                          <dgm:constr type="rMarg" refType="primFontSz" fact="0.3"/>
+                                          <dgm:constr type="tMarg" refType="primFontSz" fact="0.3"/>
+                                          <dgm:constr type="bMarg" refType="primFontSz" fact="0.3"/>
+                                        </dgm:constrLst>
+                                        <dgm:ruleLst>
+                                          <dgm:rule type="primFontSz" val="5" fact="NaN" max="NaN"/>
+                                        </dgm:ruleLst>
+                                      </dgm:layoutNode>
+                                      <dgm:layoutNode name="left_24_2" styleLbl="node1">
+                                        <dgm:varLst>
+                                          <dgm:bulletEnabled val="1"/>
+                                        </dgm:varLst>
+                                        <dgm:alg type="tx"/>
+                                        <dgm:shape xmlns:r="http://schemas.openxmlformats.org/officeDocument/2006/relationships" rot="4" type="roundRect" r:blip="">
+                                          <dgm:adjLst/>
+                                        </dgm:shape>
+                                        <dgm:presOf axis="ch ch desOrSelf" ptType="node node node" st="1 2 1" cnt="1 1 0"/>
+                                        <dgm:constrLst>
+                                          <dgm:constr type="lMarg" refType="primFontSz" fact="0.3"/>
+                                          <dgm:constr type="rMarg" refType="primFontSz" fact="0.3"/>
+                                          <dgm:constr type="tMarg" refType="primFontSz" fact="0.3"/>
+                                          <dgm:constr type="bMarg" refType="primFontSz" fact="0.3"/>
+                                        </dgm:constrLst>
+                                        <dgm:ruleLst>
+                                          <dgm:rule type="primFontSz" val="5" fact="NaN" max="NaN"/>
+                                        </dgm:ruleLst>
+                                      </dgm:layoutNode>
+                                    </dgm:if>
+                                    <dgm:else name="Name52"/>
+                                  </dgm:choose>
+                                </dgm:else>
+                              </dgm:choose>
+                            </dgm:else>
+                          </dgm:choose>
+                        </dgm:else>
+                      </dgm:choose>
+                    </dgm:else>
+                  </dgm:choose>
+                </dgm:if>
+                <dgm:else name="Name53">
+                  <dgm:choose name="Name54">
+                    <dgm:if name="Name55" axis="ch ch" ptType="node node" st="1 1" cnt="1 0" func="cnt" op="equ" val="3">
+                      <dgm:choose name="Name56">
+                        <dgm:if name="Name57" axis="ch ch" ptType="node node" st="2 1" cnt="1 0" func="cnt" op="equ" val="0">
+                          <dgm:layoutNode name="balance_30" styleLbl="alignAccFollowNode1">
+                            <dgm:varLst>
+                              <dgm:bulletEnabled val="1"/>
+                            </dgm:varLst>
+                            <dgm:alg type="sp"/>
+                            <dgm:shape xmlns:r="http://schemas.openxmlformats.org/officeDocument/2006/relationships" rot="-4" type="rect" r:blip="">
+                              <dgm:adjLst/>
+                            </dgm:shape>
+                            <dgm:presOf/>
+                            <dgm:constrLst/>
+                            <dgm:ruleLst/>
+                          </dgm:layoutNode>
+                          <dgm:layoutNode name="left_30_1" styleLbl="node1">
+                            <dgm:varLst>
+                              <dgm:bulletEnabled val="1"/>
+                            </dgm:varLst>
+                            <dgm:alg type="tx"/>
+                            <dgm:shape xmlns:r="http://schemas.openxmlformats.org/officeDocument/2006/relationships" rot="-4" type="roundRect" r:blip="">
+                              <dgm:adjLst/>
+                            </dgm:shape>
+                            <dgm:presOf axis="ch ch desOrSelf" ptType="node node node" st="1 1 1" cnt="1 1 0"/>
+                            <dgm:constrLst>
+                              <dgm:constr type="lMarg" refType="primFontSz" fact="0.3"/>
+                              <dgm:constr type="rMarg" refType="primFontSz" fact="0.3"/>
+                              <dgm:constr type="tMarg" refType="primFontSz" fact="0.3"/>
+                              <dgm:constr type="bMarg" refType="primFontSz" fact="0.3"/>
+                            </dgm:constrLst>
+                            <dgm:ruleLst>
+                              <dgm:rule type="primFontSz" val="5" fact="NaN" max="NaN"/>
+                            </dgm:ruleLst>
+                          </dgm:layoutNode>
+                          <dgm:layoutNode name="left_30_2" styleLbl="node1">
+                            <dgm:varLst>
+                              <dgm:bulletEnabled val="1"/>
+                            </dgm:varLst>
+                            <dgm:alg type="tx"/>
+                            <dgm:shape xmlns:r="http://schemas.openxmlformats.org/officeDocument/2006/relationships" rot="-4" type="roundRect" r:blip="">
+                              <dgm:adjLst/>
+                            </dgm:shape>
+                            <dgm:presOf axis="ch ch desOrSelf" ptType="node node node" st="1 2 1" cnt="1 1 0"/>
+                            <dgm:constrLst>
+                              <dgm:constr type="lMarg" refType="primFontSz" fact="0.3"/>
+                              <dgm:constr type="rMarg" refType="primFontSz" fact="0.3"/>
+                              <dgm:constr type="tMarg" refType="primFontSz" fact="0.3"/>
+                              <dgm:constr type="bMarg" refType="primFontSz" fact="0.3"/>
+                            </dgm:constrLst>
+                            <dgm:ruleLst>
+                              <dgm:rule type="primFontSz" val="5" fact="NaN" max="NaN"/>
+                            </dgm:ruleLst>
+                          </dgm:layoutNode>
+                          <dgm:layoutNode name="left_30_3" styleLbl="node1">
+                            <dgm:varLst>
+                              <dgm:bulletEnabled val="1"/>
+                            </dgm:varLst>
+                            <dgm:alg type="tx"/>
+                            <dgm:shape xmlns:r="http://schemas.openxmlformats.org/officeDocument/2006/relationships" rot="-4" type="roundRect" r:blip="">
+                              <dgm:adjLst/>
+                            </dgm:shape>
+                            <dgm:presOf axis="ch ch desOrSelf" ptType="node node node" st="1 3 1" cnt="1 1 0"/>
+                            <dgm:constrLst>
+                              <dgm:constr type="lMarg" refType="primFontSz" fact="0.3"/>
+                              <dgm:constr type="rMarg" refType="primFontSz" fact="0.3"/>
+                              <dgm:constr type="tMarg" refType="primFontSz" fact="0.3"/>
+                              <dgm:constr type="bMarg" refType="primFontSz" fact="0.3"/>
+                            </dgm:constrLst>
+                            <dgm:ruleLst>
+                              <dgm:rule type="primFontSz" val="5" fact="NaN" max="NaN"/>
+                            </dgm:ruleLst>
+                          </dgm:layoutNode>
+                        </dgm:if>
+                        <dgm:else name="Name58">
+                          <dgm:choose name="Name59">
+                            <dgm:if name="Name60" axis="ch ch" ptType="node node" st="2 1" cnt="1 0" func="cnt" op="equ" val="1">
+                              <dgm:layoutNode name="balance_31" styleLbl="alignAccFollowNode1">
+                                <dgm:varLst>
+                                  <dgm:bulletEnabled val="1"/>
+                                </dgm:varLst>
+                                <dgm:alg type="sp"/>
+                                <dgm:shape xmlns:r="http://schemas.openxmlformats.org/officeDocument/2006/relationships" rot="-4" type="rect" r:blip="">
+                                  <dgm:adjLst/>
+                                </dgm:shape>
+                                <dgm:presOf/>
+                                <dgm:constrLst/>
+                                <dgm:ruleLst/>
+                              </dgm:layoutNode>
+                              <dgm:layoutNode name="left_31_1" styleLbl="node1">
+                                <dgm:varLst>
+                                  <dgm:bulletEnabled val="1"/>
+                                </dgm:varLst>
+                                <dgm:alg type="tx"/>
+                                <dgm:shape xmlns:r="http://schemas.openxmlformats.org/officeDocument/2006/relationships" rot="-4" type="roundRect" r:blip="">
+                                  <dgm:adjLst/>
+                                </dgm:shape>
+                                <dgm:presOf axis="ch ch desOrSelf" ptType="node node node" st="1 1 1" cnt="1 1 0"/>
+                                <dgm:constrLst>
+                                  <dgm:constr type="lMarg" refType="primFontSz" fact="0.3"/>
+                                  <dgm:constr type="rMarg" refType="primFontSz" fact="0.3"/>
+                                  <dgm:constr type="tMarg" refType="primFontSz" fact="0.3"/>
+                                  <dgm:constr type="bMarg" refType="primFontSz" fact="0.3"/>
+                                </dgm:constrLst>
+                                <dgm:ruleLst>
+                                  <dgm:rule type="primFontSz" val="5" fact="NaN" max="NaN"/>
+                                </dgm:ruleLst>
+                              </dgm:layoutNode>
+                              <dgm:layoutNode name="left_31_2" styleLbl="node1">
+                                <dgm:varLst>
+                                  <dgm:bulletEnabled val="1"/>
+                                </dgm:varLst>
+                                <dgm:alg type="tx"/>
+                                <dgm:shape xmlns:r="http://schemas.openxmlformats.org/officeDocument/2006/relationships" rot="-4" type="roundRect" r:blip="">
+                                  <dgm:adjLst/>
+                                </dgm:shape>
+                                <dgm:presOf axis="ch ch desOrSelf" ptType="node node node" st="1 2 1" cnt="1 1 0"/>
+                                <dgm:constrLst>
+                                  <dgm:constr type="lMarg" refType="primFontSz" fact="0.3"/>
+                                  <dgm:constr type="rMarg" refType="primFontSz" fact="0.3"/>
+                                  <dgm:constr type="tMarg" refType="primFontSz" fact="0.3"/>
+                                  <dgm:constr type="bMarg" refType="primFontSz" fact="0.3"/>
+                                </dgm:constrLst>
+                                <dgm:ruleLst>
+                                  <dgm:rule type="primFontSz" val="5" fact="NaN" max="NaN"/>
+                                </dgm:ruleLst>
+                              </dgm:layoutNode>
+                              <dgm:layoutNode name="left_31_3" styleLbl="node1">
+                                <dgm:varLst>
+                                  <dgm:bulletEnabled val="1"/>
+                                </dgm:varLst>
+                                <dgm:alg type="tx"/>
+                                <dgm:shape xmlns:r="http://schemas.openxmlformats.org/officeDocument/2006/relationships" rot="-4" type="roundRect" r:blip="">
+                                  <dgm:adjLst/>
+                                </dgm:shape>
+                                <dgm:presOf axis="ch ch desOrSelf" ptType="node node node" st="1 3 1" cnt="1 1 0"/>
+                                <dgm:constrLst>
+                                  <dgm:constr type="lMarg" refType="primFontSz" fact="0.3"/>
+                                  <dgm:constr type="rMarg" refType="primFontSz" fact="0.3"/>
+                                  <dgm:constr type="tMarg" refType="primFontSz" fact="0.3"/>
+                                  <dgm:constr type="bMarg" refType="primFontSz" fact="0.3"/>
+                                </dgm:constrLst>
+                                <dgm:ruleLst>
+                                  <dgm:rule type="primFontSz" val="5" fact="NaN" max="NaN"/>
+                                </dgm:ruleLst>
+                              </dgm:layoutNode>
+                              <dgm:layoutNode name="right_31_1" styleLbl="node1">
+                                <dgm:varLst>
+                                  <dgm:bulletEnabled val="1"/>
+                                </dgm:varLst>
+                                <dgm:alg type="tx"/>
+                                <dgm:shape xmlns:r="http://schemas.openxmlformats.org/officeDocument/2006/relationships" rot="-4" type="roundRect" r:blip="">
+                                  <dgm:adjLst/>
+                                </dgm:shape>
+                                <dgm:presOf axis="ch ch desOrSelf" ptType="node node node" st="2 1 1" cnt="1 1 0"/>
+                                <dgm:constrLst>
+                                  <dgm:constr type="lMarg" refType="primFontSz" fact="0.3"/>
+                                  <dgm:constr type="rMarg" refType="primFontSz" fact="0.3"/>
+                                  <dgm:constr type="tMarg" refType="primFontSz" fact="0.3"/>
+                                  <dgm:constr type="bMarg" refType="primFontSz" fact="0.3"/>
+                                </dgm:constrLst>
+                                <dgm:ruleLst>
+                                  <dgm:rule type="primFontSz" val="5" fact="NaN" max="NaN"/>
+                                </dgm:ruleLst>
+                              </dgm:layoutNode>
+                            </dgm:if>
+                            <dgm:else name="Name61">
+                              <dgm:choose name="Name62">
+                                <dgm:if name="Name63" axis="ch ch" ptType="node node" st="2 1" cnt="1 0" func="cnt" op="equ" val="2">
+                                  <dgm:layoutNode name="balance_32" styleLbl="alignAccFollowNode1">
+                                    <dgm:varLst>
+                                      <dgm:bulletEnabled val="1"/>
+                                    </dgm:varLst>
+                                    <dgm:alg type="sp"/>
+                                    <dgm:shape xmlns:r="http://schemas.openxmlformats.org/officeDocument/2006/relationships" rot="-4" type="rect" r:blip="">
+                                      <dgm:adjLst/>
+                                    </dgm:shape>
+                                    <dgm:presOf/>
+                                    <dgm:constrLst/>
+                                    <dgm:ruleLst/>
+                                  </dgm:layoutNode>
+                                  <dgm:layoutNode name="left_32_1" styleLbl="node1">
+                                    <dgm:varLst>
+                                      <dgm:bulletEnabled val="1"/>
+                                    </dgm:varLst>
+                                    <dgm:alg type="tx"/>
+                                    <dgm:shape xmlns:r="http://schemas.openxmlformats.org/officeDocument/2006/relationships" rot="-4" type="roundRect" r:blip="">
+                                      <dgm:adjLst/>
+                                    </dgm:shape>
+                                    <dgm:presOf axis="ch ch desOrSelf" ptType="node node node" st="1 1 1" cnt="1 1 0"/>
+                                    <dgm:constrLst>
+                                      <dgm:constr type="lMarg" refType="primFontSz" fact="0.3"/>
+                                      <dgm:constr type="rMarg" refType="primFontSz" fact="0.3"/>
+                                      <dgm:constr type="tMarg" refType="primFontSz" fact="0.3"/>
+                                      <dgm:constr type="bMarg" refType="primFontSz" fact="0.3"/>
+                                    </dgm:constrLst>
+                                    <dgm:ruleLst>
+                                      <dgm:rule type="primFontSz" val="5" fact="NaN" max="NaN"/>
+                                    </dgm:ruleLst>
+                                  </dgm:layoutNode>
+                                  <dgm:layoutNode name="left_32_2" styleLbl="node1">
+                                    <dgm:varLst>
+                                      <dgm:bulletEnabled val="1"/>
+                                    </dgm:varLst>
+                                    <dgm:alg type="tx"/>
+                                    <dgm:shape xmlns:r="http://schemas.openxmlformats.org/officeDocument/2006/relationships" rot="-4" type="roundRect" r:blip="">
+                                      <dgm:adjLst/>
+                                    </dgm:shape>
+                                    <dgm:presOf axis="ch ch desOrSelf" ptType="node node node" st="1 2 1" cnt="1 1 0"/>
+                                    <dgm:constrLst>
+                                      <dgm:constr type="lMarg" refType="primFontSz" fact="0.3"/>
+                                      <dgm:constr type="rMarg" refType="primFontSz" fact="0.3"/>
+                                      <dgm:constr type="tMarg" refType="primFontSz" fact="0.3"/>
+                                      <dgm:constr type="bMarg" refType="primFontSz" fact="0.3"/>
+                                    </dgm:constrLst>
+                                    <dgm:ruleLst>
+                                      <dgm:rule type="primFontSz" val="5" fact="NaN" max="NaN"/>
+                                    </dgm:ruleLst>
+                                  </dgm:layoutNode>
+                                  <dgm:layoutNode name="left_32_3" styleLbl="node1">
+                                    <dgm:varLst>
+                                      <dgm:bulletEnabled val="1"/>
+                                    </dgm:varLst>
+                                    <dgm:alg type="tx"/>
+                                    <dgm:shape xmlns:r="http://schemas.openxmlformats.org/officeDocument/2006/relationships" rot="-4" type="roundRect" r:blip="">
+                                      <dgm:adjLst/>
+                                    </dgm:shape>
+                                    <dgm:presOf axis="ch ch desOrSelf" ptType="node node node" st="1 3 1" cnt="1 1 0"/>
+                                    <dgm:constrLst>
+                                      <dgm:constr type="lMarg" refType="primFontSz" fact="0.3"/>
+                                      <dgm:constr type="rMarg" refType="primFontSz" fact="0.3"/>
+                                      <dgm:constr type="tMarg" refType="primFontSz" fact="0.3"/>
+                                      <dgm:constr type="bMarg" refType="primFontSz" fact="0.3"/>
+                                    </dgm:constrLst>
+                                    <dgm:ruleLst>
+                                      <dgm:rule type="primFontSz" val="5" fact="NaN" max="NaN"/>
+                                    </dgm:ruleLst>
+                                  </dgm:layoutNode>
+                                  <dgm:layoutNode name="right_32_1" styleLbl="node1">
+                                    <dgm:varLst>
+                                      <dgm:bulletEnabled val="1"/>
+                                    </dgm:varLst>
+                                    <dgm:alg type="tx"/>
+                                    <dgm:shape xmlns:r="http://schemas.openxmlformats.org/officeDocument/2006/relationships" rot="-4" type="roundRect" r:blip="">
+                                      <dgm:adjLst/>
+                                    </dgm:shape>
+                                    <dgm:presOf axis="ch ch desOrSelf" ptType="node node node" st="2 1 1" cnt="1 1 0"/>
+                                    <dgm:constrLst>
+                                      <dgm:constr type="lMarg" refType="primFontSz" fact="0.3"/>
+                                      <dgm:constr type="rMarg" refType="primFontSz" fact="0.3"/>
+                                      <dgm:constr type="tMarg" refType="primFontSz" fact="0.3"/>
+                                      <dgm:constr type="bMarg" refType="primFontSz" fact="0.3"/>
+                                    </dgm:constrLst>
+                                    <dgm:ruleLst>
+                                      <dgm:rule type="primFontSz" val="5" fact="NaN" max="NaN"/>
+                                    </dgm:ruleLst>
+                                  </dgm:layoutNode>
+                                  <dgm:layoutNode name="right_32_2" styleLbl="node1">
+                                    <dgm:varLst>
+                                      <dgm:bulletEnabled val="1"/>
+                                    </dgm:varLst>
+                                    <dgm:alg type="tx"/>
+                                    <dgm:shape xmlns:r="http://schemas.openxmlformats.org/officeDocument/2006/relationships" rot="-4" type="roundRect" r:blip="">
+                                      <dgm:adjLst/>
+                                    </dgm:shape>
+                                    <dgm:presOf axis="ch ch desOrSelf" ptType="node node node" st="2 2 1" cnt="1 1 0"/>
+                                    <dgm:constrLst>
+                                      <dgm:constr type="lMarg" refType="primFontSz" fact="0.3"/>
+                                      <dgm:constr type="rMarg" refType="primFontSz" fact="0.3"/>
+                                      <dgm:constr type="tMarg" refType="primFontSz" fact="0.3"/>
+                                      <dgm:constr type="bMarg" refType="primFontSz" fact="0.3"/>
+                                    </dgm:constrLst>
+                                    <dgm:ruleLst>
+                                      <dgm:rule type="primFontSz" val="5" fact="NaN" max="NaN"/>
+                                    </dgm:ruleLst>
+                                  </dgm:layoutNode>
+                                </dgm:if>
+                                <dgm:else name="Name64">
+                                  <dgm:choose name="Name65">
+                                    <dgm:if name="Name66" axis="ch ch" ptType="node node" st="2 1" cnt="1 0" func="cnt" op="equ" val="3">
+                                      <dgm:layoutNode name="balance_33" styleLbl="alignAccFollowNode1">
+                                        <dgm:varLst>
+                                          <dgm:bulletEnabled val="1"/>
+                                        </dgm:varLst>
+                                        <dgm:alg type="sp"/>
+                                        <dgm:shape xmlns:r="http://schemas.openxmlformats.org/officeDocument/2006/relationships" type="rect" r:blip="">
+                                          <dgm:adjLst/>
+                                        </dgm:shape>
+                                        <dgm:presOf/>
+                                        <dgm:constrLst/>
+                                        <dgm:ruleLst/>
+                                      </dgm:layoutNode>
+                                      <dgm:layoutNode name="right_33_1" styleLbl="node1">
+                                        <dgm:varLst>
+                                          <dgm:bulletEnabled val="1"/>
+                                        </dgm:varLst>
+                                        <dgm:alg type="tx"/>
+                                        <dgm:shape xmlns:r="http://schemas.openxmlformats.org/officeDocument/2006/relationships" type="roundRect" r:blip="">
+                                          <dgm:adjLst/>
+                                        </dgm:shape>
+                                        <dgm:presOf axis="ch ch desOrSelf" ptType="node node node" st="2 1 1" cnt="1 1 0"/>
+                                        <dgm:constrLst>
+                                          <dgm:constr type="lMarg" refType="primFontSz" fact="0.3"/>
+                                          <dgm:constr type="rMarg" refType="primFontSz" fact="0.3"/>
+                                          <dgm:constr type="tMarg" refType="primFontSz" fact="0.3"/>
+                                          <dgm:constr type="bMarg" refType="primFontSz" fact="0.3"/>
+                                        </dgm:constrLst>
+                                        <dgm:ruleLst>
+                                          <dgm:rule type="primFontSz" val="5" fact="NaN" max="NaN"/>
+                                        </dgm:ruleLst>
+                                      </dgm:layoutNode>
+                                      <dgm:layoutNode name="right_33_2" styleLbl="node1">
+                                        <dgm:varLst>
+                                          <dgm:bulletEnabled val="1"/>
+                                        </dgm:varLst>
+                                        <dgm:alg type="tx"/>
+                                        <dgm:shape xmlns:r="http://schemas.openxmlformats.org/officeDocument/2006/relationships" type="roundRect" r:blip="">
+                                          <dgm:adjLst/>
+                                        </dgm:shape>
+                                        <dgm:presOf axis="ch ch desOrSelf" ptType="node node node" st="2 2 1" cnt="1 1 0"/>
+                                        <dgm:constrLst>
+                                          <dgm:constr type="lMarg" refType="primFontSz" fact="0.3"/>
+                                          <dgm:constr type="rMarg" refType="primFontSz" fact="0.3"/>
+                                          <dgm:constr type="tMarg" refType="primFontSz" fact="0.3"/>
+                                          <dgm:constr type="bMarg" refType="primFontSz" fact="0.3"/>
+                                        </dgm:constrLst>
+                                        <dgm:ruleLst>
+                                          <dgm:rule type="primFontSz" val="5" fact="NaN" max="NaN"/>
+                                        </dgm:ruleLst>
+                                      </dgm:layoutNode>
+                                      <dgm:layoutNode name="right_33_3" styleLbl="node1">
+                                        <dgm:varLst>
+                                          <dgm:bulletEnabled val="1"/>
+                                        </dgm:varLst>
+                                        <dgm:alg type="tx"/>
+                                        <dgm:shape xmlns:r="http://schemas.openxmlformats.org/officeDocument/2006/relationships" type="roundRect" r:blip="">
+                                          <dgm:adjLst/>
+                                        </dgm:shape>
+                                        <dgm:presOf axis="ch ch desOrSelf" ptType="node node node" st="2 3 1" cnt="1 1 0"/>
+                                        <dgm:constrLst>
+                                          <dgm:constr type="lMarg" refType="primFontSz" fact="0.3"/>
+                                          <dgm:constr type="rMarg" refType="primFontSz" fact="0.3"/>
+                                          <dgm:constr type="tMarg" refType="primFontSz" fact="0.3"/>
+                                          <dgm:constr type="bMarg" refType="primFontSz" fact="0.3"/>
+                                        </dgm:constrLst>
+                                        <dgm:ruleLst>
+                                          <dgm:rule type="primFontSz" val="5" fact="NaN" max="NaN"/>
+                                        </dgm:ruleLst>
+                                      </dgm:layoutNode>
+                                      <dgm:layoutNode name="left_33_1" styleLbl="node1">
+                                        <dgm:varLst>
+                                          <dgm:bulletEnabled val="1"/>
+                                        </dgm:varLst>
+                                        <dgm:alg type="tx"/>
+                                        <dgm:shape xmlns:r="http://schemas.openxmlformats.org/officeDocument/2006/relationships" type="roundRect" r:blip="">
+                                          <dgm:adjLst/>
+                                        </dgm:shape>
+                                        <dgm:presOf axis="ch ch desOrSelf" ptType="node node node" st="1 1 1" cnt="1 1 0"/>
+                                        <dgm:constrLst>
+                                          <dgm:constr type="lMarg" refType="primFontSz" fact="0.3"/>
+                                          <dgm:constr type="rMarg" refType="primFontSz" fact="0.3"/>
+                                          <dgm:constr type="tMarg" refType="primFontSz" fact="0.3"/>
+                                          <dgm:constr type="bMarg" refType="primFontSz" fact="0.3"/>
+                                        </dgm:constrLst>
+                                        <dgm:ruleLst>
+                                          <dgm:rule type="primFontSz" val="5" fact="NaN" max="NaN"/>
+                                        </dgm:ruleLst>
+                                      </dgm:layoutNode>
+                                      <dgm:layoutNode name="left_33_2" styleLbl="node1">
+                                        <dgm:varLst>
+                                          <dgm:bulletEnabled val="1"/>
+                                        </dgm:varLst>
+                                        <dgm:alg type="tx"/>
+                                        <dgm:shape xmlns:r="http://schemas.openxmlformats.org/officeDocument/2006/relationships" type="roundRect" r:blip="">
+                                          <dgm:adjLst/>
+                                        </dgm:shape>
+                                        <dgm:presOf axis="ch ch desOrSelf" ptType="node node node" st="1 2 1" cnt="1 1 0"/>
+                                        <dgm:constrLst>
+                                          <dgm:constr type="lMarg" refType="primFontSz" fact="0.3"/>
+                                          <dgm:constr type="rMarg" refType="primFontSz" fact="0.3"/>
+                                          <dgm:constr type="tMarg" refType="primFontSz" fact="0.3"/>
+                                          <dgm:constr type="bMarg" refType="primFontSz" fact="0.3"/>
+                                        </dgm:constrLst>
+                                        <dgm:ruleLst>
+                                          <dgm:rule type="primFontSz" val="5" fact="NaN" max="NaN"/>
+                                        </dgm:ruleLst>
+                                      </dgm:layoutNode>
+                                      <dgm:layoutNode name="left_33_3" styleLbl="node1">
+                                        <dgm:varLst>
+                                          <dgm:bulletEnabled val="1"/>
+                                        </dgm:varLst>
+                                        <dgm:alg type="tx"/>
+                                        <dgm:shape xmlns:r="http://schemas.openxmlformats.org/officeDocument/2006/relationships" type="roundRect" r:blip="">
+                                          <dgm:adjLst/>
+                                        </dgm:shape>
+                                        <dgm:presOf axis="ch ch desOrSelf" ptType="node node node" st="1 3 1" cnt="1 1 0"/>
+                                        <dgm:constrLst>
+                                          <dgm:constr type="lMarg" refType="primFontSz" fact="0.3"/>
+                                          <dgm:constr type="rMarg" refType="primFontSz" fact="0.3"/>
+                                          <dgm:constr type="tMarg" refType="primFontSz" fact="0.3"/>
+                                          <dgm:constr type="bMarg" refType="primFontSz" fact="0.3"/>
+                                        </dgm:constrLst>
+                                        <dgm:ruleLst>
+                                          <dgm:rule type="primFontSz" val="5" fact="NaN" max="NaN"/>
+                                        </dgm:ruleLst>
+                                      </dgm:layoutNode>
+                                    </dgm:if>
+                                    <dgm:else name="Name67">
+                                      <dgm:choose name="Name68">
+                                        <dgm:if name="Name69" axis="ch ch" ptType="node node" st="2 1" cnt="1 0" func="cnt" op="gte" val="4">
+                                          <dgm:layoutNode name="balance_34" styleLbl="alignAccFollowNode1">
+                                            <dgm:varLst>
+                                              <dgm:bulletEnabled val="1"/>
+                                            </dgm:varLst>
+                                            <dgm:alg type="sp"/>
+                                            <dgm:shape xmlns:r="http://schemas.openxmlformats.org/officeDocument/2006/relationships" rot="4" type="rect" r:blip="">
+                                              <dgm:adjLst/>
+                                            </dgm:shape>
+                                            <dgm:presOf/>
+                                            <dgm:constrLst/>
+                                            <dgm:ruleLst/>
+                                          </dgm:layoutNode>
+                                          <dgm:layoutNode name="right_34_1" styleLbl="node1">
+                                            <dgm:varLst>
+                                              <dgm:bulletEnabled val="1"/>
+                                            </dgm:varLst>
+                                            <dgm:alg type="tx"/>
+                                            <dgm:shape xmlns:r="http://schemas.openxmlformats.org/officeDocument/2006/relationships" rot="4" type="roundRect" r:blip="">
+                                              <dgm:adjLst/>
+                                            </dgm:shape>
+                                            <dgm:presOf axis="ch ch desOrSelf" ptType="node node node" st="2 1 1" cnt="1 1 0"/>
+                                            <dgm:constrLst>
+                                              <dgm:constr type="lMarg" refType="primFontSz" fact="0.3"/>
+                                              <dgm:constr type="rMarg" refType="primFontSz" fact="0.3"/>
+                                              <dgm:constr type="tMarg" refType="primFontSz" fact="0.3"/>
+                                              <dgm:constr type="bMarg" refType="primFontSz" fact="0.3"/>
+                                            </dgm:constrLst>
+                                            <dgm:ruleLst>
+                                              <dgm:rule type="primFontSz" val="5" fact="NaN" max="NaN"/>
+                                            </dgm:ruleLst>
+                                          </dgm:layoutNode>
+                                          <dgm:layoutNode name="right_34_2" styleLbl="node1">
+                                            <dgm:varLst>
+                                              <dgm:bulletEnabled val="1"/>
+                                            </dgm:varLst>
+                                            <dgm:alg type="tx"/>
+                                            <dgm:shape xmlns:r="http://schemas.openxmlformats.org/officeDocument/2006/relationships" rot="4" type="roundRect" r:blip="">
+                                              <dgm:adjLst/>
+                                            </dgm:shape>
+                                            <dgm:presOf axis="ch ch desOrSelf" ptType="node node node" st="2 2 1" cnt="1 1 0"/>
+                                            <dgm:constrLst>
+                                              <dgm:constr type="lMarg" refType="primFontSz" fact="0.3"/>
+                                              <dgm:constr type="rMarg" refType="primFontSz" fact="0.3"/>
+                                              <dgm:constr type="tMarg" refType="primFontSz" fact="0.3"/>
+                                              <dgm:constr type="bMarg" refType="primFontSz" fact="0.3"/>
+                                            </dgm:constrLst>
+                                            <dgm:ruleLst>
+                                              <dgm:rule type="primFontSz" val="5" fact="NaN" max="NaN"/>
+                                            </dgm:ruleLst>
+                                          </dgm:layoutNode>
+                                          <dgm:layoutNode name="right_34_3" styleLbl="node1">
+                                            <dgm:varLst>
+                                              <dgm:bulletEnabled val="1"/>
+                                            </dgm:varLst>
+                                            <dgm:alg type="tx"/>
+                                            <dgm:shape xmlns:r="http://schemas.openxmlformats.org/officeDocument/2006/relationships" rot="4" type="roundRect" r:blip="">
+                                              <dgm:adjLst/>
+                                            </dgm:shape>
+                                            <dgm:presOf axis="ch ch desOrSelf" ptType="node node node" st="2 3 1" cnt="1 1 0"/>
+                                            <dgm:constrLst>
+                                              <dgm:constr type="lMarg" refType="primFontSz" fact="0.3"/>
+                                              <dgm:constr type="rMarg" refType="primFontSz" fact="0.3"/>
+                                              <dgm:constr type="tMarg" refType="primFontSz" fact="0.3"/>
+                                              <dgm:constr type="bMarg" refType="primFontSz" fact="0.3"/>
+                                            </dgm:constrLst>
+                                            <dgm:ruleLst>
+                                              <dgm:rule type="primFontSz" val="5" fact="NaN" max="NaN"/>
+                                            </dgm:ruleLst>
+                                          </dgm:layoutNode>
+                                          <dgm:layoutNode name="right_34_4" styleLbl="node1">
+                                            <dgm:varLst>
+                                              <dgm:bulletEnabled val="1"/>
+                                            </dgm:varLst>
+                                            <dgm:alg type="tx"/>
+                                            <dgm:shape xmlns:r="http://schemas.openxmlformats.org/officeDocument/2006/relationships" rot="4" type="roundRect" r:blip="">
+                                              <dgm:adjLst/>
+                                            </dgm:shape>
+                                            <dgm:presOf axis="ch ch desOrSelf" ptType="node node node" st="2 4 1" cnt="1 1 0"/>
+                                            <dgm:constrLst>
+                                              <dgm:constr type="lMarg" refType="primFontSz" fact="0.3"/>
+                                              <dgm:constr type="rMarg" refType="primFontSz" fact="0.3"/>
+                                              <dgm:constr type="tMarg" refType="primFontSz" fact="0.3"/>
+                                              <dgm:constr type="bMarg" refType="primFontSz" fact="0.3"/>
+                                            </dgm:constrLst>
+                                            <dgm:ruleLst>
+                                              <dgm:rule type="primFontSz" val="5" fact="NaN" max="NaN"/>
+                                            </dgm:ruleLst>
+                                          </dgm:layoutNode>
+                                          <dgm:layoutNode name="left_34_1" styleLbl="node1">
+                                            <dgm:varLst>
+                                              <dgm:bulletEnabled val="1"/>
+                                            </dgm:varLst>
+                                            <dgm:alg type="tx"/>
+                                            <dgm:shape xmlns:r="http://schemas.openxmlformats.org/officeDocument/2006/relationships" rot="4" type="roundRect" r:blip="">
+                                              <dgm:adjLst/>
+                                            </dgm:shape>
+                                            <dgm:presOf axis="ch ch desOrSelf" ptType="node node node" st="1 1 1" cnt="1 1 0"/>
+                                            <dgm:constrLst>
+                                              <dgm:constr type="lMarg" refType="primFontSz" fact="0.3"/>
+                                              <dgm:constr type="rMarg" refType="primFontSz" fact="0.3"/>
+                                              <dgm:constr type="tMarg" refType="primFontSz" fact="0.3"/>
+                                              <dgm:constr type="bMarg" refType="primFontSz" fact="0.3"/>
+                                            </dgm:constrLst>
+                                            <dgm:ruleLst>
+                                              <dgm:rule type="primFontSz" val="5" fact="NaN" max="NaN"/>
+                                            </dgm:ruleLst>
+                                          </dgm:layoutNode>
+                                          <dgm:layoutNode name="left_34_2" styleLbl="node1">
+                                            <dgm:varLst>
+                                              <dgm:bulletEnabled val="1"/>
+                                            </dgm:varLst>
+                                            <dgm:alg type="tx"/>
+                                            <dgm:shape xmlns:r="http://schemas.openxmlformats.org/officeDocument/2006/relationships" rot="4" type="roundRect" r:blip="">
+                                              <dgm:adjLst/>
+                                            </dgm:shape>
+                                            <dgm:presOf axis="ch ch desOrSelf" ptType="node node node" st="1 2 1" cnt="1 1 0"/>
+                                            <dgm:constrLst>
+                                              <dgm:constr type="lMarg" refType="primFontSz" fact="0.3"/>
+                                              <dgm:constr type="rMarg" refType="primFontSz" fact="0.3"/>
+                                              <dgm:constr type="tMarg" refType="primFontSz" fact="0.3"/>
+                                              <dgm:constr type="bMarg" refType="primFontSz" fact="0.3"/>
+                                            </dgm:constrLst>
+                                            <dgm:ruleLst>
+                                              <dgm:rule type="primFontSz" val="5" fact="NaN" max="NaN"/>
+                                            </dgm:ruleLst>
+                                          </dgm:layoutNode>
+                                          <dgm:layoutNode name="left_34_3" styleLbl="node1">
+                                            <dgm:varLst>
+                                              <dgm:bulletEnabled val="1"/>
+                                            </dgm:varLst>
+                                            <dgm:alg type="tx"/>
+                                            <dgm:shape xmlns:r="http://schemas.openxmlformats.org/officeDocument/2006/relationships" rot="4" type="roundRect" r:blip="">
+                                              <dgm:adjLst/>
+                                            </dgm:shape>
+                                            <dgm:presOf axis="ch ch desOrSelf" ptType="node node node" st="1 3 1" cnt="1 1 0"/>
+                                            <dgm:constrLst>
+                                              <dgm:constr type="lMarg" refType="primFontSz" fact="0.3"/>
+                                              <dgm:constr type="rMarg" refType="primFontSz" fact="0.3"/>
+                                              <dgm:constr type="tMarg" refType="primFontSz" fact="0.3"/>
+                                              <dgm:constr type="bMarg" refType="primFontSz" fact="0.3"/>
+                                            </dgm:constrLst>
+                                            <dgm:ruleLst>
+                                              <dgm:rule type="primFontSz" val="5" fact="NaN" max="NaN"/>
+                                            </dgm:ruleLst>
+                                          </dgm:layoutNode>
+                                        </dgm:if>
+                                        <dgm:else name="Name70"/>
+                                      </dgm:choose>
+                                    </dgm:else>
+                                  </dgm:choose>
+                                </dgm:else>
+                              </dgm:choose>
+                            </dgm:else>
+                          </dgm:choose>
+                        </dgm:else>
+                      </dgm:choose>
+                    </dgm:if>
+                    <dgm:else name="Name71">
+                      <dgm:choose name="Name72">
+                        <dgm:if name="Name73" axis="ch ch" ptType="node node" st="1 1" cnt="1 0" func="cnt" op="gte" val="4">
+                          <dgm:choose name="Name74">
+                            <dgm:if name="Name75" axis="ch ch" ptType="node node" st="2 1" cnt="1 0" func="cnt" op="equ" val="0">
+                              <dgm:layoutNode name="balance_40" styleLbl="alignAccFollowNode1">
+                                <dgm:varLst>
+                                  <dgm:bulletEnabled val="1"/>
+                                </dgm:varLst>
+                                <dgm:alg type="sp"/>
+                                <dgm:shape xmlns:r="http://schemas.openxmlformats.org/officeDocument/2006/relationships" rot="-4" type="rect" r:blip="">
+                                  <dgm:adjLst/>
+                                </dgm:shape>
+                                <dgm:presOf/>
+                                <dgm:constrLst/>
+                                <dgm:ruleLst/>
+                              </dgm:layoutNode>
+                              <dgm:layoutNode name="left_40_1" styleLbl="node1">
+                                <dgm:varLst>
+                                  <dgm:bulletEnabled val="1"/>
+                                </dgm:varLst>
+                                <dgm:alg type="tx"/>
+                                <dgm:shape xmlns:r="http://schemas.openxmlformats.org/officeDocument/2006/relationships" rot="-4" type="roundRect" r:blip="">
+                                  <dgm:adjLst/>
+                                </dgm:shape>
+                                <dgm:presOf axis="ch ch desOrSelf" ptType="node node node" st="1 1 1" cnt="1 1 0"/>
+                                <dgm:constrLst>
+                                  <dgm:constr type="lMarg" refType="primFontSz" fact="0.3"/>
+                                  <dgm:constr type="rMarg" refType="primFontSz" fact="0.3"/>
+                                  <dgm:constr type="tMarg" refType="primFontSz" fact="0.3"/>
+                                  <dgm:constr type="bMarg" refType="primFontSz" fact="0.3"/>
+                                </dgm:constrLst>
+                                <dgm:ruleLst>
+                                  <dgm:rule type="primFontSz" val="5" fact="NaN" max="NaN"/>
+                                </dgm:ruleLst>
+                              </dgm:layoutNode>
+                              <dgm:layoutNode name="left_40_2" styleLbl="node1">
+                                <dgm:varLst>
+                                  <dgm:bulletEnabled val="1"/>
+                                </dgm:varLst>
+                                <dgm:alg type="tx"/>
+                                <dgm:shape xmlns:r="http://schemas.openxmlformats.org/officeDocument/2006/relationships" rot="-4" type="roundRect" r:blip="">
+                                  <dgm:adjLst/>
+                                </dgm:shape>
+                                <dgm:presOf axis="ch ch desOrSelf" ptType="node node node" st="1 2 1" cnt="1 1 0"/>
+                                <dgm:constrLst>
+                                  <dgm:constr type="lMarg" refType="primFontSz" fact="0.3"/>
+                                  <dgm:constr type="rMarg" refType="primFontSz" fact="0.3"/>
+                                  <dgm:constr type="tMarg" refType="primFontSz" fact="0.3"/>
+                                  <dgm:constr type="bMarg" refType="primFontSz" fact="0.3"/>
+                                </dgm:constrLst>
+                                <dgm:ruleLst>
+                                  <dgm:rule type="primFontSz" val="5" fact="NaN" max="NaN"/>
+                                </dgm:ruleLst>
+                              </dgm:layoutNode>
+                              <dgm:layoutNode name="left_40_3" styleLbl="node1">
+                                <dgm:varLst>
+                                  <dgm:bulletEnabled val="1"/>
+                                </dgm:varLst>
+                                <dgm:alg type="tx"/>
+                                <dgm:shape xmlns:r="http://schemas.openxmlformats.org/officeDocument/2006/relationships" rot="-4" type="roundRect" r:blip="">
+                                  <dgm:adjLst/>
+                                </dgm:shape>
+                                <dgm:presOf axis="ch ch desOrSelf" ptType="node node node" st="1 3 1" cnt="1 1 0"/>
+                                <dgm:constrLst>
+                                  <dgm:constr type="lMarg" refType="primFontSz" fact="0.3"/>
+                                  <dgm:constr type="rMarg" refType="primFontSz" fact="0.3"/>
+                                  <dgm:constr type="tMarg" refType="primFontSz" fact="0.3"/>
+                                  <dgm:constr type="bMarg" refType="primFontSz" fact="0.3"/>
+                                </dgm:constrLst>
+                                <dgm:ruleLst>
+                                  <dgm:rule type="primFontSz" val="5" fact="NaN" max="NaN"/>
+                                </dgm:ruleLst>
+                              </dgm:layoutNode>
+                              <dgm:layoutNode name="left_40_4" styleLbl="node1">
+                                <dgm:varLst>
+                                  <dgm:bulletEnabled val="1"/>
+                                </dgm:varLst>
+                                <dgm:alg type="tx"/>
+                                <dgm:shape xmlns:r="http://schemas.openxmlformats.org/officeDocument/2006/relationships" rot="-4" type="roundRect" r:blip="">
+                                  <dgm:adjLst/>
+                                </dgm:shape>
+                                <dgm:presOf axis="ch ch desOrSelf" ptType="node node node" st="1 4 1" cnt="1 1 0"/>
+                                <dgm:constrLst>
+                                  <dgm:constr type="lMarg" refType="primFontSz" fact="0.3"/>
+                                  <dgm:constr type="rMarg" refType="primFontSz" fact="0.3"/>
+                                  <dgm:constr type="tMarg" refType="primFontSz" fact="0.3"/>
+                                  <dgm:constr type="bMarg" refType="primFontSz" fact="0.3"/>
+                                </dgm:constrLst>
+                                <dgm:ruleLst>
+                                  <dgm:rule type="primFontSz" val="5" fact="NaN" max="NaN"/>
+                                </dgm:ruleLst>
+                              </dgm:layoutNode>
+                            </dgm:if>
+                            <dgm:else name="Name76">
+                              <dgm:choose name="Name77">
+                                <dgm:if name="Name78" axis="ch ch" ptType="node node" st="2 1" cnt="1 0" func="cnt" op="equ" val="1">
+                                  <dgm:layoutNode name="balance_41" styleLbl="alignAccFollowNode1">
+                                    <dgm:varLst>
+                                      <dgm:bulletEnabled val="1"/>
+                                    </dgm:varLst>
+                                    <dgm:alg type="sp"/>
+                                    <dgm:shape xmlns:r="http://schemas.openxmlformats.org/officeDocument/2006/relationships" rot="-4" type="rect" r:blip="">
+                                      <dgm:adjLst/>
+                                    </dgm:shape>
+                                    <dgm:presOf/>
+                                    <dgm:constrLst/>
+                                    <dgm:ruleLst/>
+                                  </dgm:layoutNode>
+                                  <dgm:layoutNode name="left_41_1" styleLbl="node1">
+                                    <dgm:varLst>
+                                      <dgm:bulletEnabled val="1"/>
+                                    </dgm:varLst>
+                                    <dgm:alg type="tx"/>
+                                    <dgm:shape xmlns:r="http://schemas.openxmlformats.org/officeDocument/2006/relationships" rot="-4" type="roundRect" r:blip="">
+                                      <dgm:adjLst/>
+                                    </dgm:shape>
+                                    <dgm:presOf axis="ch ch desOrSelf" ptType="node node node" st="1 1 1" cnt="1 1 0"/>
+                                    <dgm:constrLst>
+                                      <dgm:constr type="lMarg" refType="primFontSz" fact="0.3"/>
+                                      <dgm:constr type="rMarg" refType="primFontSz" fact="0.3"/>
+                                      <dgm:constr type="tMarg" refType="primFontSz" fact="0.3"/>
+                                      <dgm:constr type="bMarg" refType="primFontSz" fact="0.3"/>
+                                    </dgm:constrLst>
+                                    <dgm:ruleLst>
+                                      <dgm:rule type="primFontSz" val="5" fact="NaN" max="NaN"/>
+                                    </dgm:ruleLst>
+                                  </dgm:layoutNode>
+                                  <dgm:layoutNode name="left_41_2" styleLbl="node1">
+                                    <dgm:varLst>
+                                      <dgm:bulletEnabled val="1"/>
+                                    </dgm:varLst>
+                                    <dgm:alg type="tx"/>
+                                    <dgm:shape xmlns:r="http://schemas.openxmlformats.org/officeDocument/2006/relationships" rot="-4" type="roundRect" r:blip="">
+                                      <dgm:adjLst/>
+                                    </dgm:shape>
+                                    <dgm:presOf axis="ch ch desOrSelf" ptType="node node node" st="1 2 1" cnt="1 1 0"/>
+                                    <dgm:constrLst>
+                                      <dgm:constr type="lMarg" refType="primFontSz" fact="0.3"/>
+                                      <dgm:constr type="rMarg" refType="primFontSz" fact="0.3"/>
+                                      <dgm:constr type="tMarg" refType="primFontSz" fact="0.3"/>
+                                      <dgm:constr type="bMarg" refType="primFontSz" fact="0.3"/>
+                                    </dgm:constrLst>
+                                    <dgm:ruleLst>
+                                      <dgm:rule type="primFontSz" val="5" fact="NaN" max="NaN"/>
+                                    </dgm:ruleLst>
+                                  </dgm:layoutNode>
+                                  <dgm:layoutNode name="left_41_3" styleLbl="node1">
+                                    <dgm:varLst>
+                                      <dgm:bulletEnabled val="1"/>
+                                    </dgm:varLst>
+                                    <dgm:alg type="tx"/>
+                                    <dgm:shape xmlns:r="http://schemas.openxmlformats.org/officeDocument/2006/relationships" rot="-4" type="roundRect" r:blip="">
+                                      <dgm:adjLst/>
+                                    </dgm:shape>
+                                    <dgm:presOf axis="ch ch desOrSelf" ptType="node node node" st="1 3 1" cnt="1 1 0"/>
+                                    <dgm:constrLst>
+                                      <dgm:constr type="lMarg" refType="primFontSz" fact="0.3"/>
+                                      <dgm:constr type="rMarg" refType="primFontSz" fact="0.3"/>
+                                      <dgm:constr type="tMarg" refType="primFontSz" fact="0.3"/>
+                                      <dgm:constr type="bMarg" refType="primFontSz" fact="0.3"/>
+                                    </dgm:constrLst>
+                                    <dgm:ruleLst>
+                                      <dgm:rule type="primFontSz" val="5" fact="NaN" max="NaN"/>
+                                    </dgm:ruleLst>
+                                  </dgm:layoutNode>
+                                  <dgm:layoutNode name="left_41_4" styleLbl="node1">
+                                    <dgm:varLst>
+                                      <dgm:bulletEnabled val="1"/>
+                                    </dgm:varLst>
+                                    <dgm:alg type="tx"/>
+                                    <dgm:shape xmlns:r="http://schemas.openxmlformats.org/officeDocument/2006/relationships" rot="-4" type="roundRect" r:blip="">
+                                      <dgm:adjLst/>
+                                    </dgm:shape>
+                                    <dgm:presOf axis="ch ch desOrSelf" ptType="node node node" st="1 4 1" cnt="1 1 0"/>
+                                    <dgm:constrLst>
+                                      <dgm:constr type="lMarg" refType="primFontSz" fact="0.3"/>
+                                      <dgm:constr type="rMarg" refType="primFontSz" fact="0.3"/>
+                                      <dgm:constr type="tMarg" refType="primFontSz" fact="0.3"/>
+                                      <dgm:constr type="bMarg" refType="primFontSz" fact="0.3"/>
+                                    </dgm:constrLst>
+                                    <dgm:ruleLst>
+                                      <dgm:rule type="primFontSz" val="5" fact="NaN" max="NaN"/>
+                                    </dgm:ruleLst>
+                                  </dgm:layoutNode>
+                                  <dgm:layoutNode name="right_41_1" styleLbl="node1">
+                                    <dgm:varLst>
+                                      <dgm:bulletEnabled val="1"/>
+                                    </dgm:varLst>
+                                    <dgm:alg type="tx"/>
+                                    <dgm:shape xmlns:r="http://schemas.openxmlformats.org/officeDocument/2006/relationships" rot="-4" type="roundRect" r:blip="">
+                                      <dgm:adjLst/>
+                                    </dgm:shape>
+                                    <dgm:presOf axis="ch ch desOrSelf" ptType="node node node" st="2 1 1" cnt="1 1 0"/>
+                                    <dgm:constrLst>
+                                      <dgm:constr type="lMarg" refType="primFontSz" fact="0.3"/>
+                                      <dgm:constr type="rMarg" refType="primFontSz" fact="0.3"/>
+                                      <dgm:constr type="tMarg" refType="primFontSz" fact="0.3"/>
+                                      <dgm:constr type="bMarg" refType="primFontSz" fact="0.3"/>
+                                    </dgm:constrLst>
+                                    <dgm:ruleLst>
+                                      <dgm:rule type="primFontSz" val="5" fact="NaN" max="NaN"/>
+                                    </dgm:ruleLst>
+                                  </dgm:layoutNode>
+                                </dgm:if>
+                                <dgm:else name="Name79">
+                                  <dgm:choose name="Name80">
+                                    <dgm:if name="Name81" axis="ch ch" ptType="node node" st="2 1" cnt="1 0" func="cnt" op="equ" val="2">
+                                      <dgm:layoutNode name="balance_42" styleLbl="alignAccFollowNode1">
+                                        <dgm:varLst>
+                                          <dgm:bulletEnabled val="1"/>
+                                        </dgm:varLst>
+                                        <dgm:alg type="sp"/>
+                                        <dgm:shape xmlns:r="http://schemas.openxmlformats.org/officeDocument/2006/relationships" rot="-4" type="rect" r:blip="">
+                                          <dgm:adjLst/>
+                                        </dgm:shape>
+                                        <dgm:presOf/>
+                                        <dgm:constrLst/>
+                                        <dgm:ruleLst/>
+                                      </dgm:layoutNode>
+                                      <dgm:layoutNode name="left_42_1" styleLbl="node1">
+                                        <dgm:varLst>
+                                          <dgm:bulletEnabled val="1"/>
+                                        </dgm:varLst>
+                                        <dgm:alg type="tx"/>
+                                        <dgm:shape xmlns:r="http://schemas.openxmlformats.org/officeDocument/2006/relationships" rot="-4" type="roundRect" r:blip="">
+                                          <dgm:adjLst/>
+                                        </dgm:shape>
+                                        <dgm:presOf axis="ch ch desOrSelf" ptType="node node node" st="1 1 1" cnt="1 1 0"/>
+                                        <dgm:constrLst>
+                                          <dgm:constr type="lMarg" refType="primFontSz" fact="0.3"/>
+                                          <dgm:constr type="rMarg" refType="primFontSz" fact="0.3"/>
+                                          <dgm:constr type="tMarg" refType="primFontSz" fact="0.3"/>
+                                          <dgm:constr type="bMarg" refType="primFontSz" fact="0.3"/>
+                                        </dgm:constrLst>
+                                        <dgm:ruleLst>
+                                          <dgm:rule type="primFontSz" val="5" fact="NaN" max="NaN"/>
+                                        </dgm:ruleLst>
+                                      </dgm:layoutNode>
+                                      <dgm:layoutNode name="left_42_2" styleLbl="node1">
+                                        <dgm:varLst>
+                                          <dgm:bulletEnabled val="1"/>
+                                        </dgm:varLst>
+                                        <dgm:alg type="tx"/>
+                                        <dgm:shape xmlns:r="http://schemas.openxmlformats.org/officeDocument/2006/relationships" rot="-4" type="roundRect" r:blip="">
+                                          <dgm:adjLst/>
+                                        </dgm:shape>
+                                        <dgm:presOf axis="ch ch desOrSelf" ptType="node node node" st="1 2 1" cnt="1 1 0"/>
+                                        <dgm:constrLst>
+                                          <dgm:constr type="lMarg" refType="primFontSz" fact="0.3"/>
+                                          <dgm:constr type="rMarg" refType="primFontSz" fact="0.3"/>
+                                          <dgm:constr type="tMarg" refType="primFontSz" fact="0.3"/>
+                                          <dgm:constr type="bMarg" refType="primFontSz" fact="0.3"/>
+                                        </dgm:constrLst>
+                                        <dgm:ruleLst>
+                                          <dgm:rule type="primFontSz" val="5" fact="NaN" max="NaN"/>
+                                        </dgm:ruleLst>
+                                      </dgm:layoutNode>
+                                      <dgm:layoutNode name="left_42_3" styleLbl="node1">
+                                        <dgm:varLst>
+                                          <dgm:bulletEnabled val="1"/>
+                                        </dgm:varLst>
+                                        <dgm:alg type="tx"/>
+                                        <dgm:shape xmlns:r="http://schemas.openxmlformats.org/officeDocument/2006/relationships" rot="-4" type="roundRect" r:blip="">
+                                          <dgm:adjLst/>
+                                        </dgm:shape>
+                                        <dgm:presOf axis="ch ch desOrSelf" ptType="node node node" st="1 3 1" cnt="1 1 0"/>
+                                        <dgm:constrLst>
+                                          <dgm:constr type="lMarg" refType="primFontSz" fact="0.3"/>
+                                          <dgm:constr type="rMarg" refType="primFontSz" fact="0.3"/>
+                                          <dgm:constr type="tMarg" refType="primFontSz" fact="0.3"/>
+                                          <dgm:constr type="bMarg" refType="primFontSz" fact="0.3"/>
+                                        </dgm:constrLst>
+                                        <dgm:ruleLst>
+                                          <dgm:rule type="primFontSz" val="5" fact="NaN" max="NaN"/>
+                                        </dgm:ruleLst>
+                                      </dgm:layoutNode>
+                                      <dgm:layoutNode name="left_42_4" styleLbl="node1">
+                                        <dgm:varLst>
+                                          <dgm:bulletEnabled val="1"/>
+                                        </dgm:varLst>
+                                        <dgm:alg type="tx"/>
+                                        <dgm:shape xmlns:r="http://schemas.openxmlformats.org/officeDocument/2006/relationships" rot="-4" type="roundRect" r:blip="">
+                                          <dgm:adjLst/>
+                                        </dgm:shape>
+                                        <dgm:presOf axis="ch ch desOrSelf" ptType="node node node" st="1 4 1" cnt="1 1 0"/>
+                                        <dgm:constrLst>
+                                          <dgm:constr type="lMarg" refType="primFontSz" fact="0.3"/>
+                                          <dgm:constr type="rMarg" refType="primFontSz" fact="0.3"/>
+                                          <dgm:constr type="tMarg" refType="primFontSz" fact="0.3"/>
+                                          <dgm:constr type="bMarg" refType="primFontSz" fact="0.3"/>
+                                        </dgm:constrLst>
+                                        <dgm:ruleLst>
+                                          <dgm:rule type="primFontSz" val="5" fact="NaN" max="NaN"/>
+                                        </dgm:ruleLst>
+                                      </dgm:layoutNode>
+                                      <dgm:layoutNode name="right_42_1" styleLbl="node1">
+                                        <dgm:varLst>
+                                          <dgm:bulletEnabled val="1"/>
+                                        </dgm:varLst>
+                                        <dgm:alg type="tx"/>
+                                        <dgm:shape xmlns:r="http://schemas.openxmlformats.org/officeDocument/2006/relationships" rot="-4" type="roundRect" r:blip="">
+                                          <dgm:adjLst/>
+                                        </dgm:shape>
+                                        <dgm:presOf axis="ch ch desOrSelf" ptType="node node node" st="2 1 1" cnt="1 1 0"/>
+                                        <dgm:constrLst>
+                                          <dgm:constr type="lMarg" refType="primFontSz" fact="0.3"/>
+                                          <dgm:constr type="rMarg" refType="primFontSz" fact="0.3"/>
+                                          <dgm:constr type="tMarg" refType="primFontSz" fact="0.3"/>
+                                          <dgm:constr type="bMarg" refType="primFontSz" fact="0.3"/>
+                                        </dgm:constrLst>
+                                        <dgm:ruleLst>
+                                          <dgm:rule type="primFontSz" val="5" fact="NaN" max="NaN"/>
+                                        </dgm:ruleLst>
+                                      </dgm:layoutNode>
+                                      <dgm:layoutNode name="right_42_2" styleLbl="node1">
+                                        <dgm:varLst>
+                                          <dgm:bulletEnabled val="1"/>
+                                        </dgm:varLst>
+                                        <dgm:alg type="tx"/>
+                                        <dgm:shape xmlns:r="http://schemas.openxmlformats.org/officeDocument/2006/relationships" rot="-4" type="roundRect" r:blip="">
+                                          <dgm:adjLst/>
+                                        </dgm:shape>
+                                        <dgm:presOf axis="ch ch desOrSelf" ptType="node node node" st="2 2 1" cnt="1 1 0"/>
+                                        <dgm:constrLst>
+                                          <dgm:constr type="lMarg" refType="primFontSz" fact="0.3"/>
+                                          <dgm:constr type="rMarg" refType="primFontSz" fact="0.3"/>
+                                          <dgm:constr type="tMarg" refType="primFontSz" fact="0.3"/>
+                                          <dgm:constr type="bMarg" refType="primFontSz" fact="0.3"/>
+                                        </dgm:constrLst>
+                                        <dgm:ruleLst>
+                                          <dgm:rule type="primFontSz" val="5" fact="NaN" max="NaN"/>
+                                        </dgm:ruleLst>
+                                      </dgm:layoutNode>
+                                    </dgm:if>
+                                    <dgm:else name="Name82">
+                                      <dgm:choose name="Name83">
+                                        <dgm:if name="Name84" axis="ch ch" ptType="node node" st="2 1" cnt="1 0" func="cnt" op="equ" val="3">
+                                          <dgm:layoutNode name="balance_43" styleLbl="alignAccFollowNode1">
+                                            <dgm:varLst>
+                                              <dgm:bulletEnabled val="1"/>
+                                            </dgm:varLst>
+                                            <dgm:alg type="sp"/>
+                                            <dgm:shape xmlns:r="http://schemas.openxmlformats.org/officeDocument/2006/relationships" rot="-4" type="rect" r:blip="">
+                                              <dgm:adjLst/>
+                                            </dgm:shape>
+                                            <dgm:presOf/>
+                                            <dgm:constrLst/>
+                                            <dgm:ruleLst/>
+                                          </dgm:layoutNode>
+                                          <dgm:layoutNode name="left_43_1" styleLbl="node1">
+                                            <dgm:varLst>
+                                              <dgm:bulletEnabled val="1"/>
+                                            </dgm:varLst>
+                                            <dgm:alg type="tx"/>
+                                            <dgm:shape xmlns:r="http://schemas.openxmlformats.org/officeDocument/2006/relationships" rot="-4" type="roundRect" r:blip="">
+                                              <dgm:adjLst/>
+                                            </dgm:shape>
+                                            <dgm:presOf axis="ch ch desOrSelf" ptType="node node node" st="1 1 1" cnt="1 1 0"/>
+                                            <dgm:constrLst>
+                                              <dgm:constr type="lMarg" refType="primFontSz" fact="0.3"/>
+                                              <dgm:constr type="rMarg" refType="primFontSz" fact="0.3"/>
+                                              <dgm:constr type="tMarg" refType="primFontSz" fact="0.3"/>
+                                              <dgm:constr type="bMarg" refType="primFontSz" fact="0.3"/>
+                                            </dgm:constrLst>
+                                            <dgm:ruleLst>
+                                              <dgm:rule type="primFontSz" val="5" fact="NaN" max="NaN"/>
+                                            </dgm:ruleLst>
+                                          </dgm:layoutNode>
+                                          <dgm:layoutNode name="left_43_2" styleLbl="node1">
+                                            <dgm:varLst>
+                                              <dgm:bulletEnabled val="1"/>
+                                            </dgm:varLst>
+                                            <dgm:alg type="tx"/>
+                                            <dgm:shape xmlns:r="http://schemas.openxmlformats.org/officeDocument/2006/relationships" rot="-4" type="roundRect" r:blip="">
+                                              <dgm:adjLst/>
+                                            </dgm:shape>
+                                            <dgm:presOf axis="ch ch desOrSelf" ptType="node node node" st="1 2 1" cnt="1 1 0"/>
+                                            <dgm:constrLst>
+                                              <dgm:constr type="lMarg" refType="primFontSz" fact="0.3"/>
+                                              <dgm:constr type="rMarg" refType="primFontSz" fact="0.3"/>
+                                              <dgm:constr type="tMarg" refType="primFontSz" fact="0.3"/>
+                                              <dgm:constr type="bMarg" refType="primFontSz" fact="0.3"/>
+                                            </dgm:constrLst>
+                                            <dgm:ruleLst>
+                                              <dgm:rule type="primFontSz" val="5" fact="NaN" max="NaN"/>
+                                            </dgm:ruleLst>
+                                          </dgm:layoutNode>
+                                          <dgm:layoutNode name="left_43_3" styleLbl="node1">
+                                            <dgm:varLst>
+                                              <dgm:bulletEnabled val="1"/>
+                                            </dgm:varLst>
+                                            <dgm:alg type="tx"/>
+                                            <dgm:shape xmlns:r="http://schemas.openxmlformats.org/officeDocument/2006/relationships" rot="-4" type="roundRect" r:blip="">
+                                              <dgm:adjLst/>
+                                            </dgm:shape>
+                                            <dgm:presOf axis="ch ch desOrSelf" ptType="node node node" st="1 3 1" cnt="1 1 0"/>
+                                            <dgm:constrLst>
+                                              <dgm:constr type="lMarg" refType="primFontSz" fact="0.3"/>
+                                              <dgm:constr type="rMarg" refType="primFontSz" fact="0.3"/>
+                                              <dgm:constr type="tMarg" refType="primFontSz" fact="0.3"/>
+                                              <dgm:constr type="bMarg" refType="primFontSz" fact="0.3"/>
+                                            </dgm:constrLst>
+                                            <dgm:ruleLst>
+                                              <dgm:rule type="primFontSz" val="5" fact="NaN" max="NaN"/>
+                                            </dgm:ruleLst>
+                                          </dgm:layoutNode>
+                                          <dgm:layoutNode name="left_43_4" styleLbl="node1">
+                                            <dgm:varLst>
+                                              <dgm:bulletEnabled val="1"/>
+                                            </dgm:varLst>
+                                            <dgm:alg type="tx"/>
+                                            <dgm:shape xmlns:r="http://schemas.openxmlformats.org/officeDocument/2006/relationships" rot="-4" type="roundRect" r:blip="">
+                                              <dgm:adjLst/>
+                                            </dgm:shape>
+                                            <dgm:presOf axis="ch ch desOrSelf" ptType="node node node" st="1 4 1" cnt="1 1 0"/>
+                                            <dgm:constrLst>
+                                              <dgm:constr type="lMarg" refType="primFontSz" fact="0.3"/>
+                                              <dgm:constr type="rMarg" refType="primFontSz" fact="0.3"/>
+                                              <dgm:constr type="tMarg" refType="primFontSz" fact="0.3"/>
+                                              <dgm:constr type="bMarg" refType="primFontSz" fact="0.3"/>
+                                            </dgm:constrLst>
+                                            <dgm:ruleLst>
+                                              <dgm:rule type="primFontSz" val="5" fact="NaN" max="NaN"/>
+                                            </dgm:ruleLst>
+                                          </dgm:layoutNode>
+                                          <dgm:layoutNode name="right_43_1" styleLbl="node1">
+                                            <dgm:varLst>
+                                              <dgm:bulletEnabled val="1"/>
+                                            </dgm:varLst>
+                                            <dgm:alg type="tx"/>
+                                            <dgm:shape xmlns:r="http://schemas.openxmlformats.org/officeDocument/2006/relationships" rot="-4" type="roundRect" r:blip="">
+                                              <dgm:adjLst/>
+                                            </dgm:shape>
+                                            <dgm:presOf axis="ch ch desOrSelf" ptType="node node node" st="2 1 1" cnt="1 1 0"/>
+                                            <dgm:constrLst>
+                                              <dgm:constr type="lMarg" refType="primFontSz" fact="0.3"/>
+                                              <dgm:constr type="rMarg" refType="primFontSz" fact="0.3"/>
+                                              <dgm:constr type="tMarg" refType="primFontSz" fact="0.3"/>
+                                              <dgm:constr type="bMarg" refType="primFontSz" fact="0.3"/>
+                                            </dgm:constrLst>
+                                            <dgm:ruleLst>
+                                              <dgm:rule type="primFontSz" val="5" fact="NaN" max="NaN"/>
+                                            </dgm:ruleLst>
+                                          </dgm:layoutNode>
+                                          <dgm:layoutNode name="right_43_2" styleLbl="node1">
+                                            <dgm:varLst>
+                                              <dgm:bulletEnabled val="1"/>
+                                            </dgm:varLst>
+                                            <dgm:alg type="tx"/>
+                                            <dgm:shape xmlns:r="http://schemas.openxmlformats.org/officeDocument/2006/relationships" rot="-4" type="roundRect" r:blip="">
+                                              <dgm:adjLst/>
+                                            </dgm:shape>
+                                            <dgm:presOf axis="ch ch desOrSelf" ptType="node node node" st="2 2 1" cnt="1 1 0"/>
+                                            <dgm:constrLst>
+                                              <dgm:constr type="lMarg" refType="primFontSz" fact="0.3"/>
+                                              <dgm:constr type="rMarg" refType="primFontSz" fact="0.3"/>
+                                              <dgm:constr type="tMarg" refType="primFontSz" fact="0.3"/>
+                                              <dgm:constr type="bMarg" refType="primFontSz" fact="0.3"/>
+                                            </dgm:constrLst>
+                                            <dgm:ruleLst>
+                                              <dgm:rule type="primFontSz" val="5" fact="NaN" max="NaN"/>
+                                            </dgm:ruleLst>
+                                          </dgm:layoutNode>
+                                          <dgm:layoutNode name="right_43_3" styleLbl="node1">
+                                            <dgm:varLst>
+                                              <dgm:bulletEnabled val="1"/>
+                                            </dgm:varLst>
+                                            <dgm:alg type="tx"/>
+                                            <dgm:shape xmlns:r="http://schemas.openxmlformats.org/officeDocument/2006/relationships" rot="-4" type="roundRect" r:blip="">
+                                              <dgm:adjLst/>
+                                            </dgm:shape>
+                                            <dgm:presOf axis="ch ch desOrSelf" ptType="node node node" st="2 3 1" cnt="1 1 0"/>
+                                            <dgm:constrLst>
+                                              <dgm:constr type="lMarg" refType="primFontSz" fact="0.3"/>
+                                              <dgm:constr type="rMarg" refType="primFontSz" fact="0.3"/>
+                                              <dgm:constr type="tMarg" refType="primFontSz" fact="0.3"/>
+                                              <dgm:constr type="bMarg" refType="primFontSz" fact="0.3"/>
+                                            </dgm:constrLst>
+                                            <dgm:ruleLst>
+                                              <dgm:rule type="primFontSz" val="5" fact="NaN" max="NaN"/>
+                                            </dgm:ruleLst>
+                                          </dgm:layoutNode>
+                                        </dgm:if>
+                                        <dgm:else name="Name85">
+                                          <dgm:choose name="Name86">
+                                            <dgm:if name="Name87" axis="ch ch" ptType="node node" st="2 1" cnt="1 0" func="cnt" op="gte" val="4">
+                                              <dgm:layoutNode name="balance_44" styleLbl="alignAccFollowNode1">
+                                                <dgm:varLst>
+                                                  <dgm:bulletEnabled val="1"/>
+                                                </dgm:varLst>
+                                                <dgm:alg type="sp"/>
+                                                <dgm:shape xmlns:r="http://schemas.openxmlformats.org/officeDocument/2006/relationships" type="rect" r:blip="">
+                                                  <dgm:adjLst/>
+                                                </dgm:shape>
+                                                <dgm:presOf/>
+                                                <dgm:constrLst/>
+                                                <dgm:ruleLst/>
+                                              </dgm:layoutNode>
+                                              <dgm:layoutNode name="right_44_1" styleLbl="node1">
+                                                <dgm:varLst>
+                                                  <dgm:bulletEnabled val="1"/>
+                                                </dgm:varLst>
+                                                <dgm:alg type="tx"/>
+                                                <dgm:shape xmlns:r="http://schemas.openxmlformats.org/officeDocument/2006/relationships" type="roundRect" r:blip="">
+                                                  <dgm:adjLst/>
+                                                </dgm:shape>
+                                                <dgm:presOf axis="ch ch desOrSelf" ptType="node node node" st="2 1 1" cnt="1 1 0"/>
+                                                <dgm:constrLst>
+                                                  <dgm:constr type="lMarg" refType="primFontSz" fact="0.3"/>
+                                                  <dgm:constr type="rMarg" refType="primFontSz" fact="0.3"/>
+                                                  <dgm:constr type="tMarg" refType="primFontSz" fact="0.3"/>
+                                                  <dgm:constr type="bMarg" refType="primFontSz" fact="0.3"/>
+                                                </dgm:constrLst>
+                                                <dgm:ruleLst>
+                                                  <dgm:rule type="primFontSz" val="5" fact="NaN" max="NaN"/>
+                                                </dgm:ruleLst>
+                                              </dgm:layoutNode>
+                                              <dgm:layoutNode name="right_44_2" styleLbl="node1">
+                                                <dgm:varLst>
+                                                  <dgm:bulletEnabled val="1"/>
+                                                </dgm:varLst>
+                                                <dgm:alg type="tx"/>
+                                                <dgm:shape xmlns:r="http://schemas.openxmlformats.org/officeDocument/2006/relationships" type="roundRect" r:blip="">
+                                                  <dgm:adjLst/>
+                                                </dgm:shape>
+                                                <dgm:presOf axis="ch ch desOrSelf" ptType="node node node" st="2 2 1" cnt="1 1 0"/>
+                                                <dgm:constrLst>
+                                                  <dgm:constr type="lMarg" refType="primFontSz" fact="0.3"/>
+                                                  <dgm:constr type="rMarg" refType="primFontSz" fact="0.3"/>
+                                                  <dgm:constr type="tMarg" refType="primFontSz" fact="0.3"/>
+                                                  <dgm:constr type="bMarg" refType="primFontSz" fact="0.3"/>
+                                                </dgm:constrLst>
+                                                <dgm:ruleLst>
+                                                  <dgm:rule type="primFontSz" val="5" fact="NaN" max="NaN"/>
+                                                </dgm:ruleLst>
+                                              </dgm:layoutNode>
+                                              <dgm:layoutNode name="right_44_3" styleLbl="node1">
+                                                <dgm:varLst>
+                                                  <dgm:bulletEnabled val="1"/>
+                                                </dgm:varLst>
+                                                <dgm:alg type="tx"/>
+                                                <dgm:shape xmlns:r="http://schemas.openxmlformats.org/officeDocument/2006/relationships" type="roundRect" r:blip="">
+                                                  <dgm:adjLst/>
+                                                </dgm:shape>
+                                                <dgm:presOf axis="ch ch desOrSelf" ptType="node node node" st="2 3 1" cnt="1 1 0"/>
+                                                <dgm:constrLst>
+                                                  <dgm:constr type="lMarg" refType="primFontSz" fact="0.3"/>
+                                                  <dgm:constr type="rMarg" refType="primFontSz" fact="0.3"/>
+                                                  <dgm:constr type="tMarg" refType="primFontSz" fact="0.3"/>
+                                                  <dgm:constr type="bMarg" refType="primFontSz" fact="0.3"/>
+                                                </dgm:constrLst>
+                                                <dgm:ruleLst>
+                                                  <dgm:rule type="primFontSz" val="5" fact="NaN" max="NaN"/>
+                                                </dgm:ruleLst>
+                                              </dgm:layoutNode>
+                                              <dgm:layoutNode name="right_44_4" styleLbl="node1">
+                                                <dgm:varLst>
+                                                  <dgm:bulletEnabled val="1"/>
+                                                </dgm:varLst>
+                                                <dgm:alg type="tx"/>
+                                                <dgm:shape xmlns:r="http://schemas.openxmlformats.org/officeDocument/2006/relationships" type="roundRect" r:blip="">
+                                                  <dgm:adjLst/>
+                                                </dgm:shape>
+                                                <dgm:presOf axis="ch ch desOrSelf" ptType="node node node" st="2 4 1" cnt="1 1 0"/>
+                                                <dgm:constrLst>
+                                                  <dgm:constr type="lMarg" refType="primFontSz" fact="0.3"/>
+                                                  <dgm:constr type="rMarg" refType="primFontSz" fact="0.3"/>
+                                                  <dgm:constr type="tMarg" refType="primFontSz" fact="0.3"/>
+                                                  <dgm:constr type="bMarg" refType="primFontSz" fact="0.3"/>
+                                                </dgm:constrLst>
+                                                <dgm:ruleLst>
+                                                  <dgm:rule type="primFontSz" val="5" fact="NaN" max="NaN"/>
+                                                </dgm:ruleLst>
+                                              </dgm:layoutNode>
+                                              <dgm:layoutNode name="left_44_1" styleLbl="node1">
+                                                <dgm:varLst>
+                                                  <dgm:bulletEnabled val="1"/>
+                                                </dgm:varLst>
+                                                <dgm:alg type="tx"/>
+                                                <dgm:shape xmlns:r="http://schemas.openxmlformats.org/officeDocument/2006/relationships" type="roundRect" r:blip="">
+                                                  <dgm:adjLst/>
+                                                </dgm:shape>
+                                                <dgm:presOf axis="ch ch desOrSelf" ptType="node node node" st="1 1 1" cnt="1 1 0"/>
+                                                <dgm:constrLst>
+                                                  <dgm:constr type="lMarg" refType="primFontSz" fact="0.3"/>
+                                                  <dgm:constr type="rMarg" refType="primFontSz" fact="0.3"/>
+                                                  <dgm:constr type="tMarg" refType="primFontSz" fact="0.3"/>
+                                                  <dgm:constr type="bMarg" refType="primFontSz" fact="0.3"/>
+                                                </dgm:constrLst>
+                                                <dgm:ruleLst>
+                                                  <dgm:rule type="primFontSz" val="5" fact="NaN" max="NaN"/>
+                                                </dgm:ruleLst>
+                                              </dgm:layoutNode>
+                                              <dgm:layoutNode name="left_44_2" styleLbl="node1">
+                                                <dgm:varLst>
+                                                  <dgm:bulletEnabled val="1"/>
+                                                </dgm:varLst>
+                                                <dgm:alg type="tx"/>
+                                                <dgm:shape xmlns:r="http://schemas.openxmlformats.org/officeDocument/2006/relationships" type="roundRect" r:blip="">
+                                                  <dgm:adjLst/>
+                                                </dgm:shape>
+                                                <dgm:presOf axis="ch ch desOrSelf" ptType="node node node" st="1 2 1" cnt="1 1 0"/>
+                                                <dgm:constrLst>
+                                                  <dgm:constr type="lMarg" refType="primFontSz" fact="0.3"/>
+                                                  <dgm:constr type="rMarg" refType="primFontSz" fact="0.3"/>
+                                                  <dgm:constr type="tMarg" refType="primFontSz" fact="0.3"/>
+                                                  <dgm:constr type="bMarg" refType="primFontSz" fact="0.3"/>
+                                                </dgm:constrLst>
+                                                <dgm:ruleLst>
+                                                  <dgm:rule type="primFontSz" val="5" fact="NaN" max="NaN"/>
+                                                </dgm:ruleLst>
+                                              </dgm:layoutNode>
+                                              <dgm:layoutNode name="left_44_3" styleLbl="node1">
+                                                <dgm:varLst>
+                                                  <dgm:bulletEnabled val="1"/>
+                                                </dgm:varLst>
+                                                <dgm:alg type="tx"/>
+                                                <dgm:shape xmlns:r="http://schemas.openxmlformats.org/officeDocument/2006/relationships" type="roundRect" r:blip="">
+                                                  <dgm:adjLst/>
+                                                </dgm:shape>
+                                                <dgm:presOf axis="ch ch desOrSelf" ptType="node node node" st="1 3 1" cnt="1 1 0"/>
+                                                <dgm:constrLst>
+                                                  <dgm:constr type="lMarg" refType="primFontSz" fact="0.3"/>
+                                                  <dgm:constr type="rMarg" refType="primFontSz" fact="0.3"/>
+                                                  <dgm:constr type="tMarg" refType="primFontSz" fact="0.3"/>
+                                                  <dgm:constr type="bMarg" refType="primFontSz" fact="0.3"/>
+                                                </dgm:constrLst>
+                                                <dgm:ruleLst>
+                                                  <dgm:rule type="primFontSz" val="5" fact="NaN" max="NaN"/>
+                                                </dgm:ruleLst>
+                                              </dgm:layoutNode>
+                                              <dgm:layoutNode name="left_44_4" styleLbl="node1">
+                                                <dgm:varLst>
+                                                  <dgm:bulletEnabled val="1"/>
+                                                </dgm:varLst>
+                                                <dgm:alg type="tx"/>
+                                                <dgm:shape xmlns:r="http://schemas.openxmlformats.org/officeDocument/2006/relationships" type="roundRect" r:blip="">
+                                                  <dgm:adjLst/>
+                                                </dgm:shape>
+                                                <dgm:presOf axis="ch ch desOrSelf" ptType="node node node" st="1 4 1" cnt="1 1 0"/>
+                                                <dgm:constrLst>
+                                                  <dgm:constr type="lMarg" refType="primFontSz" fact="0.3"/>
+                                                  <dgm:constr type="rMarg" refType="primFontSz" fact="0.3"/>
+                                                  <dgm:constr type="tMarg" refType="primFontSz" fact="0.3"/>
+                                                  <dgm:constr type="bMarg" refType="primFontSz" fact="0.3"/>
+                                                </dgm:constrLst>
+                                                <dgm:ruleLst>
+                                                  <dgm:rule type="primFontSz" val="5" fact="NaN" max="NaN"/>
+                                                </dgm:ruleLst>
+                                              </dgm:layoutNode>
+                                            </dgm:if>
+                                            <dgm:else name="Name88"/>
+                                          </dgm:choose>
+                                        </dgm:else>
+                                      </dgm:choose>
+                                    </dgm:else>
+                                  </dgm:choose>
+                                </dgm:else>
+                              </dgm:choose>
+                            </dgm:else>
+                          </dgm:choose>
+                        </dgm:if>
+                        <dgm:else name="Name89"/>
+                      </dgm:choose>
+                    </dgm:else>
+                  </dgm:choose>
+                </dgm:else>
+              </dgm:choose>
+            </dgm:else>
+          </dgm:choose>
+        </dgm:else>
+      </dgm:choose>
+    </dgm:layoutNode>
+  </dgm:layoutNode>
+</dgm:layoutDef>
+</file>
+
+<file path=ppt/diagrams/quickStyle1.xml><?xml version="1.0" encoding="utf-8"?>
+<dgm:styleDef xmlns:dgm="http://schemas.openxmlformats.org/drawingml/2006/diagram" xmlns:a="http://schemas.openxmlformats.org/drawingml/2006/main" uniqueId="urn:microsoft.com/office/officeart/2005/8/quickstyle/simple1">
+  <dgm:title val=""/>
+  <dgm:desc val=""/>
+  <dgm:catLst>
+    <dgm:cat type="simple" pri="10100"/>
+  </dgm:catLst>
+  <dgm:scene3d>
+    <a:camera prst="orthographicFront"/>
+    <a:lightRig rig="threePt" dir="t"/>
+  </dgm:scene3d>
+  <dgm:styleLbl name="node0">
+    <dgm:scene3d>
+      <a:camera prst="orthographicFront"/>
+      <a:lightRig rig="threePt" dir="t"/>
+    </dgm:scene3d>
+    <dgm:sp3d/>
+    <dgm:txPr/>
+    <dgm:style>
+      <a:lnRef idx="2">
+        <a:scrgbClr r="0" g="0" b="0"/>
+      </a:lnRef>
+      <a:fillRef idx="1">
+        <a:scrgbClr r="0" g="0" b="0"/>
+      </a:fillRef>
+      <a:effectRef idx="0">
+        <a:scrgbClr r="0" g="0" b="0"/>
+      </a:effectRef>
+      <a:fontRef idx="minor">
+        <a:schemeClr val="lt1"/>
+      </a:fontRef>
+    </dgm:style>
+  </dgm:styleLbl>
+  <dgm:styleLbl name="lnNode1">
+    <dgm:scene3d>
+      <a:camera prst="orthographicFront"/>
+      <a:lightRig rig="threePt" dir="t"/>
+    </dgm:scene3d>
+    <dgm:sp3d/>
+    <dgm:txPr/>
+    <dgm:style>
+      <a:lnRef idx="2">
+        <a:scrgbClr r="0" g="0" b="0"/>
+      </a:lnRef>
+      <a:fillRef idx="1">
+        <a:scrgbClr r="0" g="0" b="0"/>
+      </a:fillRef>
+      <a:effectRef idx="0">
+        <a:scrgbClr r="0" g="0" b="0"/>
+      </a:effectRef>
+      <a:fontRef idx="minor">
+        <a:schemeClr val="lt1"/>
+      </a:fontRef>
+    </dgm:style>
+  </dgm:styleLbl>
+  <dgm:styleLbl name="vennNode1">
+    <dgm:scene3d>
+      <a:camera prst="orthographicFront"/>
+      <a:lightRig rig="threePt" dir="t"/>
+    </dgm:scene3d>
+    <dgm:sp3d/>
+    <dgm:txPr/>
+    <dgm:style>
+      <a:lnRef idx="2">
+        <a:scrgbClr r="0" g="0" b="0"/>
+      </a:lnRef>
+      <a:fillRef idx="1">
+        <a:scrgbClr r="0" g="0" b="0"/>
+      </a:fillRef>
+      <a:effectRef idx="0">
+        <a:scrgbClr r="0" g="0" b="0"/>
+      </a:effectRef>
+      <a:fontRef idx="minor">
+        <a:schemeClr val="tx1"/>
+      </a:fontRef>
+    </dgm:style>
+  </dgm:styleLbl>
+  <dgm:styleLbl name="alignNode1">
+    <dgm:scene3d>
+      <a:camera prst="orthographicFront"/>
+      <a:lightRig rig="threePt" dir="t"/>
+    </dgm:scene3d>
+    <dgm:sp3d/>
+    <dgm:txPr/>
+    <dgm:style>
+      <a:lnRef idx="2">
+        <a:scrgbClr r="0" g="0" b="0"/>
+      </a:lnRef>
+      <a:fillRef idx="1">
+        <a:scrgbClr r="0" g="0" b="0"/>
+      </a:fillRef>
+      <a:effectRef idx="0">
+        <a:scrgbClr r="0" g="0" b="0"/>
+      </a:effectRef>
+      <a:fontRef idx="minor">
+        <a:schemeClr val="lt1"/>
+      </a:fontRef>
+    </dgm:style>
+  </dgm:styleLbl>
+  <dgm:styleLbl name="node1">
+    <dgm:scene3d>
+      <a:camera prst="orthographicFront"/>
+      <a:lightRig rig="threePt" dir="t"/>
+    </dgm:scene3d>
+    <dgm:sp3d/>
+    <dgm:txPr/>
+    <dgm:style>
+      <a:lnRef idx="2">
+        <a:scrgbClr r="0" g="0" b="0"/>
+      </a:lnRef>
+      <a:fillRef idx="1">
+        <a:scrgbClr r="0" g="0" b="0"/>
+      </a:fillRef>
+      <a:effectRef idx="0">
+        <a:scrgbClr r="0" g="0" b="0"/>
+      </a:effectRef>
+      <a:fontRef idx="minor">
+        <a:schemeClr val="lt1"/>
+      </a:fontRef>
+    </dgm:style>
+  </dgm:styleLbl>
+  <dgm:styleLbl name="node2">
+    <dgm:scene3d>
+      <a:camera prst="orthographicFront"/>
+      <a:lightRig rig="threePt" dir="t"/>
+    </dgm:scene3d>
+    <dgm:sp3d/>
+    <dgm:txPr/>
+    <dgm:style>
+      <a:lnRef idx="2">
+        <a:scrgbClr r="0" g="0" b="0"/>
+      </a:lnRef>
+      <a:fillRef idx="1">
+        <a:scrgbClr r="0" g="0" b="0"/>
+      </a:fillRef>
+      <a:effectRef idx="0">
+        <a:scrgbClr r="0" g="0" b="0"/>
+      </a:effectRef>
+      <a:fontRef idx="minor">
+        <a:schemeClr val="lt1"/>
+      </a:fontRef>
+    </dgm:style>
+  </dgm:styleLbl>
+  <dgm:styleLbl name="node3">
+    <dgm:scene3d>
+      <a:camera prst="orthographicFront"/>
+      <a:lightRig rig="threePt" dir="t"/>
+    </dgm:scene3d>
+    <dgm:sp3d/>
+    <dgm:txPr/>
+    <dgm:style>
+      <a:lnRef idx="2">
+        <a:scrgbClr r="0" g="0" b="0"/>
+      </a:lnRef>
+      <a:fillRef idx="1">
+        <a:scrgbClr r="0" g="0" b="0"/>
+      </a:fillRef>
+      <a:effectRef idx="0">
+        <a:scrgbClr r="0" g="0" b="0"/>
+      </a:effectRef>
+      <a:fontRef idx="minor">
+        <a:schemeClr val="lt1"/>
+      </a:fontRef>
+    </dgm:style>
+  </dgm:styleLbl>
+  <dgm:styleLbl name="node4">
+    <dgm:scene3d>
+      <a:camera prst="orthographicFront"/>
+      <a:lightRig rig="threePt" dir="t"/>
+    </dgm:scene3d>
+    <dgm:sp3d/>
+    <dgm:txPr/>
+    <dgm:style>
+      <a:lnRef idx="2">
+        <a:scrgbClr r="0" g="0" b="0"/>
+      </a:lnRef>
+      <a:fillRef idx="1">
+        <a:scrgbClr r="0" g="0" b="0"/>
+      </a:fillRef>
+      <a:effectRef idx="0">
+        <a:scrgbClr r="0" g="0" b="0"/>
+      </a:effectRef>
+      <a:fontRef idx="minor">
+        <a:schemeClr val="lt1"/>
+      </a:fontRef>
+    </dgm:style>
+  </dgm:styleLbl>
+  <dgm:styleLbl name="fgImgPlace1">
+    <dgm:scene3d>
+      <a:camera prst="orthographicFront"/>
+      <a:lightRig rig="threePt" dir="t"/>
+    </dgm:scene3d>
+    <dgm:sp3d/>
+    <dgm:txPr/>
+    <dgm:style>
+      <a:lnRef idx="2">
+        <a:scrgbClr r="0" g="0" b="0"/>
+      </a:lnRef>
+      <a:fillRef idx="1">
+        <a:scrgbClr r="0" g="0" b="0"/>
+      </a:fillRef>
+      <a:effectRef idx="0">
+        <a:scrgbClr r="0" g="0" b="0"/>
+      </a:effectRef>
+      <a:fontRef idx="minor"/>
+    </dgm:style>
+  </dgm:styleLbl>
+  <dgm:styleLbl name="alignImgPlace1">
+    <dgm:scene3d>
+      <a:camera prst="orthographicFront"/>
+      <a:lightRig rig="threePt" dir="t"/>
+    </dgm:scene3d>
+    <dgm:sp3d/>
+    <dgm:txPr/>
+    <dgm:style>
+      <a:lnRef idx="2">
+        <a:scrgbClr r="0" g="0" b="0"/>
+      </a:lnRef>
+      <a:fillRef idx="1">
+        <a:scrgbClr r="0" g="0" b="0"/>
+      </a:fillRef>
+      <a:effectRef idx="0">
+        <a:scrgbClr r="0" g="0" b="0"/>
+      </a:effectRef>
+      <a:fontRef idx="minor"/>
+    </dgm:style>
+  </dgm:styleLbl>
+  <dgm:styleLbl name="bgImgPlace1">
+    <dgm:scene3d>
+      <a:camera prst="orthographicFront"/>
+      <a:lightRig rig="threePt" dir="t"/>
+    </dgm:scene3d>
+    <dgm:sp3d/>
+    <dgm:txPr/>
+    <dgm:style>
+      <a:lnRef idx="2">
+        <a:scrgbClr r="0" g="0" b="0"/>
+      </a:lnRef>
+      <a:fillRef idx="1">
+        <a:scrgbClr r="0" g="0" b="0"/>
+      </a:fillRef>
+      <a:effectRef idx="0">
+        <a:scrgbClr r="0" g="0" b="0"/>
+      </a:effectRef>
+      <a:fontRef idx="minor"/>
+    </dgm:style>
+  </dgm:styleLbl>
+  <dgm:styleLbl name="sibTrans2D1">
+    <dgm:scene3d>
+      <a:camera prst="orthographicFront"/>
+      <a:lightRig rig="threePt" dir="t"/>
+    </dgm:scene3d>
+    <dgm:sp3d/>
+    <dgm:txPr/>
+    <dgm:style>
+      <a:lnRef idx="0">
+        <a:scrgbClr r="0" g="0" b="0"/>
+      </a:lnRef>
+      <a:fillRef idx="1">
+        <a:scrgbClr r="0" g="0" b="0"/>
+      </a:fillRef>
+      <a:effectRef idx="0">
+        <a:scrgbClr r="0" g="0" b="0"/>
+      </a:effectRef>
+      <a:fontRef idx="minor">
+        <a:schemeClr val="lt1"/>
+      </a:fontRef>
+    </dgm:style>
+  </dgm:styleLbl>
+  <dgm:styleLbl name="fgSibTrans2D1">
+    <dgm:scene3d>
+      <a:camera prst="orthographicFront"/>
+      <a:lightRig rig="threePt" dir="t"/>
+    </dgm:scene3d>
+    <dgm:sp3d/>
+    <dgm:txPr/>
+    <dgm:style>
+      <a:lnRef idx="0">
+        <a:scrgbClr r="0" g="0" b="0"/>
+      </a:lnRef>
+      <a:fillRef idx="1">
+        <a:scrgbClr r="0" g="0" b="0"/>
+      </a:fillRef>
+      <a:effectRef idx="0">
+        <a:scrgbClr r="0" g="0" b="0"/>
+      </a:effectRef>
+      <a:fontRef idx="minor">
+        <a:schemeClr val="lt1"/>
+      </a:fontRef>
+    </dgm:style>
+  </dgm:styleLbl>
+  <dgm:styleLbl name="bgSibTrans2D1">
+    <dgm:scene3d>
+      <a:camera prst="orthographicFront"/>
+      <a:lightRig rig="threePt" dir="t"/>
+    </dgm:scene3d>
+    <dgm:sp3d/>
+    <dgm:txPr/>
+    <dgm:style>
+      <a:lnRef idx="0">
+        <a:scrgbClr r="0" g="0" b="0"/>
+      </a:lnRef>
+      <a:fillRef idx="1">
+        <a:scrgbClr r="0" g="0" b="0"/>
+      </a:fillRef>
+      <a:effectRef idx="0">
+        <a:scrgbClr r="0" g="0" b="0"/>
+      </a:effectRef>
+      <a:fontRef idx="minor">
+        <a:schemeClr val="lt1"/>
+      </a:fontRef>
+    </dgm:style>
+  </dgm:styleLbl>
+  <dgm:styleLbl name="sibTrans1D1">
+    <dgm:scene3d>
+      <a:camera prst="orthographicFront"/>
+      <a:lightRig rig="threePt" dir="t"/>
+    </dgm:scene3d>
+    <dgm:sp3d/>
+    <dgm:txPr/>
+    <dgm:style>
+      <a:lnRef idx="1">
+        <a:scrgbClr r="0" g="0" b="0"/>
+      </a:lnRef>
+      <a:fillRef idx="0">
+        <a:scrgbClr r="0" g="0" b="0"/>
+      </a:fillRef>
+      <a:effectRef idx="0">
+        <a:scrgbClr r="0" g="0" b="0"/>
+      </a:effectRef>
+      <a:fontRef idx="minor"/>
+    </dgm:style>
+  </dgm:styleLbl>
+  <dgm:styleLbl name="callout">
+    <dgm:scene3d>
+      <a:camera prst="orthographicFront"/>
+      <a:lightRig rig="threePt" dir="t"/>
+    </dgm:scene3d>
+    <dgm:sp3d/>
+    <dgm:txPr/>
+    <dgm:style>
+      <a:lnRef idx="2">
+        <a:scrgbClr r="0" g="0" b="0"/>
+      </a:lnRef>
+      <a:fillRef idx="1">
+        <a:scrgbClr r="0" g="0" b="0"/>
+      </a:fillRef>
+      <a:effectRef idx="0">
+        <a:scrgbClr r="0" g="0" b="0"/>
+      </a:effectRef>
+      <a:fontRef idx="minor"/>
+    </dgm:style>
+  </dgm:styleLbl>
+  <dgm:styleLbl name="asst0">
+    <dgm:scene3d>
+      <a:camera prst="orthographicFront"/>
+      <a:lightRig rig="threePt" dir="t"/>
+    </dgm:scene3d>
+    <dgm:sp3d/>
+    <dgm:txPr/>
+    <dgm:style>
+      <a:lnRef idx="2">
+        <a:scrgbClr r="0" g="0" b="0"/>
+      </a:lnRef>
+      <a:fillRef idx="1">
+        <a:scrgbClr r="0" g="0" b="0"/>
+      </a:fillRef>
+      <a:effectRef idx="0">
+        <a:scrgbClr r="0" g="0" b="0"/>
+      </a:effectRef>
+      <a:fontRef idx="minor">
+        <a:schemeClr val="lt1"/>
+      </a:fontRef>
+    </dgm:style>
+  </dgm:styleLbl>
+  <dgm:styleLbl name="asst1">
+    <dgm:scene3d>
+      <a:camera prst="orthographicFront"/>
+      <a:lightRig rig="threePt" dir="t"/>
+    </dgm:scene3d>
+    <dgm:sp3d/>
+    <dgm:txPr/>
+    <dgm:style>
+      <a:lnRef idx="2">
+        <a:scrgbClr r="0" g="0" b="0"/>
+      </a:lnRef>
+      <a:fillRef idx="1">
+        <a:scrgbClr r="0" g="0" b="0"/>
+      </a:fillRef>
+      <a:effectRef idx="0">
+        <a:scrgbClr r="0" g="0" b="0"/>
+      </a:effectRef>
+      <a:fontRef idx="minor">
+        <a:schemeClr val="lt1"/>
+      </a:fontRef>
+    </dgm:style>
+  </dgm:styleLbl>
+  <dgm:styleLbl name="asst2">
+    <dgm:scene3d>
+      <a:camera prst="orthographicFront"/>
+      <a:lightRig rig="threePt" dir="t"/>
+    </dgm:scene3d>
+    <dgm:sp3d/>
+    <dgm:txPr/>
+    <dgm:style>
+      <a:lnRef idx="2">
+        <a:scrgbClr r="0" g="0" b="0"/>
+      </a:lnRef>
+      <a:fillRef idx="1">
+        <a:scrgbClr r="0" g="0" b="0"/>
+      </a:fillRef>
+      <a:effectRef idx="0">
+        <a:scrgbClr r="0" g="0" b="0"/>
+      </a:effectRef>
+      <a:fontRef idx="minor">
+        <a:schemeClr val="lt1"/>
+      </a:fontRef>
+    </dgm:style>
+  </dgm:styleLbl>
+  <dgm:styleLbl name="asst3">
+    <dgm:scene3d>
+      <a:camera prst="orthographicFront"/>
+      <a:lightRig rig="threePt" dir="t"/>
+    </dgm:scene3d>
+    <dgm:sp3d/>
+    <dgm:txPr/>
+    <dgm:style>
+      <a:lnRef idx="2">
+        <a:scrgbClr r="0" g="0" b="0"/>
+      </a:lnRef>
+      <a:fillRef idx="1">
+        <a:scrgbClr r="0" g="0" b="0"/>
+      </a:fillRef>
+      <a:effectRef idx="0">
+        <a:scrgbClr r="0" g="0" b="0"/>
+      </a:effectRef>
+      <a:fontRef idx="minor">
+        <a:schemeClr val="lt1"/>
+      </a:fontRef>
+    </dgm:style>
+  </dgm:styleLbl>
+  <dgm:styleLbl name="asst4">
+    <dgm:scene3d>
+      <a:camera prst="orthographicFront"/>
+      <a:lightRig rig="threePt" dir="t"/>
+    </dgm:scene3d>
+    <dgm:sp3d/>
+    <dgm:txPr/>
+    <dgm:style>
+      <a:lnRef idx="2">
+        <a:scrgbClr r="0" g="0" b="0"/>
+      </a:lnRef>
+      <a:fillRef idx="1">
+        <a:scrgbClr r="0" g="0" b="0"/>
+      </a:fillRef>
+      <a:effectRef idx="0">
+        <a:scrgbClr r="0" g="0" b="0"/>
+      </a:effectRef>
+      <a:fontRef idx="minor">
+        <a:schemeClr val="lt1"/>
+      </a:fontRef>
+    </dgm:style>
+  </dgm:styleLbl>
+  <dgm:styleLbl name="parChTrans2D1">
+    <dgm:scene3d>
+      <a:camera prst="orthographicFront"/>
+      <a:lightRig rig="threePt" dir="t"/>
+    </dgm:scene3d>
+    <dgm:sp3d/>
+    <dgm:txPr/>
+    <dgm:style>
+      <a:lnRef idx="2">
+        <a:scrgbClr r="0" g="0" b="0"/>
+      </a:lnRef>
+      <a:fillRef idx="1">
+        <a:scrgbClr r="0" g="0" b="0"/>
+      </a:fillRef>
+      <a:effectRef idx="0">
+        <a:scrgbClr r="0" g="0" b="0"/>
+      </a:effectRef>
+      <a:fontRef idx="minor">
+        <a:schemeClr val="lt1"/>
+      </a:fontRef>
+    </dgm:style>
+  </dgm:styleLbl>
+  <dgm:styleLbl name="parChTrans2D2">
+    <dgm:scene3d>
+      <a:camera prst="orthographicFront"/>
+      <a:lightRig rig="threePt" dir="t"/>
+    </dgm:scene3d>
+    <dgm:sp3d/>
+    <dgm:txPr/>
+    <dgm:style>
+      <a:lnRef idx="2">
+        <a:scrgbClr r="0" g="0" b="0"/>
+      </a:lnRef>
+      <a:fillRef idx="1">
+        <a:scrgbClr r="0" g="0" b="0"/>
+      </a:fillRef>
+      <a:effectRef idx="0">
+        <a:scrgbClr r="0" g="0" b="0"/>
+      </a:effectRef>
+      <a:fontRef idx="minor">
+        <a:schemeClr val="lt1"/>
+      </a:fontRef>
+    </dgm:style>
+  </dgm:styleLbl>
+  <dgm:styleLbl name="parChTrans2D3">
+    <dgm:scene3d>
+      <a:camera prst="orthographicFront"/>
+      <a:lightRig rig="threePt" dir="t"/>
+    </dgm:scene3d>
+    <dgm:sp3d/>
+    <dgm:txPr/>
+    <dgm:style>
+      <a:lnRef idx="2">
+        <a:scrgbClr r="0" g="0" b="0"/>
+      </a:lnRef>
+      <a:fillRef idx="1">
+        <a:scrgbClr r="0" g="0" b="0"/>
+      </a:fillRef>
+      <a:effectRef idx="0">
+        <a:scrgbClr r="0" g="0" b="0"/>
+      </a:effectRef>
+      <a:fontRef idx="minor">
+        <a:schemeClr val="lt1"/>
+      </a:fontRef>
+    </dgm:style>
+  </dgm:styleLbl>
+  <dgm:styleLbl name="parChTrans2D4">
+    <dgm:scene3d>
+      <a:camera prst="orthographicFront"/>
+      <a:lightRig rig="threePt" dir="t"/>
+    </dgm:scene3d>
+    <dgm:sp3d/>
+    <dgm:txPr/>
+    <dgm:style>
+      <a:lnRef idx="2">
+        <a:scrgbClr r="0" g="0" b="0"/>
+      </a:lnRef>
+      <a:fillRef idx="1">
+        <a:scrgbClr r="0" g="0" b="0"/>
+      </a:fillRef>
+      <a:effectRef idx="0">
+        <a:scrgbClr r="0" g="0" b="0"/>
+      </a:effectRef>
+      <a:fontRef idx="minor">
+        <a:schemeClr val="lt1"/>
+      </a:fontRef>
+    </dgm:style>
+  </dgm:styleLbl>
+  <dgm:styleLbl name="parChTrans1D1">
+    <dgm:scene3d>
+      <a:camera prst="orthographicFront"/>
+      <a:lightRig rig="threePt" dir="t"/>
+    </dgm:scene3d>
+    <dgm:sp3d/>
+    <dgm:txPr/>
+    <dgm:style>
+      <a:lnRef idx="2">
+        <a:scrgbClr r="0" g="0" b="0"/>
+      </a:lnRef>
+      <a:fillRef idx="0">
+        <a:scrgbClr r="0" g="0" b="0"/>
+      </a:fillRef>
+      <a:effectRef idx="0">
+        <a:scrgbClr r="0" g="0" b="0"/>
+      </a:effectRef>
+      <a:fontRef idx="minor"/>
+    </dgm:style>
+  </dgm:styleLbl>
+  <dgm:styleLbl name="parChTrans1D2">
+    <dgm:scene3d>
+      <a:camera prst="orthographicFront"/>
+      <a:lightRig rig="threePt" dir="t"/>
+    </dgm:scene3d>
+    <dgm:sp3d/>
+    <dgm:txPr/>
+    <dgm:style>
+      <a:lnRef idx="2">
+        <a:scrgbClr r="0" g="0" b="0"/>
+      </a:lnRef>
+      <a:fillRef idx="0">
+        <a:scrgbClr r="0" g="0" b="0"/>
+      </a:fillRef>
+      <a:effectRef idx="0">
+        <a:scrgbClr r="0" g="0" b="0"/>
+      </a:effectRef>
+      <a:fontRef idx="minor"/>
+    </dgm:style>
+  </dgm:styleLbl>
+  <dgm:styleLbl name="parChTrans1D3">
+    <dgm:scene3d>
+      <a:camera prst="orthographicFront"/>
+      <a:lightRig rig="threePt" dir="t"/>
+    </dgm:scene3d>
+    <dgm:sp3d/>
+    <dgm:txPr/>
+    <dgm:style>
+      <a:lnRef idx="2">
+        <a:scrgbClr r="0" g="0" b="0"/>
+      </a:lnRef>
+      <a:fillRef idx="0">
+        <a:scrgbClr r="0" g="0" b="0"/>
+      </a:fillRef>
+      <a:effectRef idx="0">
+        <a:scrgbClr r="0" g="0" b="0"/>
+      </a:effectRef>
+      <a:fontRef idx="minor"/>
+    </dgm:style>
+  </dgm:styleLbl>
+  <dgm:styleLbl name="parChTrans1D4">
+    <dgm:scene3d>
+      <a:camera prst="orthographicFront"/>
+      <a:lightRig rig="threePt" dir="t"/>
+    </dgm:scene3d>
+    <dgm:sp3d/>
+    <dgm:txPr/>
+    <dgm:style>
+      <a:lnRef idx="2">
+        <a:scrgbClr r="0" g="0" b="0"/>
+      </a:lnRef>
+      <a:fillRef idx="0">
+        <a:scrgbClr r="0" g="0" b="0"/>
+      </a:fillRef>
+      <a:effectRef idx="0">
+        <a:scrgbClr r="0" g="0" b="0"/>
+      </a:effectRef>
+      <a:fontRef idx="minor"/>
+    </dgm:style>
+  </dgm:styleLbl>
+  <dgm:styleLbl name="fgAcc1">
+    <dgm:scene3d>
+      <a:camera prst="orthographicFront"/>
+      <a:lightRig rig="threePt" dir="t"/>
+    </dgm:scene3d>
+    <dgm:sp3d/>
+    <dgm:txPr/>
+    <dgm:style>
+      <a:lnRef idx="2">
+        <a:scrgbClr r="0" g="0" b="0"/>
+      </a:lnRef>
+      <a:fillRef idx="1">
+        <a:scrgbClr r="0" g="0" b="0"/>
+      </a:fillRef>
+      <a:effectRef idx="0">
+        <a:scrgbClr r="0" g="0" b="0"/>
+      </a:effectRef>
+      <a:fontRef idx="minor"/>
+    </dgm:style>
+  </dgm:styleLbl>
+  <dgm:styleLbl name="conFgAcc1">
+    <dgm:scene3d>
+      <a:camera prst="orthographicFront"/>
+      <a:lightRig rig="threePt" dir="t"/>
+    </dgm:scene3d>
+    <dgm:sp3d/>
+    <dgm:txPr/>
+    <dgm:style>
+      <a:lnRef idx="2">
+        <a:scrgbClr r="0" g="0" b="0"/>
+      </a:lnRef>
+      <a:fillRef idx="1">
+        <a:scrgbClr r="0" g="0" b="0"/>
+      </a:fillRef>
+      <a:effectRef idx="0">
+        <a:scrgbClr r="0" g="0" b="0"/>
+      </a:effectRef>
+      <a:fontRef idx="minor"/>
+    </dgm:style>
+  </dgm:styleLbl>
+  <dgm:styleLbl name="alignAcc1">
+    <dgm:scene3d>
+      <a:camera prst="orthographicFront"/>
+      <a:lightRig rig="threePt" dir="t"/>
+    </dgm:scene3d>
+    <dgm:sp3d/>
+    <dgm:txPr/>
+    <dgm:style>
+      <a:lnRef idx="2">
+        <a:scrgbClr r="0" g="0" b="0"/>
+      </a:lnRef>
+      <a:fillRef idx="1">
+        <a:scrgbClr r="0" g="0" b="0"/>
+      </a:fillRef>
+      <a:effectRef idx="0">
+        <a:scrgbClr r="0" g="0" b="0"/>
+      </a:effectRef>
+      <a:fontRef idx="minor"/>
+    </dgm:style>
+  </dgm:styleLbl>
+  <dgm:styleLbl name="trAlignAcc1">
+    <dgm:scene3d>
+      <a:camera prst="orthographicFront"/>
+      <a:lightRig rig="threePt" dir="t"/>
+    </dgm:scene3d>
+    <dgm:sp3d/>
+    <dgm:txPr/>
+    <dgm:style>
+      <a:lnRef idx="1">
+        <a:scrgbClr r="0" g="0" b="0"/>
+      </a:lnRef>
+      <a:fillRef idx="1">
+        <a:scrgbClr r="0" g="0" b="0"/>
+      </a:fillRef>
+      <a:effectRef idx="0">
+        <a:scrgbClr r="0" g="0" b="0"/>
+      </a:effectRef>
+      <a:fontRef idx="minor"/>
+    </dgm:style>
+  </dgm:styleLbl>
+  <dgm:styleLbl name="bgAcc1">
+    <dgm:scene3d>
+      <a:camera prst="orthographicFront"/>
+      <a:lightRig rig="threePt" dir="t"/>
+    </dgm:scene3d>
+    <dgm:sp3d/>
+    <dgm:txPr/>
+    <dgm:style>
+      <a:lnRef idx="2">
+        <a:scrgbClr r="0" g="0" b="0"/>
+      </a:lnRef>
+      <a:fillRef idx="1">
+        <a:scrgbClr r="0" g="0" b="0"/>
+      </a:fillRef>
+      <a:effectRef idx="0">
+        <a:scrgbClr r="0" g="0" b="0"/>
+      </a:effectRef>
+      <a:fontRef idx="minor"/>
+    </dgm:style>
+  </dgm:styleLbl>
+  <dgm:styleLbl name="solidFgAcc1">
+    <dgm:scene3d>
+      <a:camera prst="orthographicFront"/>
+      <a:lightRig rig="threePt" dir="t"/>
+    </dgm:scene3d>
+    <dgm:sp3d/>
+    <dgm:txPr/>
+    <dgm:style>
+      <a:lnRef idx="2">
+        <a:scrgbClr r="0" g="0" b="0"/>
+      </a:lnRef>
+      <a:fillRef idx="1">
+        <a:scrgbClr r="0" g="0" b="0"/>
+      </a:fillRef>
+      <a:effectRef idx="0">
+        <a:scrgbClr r="0" g="0" b="0"/>
+      </a:effectRef>
+      <a:fontRef idx="minor"/>
+    </dgm:style>
+  </dgm:styleLbl>
+  <dgm:styleLbl name="solidAlignAcc1">
+    <dgm:scene3d>
+      <a:camera prst="orthographicFront"/>
+      <a:lightRig rig="threePt" dir="t"/>
+    </dgm:scene3d>
+    <dgm:sp3d/>
+    <dgm:txPr/>
+    <dgm:style>
+      <a:lnRef idx="2">
+        <a:scrgbClr r="0" g="0" b="0"/>
+      </a:lnRef>
+      <a:fillRef idx="1">
+        <a:scrgbClr r="0" g="0" b="0"/>
+      </a:fillRef>
+      <a:effectRef idx="0">
+        <a:scrgbClr r="0" g="0" b="0"/>
+      </a:effectRef>
+      <a:fontRef idx="minor"/>
+    </dgm:style>
+  </dgm:styleLbl>
+  <dgm:styleLbl name="solidBgAcc1">
+    <dgm:scene3d>
+      <a:camera prst="orthographicFront"/>
+      <a:lightRig rig="threePt" dir="t"/>
+    </dgm:scene3d>
+    <dgm:sp3d/>
+    <dgm:txPr/>
+    <dgm:style>
+      <a:lnRef idx="2">
+        <a:scrgbClr r="0" g="0" b="0"/>
+      </a:lnRef>
+      <a:fillRef idx="1">
+        <a:scrgbClr r="0" g="0" b="0"/>
+      </a:fillRef>
+      <a:effectRef idx="0">
+        <a:scrgbClr r="0" g="0" b="0"/>
+      </a:effectRef>
+      <a:fontRef idx="minor"/>
+    </dgm:style>
+  </dgm:styleLbl>
+  <dgm:styleLbl name="fgAccFollowNode1">
+    <dgm:scene3d>
+      <a:camera prst="orthographicFront"/>
+      <a:lightRig rig="threePt" dir="t"/>
+    </dgm:scene3d>
+    <dgm:sp3d/>
+    <dgm:txPr/>
+    <dgm:style>
+      <a:lnRef idx="2">
+        <a:scrgbClr r="0" g="0" b="0"/>
+      </a:lnRef>
+      <a:fillRef idx="1">
+        <a:scrgbClr r="0" g="0" b="0"/>
+      </a:fillRef>
+      <a:effectRef idx="0">
+        <a:scrgbClr r="0" g="0" b="0"/>
+      </a:effectRef>
+      <a:fontRef idx="minor"/>
+    </dgm:style>
+  </dgm:styleLbl>
+  <dgm:styleLbl name="alignAccFollowNode1">
+    <dgm:scene3d>
+      <a:camera prst="orthographicFront"/>
+      <a:lightRig rig="threePt" dir="t"/>
+    </dgm:scene3d>
+    <dgm:sp3d/>
+    <dgm:txPr/>
+    <dgm:style>
+      <a:lnRef idx="2">
+        <a:scrgbClr r="0" g="0" b="0"/>
+      </a:lnRef>
+      <a:fillRef idx="1">
+        <a:scrgbClr r="0" g="0" b="0"/>
+      </a:fillRef>
+      <a:effectRef idx="0">
+        <a:scrgbClr r="0" g="0" b="0"/>
+      </a:effectRef>
+      <a:fontRef idx="minor"/>
+    </dgm:style>
+  </dgm:styleLbl>
+  <dgm:styleLbl name="bgAccFollowNode1">
+    <dgm:scene3d>
+      <a:camera prst="orthographicFront"/>
+      <a:lightRig rig="threePt" dir="t"/>
+    </dgm:scene3d>
+    <dgm:sp3d/>
+    <dgm:txPr/>
+    <dgm:style>
+      <a:lnRef idx="2">
+        <a:scrgbClr r="0" g="0" b="0"/>
+      </a:lnRef>
+      <a:fillRef idx="1">
+        <a:scrgbClr r="0" g="0" b="0"/>
+      </a:fillRef>
+      <a:effectRef idx="0">
+        <a:scrgbClr r="0" g="0" b="0"/>
+      </a:effectRef>
+      <a:fontRef idx="minor"/>
+    </dgm:style>
+  </dgm:styleLbl>
+  <dgm:styleLbl name="fgAcc0">
+    <dgm:scene3d>
+      <a:camera prst="orthographicFront"/>
+      <a:lightRig rig="threePt" dir="t"/>
+    </dgm:scene3d>
+    <dgm:sp3d/>
+    <dgm:txPr/>
+    <dgm:style>
+      <a:lnRef idx="2">
+        <a:scrgbClr r="0" g="0" b="0"/>
+      </a:lnRef>
+      <a:fillRef idx="1">
+        <a:scrgbClr r="0" g="0" b="0"/>
+      </a:fillRef>
+      <a:effectRef idx="0">
+        <a:scrgbClr r="0" g="0" b="0"/>
+      </a:effectRef>
+      <a:fontRef idx="minor"/>
+    </dgm:style>
+  </dgm:styleLbl>
+  <dgm:styleLbl name="fgAcc2">
+    <dgm:scene3d>
+      <a:camera prst="orthographicFront"/>
+      <a:lightRig rig="threePt" dir="t"/>
+    </dgm:scene3d>
+    <dgm:sp3d/>
+    <dgm:txPr/>
+    <dgm:style>
+      <a:lnRef idx="2">
+        <a:scrgbClr r="0" g="0" b="0"/>
+      </a:lnRef>
+      <a:fillRef idx="1">
+        <a:scrgbClr r="0" g="0" b="0"/>
+      </a:fillRef>
+      <a:effectRef idx="0">
+        <a:scrgbClr r="0" g="0" b="0"/>
+      </a:effectRef>
+      <a:fontRef idx="minor"/>
+    </dgm:style>
+  </dgm:styleLbl>
+  <dgm:styleLbl name="fgAcc3">
+    <dgm:scene3d>
+      <a:camera prst="orthographicFront"/>
+      <a:lightRig rig="threePt" dir="t"/>
+    </dgm:scene3d>
+    <dgm:sp3d/>
+    <dgm:txPr/>
+    <dgm:style>
+      <a:lnRef idx="2">
+        <a:scrgbClr r="0" g="0" b="0"/>
+      </a:lnRef>
+      <a:fillRef idx="1">
+        <a:scrgbClr r="0" g="0" b="0"/>
+      </a:fillRef>
+      <a:effectRef idx="0">
+        <a:scrgbClr r="0" g="0" b="0"/>
+      </a:effectRef>
+      <a:fontRef idx="minor"/>
+    </dgm:style>
+  </dgm:styleLbl>
+  <dgm:styleLbl name="fgAcc4">
+    <dgm:scene3d>
+      <a:camera prst="orthographicFront"/>
+      <a:lightRig rig="threePt" dir="t"/>
+    </dgm:scene3d>
+    <dgm:sp3d/>
+    <dgm:txPr/>
+    <dgm:style>
+      <a:lnRef idx="2">
+        <a:scrgbClr r="0" g="0" b="0"/>
+      </a:lnRef>
+      <a:fillRef idx="1">
+        <a:scrgbClr r="0" g="0" b="0"/>
+      </a:fillRef>
+      <a:effectRef idx="0">
+        <a:scrgbClr r="0" g="0" b="0"/>
+      </a:effectRef>
+      <a:fontRef idx="minor"/>
+    </dgm:style>
+  </dgm:styleLbl>
+  <dgm:styleLbl name="bgShp">
+    <dgm:scene3d>
+      <a:camera prst="orthographicFront"/>
+      <a:lightRig rig="threePt" dir="t"/>
+    </dgm:scene3d>
+    <dgm:sp3d/>
+    <dgm:txPr/>
+    <dgm:style>
+      <a:lnRef idx="0">
+        <a:scrgbClr r="0" g="0" b="0"/>
+      </a:lnRef>
+      <a:fillRef idx="1">
+        <a:scrgbClr r="0" g="0" b="0"/>
+      </a:fillRef>
+      <a:effectRef idx="0">
+        <a:scrgbClr r="0" g="0" b="0"/>
+      </a:effectRef>
+      <a:fontRef idx="minor"/>
+    </dgm:style>
+  </dgm:styleLbl>
+  <dgm:styleLbl name="dkBgShp">
+    <dgm:scene3d>
+      <a:camera prst="orthographicFront"/>
+      <a:lightRig rig="threePt" dir="t"/>
+    </dgm:scene3d>
+    <dgm:sp3d/>
+    <dgm:txPr/>
+    <dgm:style>
+      <a:lnRef idx="0">
+        <a:scrgbClr r="0" g="0" b="0"/>
+      </a:lnRef>
+      <a:fillRef idx="1">
+        <a:scrgbClr r="0" g="0" b="0"/>
+      </a:fillRef>
+      <a:effectRef idx="0">
+        <a:scrgbClr r="0" g="0" b="0"/>
+      </a:effectRef>
+      <a:fontRef idx="minor"/>
+    </dgm:style>
+  </dgm:styleLbl>
+  <dgm:styleLbl name="trBgShp">
+    <dgm:scene3d>
+      <a:camera prst="orthographicFront"/>
+      <a:lightRig rig="threePt" dir="t"/>
+    </dgm:scene3d>
+    <dgm:sp3d/>
+    <dgm:txPr/>
+    <dgm:style>
+      <a:lnRef idx="0">
+        <a:scrgbClr r="0" g="0" b="0"/>
+      </a:lnRef>
+      <a:fillRef idx="1">
+        <a:scrgbClr r="0" g="0" b="0"/>
+      </a:fillRef>
+      <a:effectRef idx="0">
+        <a:scrgbClr r="0" g="0" b="0"/>
+      </a:effectRef>
+      <a:fontRef idx="minor"/>
+    </dgm:style>
+  </dgm:styleLbl>
+  <dgm:styleLbl name="fgShp">
+    <dgm:scene3d>
+      <a:camera prst="orthographicFront"/>
+      <a:lightRig rig="threePt" dir="t"/>
+    </dgm:scene3d>
+    <dgm:sp3d/>
+    <dgm:txPr/>
+    <dgm:style>
+      <a:lnRef idx="2">
+        <a:scrgbClr r="0" g="0" b="0"/>
+      </a:lnRef>
+      <a:fillRef idx="1">
+        <a:scrgbClr r="0" g="0" b="0"/>
+      </a:fillRef>
+      <a:effectRef idx="0">
+        <a:scrgbClr r="0" g="0" b="0"/>
+      </a:effectRef>
+      <a:fontRef idx="minor"/>
+    </dgm:style>
+  </dgm:styleLbl>
+  <dgm:styleLbl name="revTx">
+    <dgm:scene3d>
+      <a:camera prst="orthographicFront"/>
+      <a:lightRig rig="threePt" dir="t"/>
+    </dgm:scene3d>
+    <dgm:sp3d/>
+    <dgm:txPr/>
+    <dgm:style>
+      <a:lnRef idx="0">
+        <a:scrgbClr r="0" g="0" b="0"/>
+      </a:lnRef>
+      <a:fillRef idx="0">
+        <a:scrgbClr r="0" g="0" b="0"/>
+      </a:fillRef>
+      <a:effectRef idx="0">
+        <a:scrgbClr r="0" g="0" b="0"/>
+      </a:effectRef>
+      <a:fontRef idx="minor"/>
+    </dgm:style>
+  </dgm:styleLbl>
+</dgm:styleDef>
+</file>
+
+<file path=ppt/notesMasters/notesMaster1.xml><?xml version="1.0" encoding="utf-8"?>
+<p:notesMaster xmlns:a="http://schemas.openxmlformats.org/drawingml/2006/main" xmlns:r="http://schemas.openxmlformats.org/officeDocument/2006/relationships" xmlns:p="http://schemas.openxmlformats.org/presentationml/2006/main">
+  <p:cSld>
+    <p:bg>
+      <p:bgRef idx="1001">
+        <a:schemeClr val="bg1"/>
+      </p:bgRef>
+    </p:bg>
+    <p:spTree>
+      <p:nvGrpSpPr>
+        <p:cNvPr id="1" name=""/>
+        <p:cNvGrpSpPr/>
+        <p:nvPr/>
+      </p:nvGrpSpPr>
+      <p:grpSpPr>
+        <a:xfrm>
+          <a:off x="0" y="0"/>
+          <a:ext cx="0" cy="0"/>
+          <a:chOff x="0" y="0"/>
+          <a:chExt cx="0" cy="0"/>
+        </a:xfrm>
+      </p:grpSpPr>
+      <p:sp>
+        <p:nvSpPr>
+          <p:cNvPr id="2" name="Header Placeholder 1"/>
+          <p:cNvSpPr>
+            <a:spLocks noGrp="1"/>
+          </p:cNvSpPr>
+          <p:nvPr>
+            <p:ph type="hdr" sz="quarter"/>
+          </p:nvPr>
+        </p:nvSpPr>
+        <p:spPr>
+          <a:xfrm>
+            <a:off x="0" y="0"/>
+            <a:ext cx="2971800" cy="458788"/>
+          </a:xfrm>
+          <a:prstGeom prst="rect">
+            <a:avLst/>
+          </a:prstGeom>
+        </p:spPr>
+        <p:txBody>
+          <a:bodyPr vert="horz" lIns="91440" tIns="45720" rIns="91440" bIns="45720" rtlCol="0"/>
+          <a:lstStyle>
+            <a:lvl1pPr algn="l">
+              <a:defRPr sz="1200"/>
+            </a:lvl1pPr>
+          </a:lstStyle>
+          <a:p>
+            <a:endParaRPr lang="en-GB"/>
+          </a:p>
+        </p:txBody>
+      </p:sp>
+      <p:sp>
+        <p:nvSpPr>
+          <p:cNvPr id="3" name="Date Placeholder 2"/>
+          <p:cNvSpPr>
+            <a:spLocks noGrp="1"/>
+          </p:cNvSpPr>
+          <p:nvPr>
+            <p:ph type="dt" idx="1"/>
+          </p:nvPr>
+        </p:nvSpPr>
+        <p:spPr>
+          <a:xfrm>
+            <a:off x="3884613" y="0"/>
+            <a:ext cx="2971800" cy="458788"/>
+          </a:xfrm>
+          <a:prstGeom prst="rect">
+            <a:avLst/>
+          </a:prstGeom>
+        </p:spPr>
+        <p:txBody>
+          <a:bodyPr vert="horz" lIns="91440" tIns="45720" rIns="91440" bIns="45720" rtlCol="0"/>
+          <a:lstStyle>
+            <a:lvl1pPr algn="r">
+              <a:defRPr sz="1200"/>
+            </a:lvl1pPr>
+          </a:lstStyle>
+          <a:p>
+            <a:fld id="{C33E546B-25B4-4054-B726-50ABAEF81226}" type="datetimeFigureOut">
+              <a:rPr lang="en-GB" smtClean="0"/>
+              <a:t>21/01/2016</a:t>
+            </a:fld>
+            <a:endParaRPr lang="en-GB"/>
+          </a:p>
+        </p:txBody>
+      </p:sp>
+      <p:sp>
+        <p:nvSpPr>
+          <p:cNvPr id="4" name="Slide Image Placeholder 3"/>
+          <p:cNvSpPr>
+            <a:spLocks noGrp="1" noRot="1" noChangeAspect="1"/>
+          </p:cNvSpPr>
+          <p:nvPr>
+            <p:ph type="sldImg" idx="2"/>
+          </p:nvPr>
+        </p:nvSpPr>
+        <p:spPr>
+          <a:xfrm>
+            <a:off x="685800" y="1143000"/>
+            <a:ext cx="5486400" cy="3086100"/>
+          </a:xfrm>
+          <a:prstGeom prst="rect">
+            <a:avLst/>
+          </a:prstGeom>
+          <a:noFill/>
+          <a:ln w="12700">
+            <a:solidFill>
+              <a:prstClr val="black"/>
+            </a:solidFill>
+          </a:ln>
+        </p:spPr>
+        <p:txBody>
+          <a:bodyPr vert="horz" lIns="91440" tIns="45720" rIns="91440" bIns="45720" rtlCol="0" anchor="ctr"/>
+          <a:lstStyle/>
+          <a:p>
+            <a:endParaRPr lang="en-GB"/>
+          </a:p>
+        </p:txBody>
+      </p:sp>
+      <p:sp>
+        <p:nvSpPr>
+          <p:cNvPr id="5" name="Notes Placeholder 4"/>
+          <p:cNvSpPr>
+            <a:spLocks noGrp="1"/>
+          </p:cNvSpPr>
+          <p:nvPr>
+            <p:ph type="body" sz="quarter" idx="3"/>
+          </p:nvPr>
+        </p:nvSpPr>
+        <p:spPr>
+          <a:xfrm>
+            <a:off x="685800" y="4400550"/>
+            <a:ext cx="5486400" cy="3600450"/>
+          </a:xfrm>
+          <a:prstGeom prst="rect">
+            <a:avLst/>
+          </a:prstGeom>
+        </p:spPr>
+        <p:txBody>
+          <a:bodyPr vert="horz" lIns="91440" tIns="45720" rIns="91440" bIns="45720" rtlCol="0"/>
+          <a:lstStyle/>
+          <a:p>
+            <a:pPr lvl="0"/>
+            <a:r>
+              <a:rPr lang="en-US" smtClean="0"/>
+              <a:t>Click to edit Master text styles</a:t>
+            </a:r>
+          </a:p>
+          <a:p>
+            <a:pPr lvl="1"/>
+            <a:r>
+              <a:rPr lang="en-US" smtClean="0"/>
+              <a:t>Second level</a:t>
+            </a:r>
+          </a:p>
+          <a:p>
+            <a:pPr lvl="2"/>
+            <a:r>
+              <a:rPr lang="en-US" smtClean="0"/>
+              <a:t>Third level</a:t>
+            </a:r>
+          </a:p>
+          <a:p>
+            <a:pPr lvl="3"/>
+            <a:r>
+              <a:rPr lang="en-US" smtClean="0"/>
+              <a:t>Fourth level</a:t>
+            </a:r>
+          </a:p>
+          <a:p>
+            <a:pPr lvl="4"/>
+            <a:r>
+              <a:rPr lang="en-US" smtClean="0"/>
+              <a:t>Fifth level</a:t>
+            </a:r>
+            <a:endParaRPr lang="en-GB"/>
+          </a:p>
+        </p:txBody>
+      </p:sp>
+      <p:sp>
+        <p:nvSpPr>
+          <p:cNvPr id="6" name="Footer Placeholder 5"/>
+          <p:cNvSpPr>
+            <a:spLocks noGrp="1"/>
+          </p:cNvSpPr>
+          <p:nvPr>
+            <p:ph type="ftr" sz="quarter" idx="4"/>
+          </p:nvPr>
+        </p:nvSpPr>
+        <p:spPr>
+          <a:xfrm>
+            <a:off x="0" y="8685213"/>
+            <a:ext cx="2971800" cy="458787"/>
+          </a:xfrm>
+          <a:prstGeom prst="rect">
+            <a:avLst/>
+          </a:prstGeom>
+        </p:spPr>
+        <p:txBody>
+          <a:bodyPr vert="horz" lIns="91440" tIns="45720" rIns="91440" bIns="45720" rtlCol="0" anchor="b"/>
+          <a:lstStyle>
+            <a:lvl1pPr algn="l">
+              <a:defRPr sz="1200"/>
+            </a:lvl1pPr>
+          </a:lstStyle>
+          <a:p>
+            <a:endParaRPr lang="en-GB"/>
+          </a:p>
+        </p:txBody>
+      </p:sp>
+      <p:sp>
+        <p:nvSpPr>
+          <p:cNvPr id="7" name="Slide Number Placeholder 6"/>
+          <p:cNvSpPr>
+            <a:spLocks noGrp="1"/>
+          </p:cNvSpPr>
+          <p:nvPr>
+            <p:ph type="sldNum" sz="quarter" idx="5"/>
+          </p:nvPr>
+        </p:nvSpPr>
+        <p:spPr>
+          <a:xfrm>
+            <a:off x="3884613" y="8685213"/>
+            <a:ext cx="2971800" cy="458787"/>
+          </a:xfrm>
+          <a:prstGeom prst="rect">
+            <a:avLst/>
+          </a:prstGeom>
+        </p:spPr>
+        <p:txBody>
+          <a:bodyPr vert="horz" lIns="91440" tIns="45720" rIns="91440" bIns="45720" rtlCol="0" anchor="b"/>
+          <a:lstStyle>
+            <a:lvl1pPr algn="r">
+              <a:defRPr sz="1200"/>
+            </a:lvl1pPr>
+          </a:lstStyle>
+          <a:p>
+            <a:fld id="{C07FE611-E342-4944-80A8-F7B4C421E4DD}" type="slidenum">
+              <a:rPr lang="en-GB" smtClean="0"/>
+              <a:t>‹#›</a:t>
+            </a:fld>
+            <a:endParaRPr lang="en-GB"/>
+          </a:p>
+        </p:txBody>
+      </p:sp>
+    </p:spTree>
+    <p:extLst>
+      <p:ext uri="{BB962C8B-B14F-4D97-AF65-F5344CB8AC3E}">
+        <p14:creationId xmlns:p14="http://schemas.microsoft.com/office/powerpoint/2010/main" val="1768071008"/>
+      </p:ext>
+    </p:extLst>
+  </p:cSld>
+  <p:clrMap bg1="lt1" tx1="dk1" bg2="lt2" tx2="dk2" accent1="accent1" accent2="accent2" accent3="accent3" accent4="accent4" accent5="accent5" accent6="accent6" hlink="hlink" folHlink="folHlink"/>
+  <p:notesStyle>
+    <a:lvl1pPr marL="0" algn="l" defTabSz="914400" rtl="0" eaLnBrk="1" latinLnBrk="0" hangingPunct="1">
+      <a:defRPr sz="1200" kern="1200">
+        <a:solidFill>
+          <a:schemeClr val="tx1"/>
+        </a:solidFill>
+        <a:latin typeface="+mn-lt"/>
+        <a:ea typeface="+mn-ea"/>
+        <a:cs typeface="+mn-cs"/>
+      </a:defRPr>
+    </a:lvl1pPr>
+    <a:lvl2pPr marL="457200" algn="l" defTabSz="914400" rtl="0" eaLnBrk="1" latinLnBrk="0" hangingPunct="1">
+      <a:defRPr sz="1200" kern="1200">
+        <a:solidFill>
+          <a:schemeClr val="tx1"/>
+        </a:solidFill>
+        <a:latin typeface="+mn-lt"/>
+        <a:ea typeface="+mn-ea"/>
+        <a:cs typeface="+mn-cs"/>
+      </a:defRPr>
+    </a:lvl2pPr>
+    <a:lvl3pPr marL="914400" algn="l" defTabSz="914400" rtl="0" eaLnBrk="1" latinLnBrk="0" hangingPunct="1">
+      <a:defRPr sz="1200" kern="1200">
+        <a:solidFill>
+          <a:schemeClr val="tx1"/>
+        </a:solidFill>
+        <a:latin typeface="+mn-lt"/>
+        <a:ea typeface="+mn-ea"/>
+        <a:cs typeface="+mn-cs"/>
+      </a:defRPr>
+    </a:lvl3pPr>
+    <a:lvl4pPr marL="1371600" algn="l" defTabSz="914400" rtl="0" eaLnBrk="1" latinLnBrk="0" hangingPunct="1">
+      <a:defRPr sz="1200" kern="1200">
+        <a:solidFill>
+          <a:schemeClr val="tx1"/>
+        </a:solidFill>
+        <a:latin typeface="+mn-lt"/>
+        <a:ea typeface="+mn-ea"/>
+        <a:cs typeface="+mn-cs"/>
+      </a:defRPr>
+    </a:lvl4pPr>
+    <a:lvl5pPr marL="1828800" algn="l" defTabSz="914400" rtl="0" eaLnBrk="1" latinLnBrk="0" hangingPunct="1">
+      <a:defRPr sz="1200" kern="1200">
+        <a:solidFill>
+          <a:schemeClr val="tx1"/>
+        </a:solidFill>
+        <a:latin typeface="+mn-lt"/>
+        <a:ea typeface="+mn-ea"/>
+        <a:cs typeface="+mn-cs"/>
+      </a:defRPr>
+    </a:lvl5pPr>
+    <a:lvl6pPr marL="2286000" algn="l" defTabSz="914400" rtl="0" eaLnBrk="1" latinLnBrk="0" hangingPunct="1">
+      <a:defRPr sz="1200" kern="1200">
+        <a:solidFill>
+          <a:schemeClr val="tx1"/>
+        </a:solidFill>
+        <a:latin typeface="+mn-lt"/>
+        <a:ea typeface="+mn-ea"/>
+        <a:cs typeface="+mn-cs"/>
+      </a:defRPr>
+    </a:lvl6pPr>
+    <a:lvl7pPr marL="2743200" algn="l" defTabSz="914400" rtl="0" eaLnBrk="1" latinLnBrk="0" hangingPunct="1">
+      <a:defRPr sz="1200" kern="1200">
+        <a:solidFill>
+          <a:schemeClr val="tx1"/>
+        </a:solidFill>
+        <a:latin typeface="+mn-lt"/>
+        <a:ea typeface="+mn-ea"/>
+        <a:cs typeface="+mn-cs"/>
+      </a:defRPr>
+    </a:lvl7pPr>
+    <a:lvl8pPr marL="3200400" algn="l" defTabSz="914400" rtl="0" eaLnBrk="1" latinLnBrk="0" hangingPunct="1">
+      <a:defRPr sz="1200" kern="1200">
+        <a:solidFill>
+          <a:schemeClr val="tx1"/>
+        </a:solidFill>
+        <a:latin typeface="+mn-lt"/>
+        <a:ea typeface="+mn-ea"/>
+        <a:cs typeface="+mn-cs"/>
+      </a:defRPr>
+    </a:lvl8pPr>
+    <a:lvl9pPr marL="3657600" algn="l" defTabSz="914400" rtl="0" eaLnBrk="1" latinLnBrk="0" hangingPunct="1">
+      <a:defRPr sz="1200" kern="1200">
+        <a:solidFill>
+          <a:schemeClr val="tx1"/>
+        </a:solidFill>
+        <a:latin typeface="+mn-lt"/>
+        <a:ea typeface="+mn-ea"/>
+        <a:cs typeface="+mn-cs"/>
+      </a:defRPr>
+    </a:lvl9pPr>
+  </p:notesStyle>
+</p:notesMaster>
+</file>
+
+<file path=ppt/notesSlides/notesSlide1.xml><?xml version="1.0" encoding="utf-8"?>
+<p:notes xmlns:a="http://schemas.openxmlformats.org/drawingml/2006/main" xmlns:r="http://schemas.openxmlformats.org/officeDocument/2006/relationships" xmlns:p="http://schemas.openxmlformats.org/presentationml/2006/main">
+  <p:cSld>
+    <p:spTree>
+      <p:nvGrpSpPr>
+        <p:cNvPr id="1" name=""/>
+        <p:cNvGrpSpPr/>
+        <p:nvPr/>
+      </p:nvGrpSpPr>
+      <p:grpSpPr>
+        <a:xfrm>
+          <a:off x="0" y="0"/>
+          <a:ext cx="0" cy="0"/>
+          <a:chOff x="0" y="0"/>
+          <a:chExt cx="0" cy="0"/>
+        </a:xfrm>
+      </p:grpSpPr>
+      <p:sp>
+        <p:nvSpPr>
+          <p:cNvPr id="2" name="Slide Image Placeholder 1"/>
+          <p:cNvSpPr>
+            <a:spLocks noGrp="1" noRot="1" noChangeAspect="1"/>
+          </p:cNvSpPr>
+          <p:nvPr>
+            <p:ph type="sldImg"/>
+          </p:nvPr>
+        </p:nvSpPr>
+        <p:spPr>
+          <a:xfrm>
+            <a:off x="215900" y="722313"/>
+            <a:ext cx="6426200" cy="3614737"/>
+          </a:xfrm>
+        </p:spPr>
+      </p:sp>
+      <p:sp>
+        <p:nvSpPr>
+          <p:cNvPr id="3" name="Notes Placeholder 2"/>
+          <p:cNvSpPr>
+            <a:spLocks noGrp="1"/>
+          </p:cNvSpPr>
+          <p:nvPr>
+            <p:ph type="body" idx="1"/>
+          </p:nvPr>
+        </p:nvSpPr>
+        <p:spPr/>
+        <p:txBody>
+          <a:bodyPr>
+            <a:normAutofit/>
+          </a:bodyPr>
+          <a:lstStyle/>
+          <a:p>
+            <a:r>
+              <a:rPr lang="en-GB" dirty="0" smtClean="0"/>
+              <a:t>If execution time much</a:t>
+            </a:r>
+            <a:r>
+              <a:rPr lang="en-GB" baseline="0" dirty="0" smtClean="0"/>
+              <a:t> &gt; than compile time, why worry - &gt; plan bloat</a:t>
+            </a:r>
+          </a:p>
+          <a:p>
+            <a:endParaRPr lang="en-GB" baseline="0" dirty="0" smtClean="0"/>
+          </a:p>
+          <a:p>
+            <a:r>
+              <a:rPr lang="en-GB" baseline="0" dirty="0" smtClean="0"/>
+              <a:t>If execution time &lt; compile time then really worry about it.</a:t>
+            </a:r>
+          </a:p>
+          <a:p>
+            <a:endParaRPr lang="en-GB" baseline="0" dirty="0" smtClean="0"/>
+          </a:p>
+          <a:p>
+            <a:r>
+              <a:rPr lang="en-GB" baseline="0" dirty="0" smtClean="0"/>
+              <a:t>OLTP plan reuse</a:t>
+            </a:r>
+          </a:p>
+          <a:p>
+            <a:r>
+              <a:rPr lang="en-GB" baseline="0" dirty="0" smtClean="0"/>
+              <a:t>ETL, Reporting plan no reuse</a:t>
+            </a:r>
+            <a:endParaRPr lang="en-GB" dirty="0"/>
+          </a:p>
+        </p:txBody>
+      </p:sp>
+      <p:sp>
+        <p:nvSpPr>
+          <p:cNvPr id="4" name="Slide Number Placeholder 3"/>
+          <p:cNvSpPr>
+            <a:spLocks noGrp="1"/>
+          </p:cNvSpPr>
+          <p:nvPr>
+            <p:ph type="sldNum" sz="quarter" idx="10"/>
+          </p:nvPr>
+        </p:nvSpPr>
+        <p:spPr/>
+        <p:txBody>
+          <a:bodyPr/>
+          <a:lstStyle/>
+          <a:p>
+            <a:fld id="{B55B88FD-84B2-43BD-86AA-E2E5C0B76984}" type="slidenum">
+              <a:rPr lang="en-GB" smtClean="0"/>
+              <a:pPr/>
+              <a:t>14</a:t>
+            </a:fld>
+            <a:endParaRPr lang="en-GB"/>
+          </a:p>
+        </p:txBody>
+      </p:sp>
+      <p:sp>
+        <p:nvSpPr>
+          <p:cNvPr id="5" name="Date Placeholder 4"/>
+          <p:cNvSpPr>
+            <a:spLocks noGrp="1"/>
+          </p:cNvSpPr>
+          <p:nvPr>
+            <p:ph type="dt" idx="11"/>
+          </p:nvPr>
+        </p:nvSpPr>
+        <p:spPr/>
+        <p:txBody>
+          <a:bodyPr/>
+          <a:lstStyle/>
+          <a:p>
+            <a:endParaRPr lang="en-GB"/>
+          </a:p>
+        </p:txBody>
+      </p:sp>
+      <p:sp>
+        <p:nvSpPr>
+          <p:cNvPr id="6" name="Header Placeholder 5"/>
+          <p:cNvSpPr>
+            <a:spLocks noGrp="1"/>
+          </p:cNvSpPr>
+          <p:nvPr>
+            <p:ph type="hdr" sz="quarter" idx="12"/>
+          </p:nvPr>
+        </p:nvSpPr>
+        <p:spPr/>
+        <p:txBody>
+          <a:bodyPr/>
+          <a:lstStyle/>
+          <a:p>
+            <a:r>
+              <a:rPr lang="en-GB" smtClean="0"/>
+              <a:t>Advanced TSQL for Performance and Scalability</a:t>
+            </a:r>
+            <a:endParaRPr lang="en-GB"/>
+          </a:p>
+        </p:txBody>
+      </p:sp>
+    </p:spTree>
+    <p:extLst>
+      <p:ext uri="{BB962C8B-B14F-4D97-AF65-F5344CB8AC3E}">
+        <p14:creationId xmlns:p14="http://schemas.microsoft.com/office/powerpoint/2010/main" val="3130646790"/>
+      </p:ext>
+    </p:extLst>
+  </p:cSld>
+  <p:clrMapOvr>
+    <a:masterClrMapping/>
+  </p:clrMapOvr>
+</p:notes>
 </file>
 
 <file path=ppt/slideLayouts/slideLayout1.xml><?xml version="1.0" encoding="utf-8"?>
@@ -257,7 +6966,7 @@
           <a:p>
             <a:fld id="{8204E7FD-169F-464A-8003-B2893D8D8FF1}" type="datetimeFigureOut">
               <a:rPr lang="en-GB" smtClean="0"/>
-              <a:t>07/01/2016</a:t>
+              <a:t>21/01/2016</a:t>
             </a:fld>
             <a:endParaRPr lang="en-GB"/>
           </a:p>
@@ -427,7 +7136,7 @@
           <a:p>
             <a:fld id="{8204E7FD-169F-464A-8003-B2893D8D8FF1}" type="datetimeFigureOut">
               <a:rPr lang="en-GB" smtClean="0"/>
-              <a:t>07/01/2016</a:t>
+              <a:t>21/01/2016</a:t>
             </a:fld>
             <a:endParaRPr lang="en-GB"/>
           </a:p>
@@ -607,7 +7316,7 @@
           <a:p>
             <a:fld id="{8204E7FD-169F-464A-8003-B2893D8D8FF1}" type="datetimeFigureOut">
               <a:rPr lang="en-GB" smtClean="0"/>
-              <a:t>07/01/2016</a:t>
+              <a:t>21/01/2016</a:t>
             </a:fld>
             <a:endParaRPr lang="en-GB"/>
           </a:p>
@@ -777,7 +7486,7 @@
           <a:p>
             <a:fld id="{8204E7FD-169F-464A-8003-B2893D8D8FF1}" type="datetimeFigureOut">
               <a:rPr lang="en-GB" smtClean="0"/>
-              <a:t>07/01/2016</a:t>
+              <a:t>21/01/2016</a:t>
             </a:fld>
             <a:endParaRPr lang="en-GB"/>
           </a:p>
@@ -1023,7 +7732,7 @@
           <a:p>
             <a:fld id="{8204E7FD-169F-464A-8003-B2893D8D8FF1}" type="datetimeFigureOut">
               <a:rPr lang="en-GB" smtClean="0"/>
-              <a:t>07/01/2016</a:t>
+              <a:t>21/01/2016</a:t>
             </a:fld>
             <a:endParaRPr lang="en-GB"/>
           </a:p>
@@ -1255,7 +7964,7 @@
           <a:p>
             <a:fld id="{8204E7FD-169F-464A-8003-B2893D8D8FF1}" type="datetimeFigureOut">
               <a:rPr lang="en-GB" smtClean="0"/>
-              <a:t>07/01/2016</a:t>
+              <a:t>21/01/2016</a:t>
             </a:fld>
             <a:endParaRPr lang="en-GB"/>
           </a:p>
@@ -1622,7 +8331,7 @@
           <a:p>
             <a:fld id="{8204E7FD-169F-464A-8003-B2893D8D8FF1}" type="datetimeFigureOut">
               <a:rPr lang="en-GB" smtClean="0"/>
-              <a:t>07/01/2016</a:t>
+              <a:t>21/01/2016</a:t>
             </a:fld>
             <a:endParaRPr lang="en-GB"/>
           </a:p>
@@ -1740,7 +8449,7 @@
           <a:p>
             <a:fld id="{8204E7FD-169F-464A-8003-B2893D8D8FF1}" type="datetimeFigureOut">
               <a:rPr lang="en-GB" smtClean="0"/>
-              <a:t>07/01/2016</a:t>
+              <a:t>21/01/2016</a:t>
             </a:fld>
             <a:endParaRPr lang="en-GB"/>
           </a:p>
@@ -1835,7 +8544,7 @@
           <a:p>
             <a:fld id="{8204E7FD-169F-464A-8003-B2893D8D8FF1}" type="datetimeFigureOut">
               <a:rPr lang="en-GB" smtClean="0"/>
-              <a:t>07/01/2016</a:t>
+              <a:t>21/01/2016</a:t>
             </a:fld>
             <a:endParaRPr lang="en-GB"/>
           </a:p>
@@ -2112,7 +8821,7 @@
           <a:p>
             <a:fld id="{8204E7FD-169F-464A-8003-B2893D8D8FF1}" type="datetimeFigureOut">
               <a:rPr lang="en-GB" smtClean="0"/>
-              <a:t>07/01/2016</a:t>
+              <a:t>21/01/2016</a:t>
             </a:fld>
             <a:endParaRPr lang="en-GB"/>
           </a:p>
@@ -2365,7 +9074,7 @@
           <a:p>
             <a:fld id="{8204E7FD-169F-464A-8003-B2893D8D8FF1}" type="datetimeFigureOut">
               <a:rPr lang="en-GB" smtClean="0"/>
-              <a:t>07/01/2016</a:t>
+              <a:t>21/01/2016</a:t>
             </a:fld>
             <a:endParaRPr lang="en-GB"/>
           </a:p>
@@ -2578,7 +9287,7 @@
           <a:p>
             <a:fld id="{8204E7FD-169F-464A-8003-B2893D8D8FF1}" type="datetimeFigureOut">
               <a:rPr lang="en-GB" smtClean="0"/>
-              <a:t>07/01/2016</a:t>
+              <a:t>21/01/2016</a:t>
             </a:fld>
             <a:endParaRPr lang="en-GB"/>
           </a:p>
@@ -3072,7 +9781,7 @@
           <a:p>
             <a:r>
               <a:rPr lang="en-GB" dirty="0" smtClean="0"/>
-              <a:t>Parameterization</a:t>
+              <a:t>Demo</a:t>
             </a:r>
             <a:endParaRPr lang="en-GB" dirty="0"/>
           </a:p>
@@ -3088,89 +9797,14 @@
             <p:ph idx="1"/>
           </p:nvPr>
         </p:nvSpPr>
-        <p:spPr>
-          <a:xfrm>
-            <a:off x="869595" y="1456726"/>
-            <a:ext cx="10515600" cy="4351338"/>
-          </a:xfrm>
-        </p:spPr>
+        <p:spPr/>
         <p:txBody>
           <a:bodyPr/>
           <a:lstStyle/>
           <a:p>
             <a:r>
               <a:rPr lang="en-GB" dirty="0" smtClean="0"/>
-              <a:t>Query:</a:t>
-            </a:r>
-          </a:p>
-          <a:p>
-            <a:pPr lvl="1"/>
-            <a:r>
-              <a:rPr lang="en-GB" dirty="0" smtClean="0"/>
-              <a:t>SELECT * FROM Sales WHERE </a:t>
-            </a:r>
-            <a:r>
-              <a:rPr lang="en-GB" dirty="0" err="1" smtClean="0"/>
-              <a:t>SaleID</a:t>
-            </a:r>
-            <a:r>
-              <a:rPr lang="en-GB" dirty="0" smtClean="0"/>
-              <a:t> = 1001</a:t>
-            </a:r>
-          </a:p>
-          <a:p>
-            <a:r>
-              <a:rPr lang="en-GB" dirty="0" smtClean="0"/>
-              <a:t>Becomes:</a:t>
-            </a:r>
-            <a:endParaRPr lang="en-GB" dirty="0"/>
-          </a:p>
-          <a:p>
-            <a:pPr lvl="1"/>
-            <a:r>
-              <a:rPr lang="en-GB" dirty="0" smtClean="0"/>
-              <a:t>SELECT * FROM Sales WHERE </a:t>
-            </a:r>
-            <a:r>
-              <a:rPr lang="en-GB" dirty="0" err="1" smtClean="0"/>
-              <a:t>SaleID</a:t>
-            </a:r>
-            <a:r>
-              <a:rPr lang="en-GB" dirty="0" smtClean="0"/>
-              <a:t> = @p1</a:t>
-            </a:r>
-          </a:p>
-          <a:p>
-            <a:r>
-              <a:rPr lang="en-GB" dirty="0" smtClean="0"/>
-              <a:t>This increases the chance of a cache hit and reduces memory usage</a:t>
-            </a:r>
-          </a:p>
-          <a:p>
-            <a:r>
-              <a:rPr lang="en-GB" dirty="0" smtClean="0"/>
-              <a:t>Forced Parameterization </a:t>
-            </a:r>
-          </a:p>
-          <a:p>
-            <a:pPr lvl="1"/>
-            <a:r>
-              <a:rPr lang="en-GB" dirty="0" smtClean="0"/>
-              <a:t>Works on literal strings</a:t>
-            </a:r>
-          </a:p>
-          <a:p>
-            <a:pPr lvl="1"/>
-            <a:r>
-              <a:rPr lang="en-GB" dirty="0" smtClean="0"/>
-              <a:t>Will parameterize more queries</a:t>
-            </a:r>
-          </a:p>
-          <a:p>
-            <a:pPr lvl="1"/>
-            <a:r>
-              <a:rPr lang="en-GB" dirty="0" smtClean="0"/>
-              <a:t>But will increase chances of wrong plan</a:t>
+              <a:t>Create a demo showing execution plan for parallel vs non parallel </a:t>
             </a:r>
             <a:endParaRPr lang="en-GB" dirty="0"/>
           </a:p>
@@ -3179,7 +9813,7 @@
     </p:spTree>
     <p:extLst>
       <p:ext uri="{BB962C8B-B14F-4D97-AF65-F5344CB8AC3E}">
-        <p14:creationId xmlns:p14="http://schemas.microsoft.com/office/powerpoint/2010/main" val="1291243221"/>
+        <p14:creationId xmlns:p14="http://schemas.microsoft.com/office/powerpoint/2010/main" val="164327880"/>
       </p:ext>
     </p:extLst>
   </p:cSld>
@@ -3223,7 +9857,7 @@
           <a:p>
             <a:r>
               <a:rPr lang="en-GB" dirty="0" smtClean="0"/>
-              <a:t>Set Based vs Row Based</a:t>
+              <a:t>Foreign Keys</a:t>
             </a:r>
             <a:endParaRPr lang="en-GB" dirty="0"/>
           </a:p>
@@ -3244,14 +9878,44 @@
           <a:bodyPr/>
           <a:lstStyle/>
           <a:p>
-            <a:endParaRPr lang="en-GB"/>
+            <a:r>
+              <a:rPr lang="en-GB" dirty="0" smtClean="0"/>
+              <a:t>Views that have unnecessary joins can slow queries if:</a:t>
+            </a:r>
+          </a:p>
+          <a:p>
+            <a:pPr lvl="1"/>
+            <a:r>
+              <a:rPr lang="en-GB" dirty="0" smtClean="0"/>
+              <a:t>They are missing Foreign Keys</a:t>
+            </a:r>
+          </a:p>
+          <a:p>
+            <a:pPr lvl="1"/>
+            <a:r>
+              <a:rPr lang="en-GB" dirty="0" smtClean="0"/>
+              <a:t>Or, the Foreign key is untrusted</a:t>
+            </a:r>
+          </a:p>
+          <a:p>
+            <a:r>
+              <a:rPr lang="en-GB" dirty="0" smtClean="0"/>
+              <a:t>By having trusted keys the join does not need to be checked when not in use</a:t>
+            </a:r>
+          </a:p>
+          <a:p>
+            <a:endParaRPr lang="en-GB" dirty="0" smtClean="0"/>
+          </a:p>
+          <a:p>
+            <a:pPr lvl="1"/>
+            <a:endParaRPr lang="en-GB" dirty="0"/>
           </a:p>
         </p:txBody>
       </p:sp>
     </p:spTree>
     <p:extLst>
       <p:ext uri="{BB962C8B-B14F-4D97-AF65-F5344CB8AC3E}">
-        <p14:creationId xmlns:p14="http://schemas.microsoft.com/office/powerpoint/2010/main" val="3236817748"/>
+        <p14:creationId xmlns:p14="http://schemas.microsoft.com/office/powerpoint/2010/main" val="4114035203"/>
       </p:ext>
     </p:extLst>
   </p:cSld>
@@ -3295,7 +9959,7 @@
           <a:p>
             <a:r>
               <a:rPr lang="en-GB" dirty="0" smtClean="0"/>
-              <a:t>User Defined Functions</a:t>
+              <a:t>Estimates</a:t>
             </a:r>
             <a:endParaRPr lang="en-GB" dirty="0"/>
           </a:p>
@@ -3316,6 +9980,46 @@
           <a:bodyPr/>
           <a:lstStyle/>
           <a:p>
+            <a:r>
+              <a:rPr lang="en-GB" dirty="0" smtClean="0"/>
+              <a:t>Plans are based on estimates</a:t>
+            </a:r>
+          </a:p>
+          <a:p>
+            <a:r>
+              <a:rPr lang="en-GB" dirty="0" smtClean="0"/>
+              <a:t>Based on statistics or fixed estimates</a:t>
+            </a:r>
+          </a:p>
+          <a:p>
+            <a:r>
+              <a:rPr lang="en-GB" dirty="0" smtClean="0"/>
+              <a:t>Statistics need updating</a:t>
+            </a:r>
+          </a:p>
+          <a:p>
+            <a:pPr lvl="1"/>
+            <a:r>
+              <a:rPr lang="en-GB" dirty="0" smtClean="0"/>
+              <a:t>Especially where distributions change</a:t>
+            </a:r>
+          </a:p>
+          <a:p>
+            <a:pPr lvl="1"/>
+            <a:r>
+              <a:rPr lang="en-GB" dirty="0" smtClean="0"/>
+              <a:t>i.e. time based data</a:t>
+            </a:r>
+          </a:p>
+          <a:p>
+            <a:r>
+              <a:rPr lang="en-GB" dirty="0" smtClean="0"/>
+              <a:t>Query has to run to get </a:t>
+            </a:r>
+            <a:r>
+              <a:rPr lang="en-GB" dirty="0" err="1" smtClean="0"/>
+              <a:t>actuals</a:t>
+            </a:r>
             <a:endParaRPr lang="en-GB" dirty="0"/>
           </a:p>
         </p:txBody>
@@ -3323,13 +10027,28 @@
     </p:spTree>
     <p:extLst>
       <p:ext uri="{BB962C8B-B14F-4D97-AF65-F5344CB8AC3E}">
-        <p14:creationId xmlns:p14="http://schemas.microsoft.com/office/powerpoint/2010/main" val="2903729866"/>
+        <p14:creationId xmlns:p14="http://schemas.microsoft.com/office/powerpoint/2010/main" val="1845990105"/>
       </p:ext>
     </p:extLst>
   </p:cSld>
   <p:clrMapOvr>
     <a:masterClrMapping/>
   </p:clrMapOvr>
+  <mc:AlternateContent xmlns:mc="http://schemas.openxmlformats.org/markup-compatibility/2006">
+    <mc:Choice xmlns:p14="http://schemas.microsoft.com/office/powerpoint/2010/main" Requires="p14">
+      <p:transition spd="slow" p14:dur="2000"/>
+    </mc:Choice>
+    <mc:Fallback>
+      <p:transition spd="slow"/>
+    </mc:Fallback>
+  </mc:AlternateContent>
+  <p:timing>
+    <p:tnLst>
+      <p:par>
+        <p:cTn id="1" dur="indefinite" restart="never" nodeType="tmRoot"/>
+      </p:par>
+    </p:tnLst>
+  </p:timing>
 </p:sld>
 </file>
 
@@ -3366,12 +10085,8 @@
           <a:lstStyle/>
           <a:p>
             <a:r>
-              <a:rPr lang="en-GB" dirty="0" err="1" smtClean="0"/>
-              <a:t>SARGable</a:t>
-            </a:r>
-            <a:r>
-              <a:rPr lang="en-GB" dirty="0" smtClean="0"/>
-              <a:t> Queries</a:t>
+              <a:rPr lang="en-GB" dirty="0" smtClean="0"/>
+              <a:t>Statistics Again</a:t>
             </a:r>
             <a:endParaRPr lang="en-GB" dirty="0"/>
           </a:p>
@@ -3394,34 +10109,42 @@
           <a:p>
             <a:r>
               <a:rPr lang="en-GB" dirty="0" smtClean="0"/>
-              <a:t>Search </a:t>
-            </a:r>
-            <a:r>
-              <a:rPr lang="en-GB" dirty="0" err="1" smtClean="0"/>
-              <a:t>ARGuments</a:t>
-            </a:r>
-            <a:endParaRPr lang="en-GB" dirty="0" smtClean="0"/>
+              <a:t>The tipping point</a:t>
+            </a:r>
           </a:p>
           <a:p>
             <a:pPr lvl="1"/>
             <a:r>
               <a:rPr lang="en-GB" dirty="0" smtClean="0"/>
-              <a:t>Avoid functions on both sides of an equality operation</a:t>
+              <a:t>At some point SQL will estimate that it is quicker/more efficient to scan an table rather than seek on a index</a:t>
             </a:r>
           </a:p>
           <a:p>
             <a:pPr lvl="1"/>
             <a:r>
               <a:rPr lang="en-GB" dirty="0" smtClean="0"/>
-              <a:t>Avoid LIKE ‘%</a:t>
-            </a:r>
-            <a:r>
-              <a:rPr lang="en-GB" dirty="0" err="1" smtClean="0"/>
-              <a:t>sometext</a:t>
-            </a:r>
-            <a:r>
-              <a:rPr lang="en-GB" dirty="0" smtClean="0"/>
-              <a:t>%’</a:t>
+              <a:t>Usually around 30% of the pages in the table are being read</a:t>
+            </a:r>
+          </a:p>
+          <a:p>
+            <a:pPr lvl="2"/>
+            <a:r>
+              <a:rPr lang="en-GB" dirty="0" smtClean="0"/>
+              <a:t>Varies based on parallelism</a:t>
+            </a:r>
+          </a:p>
+          <a:p>
+            <a:pPr lvl="2"/>
+            <a:r>
+              <a:rPr lang="en-GB" dirty="0" smtClean="0"/>
+              <a:t>Or, memory pressure</a:t>
+            </a:r>
+          </a:p>
+          <a:p>
+            <a:pPr lvl="2"/>
+            <a:r>
+              <a:rPr lang="en-GB" dirty="0" smtClean="0"/>
+              <a:t>Never happens on a covering non clustered index</a:t>
             </a:r>
             <a:endParaRPr lang="en-GB" dirty="0"/>
           </a:p>
@@ -3430,7 +10153,7 @@
     </p:spTree>
     <p:extLst>
       <p:ext uri="{BB962C8B-B14F-4D97-AF65-F5344CB8AC3E}">
-        <p14:creationId xmlns:p14="http://schemas.microsoft.com/office/powerpoint/2010/main" val="3837604052"/>
+        <p14:creationId xmlns:p14="http://schemas.microsoft.com/office/powerpoint/2010/main" val="1379164342"/>
       </p:ext>
     </p:extLst>
   </p:cSld>
@@ -3474,50 +10197,57 @@
           <a:p>
             <a:r>
               <a:rPr lang="en-GB" dirty="0" smtClean="0"/>
-              <a:t>Viewing the Plan</a:t>
+              <a:t>Plan reuse</a:t>
             </a:r>
             <a:endParaRPr lang="en-GB" dirty="0"/>
           </a:p>
         </p:txBody>
       </p:sp>
-      <p:sp>
-        <p:nvSpPr>
-          <p:cNvPr id="3" name="Content Placeholder 2"/>
-          <p:cNvSpPr>
-            <a:spLocks noGrp="1"/>
-          </p:cNvSpPr>
+      <p:graphicFrame>
+        <p:nvGraphicFramePr>
+          <p:cNvPr id="4" name="Content Placeholder 3"/>
+          <p:cNvGraphicFramePr>
+            <a:graphicFrameLocks noGrp="1"/>
+          </p:cNvGraphicFramePr>
           <p:nvPr>
             <p:ph idx="1"/>
           </p:nvPr>
-        </p:nvSpPr>
-        <p:spPr/>
-        <p:txBody>
-          <a:bodyPr/>
-          <a:lstStyle/>
-          <a:p>
-            <a:r>
-              <a:rPr lang="en-GB" dirty="0" smtClean="0"/>
-              <a:t>Estimated Plan</a:t>
-            </a:r>
-          </a:p>
-          <a:p>
-            <a:r>
-              <a:rPr lang="en-GB" dirty="0" smtClean="0"/>
-              <a:t>Actual Plan</a:t>
-            </a:r>
-          </a:p>
-        </p:txBody>
-      </p:sp>
+        </p:nvGraphicFramePr>
+        <p:xfrm>
+          <a:off x="1981200" y="1500189"/>
+          <a:ext cx="8229600" cy="4429125"/>
+        </p:xfrm>
+        <a:graphic>
+          <a:graphicData uri="http://schemas.openxmlformats.org/drawingml/2006/diagram">
+            <dgm:relIds xmlns:dgm="http://schemas.openxmlformats.org/drawingml/2006/diagram" xmlns:r="http://schemas.openxmlformats.org/officeDocument/2006/relationships" r:dm="rId3" r:lo="rId4" r:qs="rId5" r:cs="rId6"/>
+          </a:graphicData>
+        </a:graphic>
+      </p:graphicFrame>
     </p:spTree>
     <p:extLst>
       <p:ext uri="{BB962C8B-B14F-4D97-AF65-F5344CB8AC3E}">
-        <p14:creationId xmlns:p14="http://schemas.microsoft.com/office/powerpoint/2010/main" val="665950131"/>
+        <p14:creationId xmlns:p14="http://schemas.microsoft.com/office/powerpoint/2010/main" val="1869684227"/>
       </p:ext>
     </p:extLst>
   </p:cSld>
   <p:clrMapOvr>
     <a:masterClrMapping/>
   </p:clrMapOvr>
+  <mc:AlternateContent xmlns:mc="http://schemas.openxmlformats.org/markup-compatibility/2006">
+    <mc:Choice xmlns:p14="http://schemas.microsoft.com/office/powerpoint/2010/main" Requires="p14">
+      <p:transition spd="slow" p14:dur="2000"/>
+    </mc:Choice>
+    <mc:Fallback>
+      <p:transition spd="slow"/>
+    </mc:Fallback>
+  </mc:AlternateContent>
+  <p:timing>
+    <p:tnLst>
+      <p:par>
+        <p:cTn id="1" dur="indefinite" restart="never" nodeType="tmRoot"/>
+      </p:par>
+    </p:tnLst>
+  </p:timing>
 </p:sld>
 </file>
 
@@ -3555,7 +10285,7 @@
           <a:p>
             <a:r>
               <a:rPr lang="en-GB" dirty="0" smtClean="0"/>
-              <a:t>Plan Caching</a:t>
+              <a:t>Why plan reuse</a:t>
             </a:r>
             <a:endParaRPr lang="en-GB" dirty="0"/>
           </a:p>
@@ -3571,58 +10301,70 @@
             <p:ph idx="1"/>
           </p:nvPr>
         </p:nvSpPr>
-        <p:spPr/>
+        <p:spPr>
+          <a:xfrm>
+            <a:off x="1981200" y="1500180"/>
+            <a:ext cx="8229600" cy="2214574"/>
+          </a:xfrm>
+        </p:spPr>
         <p:txBody>
-          <a:bodyPr/>
+          <a:bodyPr>
+            <a:normAutofit/>
+          </a:bodyPr>
           <a:lstStyle/>
           <a:p>
             <a:r>
               <a:rPr lang="en-GB" dirty="0" smtClean="0"/>
-              <a:t>Creating plans is slow/expensive in an OLTP world</a:t>
-            </a:r>
-          </a:p>
-          <a:p>
-            <a:pPr lvl="1"/>
-            <a:r>
-              <a:rPr lang="en-GB" dirty="0" smtClean="0"/>
-              <a:t>Not so much of an issue for warehouses</a:t>
-            </a:r>
-          </a:p>
-          <a:p>
+              <a:t>Compilation can take longer than execution time</a:t>
+            </a:r>
+          </a:p>
+          <a:p>
+            <a:r>
+              <a:rPr lang="en-GB" dirty="0" smtClean="0"/>
+              <a:t>We want predictable results</a:t>
+            </a:r>
+          </a:p>
+          <a:p>
+            <a:r>
+              <a:rPr lang="en-GB" dirty="0" smtClean="0"/>
+              <a:t>Use our memory for data and not </a:t>
+            </a:r>
             <a:r>
               <a:rPr lang="en-GB" dirty="0" err="1" smtClean="0"/>
-              <a:t>sys.dm_exec_cached_plans</a:t>
-            </a:r>
-            <a:r>
-              <a:rPr lang="en-GB" dirty="0" smtClean="0"/>
-              <a:t> - View</a:t>
-            </a:r>
-          </a:p>
-          <a:p>
-            <a:r>
-              <a:rPr lang="en-GB" dirty="0" err="1" smtClean="0"/>
-              <a:t>sys.dm_exec_query_plan</a:t>
-            </a:r>
-            <a:r>
-              <a:rPr lang="en-GB" dirty="0" smtClean="0"/>
-              <a:t> - Function</a:t>
-            </a:r>
-          </a:p>
-          <a:p>
-            <a:endParaRPr lang="en-GB" dirty="0"/>
+              <a:t>adhoc</a:t>
+            </a:r>
+            <a:r>
+              <a:rPr lang="en-GB" dirty="0" smtClean="0"/>
+              <a:t> plans</a:t>
+            </a:r>
           </a:p>
         </p:txBody>
       </p:sp>
     </p:spTree>
     <p:extLst>
       <p:ext uri="{BB962C8B-B14F-4D97-AF65-F5344CB8AC3E}">
-        <p14:creationId xmlns:p14="http://schemas.microsoft.com/office/powerpoint/2010/main" val="2589170775"/>
+        <p14:creationId xmlns:p14="http://schemas.microsoft.com/office/powerpoint/2010/main" val="3546211356"/>
       </p:ext>
     </p:extLst>
   </p:cSld>
   <p:clrMapOvr>
     <a:masterClrMapping/>
   </p:clrMapOvr>
+  <mc:AlternateContent xmlns:mc="http://schemas.openxmlformats.org/markup-compatibility/2006">
+    <mc:Choice xmlns:p14="http://schemas.microsoft.com/office/powerpoint/2010/main" Requires="p14">
+      <p:transition spd="slow" p14:dur="2000"/>
+    </mc:Choice>
+    <mc:Fallback>
+      <p:transition spd="slow"/>
+    </mc:Fallback>
+  </mc:AlternateContent>
+  <p:timing>
+    <p:tnLst>
+      <p:par>
+        <p:cTn id="1" dur="indefinite" restart="never" nodeType="tmRoot"/>
+      </p:par>
+    </p:tnLst>
+  </p:timing>
 </p:sld>
 </file>
 
@@ -3660,7 +10402,7 @@
           <a:p>
             <a:r>
               <a:rPr lang="en-GB" dirty="0" smtClean="0"/>
-              <a:t>Demo</a:t>
+              <a:t>Join Types</a:t>
             </a:r>
             <a:endParaRPr lang="en-GB" dirty="0"/>
           </a:p>
@@ -3683,13 +10425,78 @@
           <a:p>
             <a:r>
               <a:rPr lang="en-GB" dirty="0" smtClean="0"/>
-              <a:t>Finding a plan</a:t>
-            </a:r>
-          </a:p>
-          <a:p>
-            <a:r>
-              <a:rPr lang="en-GB" dirty="0" smtClean="0"/>
-              <a:t>Viewing the plan</a:t>
+              <a:t>LOOP</a:t>
+            </a:r>
+          </a:p>
+          <a:p>
+            <a:pPr lvl="1"/>
+            <a:r>
+              <a:rPr lang="en-GB" dirty="0" smtClean="0"/>
+              <a:t>Fast for small </a:t>
+            </a:r>
+            <a:r>
+              <a:rPr lang="en-GB" dirty="0" smtClean="0"/>
+              <a:t>datasets</a:t>
+            </a:r>
+          </a:p>
+          <a:p>
+            <a:pPr lvl="1"/>
+            <a:r>
+              <a:rPr lang="en-GB" dirty="0" smtClean="0"/>
+              <a:t>Used for bookmark lookups</a:t>
+            </a:r>
+          </a:p>
+          <a:p>
+            <a:pPr lvl="1"/>
+            <a:r>
+              <a:rPr lang="en-GB" dirty="0" smtClean="0"/>
+              <a:t>Bad is wrong estimates</a:t>
+            </a:r>
+            <a:endParaRPr lang="en-GB" dirty="0" smtClean="0"/>
+          </a:p>
+          <a:p>
+            <a:r>
+              <a:rPr lang="en-GB" dirty="0" smtClean="0"/>
+              <a:t>MERGE</a:t>
+            </a:r>
+          </a:p>
+          <a:p>
+            <a:pPr lvl="1"/>
+            <a:r>
+              <a:rPr lang="en-GB" dirty="0" smtClean="0"/>
+              <a:t>Very fast</a:t>
+            </a:r>
+          </a:p>
+          <a:p>
+            <a:pPr lvl="1"/>
+            <a:r>
+              <a:rPr lang="en-GB" dirty="0" smtClean="0"/>
+              <a:t>Requires both sides to be sorted</a:t>
+            </a:r>
+          </a:p>
+          <a:p>
+            <a:r>
+              <a:rPr lang="en-GB" dirty="0" smtClean="0"/>
+              <a:t>HASH</a:t>
+            </a:r>
+          </a:p>
+          <a:p>
+            <a:pPr lvl="1"/>
+            <a:r>
+              <a:rPr lang="en-GB" dirty="0" smtClean="0"/>
+              <a:t>Hashes data, heavy on CPU/</a:t>
+            </a:r>
+            <a:r>
+              <a:rPr lang="en-GB" dirty="0" err="1" smtClean="0"/>
+              <a:t>tempdb</a:t>
+            </a:r>
+            <a:endParaRPr lang="en-GB" dirty="0" smtClean="0"/>
+          </a:p>
+          <a:p>
+            <a:pPr lvl="1"/>
+            <a:r>
+              <a:rPr lang="en-GB" dirty="0" smtClean="0"/>
+              <a:t>Best for very large joins</a:t>
             </a:r>
             <a:endParaRPr lang="en-GB" dirty="0"/>
           </a:p>
@@ -3698,7 +10505,7 @@
     </p:spTree>
     <p:extLst>
       <p:ext uri="{BB962C8B-B14F-4D97-AF65-F5344CB8AC3E}">
-        <p14:creationId xmlns:p14="http://schemas.microsoft.com/office/powerpoint/2010/main" val="1836877953"/>
+        <p14:creationId xmlns:p14="http://schemas.microsoft.com/office/powerpoint/2010/main" val="1941128463"/>
       </p:ext>
     </p:extLst>
   </p:cSld>
@@ -3742,7 +10549,7 @@
           <a:p>
             <a:r>
               <a:rPr lang="en-GB" dirty="0" smtClean="0"/>
-              <a:t>ORMs</a:t>
+              <a:t>Plan Caching</a:t>
             </a:r>
             <a:endParaRPr lang="en-GB" dirty="0"/>
           </a:p>
@@ -3764,43 +10571,38 @@
           <a:lstStyle/>
           <a:p>
             <a:r>
+              <a:rPr lang="en-GB" dirty="0" smtClean="0"/>
+              <a:t>Creating plans is slow/expensive in an OLTP world</a:t>
+            </a:r>
+          </a:p>
+          <a:p>
+            <a:pPr lvl="1"/>
+            <a:r>
+              <a:rPr lang="en-GB" dirty="0" smtClean="0"/>
+              <a:t>Not so much of an issue for warehouses</a:t>
+            </a:r>
+          </a:p>
+          <a:p>
+            <a:r>
               <a:rPr lang="en-GB" dirty="0" err="1" smtClean="0"/>
-              <a:t>nHiberbate</a:t>
-            </a:r>
-            <a:r>
-              <a:rPr lang="en-GB" dirty="0" smtClean="0"/>
-              <a:t>/</a:t>
-            </a:r>
+              <a:t>sys.dm_exec_cached_plans</a:t>
+            </a:r>
+            <a:r>
+              <a:rPr lang="en-GB" dirty="0" smtClean="0"/>
+              <a:t> - View</a:t>
+            </a:r>
+          </a:p>
+          <a:p>
             <a:r>
               <a:rPr lang="en-GB" dirty="0" err="1" smtClean="0"/>
-              <a:t>Linq</a:t>
-            </a:r>
-            <a:endParaRPr lang="en-GB" dirty="0" smtClean="0"/>
-          </a:p>
-          <a:p>
-            <a:r>
-              <a:rPr lang="en-GB" dirty="0" err="1" smtClean="0"/>
-              <a:t>Adhoc</a:t>
-            </a:r>
-            <a:r>
-              <a:rPr lang="en-GB" dirty="0" smtClean="0"/>
-              <a:t> Plan Caching</a:t>
-            </a:r>
-          </a:p>
-          <a:p>
-            <a:pPr lvl="1"/>
-            <a:r>
-              <a:rPr lang="en-GB" dirty="0" smtClean="0"/>
-              <a:t>Server setting to cache on 2</a:t>
-            </a:r>
-            <a:r>
-              <a:rPr lang="en-GB" baseline="30000" dirty="0" smtClean="0"/>
-              <a:t>nd</a:t>
-            </a:r>
-            <a:r>
-              <a:rPr lang="en-GB" dirty="0" smtClean="0"/>
-              <a:t> execution only to save memory</a:t>
-            </a:r>
+              <a:t>sys.dm_exec_query_plan</a:t>
+            </a:r>
+            <a:r>
+              <a:rPr lang="en-GB" dirty="0" smtClean="0"/>
+              <a:t> - Function</a:t>
+            </a:r>
+          </a:p>
+          <a:p>
             <a:endParaRPr lang="en-GB" dirty="0"/>
           </a:p>
         </p:txBody>
@@ -3808,7 +10610,7 @@
     </p:spTree>
     <p:extLst>
       <p:ext uri="{BB962C8B-B14F-4D97-AF65-F5344CB8AC3E}">
-        <p14:creationId xmlns:p14="http://schemas.microsoft.com/office/powerpoint/2010/main" val="750773888"/>
+        <p14:creationId xmlns:p14="http://schemas.microsoft.com/office/powerpoint/2010/main" val="2589170775"/>
       </p:ext>
     </p:extLst>
   </p:cSld>
@@ -3852,7 +10654,7 @@
           <a:p>
             <a:r>
               <a:rPr lang="en-GB" dirty="0" smtClean="0"/>
-              <a:t>When do plans change?</a:t>
+              <a:t>Parameterization</a:t>
             </a:r>
             <a:endParaRPr lang="en-GB" dirty="0"/>
           </a:p>
@@ -3868,26 +10670,89 @@
             <p:ph idx="1"/>
           </p:nvPr>
         </p:nvSpPr>
-        <p:spPr/>
+        <p:spPr>
+          <a:xfrm>
+            <a:off x="869595" y="1456726"/>
+            <a:ext cx="10515600" cy="4351338"/>
+          </a:xfrm>
+        </p:spPr>
         <p:txBody>
           <a:bodyPr/>
           <a:lstStyle/>
           <a:p>
             <a:r>
               <a:rPr lang="en-GB" dirty="0" smtClean="0"/>
-              <a:t>Statistics Change</a:t>
-            </a:r>
-          </a:p>
-          <a:p>
-            <a:r>
-              <a:rPr lang="en-GB" dirty="0" smtClean="0"/>
-              <a:t>Object Changed</a:t>
-            </a:r>
-          </a:p>
-          <a:p>
-            <a:r>
-              <a:rPr lang="en-GB" dirty="0" smtClean="0"/>
-              <a:t>Forced Recompile</a:t>
+              <a:t>Query:</a:t>
+            </a:r>
+          </a:p>
+          <a:p>
+            <a:pPr lvl="1"/>
+            <a:r>
+              <a:rPr lang="en-GB" dirty="0" smtClean="0"/>
+              <a:t>SELECT * FROM Sales WHERE </a:t>
+            </a:r>
+            <a:r>
+              <a:rPr lang="en-GB" dirty="0" err="1" smtClean="0"/>
+              <a:t>SaleID</a:t>
+            </a:r>
+            <a:r>
+              <a:rPr lang="en-GB" dirty="0" smtClean="0"/>
+              <a:t> = 1001</a:t>
+            </a:r>
+          </a:p>
+          <a:p>
+            <a:r>
+              <a:rPr lang="en-GB" dirty="0" smtClean="0"/>
+              <a:t>Becomes:</a:t>
+            </a:r>
+            <a:endParaRPr lang="en-GB" dirty="0"/>
+          </a:p>
+          <a:p>
+            <a:pPr lvl="1"/>
+            <a:r>
+              <a:rPr lang="en-GB" dirty="0" smtClean="0"/>
+              <a:t>SELECT * FROM Sales WHERE </a:t>
+            </a:r>
+            <a:r>
+              <a:rPr lang="en-GB" dirty="0" err="1" smtClean="0"/>
+              <a:t>SaleID</a:t>
+            </a:r>
+            <a:r>
+              <a:rPr lang="en-GB" dirty="0" smtClean="0"/>
+              <a:t> = @p1</a:t>
+            </a:r>
+          </a:p>
+          <a:p>
+            <a:r>
+              <a:rPr lang="en-GB" dirty="0" smtClean="0"/>
+              <a:t>This increases the chance of a cache hit and reduces memory usage</a:t>
+            </a:r>
+          </a:p>
+          <a:p>
+            <a:r>
+              <a:rPr lang="en-GB" dirty="0" smtClean="0"/>
+              <a:t>Forced Parameterization </a:t>
+            </a:r>
+          </a:p>
+          <a:p>
+            <a:pPr lvl="1"/>
+            <a:r>
+              <a:rPr lang="en-GB" dirty="0" smtClean="0"/>
+              <a:t>Works on literal strings</a:t>
+            </a:r>
+          </a:p>
+          <a:p>
+            <a:pPr lvl="1"/>
+            <a:r>
+              <a:rPr lang="en-GB" dirty="0" smtClean="0"/>
+              <a:t>Will parameterize more queries</a:t>
+            </a:r>
+          </a:p>
+          <a:p>
+            <a:pPr lvl="1"/>
+            <a:r>
+              <a:rPr lang="en-GB" dirty="0" smtClean="0"/>
+              <a:t>But will increase chances of wrong plan</a:t>
             </a:r>
             <a:endParaRPr lang="en-GB" dirty="0"/>
           </a:p>
@@ -3896,7 +10761,7 @@
     </p:spTree>
     <p:extLst>
       <p:ext uri="{BB962C8B-B14F-4D97-AF65-F5344CB8AC3E}">
-        <p14:creationId xmlns:p14="http://schemas.microsoft.com/office/powerpoint/2010/main" val="2474612064"/>
+        <p14:creationId xmlns:p14="http://schemas.microsoft.com/office/powerpoint/2010/main" val="1291243221"/>
       </p:ext>
     </p:extLst>
   </p:cSld>
@@ -3940,7 +10805,7 @@
           <a:p>
             <a:r>
               <a:rPr lang="en-GB" dirty="0" smtClean="0"/>
-              <a:t>Hints</a:t>
+              <a:t>Viewing the Plan</a:t>
             </a:r>
             <a:endParaRPr lang="en-GB" dirty="0"/>
           </a:p>
@@ -3963,70 +10828,21 @@
           <a:p>
             <a:r>
               <a:rPr lang="en-GB" dirty="0" smtClean="0"/>
-              <a:t>RECOMPILE/With Recompile</a:t>
-            </a:r>
-          </a:p>
-          <a:p>
-            <a:pPr lvl="1"/>
-            <a:r>
-              <a:rPr lang="en-GB" dirty="0" smtClean="0"/>
-              <a:t>Prevents the plan from being cached</a:t>
-            </a:r>
-          </a:p>
-          <a:p>
-            <a:pPr lvl="1"/>
-            <a:r>
-              <a:rPr lang="en-GB" dirty="0" smtClean="0"/>
-              <a:t>Parameterization will not take place</a:t>
-            </a:r>
-          </a:p>
-          <a:p>
-            <a:r>
-              <a:rPr lang="en-GB" dirty="0" smtClean="0"/>
-              <a:t>FORCE ORDER</a:t>
-            </a:r>
-          </a:p>
-          <a:p>
-            <a:r>
-              <a:rPr lang="en-GB" dirty="0" smtClean="0"/>
-              <a:t>FORCE SEEK/SCAN</a:t>
-            </a:r>
-          </a:p>
-          <a:p>
-            <a:r>
-              <a:rPr lang="en-GB" dirty="0" smtClean="0"/>
-              <a:t>MAXDOP</a:t>
-            </a:r>
-          </a:p>
-          <a:p>
-            <a:r>
-              <a:rPr lang="en-GB" dirty="0" smtClean="0"/>
-              <a:t>INDEX [</a:t>
-            </a:r>
-            <a:r>
-              <a:rPr lang="en-GB" dirty="0" err="1" smtClean="0"/>
-              <a:t>IndexName</a:t>
-            </a:r>
-            <a:r>
-              <a:rPr lang="en-GB" dirty="0" smtClean="0"/>
-              <a:t>]</a:t>
-            </a:r>
-          </a:p>
-          <a:p>
-            <a:r>
-              <a:rPr lang="en-GB" dirty="0" smtClean="0"/>
-              <a:t>UNKNOWN</a:t>
-            </a:r>
-          </a:p>
-          <a:p>
-            <a:endParaRPr lang="en-GB" dirty="0"/>
+              <a:t>Estimated Plan</a:t>
+            </a:r>
+          </a:p>
+          <a:p>
+            <a:r>
+              <a:rPr lang="en-GB" dirty="0" smtClean="0"/>
+              <a:t>Actual Plan</a:t>
+            </a:r>
           </a:p>
         </p:txBody>
       </p:sp>
     </p:spTree>
     <p:extLst>
       <p:ext uri="{BB962C8B-B14F-4D97-AF65-F5344CB8AC3E}">
-        <p14:creationId xmlns:p14="http://schemas.microsoft.com/office/powerpoint/2010/main" val="2038152599"/>
+        <p14:creationId xmlns:p14="http://schemas.microsoft.com/office/powerpoint/2010/main" val="665950131"/>
       </p:ext>
     </p:extLst>
   </p:cSld>
@@ -4070,72 +10886,115 @@
           <a:p>
             <a:r>
               <a:rPr lang="en-GB" dirty="0" smtClean="0"/>
-              <a:t>What is a Plan</a:t>
+              <a:t>Understanding resources</a:t>
             </a:r>
             <a:endParaRPr lang="en-GB" dirty="0"/>
           </a:p>
         </p:txBody>
       </p:sp>
-      <p:sp>
-        <p:nvSpPr>
-          <p:cNvPr id="3" name="Content Placeholder 2"/>
-          <p:cNvSpPr>
-            <a:spLocks noGrp="1"/>
-          </p:cNvSpPr>
-          <p:nvPr>
-            <p:ph idx="1"/>
-          </p:nvPr>
-        </p:nvSpPr>
-        <p:spPr/>
-        <p:txBody>
-          <a:bodyPr/>
-          <a:lstStyle/>
-          <a:p>
-            <a:r>
-              <a:rPr lang="en-GB" dirty="0" smtClean="0"/>
-              <a:t>Calculated method to complete a given task</a:t>
-            </a:r>
-          </a:p>
-          <a:p>
-            <a:r>
-              <a:rPr lang="en-GB" dirty="0" smtClean="0"/>
-              <a:t>How?</a:t>
-            </a:r>
-          </a:p>
-          <a:p>
-            <a:pPr lvl="1"/>
-            <a:r>
-              <a:rPr lang="en-GB" dirty="0" smtClean="0"/>
-              <a:t>Indexes</a:t>
-            </a:r>
-          </a:p>
-          <a:p>
-            <a:pPr lvl="1"/>
-            <a:r>
-              <a:rPr lang="en-GB" dirty="0" smtClean="0"/>
-              <a:t>Statistics</a:t>
-            </a:r>
-          </a:p>
-          <a:p>
-            <a:pPr lvl="1"/>
-            <a:r>
-              <a:rPr lang="en-GB" dirty="0" smtClean="0"/>
-              <a:t>Hints</a:t>
-            </a:r>
-            <a:endParaRPr lang="en-GB" dirty="0"/>
-          </a:p>
-        </p:txBody>
-      </p:sp>
+      <p:pic>
+        <p:nvPicPr>
+          <p:cNvPr id="1028" name="Picture 4" descr="Heavy Traffic"/>
+          <p:cNvPicPr>
+            <a:picLocks noChangeAspect="1" noChangeArrowheads="1"/>
+          </p:cNvPicPr>
+          <p:nvPr/>
+        </p:nvPicPr>
+        <p:blipFill>
+          <a:blip r:embed="rId2" cstate="print"/>
+          <a:srcRect/>
+          <a:stretch>
+            <a:fillRect/>
+          </a:stretch>
+        </p:blipFill>
+        <p:spPr bwMode="auto">
+          <a:xfrm>
+            <a:off x="2309788" y="1428738"/>
+            <a:ext cx="2697163" cy="4000501"/>
+          </a:xfrm>
+          <a:prstGeom prst="rect">
+            <a:avLst/>
+          </a:prstGeom>
+          <a:noFill/>
+        </p:spPr>
+      </p:pic>
+      <p:pic>
+        <p:nvPicPr>
+          <p:cNvPr id="1030" name="Picture 6" descr="Crowded Beach"/>
+          <p:cNvPicPr>
+            <a:picLocks noChangeAspect="1" noChangeArrowheads="1"/>
+          </p:cNvPicPr>
+          <p:nvPr/>
+        </p:nvPicPr>
+        <p:blipFill>
+          <a:blip r:embed="rId3" cstate="print"/>
+          <a:srcRect/>
+          <a:stretch>
+            <a:fillRect/>
+          </a:stretch>
+        </p:blipFill>
+        <p:spPr bwMode="auto">
+          <a:xfrm>
+            <a:off x="3952861" y="3000374"/>
+            <a:ext cx="4714908" cy="3143273"/>
+          </a:xfrm>
+          <a:prstGeom prst="rect">
+            <a:avLst/>
+          </a:prstGeom>
+          <a:noFill/>
+        </p:spPr>
+      </p:pic>
+      <p:pic>
+        <p:nvPicPr>
+          <p:cNvPr id="1032" name="Picture 8" descr="http://static.hsw.com.br/gif/air-traffic-control-baytracon-west2.jpg"/>
+          <p:cNvPicPr>
+            <a:picLocks noChangeAspect="1" noChangeArrowheads="1"/>
+          </p:cNvPicPr>
+          <p:nvPr/>
+        </p:nvPicPr>
+        <p:blipFill>
+          <a:blip r:embed="rId4" cstate="print"/>
+          <a:srcRect/>
+          <a:stretch>
+            <a:fillRect/>
+          </a:stretch>
+        </p:blipFill>
+        <p:spPr bwMode="auto">
+          <a:xfrm>
+            <a:off x="6953258" y="1357300"/>
+            <a:ext cx="2900995" cy="2208203"/>
+          </a:xfrm>
+          <a:prstGeom prst="rect">
+            <a:avLst/>
+          </a:prstGeom>
+          <a:noFill/>
+        </p:spPr>
+      </p:pic>
     </p:spTree>
     <p:extLst>
       <p:ext uri="{BB962C8B-B14F-4D97-AF65-F5344CB8AC3E}">
-        <p14:creationId xmlns:p14="http://schemas.microsoft.com/office/powerpoint/2010/main" val="1233659612"/>
+        <p14:creationId xmlns:p14="http://schemas.microsoft.com/office/powerpoint/2010/main" val="2463271735"/>
       </p:ext>
     </p:extLst>
   </p:cSld>
   <p:clrMapOvr>
     <a:masterClrMapping/>
   </p:clrMapOvr>
+  <mc:AlternateContent xmlns:mc="http://schemas.openxmlformats.org/markup-compatibility/2006">
+    <mc:Choice xmlns:p14="http://schemas.microsoft.com/office/powerpoint/2010/main" Requires="p14">
+      <p:transition spd="slow" p14:dur="2000"/>
+    </mc:Choice>
+    <mc:Fallback>
+      <p:transition spd="slow"/>
+    </mc:Fallback>
+  </mc:AlternateContent>
+  <p:timing>
+    <p:tnLst>
+      <p:par>
+        <p:cTn id="1" dur="indefinite" restart="never" nodeType="tmRoot"/>
+      </p:par>
+    </p:tnLst>
+  </p:timing>
 </p:sld>
 </file>
 
@@ -4173,7 +11032,7 @@
           <a:p>
             <a:r>
               <a:rPr lang="en-GB" dirty="0" smtClean="0"/>
-              <a:t>Join Types</a:t>
+              <a:t>Demo</a:t>
             </a:r>
             <a:endParaRPr lang="en-GB" dirty="0"/>
           </a:p>
@@ -4196,59 +11055,13 @@
           <a:p>
             <a:r>
               <a:rPr lang="en-GB" dirty="0" smtClean="0"/>
-              <a:t>LOOP</a:t>
-            </a:r>
-          </a:p>
-          <a:p>
-            <a:pPr lvl="1"/>
-            <a:r>
-              <a:rPr lang="en-GB" dirty="0" smtClean="0"/>
-              <a:t>Fast for small datasets</a:t>
-            </a:r>
-          </a:p>
-          <a:p>
-            <a:r>
-              <a:rPr lang="en-GB" dirty="0" smtClean="0"/>
-              <a:t>MERGE</a:t>
-            </a:r>
-          </a:p>
-          <a:p>
-            <a:pPr lvl="1"/>
-            <a:r>
-              <a:rPr lang="en-GB" dirty="0" smtClean="0"/>
-              <a:t>Very fast</a:t>
-            </a:r>
-          </a:p>
-          <a:p>
-            <a:pPr lvl="1"/>
-            <a:r>
-              <a:rPr lang="en-GB" dirty="0" smtClean="0"/>
-              <a:t>Requires both sides to be sorted</a:t>
-            </a:r>
-          </a:p>
-          <a:p>
-            <a:r>
-              <a:rPr lang="en-GB" dirty="0" smtClean="0"/>
-              <a:t>HASH</a:t>
-            </a:r>
-          </a:p>
-          <a:p>
-            <a:pPr lvl="1"/>
-            <a:r>
-              <a:rPr lang="en-GB" dirty="0" smtClean="0"/>
-              <a:t>Hashes data, heavy on CPU/</a:t>
-            </a:r>
-            <a:r>
-              <a:rPr lang="en-GB" dirty="0" err="1" smtClean="0"/>
-              <a:t>tempdb</a:t>
-            </a:r>
-            <a:endParaRPr lang="en-GB" dirty="0" smtClean="0"/>
-          </a:p>
-          <a:p>
-            <a:pPr lvl="1"/>
-            <a:r>
-              <a:rPr lang="en-GB" dirty="0" smtClean="0"/>
-              <a:t>Best for very large joins</a:t>
+              <a:t>Finding a plan</a:t>
+            </a:r>
+          </a:p>
+          <a:p>
+            <a:r>
+              <a:rPr lang="en-GB" dirty="0" smtClean="0"/>
+              <a:t>Viewing the plan</a:t>
             </a:r>
             <a:endParaRPr lang="en-GB" dirty="0"/>
           </a:p>
@@ -4257,7 +11070,335 @@
     </p:spTree>
     <p:extLst>
       <p:ext uri="{BB962C8B-B14F-4D97-AF65-F5344CB8AC3E}">
-        <p14:creationId xmlns:p14="http://schemas.microsoft.com/office/powerpoint/2010/main" val="1941128463"/>
+        <p14:creationId xmlns:p14="http://schemas.microsoft.com/office/powerpoint/2010/main" val="1836877953"/>
+      </p:ext>
+    </p:extLst>
+  </p:cSld>
+  <p:clrMapOvr>
+    <a:masterClrMapping/>
+  </p:clrMapOvr>
+</p:sld>
+</file>
+
+<file path=ppt/slides/slide21.xml><?xml version="1.0" encoding="utf-8"?>
+<p:sld xmlns:a="http://schemas.openxmlformats.org/drawingml/2006/main" xmlns:r="http://schemas.openxmlformats.org/officeDocument/2006/relationships" xmlns:p="http://schemas.openxmlformats.org/presentationml/2006/main">
+  <p:cSld>
+    <p:spTree>
+      <p:nvGrpSpPr>
+        <p:cNvPr id="1" name=""/>
+        <p:cNvGrpSpPr/>
+        <p:nvPr/>
+      </p:nvGrpSpPr>
+      <p:grpSpPr>
+        <a:xfrm>
+          <a:off x="0" y="0"/>
+          <a:ext cx="0" cy="0"/>
+          <a:chOff x="0" y="0"/>
+          <a:chExt cx="0" cy="0"/>
+        </a:xfrm>
+      </p:grpSpPr>
+      <p:sp>
+        <p:nvSpPr>
+          <p:cNvPr id="2" name="Title 1"/>
+          <p:cNvSpPr>
+            <a:spLocks noGrp="1"/>
+          </p:cNvSpPr>
+          <p:nvPr>
+            <p:ph type="title"/>
+          </p:nvPr>
+        </p:nvSpPr>
+        <p:spPr/>
+        <p:txBody>
+          <a:bodyPr/>
+          <a:lstStyle/>
+          <a:p>
+            <a:r>
+              <a:rPr lang="en-GB" dirty="0" smtClean="0"/>
+              <a:t>ORMs</a:t>
+            </a:r>
+            <a:endParaRPr lang="en-GB" dirty="0"/>
+          </a:p>
+        </p:txBody>
+      </p:sp>
+      <p:sp>
+        <p:nvSpPr>
+          <p:cNvPr id="3" name="Content Placeholder 2"/>
+          <p:cNvSpPr>
+            <a:spLocks noGrp="1"/>
+          </p:cNvSpPr>
+          <p:nvPr>
+            <p:ph idx="1"/>
+          </p:nvPr>
+        </p:nvSpPr>
+        <p:spPr/>
+        <p:txBody>
+          <a:bodyPr/>
+          <a:lstStyle/>
+          <a:p>
+            <a:r>
+              <a:rPr lang="en-GB" dirty="0" err="1" smtClean="0"/>
+              <a:t>nHiberbate</a:t>
+            </a:r>
+            <a:r>
+              <a:rPr lang="en-GB" dirty="0" smtClean="0"/>
+              <a:t>/</a:t>
+            </a:r>
+            <a:r>
+              <a:rPr lang="en-GB" dirty="0" err="1" smtClean="0"/>
+              <a:t>Linq</a:t>
+            </a:r>
+            <a:endParaRPr lang="en-GB" dirty="0" smtClean="0"/>
+          </a:p>
+          <a:p>
+            <a:r>
+              <a:rPr lang="en-GB" dirty="0" err="1" smtClean="0"/>
+              <a:t>Adhoc</a:t>
+            </a:r>
+            <a:r>
+              <a:rPr lang="en-GB" dirty="0" smtClean="0"/>
+              <a:t> Plan Caching</a:t>
+            </a:r>
+          </a:p>
+          <a:p>
+            <a:pPr lvl="1"/>
+            <a:r>
+              <a:rPr lang="en-GB" dirty="0" smtClean="0"/>
+              <a:t>Server setting to cache on 2</a:t>
+            </a:r>
+            <a:r>
+              <a:rPr lang="en-GB" baseline="30000" dirty="0" smtClean="0"/>
+              <a:t>nd</a:t>
+            </a:r>
+            <a:r>
+              <a:rPr lang="en-GB" dirty="0" smtClean="0"/>
+              <a:t> execution only to save memory</a:t>
+            </a:r>
+            <a:endParaRPr lang="en-GB" dirty="0"/>
+          </a:p>
+        </p:txBody>
+      </p:sp>
+    </p:spTree>
+    <p:extLst>
+      <p:ext uri="{BB962C8B-B14F-4D97-AF65-F5344CB8AC3E}">
+        <p14:creationId xmlns:p14="http://schemas.microsoft.com/office/powerpoint/2010/main" val="750773888"/>
+      </p:ext>
+    </p:extLst>
+  </p:cSld>
+  <p:clrMapOvr>
+    <a:masterClrMapping/>
+  </p:clrMapOvr>
+</p:sld>
+</file>
+
+<file path=ppt/slides/slide22.xml><?xml version="1.0" encoding="utf-8"?>
+<p:sld xmlns:a="http://schemas.openxmlformats.org/drawingml/2006/main" xmlns:r="http://schemas.openxmlformats.org/officeDocument/2006/relationships" xmlns:p="http://schemas.openxmlformats.org/presentationml/2006/main">
+  <p:cSld>
+    <p:spTree>
+      <p:nvGrpSpPr>
+        <p:cNvPr id="1" name=""/>
+        <p:cNvGrpSpPr/>
+        <p:nvPr/>
+      </p:nvGrpSpPr>
+      <p:grpSpPr>
+        <a:xfrm>
+          <a:off x="0" y="0"/>
+          <a:ext cx="0" cy="0"/>
+          <a:chOff x="0" y="0"/>
+          <a:chExt cx="0" cy="0"/>
+        </a:xfrm>
+      </p:grpSpPr>
+      <p:sp>
+        <p:nvSpPr>
+          <p:cNvPr id="2" name="Title 1"/>
+          <p:cNvSpPr>
+            <a:spLocks noGrp="1"/>
+          </p:cNvSpPr>
+          <p:nvPr>
+            <p:ph type="title"/>
+          </p:nvPr>
+        </p:nvSpPr>
+        <p:spPr/>
+        <p:txBody>
+          <a:bodyPr/>
+          <a:lstStyle/>
+          <a:p>
+            <a:r>
+              <a:rPr lang="en-GB" dirty="0" smtClean="0"/>
+              <a:t>When do plans change?</a:t>
+            </a:r>
+            <a:endParaRPr lang="en-GB" dirty="0"/>
+          </a:p>
+        </p:txBody>
+      </p:sp>
+      <p:sp>
+        <p:nvSpPr>
+          <p:cNvPr id="3" name="Content Placeholder 2"/>
+          <p:cNvSpPr>
+            <a:spLocks noGrp="1"/>
+          </p:cNvSpPr>
+          <p:nvPr>
+            <p:ph idx="1"/>
+          </p:nvPr>
+        </p:nvSpPr>
+        <p:spPr/>
+        <p:txBody>
+          <a:bodyPr/>
+          <a:lstStyle/>
+          <a:p>
+            <a:r>
+              <a:rPr lang="en-GB" dirty="0" smtClean="0"/>
+              <a:t>Statistics Change</a:t>
+            </a:r>
+          </a:p>
+          <a:p>
+            <a:r>
+              <a:rPr lang="en-GB" dirty="0" smtClean="0"/>
+              <a:t>Object Changed</a:t>
+            </a:r>
+          </a:p>
+          <a:p>
+            <a:r>
+              <a:rPr lang="en-GB" dirty="0" smtClean="0"/>
+              <a:t>Forced Recompile</a:t>
+            </a:r>
+            <a:endParaRPr lang="en-GB" dirty="0"/>
+          </a:p>
+        </p:txBody>
+      </p:sp>
+    </p:spTree>
+    <p:extLst>
+      <p:ext uri="{BB962C8B-B14F-4D97-AF65-F5344CB8AC3E}">
+        <p14:creationId xmlns:p14="http://schemas.microsoft.com/office/powerpoint/2010/main" val="2474612064"/>
+      </p:ext>
+    </p:extLst>
+  </p:cSld>
+  <p:clrMapOvr>
+    <a:masterClrMapping/>
+  </p:clrMapOvr>
+</p:sld>
+</file>
+
+<file path=ppt/slides/slide23.xml><?xml version="1.0" encoding="utf-8"?>
+<p:sld xmlns:a="http://schemas.openxmlformats.org/drawingml/2006/main" xmlns:r="http://schemas.openxmlformats.org/officeDocument/2006/relationships" xmlns:p="http://schemas.openxmlformats.org/presentationml/2006/main">
+  <p:cSld>
+    <p:spTree>
+      <p:nvGrpSpPr>
+        <p:cNvPr id="1" name=""/>
+        <p:cNvGrpSpPr/>
+        <p:nvPr/>
+      </p:nvGrpSpPr>
+      <p:grpSpPr>
+        <a:xfrm>
+          <a:off x="0" y="0"/>
+          <a:ext cx="0" cy="0"/>
+          <a:chOff x="0" y="0"/>
+          <a:chExt cx="0" cy="0"/>
+        </a:xfrm>
+      </p:grpSpPr>
+      <p:sp>
+        <p:nvSpPr>
+          <p:cNvPr id="2" name="Title 1"/>
+          <p:cNvSpPr>
+            <a:spLocks noGrp="1"/>
+          </p:cNvSpPr>
+          <p:nvPr>
+            <p:ph type="title"/>
+          </p:nvPr>
+        </p:nvSpPr>
+        <p:spPr/>
+        <p:txBody>
+          <a:bodyPr/>
+          <a:lstStyle/>
+          <a:p>
+            <a:r>
+              <a:rPr lang="en-GB" dirty="0" smtClean="0"/>
+              <a:t>Hints</a:t>
+            </a:r>
+            <a:endParaRPr lang="en-GB" dirty="0"/>
+          </a:p>
+        </p:txBody>
+      </p:sp>
+      <p:sp>
+        <p:nvSpPr>
+          <p:cNvPr id="3" name="Content Placeholder 2"/>
+          <p:cNvSpPr>
+            <a:spLocks noGrp="1"/>
+          </p:cNvSpPr>
+          <p:nvPr>
+            <p:ph idx="1"/>
+          </p:nvPr>
+        </p:nvSpPr>
+        <p:spPr/>
+        <p:txBody>
+          <a:bodyPr/>
+          <a:lstStyle/>
+          <a:p>
+            <a:r>
+              <a:rPr lang="en-GB" dirty="0" smtClean="0"/>
+              <a:t>RECOMPILE/With Recompile</a:t>
+            </a:r>
+          </a:p>
+          <a:p>
+            <a:pPr lvl="1"/>
+            <a:r>
+              <a:rPr lang="en-GB" dirty="0" smtClean="0"/>
+              <a:t>Prevents the plan from being cached</a:t>
+            </a:r>
+          </a:p>
+          <a:p>
+            <a:pPr lvl="1"/>
+            <a:r>
+              <a:rPr lang="en-GB" dirty="0" smtClean="0"/>
+              <a:t>Parameterization will not take place</a:t>
+            </a:r>
+          </a:p>
+          <a:p>
+            <a:r>
+              <a:rPr lang="en-GB" dirty="0" smtClean="0"/>
+              <a:t>FORCE ORDER</a:t>
+            </a:r>
+          </a:p>
+          <a:p>
+            <a:r>
+              <a:rPr lang="en-GB" dirty="0" smtClean="0"/>
+              <a:t>FORCE SEEK/SCAN</a:t>
+            </a:r>
+          </a:p>
+          <a:p>
+            <a:r>
+              <a:rPr lang="en-GB" dirty="0" smtClean="0"/>
+              <a:t>MAXDOP</a:t>
+            </a:r>
+          </a:p>
+          <a:p>
+            <a:r>
+              <a:rPr lang="en-GB" dirty="0" smtClean="0"/>
+              <a:t>INDEX [</a:t>
+            </a:r>
+            <a:r>
+              <a:rPr lang="en-GB" dirty="0" err="1" smtClean="0"/>
+              <a:t>IndexName</a:t>
+            </a:r>
+            <a:r>
+              <a:rPr lang="en-GB" dirty="0" smtClean="0"/>
+              <a:t>]</a:t>
+            </a:r>
+          </a:p>
+          <a:p>
+            <a:r>
+              <a:rPr lang="en-GB" dirty="0" smtClean="0"/>
+              <a:t>UNKNOWN</a:t>
+            </a:r>
+          </a:p>
+          <a:p>
+            <a:endParaRPr lang="en-GB" dirty="0"/>
+          </a:p>
+        </p:txBody>
+      </p:sp>
+    </p:spTree>
+    <p:extLst>
+      <p:ext uri="{BB962C8B-B14F-4D97-AF65-F5344CB8AC3E}">
+        <p14:creationId xmlns:p14="http://schemas.microsoft.com/office/powerpoint/2010/main" val="2038152599"/>
       </p:ext>
     </p:extLst>
   </p:cSld>
@@ -4301,7 +11442,7 @@
           <a:p>
             <a:r>
               <a:rPr lang="en-GB" dirty="0" smtClean="0"/>
-              <a:t>Building a Plan</a:t>
+              <a:t>What is a Plan</a:t>
             </a:r>
             <a:endParaRPr lang="en-GB" dirty="0"/>
           </a:p>
@@ -4324,38 +11465,35 @@
           <a:p>
             <a:r>
               <a:rPr lang="en-GB" dirty="0" smtClean="0"/>
-              <a:t>Seek vs Scan</a:t>
-            </a:r>
-          </a:p>
-          <a:p>
-            <a:r>
-              <a:rPr lang="en-GB" dirty="0" smtClean="0"/>
-              <a:t>Choosing an Index</a:t>
+              <a:t>Calculated method to complete a given task</a:t>
+            </a:r>
+          </a:p>
+          <a:p>
+            <a:r>
+              <a:rPr lang="en-GB" dirty="0" smtClean="0"/>
+              <a:t>How?</a:t>
             </a:r>
           </a:p>
           <a:p>
             <a:pPr lvl="1"/>
             <a:r>
               <a:rPr lang="en-GB" dirty="0" smtClean="0"/>
-              <a:t>Cardinality</a:t>
-            </a:r>
-          </a:p>
-          <a:p>
-            <a:r>
-              <a:rPr lang="en-GB" dirty="0" smtClean="0"/>
-              <a:t>Covering vs Non Covering</a:t>
-            </a:r>
-          </a:p>
-          <a:p>
-            <a:r>
-              <a:rPr lang="en-GB" dirty="0" smtClean="0"/>
-              <a:t>Filtered Indexes</a:t>
-            </a:r>
-          </a:p>
-          <a:p>
-            <a:endParaRPr lang="en-GB" dirty="0" smtClean="0"/>
-          </a:p>
-          <a:p>
+              <a:t>Indexes</a:t>
+            </a:r>
+          </a:p>
+          <a:p>
+            <a:pPr lvl="1"/>
+            <a:r>
+              <a:rPr lang="en-GB" dirty="0" smtClean="0"/>
+              <a:t>Statistics</a:t>
+            </a:r>
+          </a:p>
+          <a:p>
+            <a:pPr lvl="1"/>
+            <a:r>
+              <a:rPr lang="en-GB" dirty="0" smtClean="0"/>
+              <a:t>Hints</a:t>
+            </a:r>
             <a:endParaRPr lang="en-GB" dirty="0"/>
           </a:p>
         </p:txBody>
@@ -4363,7 +11501,7 @@
     </p:spTree>
     <p:extLst>
       <p:ext uri="{BB962C8B-B14F-4D97-AF65-F5344CB8AC3E}">
-        <p14:creationId xmlns:p14="http://schemas.microsoft.com/office/powerpoint/2010/main" val="2914966170"/>
+        <p14:creationId xmlns:p14="http://schemas.microsoft.com/office/powerpoint/2010/main" val="1233659612"/>
       </p:ext>
     </p:extLst>
   </p:cSld>
@@ -4407,7 +11545,7 @@
           <a:p>
             <a:r>
               <a:rPr lang="en-GB" dirty="0" smtClean="0"/>
-              <a:t>Statistics</a:t>
+              <a:t>Query Plans</a:t>
             </a:r>
             <a:endParaRPr lang="en-GB" dirty="0"/>
           </a:p>
@@ -4425,36 +11563,74 @@
         </p:nvSpPr>
         <p:spPr/>
         <p:txBody>
-          <a:bodyPr/>
+          <a:bodyPr>
+            <a:normAutofit lnSpcReduction="10000"/>
+          </a:bodyPr>
           <a:lstStyle/>
           <a:p>
             <a:r>
               <a:rPr lang="en-GB" dirty="0" smtClean="0"/>
-              <a:t>Histogram of column(s) contents</a:t>
-            </a:r>
-          </a:p>
-          <a:p>
-            <a:r>
-              <a:rPr lang="en-GB" dirty="0" smtClean="0"/>
-              <a:t>Estimated from a sample (usually)</a:t>
-            </a:r>
-          </a:p>
-          <a:p>
-            <a:r>
-              <a:rPr lang="en-GB" dirty="0" smtClean="0"/>
-              <a:t>Auto generated (usually)</a:t>
-            </a:r>
-          </a:p>
-          <a:p>
-            <a:r>
-              <a:rPr lang="en-GB" dirty="0" smtClean="0"/>
-              <a:t>Never auto generated on multiple columns (except indexes)</a:t>
-            </a:r>
-          </a:p>
-          <a:p>
-            <a:r>
-              <a:rPr lang="en-GB" dirty="0" smtClean="0"/>
-              <a:t>Manually update with UPDATE STATISTICS</a:t>
+              <a:t>Cost</a:t>
+            </a:r>
+          </a:p>
+          <a:p>
+            <a:r>
+              <a:rPr lang="en-GB" dirty="0" smtClean="0"/>
+              <a:t>Operators</a:t>
+            </a:r>
+          </a:p>
+          <a:p>
+            <a:pPr lvl="1"/>
+            <a:r>
+              <a:rPr lang="en-GB" dirty="0" smtClean="0"/>
+              <a:t>Seeks/Scans</a:t>
+            </a:r>
+          </a:p>
+          <a:p>
+            <a:pPr lvl="1"/>
+            <a:r>
+              <a:rPr lang="en-GB" dirty="0" smtClean="0"/>
+              <a:t>Joins</a:t>
+            </a:r>
+          </a:p>
+          <a:p>
+            <a:pPr lvl="1"/>
+            <a:r>
+              <a:rPr lang="en-GB" dirty="0" smtClean="0"/>
+              <a:t>Sorting</a:t>
+            </a:r>
+          </a:p>
+          <a:p>
+            <a:pPr lvl="1"/>
+            <a:r>
+              <a:rPr lang="en-GB" dirty="0" smtClean="0"/>
+              <a:t>Calculations</a:t>
+            </a:r>
+          </a:p>
+          <a:p>
+            <a:r>
+              <a:rPr lang="en-GB" dirty="0" smtClean="0"/>
+              <a:t>Indexing</a:t>
+            </a:r>
+          </a:p>
+          <a:p>
+            <a:pPr lvl="1"/>
+            <a:r>
+              <a:rPr lang="en-GB" dirty="0" smtClean="0"/>
+              <a:t>Covering indexes</a:t>
+            </a:r>
+          </a:p>
+          <a:p>
+            <a:pPr lvl="1"/>
+            <a:r>
+              <a:rPr lang="en-GB" dirty="0" smtClean="0"/>
+              <a:t>Sort order</a:t>
+            </a:r>
+          </a:p>
+          <a:p>
+            <a:r>
+              <a:rPr lang="en-GB" dirty="0" smtClean="0"/>
+              <a:t>Estimation</a:t>
             </a:r>
             <a:endParaRPr lang="en-GB" dirty="0"/>
           </a:p>
@@ -4463,13 +11639,28 @@
     </p:spTree>
     <p:extLst>
       <p:ext uri="{BB962C8B-B14F-4D97-AF65-F5344CB8AC3E}">
-        <p14:creationId xmlns:p14="http://schemas.microsoft.com/office/powerpoint/2010/main" val="2109371678"/>
+        <p14:creationId xmlns:p14="http://schemas.microsoft.com/office/powerpoint/2010/main" val="501372832"/>
       </p:ext>
     </p:extLst>
   </p:cSld>
   <p:clrMapOvr>
     <a:masterClrMapping/>
   </p:clrMapOvr>
+  <mc:AlternateContent xmlns:mc="http://schemas.openxmlformats.org/markup-compatibility/2006">
+    <mc:Choice xmlns:p14="http://schemas.microsoft.com/office/powerpoint/2010/main" Requires="p14">
+      <p:transition spd="slow" p14:dur="2000"/>
+    </mc:Choice>
+    <mc:Fallback>
+      <p:transition spd="slow"/>
+    </mc:Fallback>
+  </mc:AlternateContent>
+  <p:timing>
+    <p:tnLst>
+      <p:par>
+        <p:cTn id="1" dur="indefinite" restart="never" nodeType="tmRoot"/>
+      </p:par>
+    </p:tnLst>
+  </p:timing>
 </p:sld>
 </file>
 
@@ -4507,7 +11698,7 @@
           <a:p>
             <a:r>
               <a:rPr lang="en-GB" dirty="0" smtClean="0"/>
-              <a:t>Demo</a:t>
+              <a:t>Cost</a:t>
             </a:r>
             <a:endParaRPr lang="en-GB" dirty="0"/>
           </a:p>
@@ -4525,12 +11716,59 @@
         </p:nvSpPr>
         <p:spPr/>
         <p:txBody>
-          <a:bodyPr/>
+          <a:bodyPr>
+            <a:normAutofit/>
+          </a:bodyPr>
           <a:lstStyle/>
           <a:p>
             <a:r>
               <a:rPr lang="en-GB" dirty="0" smtClean="0"/>
-              <a:t>Create demo of DBCC SHOWSTATISTICS</a:t>
+              <a:t>Is based on a machine many years ago</a:t>
+            </a:r>
+          </a:p>
+          <a:p>
+            <a:r>
+              <a:rPr lang="en-GB" dirty="0" smtClean="0"/>
+              <a:t>Doesn't equate to anything specific</a:t>
+            </a:r>
+          </a:p>
+          <a:p>
+            <a:r>
+              <a:rPr lang="en-GB" dirty="0" smtClean="0"/>
+              <a:t>Useful for comparison</a:t>
+            </a:r>
+          </a:p>
+          <a:p>
+            <a:r>
+              <a:rPr lang="en-GB" dirty="0" smtClean="0"/>
+              <a:t>Shouldn't be used in isolation</a:t>
+            </a:r>
+          </a:p>
+          <a:p>
+            <a:r>
+              <a:rPr lang="en-GB" dirty="0" smtClean="0"/>
+              <a:t>Doesn't consider server state</a:t>
+            </a:r>
+          </a:p>
+          <a:p>
+            <a:pPr lvl="1"/>
+            <a:r>
+              <a:rPr lang="en-GB" dirty="0" smtClean="0"/>
+              <a:t>Available memory</a:t>
+            </a:r>
+          </a:p>
+          <a:p>
+            <a:pPr lvl="1"/>
+            <a:r>
+              <a:rPr lang="en-GB" dirty="0" smtClean="0"/>
+              <a:t>Pages in memory already</a:t>
+            </a:r>
+          </a:p>
+          <a:p>
+            <a:pPr lvl="1"/>
+            <a:r>
+              <a:rPr lang="en-GB" dirty="0" smtClean="0"/>
+              <a:t>High end disk (ram disk, SSD)</a:t>
             </a:r>
             <a:endParaRPr lang="en-GB" dirty="0"/>
           </a:p>
@@ -4539,13 +11777,21 @@
     </p:spTree>
     <p:extLst>
       <p:ext uri="{BB962C8B-B14F-4D97-AF65-F5344CB8AC3E}">
-        <p14:creationId xmlns:p14="http://schemas.microsoft.com/office/powerpoint/2010/main" val="992045182"/>
+        <p14:creationId xmlns:p14="http://schemas.microsoft.com/office/powerpoint/2010/main" val="1801466196"/>
       </p:ext>
     </p:extLst>
   </p:cSld>
   <p:clrMapOvr>
     <a:masterClrMapping/>
   </p:clrMapOvr>
+  <mc:AlternateContent xmlns:mc="http://schemas.openxmlformats.org/markup-compatibility/2006">
+    <mc:Choice xmlns:p14="http://schemas.microsoft.com/office/powerpoint/2010/main" Requires="p14">
+      <p:transition spd="slow" p14:dur="2000"/>
+    </mc:Choice>
+    <mc:Fallback>
+      <p:transition spd="slow"/>
+    </mc:Fallback>
+  </mc:AlternateContent>
 </p:sld>
 </file>
 
@@ -4582,12 +11828,8 @@
           <a:lstStyle/>
           <a:p>
             <a:r>
-              <a:rPr lang="en-GB" dirty="0"/>
-              <a:t>P</a:t>
-            </a:r>
-            <a:r>
-              <a:rPr lang="en-GB" dirty="0" smtClean="0"/>
-              <a:t>arallelism</a:t>
+              <a:rPr lang="en-GB" dirty="0" smtClean="0"/>
+              <a:t>Building a Plan</a:t>
             </a:r>
             <a:endParaRPr lang="en-GB" dirty="0"/>
           </a:p>
@@ -4610,54 +11852,38 @@
           <a:p>
             <a:r>
               <a:rPr lang="en-GB" dirty="0" smtClean="0"/>
-              <a:t>The use of multiple </a:t>
-            </a:r>
-            <a:r>
-              <a:rPr lang="en-GB" dirty="0" err="1" smtClean="0"/>
-              <a:t>cpus</a:t>
-            </a:r>
-            <a:r>
-              <a:rPr lang="en-GB" dirty="0" smtClean="0"/>
-              <a:t>/cores</a:t>
-            </a:r>
-          </a:p>
-          <a:p>
-            <a:r>
-              <a:rPr lang="en-GB" dirty="0" smtClean="0"/>
-              <a:t>Controlled by server level configuration</a:t>
+              <a:t>Seek vs Scan</a:t>
+            </a:r>
+          </a:p>
+          <a:p>
+            <a:r>
+              <a:rPr lang="en-GB" dirty="0" smtClean="0"/>
+              <a:t>Choosing an Index</a:t>
             </a:r>
           </a:p>
           <a:p>
             <a:pPr lvl="1"/>
             <a:r>
               <a:rPr lang="en-GB" dirty="0" smtClean="0"/>
-              <a:t>Overwritten by query hint (MAXDOP)</a:t>
-            </a:r>
-          </a:p>
-          <a:p>
-            <a:r>
-              <a:rPr lang="en-GB" dirty="0" smtClean="0"/>
-              <a:t>Not always possible	</a:t>
-            </a:r>
-          </a:p>
-          <a:p>
-            <a:pPr lvl="1"/>
-            <a:r>
-              <a:rPr lang="en-GB" dirty="0" smtClean="0"/>
-              <a:t>Distinct Count</a:t>
-            </a:r>
-          </a:p>
-          <a:p>
-            <a:r>
-              <a:rPr lang="en-GB" dirty="0" smtClean="0"/>
-              <a:t>Not always wanted</a:t>
-            </a:r>
-          </a:p>
-          <a:p>
-            <a:r>
-              <a:rPr lang="en-GB" dirty="0" smtClean="0"/>
-              <a:t>Skewed statistics leads to uneven threads</a:t>
-            </a:r>
+              <a:t>Cardinality</a:t>
+            </a:r>
+          </a:p>
+          <a:p>
+            <a:r>
+              <a:rPr lang="en-GB" dirty="0" smtClean="0"/>
+              <a:t>Covering vs Non Covering</a:t>
+            </a:r>
+          </a:p>
+          <a:p>
+            <a:r>
+              <a:rPr lang="en-GB" dirty="0" smtClean="0"/>
+              <a:t>Filtered Indexes</a:t>
+            </a:r>
+          </a:p>
+          <a:p>
+            <a:endParaRPr lang="en-GB" dirty="0" smtClean="0"/>
+          </a:p>
+          <a:p>
             <a:endParaRPr lang="en-GB" dirty="0"/>
           </a:p>
         </p:txBody>
@@ -4665,7 +11891,7 @@
     </p:spTree>
     <p:extLst>
       <p:ext uri="{BB962C8B-B14F-4D97-AF65-F5344CB8AC3E}">
-        <p14:creationId xmlns:p14="http://schemas.microsoft.com/office/powerpoint/2010/main" val="2989566329"/>
+        <p14:creationId xmlns:p14="http://schemas.microsoft.com/office/powerpoint/2010/main" val="2914966170"/>
       </p:ext>
     </p:extLst>
   </p:cSld>
@@ -4709,7 +11935,7 @@
           <a:p>
             <a:r>
               <a:rPr lang="en-GB" dirty="0" smtClean="0"/>
-              <a:t>Demo</a:t>
+              <a:t>Statistics</a:t>
             </a:r>
             <a:endParaRPr lang="en-GB" dirty="0"/>
           </a:p>
@@ -4732,7 +11958,31 @@
           <a:p>
             <a:r>
               <a:rPr lang="en-GB" dirty="0" smtClean="0"/>
-              <a:t>Create a demo showing execution plan for parallel vs non parallel </a:t>
+              <a:t>Histogram of column(s) contents</a:t>
+            </a:r>
+          </a:p>
+          <a:p>
+            <a:r>
+              <a:rPr lang="en-GB" dirty="0" smtClean="0"/>
+              <a:t>Estimated from a sample (usually)</a:t>
+            </a:r>
+          </a:p>
+          <a:p>
+            <a:r>
+              <a:rPr lang="en-GB" dirty="0" smtClean="0"/>
+              <a:t>Auto generated (usually)</a:t>
+            </a:r>
+          </a:p>
+          <a:p>
+            <a:r>
+              <a:rPr lang="en-GB" dirty="0" smtClean="0"/>
+              <a:t>Never auto generated on multiple columns (except indexes)</a:t>
+            </a:r>
+          </a:p>
+          <a:p>
+            <a:r>
+              <a:rPr lang="en-GB" dirty="0" smtClean="0"/>
+              <a:t>Manually update with UPDATE STATISTICS</a:t>
             </a:r>
             <a:endParaRPr lang="en-GB" dirty="0"/>
           </a:p>
@@ -4741,7 +11991,7 @@
     </p:spTree>
     <p:extLst>
       <p:ext uri="{BB962C8B-B14F-4D97-AF65-F5344CB8AC3E}">
-        <p14:creationId xmlns:p14="http://schemas.microsoft.com/office/powerpoint/2010/main" val="164327880"/>
+        <p14:creationId xmlns:p14="http://schemas.microsoft.com/office/powerpoint/2010/main" val="2109371678"/>
       </p:ext>
     </p:extLst>
   </p:cSld>
@@ -4785,7 +12035,7 @@
           <a:p>
             <a:r>
               <a:rPr lang="en-GB" dirty="0" smtClean="0"/>
-              <a:t>Foreign Keys</a:t>
+              <a:t>Demo</a:t>
             </a:r>
             <a:endParaRPr lang="en-GB" dirty="0"/>
           </a:p>
@@ -4808,34 +12058,8 @@
           <a:p>
             <a:r>
               <a:rPr lang="en-GB" dirty="0" smtClean="0"/>
-              <a:t>Views that have unnecessary joins can slow queries if:</a:t>
-            </a:r>
-          </a:p>
-          <a:p>
-            <a:pPr lvl="1"/>
-            <a:r>
-              <a:rPr lang="en-GB" dirty="0" smtClean="0"/>
-              <a:t>They are missing Foreign Keys</a:t>
-            </a:r>
-          </a:p>
-          <a:p>
-            <a:pPr lvl="1"/>
-            <a:r>
-              <a:rPr lang="en-GB" dirty="0" smtClean="0"/>
-              <a:t>Or, the Foreign key is untrusted</a:t>
-            </a:r>
-          </a:p>
-          <a:p>
-            <a:r>
-              <a:rPr lang="en-GB" dirty="0" smtClean="0"/>
-              <a:t>By having trusted keys the join does not need to be checked when not in use</a:t>
-            </a:r>
-          </a:p>
-          <a:p>
-            <a:endParaRPr lang="en-GB" dirty="0" smtClean="0"/>
-          </a:p>
-          <a:p>
-            <a:pPr lvl="1"/>
+              <a:t>Create demo of DBCC SHOWSTATISTICS</a:t>
+            </a:r>
             <a:endParaRPr lang="en-GB" dirty="0"/>
           </a:p>
         </p:txBody>
@@ -4843,7 +12067,7 @@
     </p:spTree>
     <p:extLst>
       <p:ext uri="{BB962C8B-B14F-4D97-AF65-F5344CB8AC3E}">
-        <p14:creationId xmlns:p14="http://schemas.microsoft.com/office/powerpoint/2010/main" val="4114035203"/>
+        <p14:creationId xmlns:p14="http://schemas.microsoft.com/office/powerpoint/2010/main" val="992045182"/>
       </p:ext>
     </p:extLst>
   </p:cSld>
@@ -4886,8 +12110,12 @@
           <a:lstStyle/>
           <a:p>
             <a:r>
-              <a:rPr lang="en-GB" dirty="0" smtClean="0"/>
-              <a:t>Statistics Again</a:t>
+              <a:rPr lang="en-GB" dirty="0"/>
+              <a:t>P</a:t>
+            </a:r>
+            <a:r>
+              <a:rPr lang="en-GB" dirty="0" smtClean="0"/>
+              <a:t>arallelism</a:t>
             </a:r>
             <a:endParaRPr lang="en-GB" dirty="0"/>
           </a:p>
@@ -4910,42 +12138,53 @@
           <a:p>
             <a:r>
               <a:rPr lang="en-GB" dirty="0" smtClean="0"/>
-              <a:t>The tipping point</a:t>
+              <a:t>The use of multiple </a:t>
+            </a:r>
+            <a:r>
+              <a:rPr lang="en-GB" dirty="0" err="1" smtClean="0"/>
+              <a:t>cpus</a:t>
+            </a:r>
+            <a:r>
+              <a:rPr lang="en-GB" dirty="0" smtClean="0"/>
+              <a:t>/cores</a:t>
+            </a:r>
+          </a:p>
+          <a:p>
+            <a:r>
+              <a:rPr lang="en-GB" dirty="0" smtClean="0"/>
+              <a:t>Controlled by server level configuration</a:t>
             </a:r>
           </a:p>
           <a:p>
             <a:pPr lvl="1"/>
             <a:r>
               <a:rPr lang="en-GB" dirty="0" smtClean="0"/>
-              <a:t>At some point SQL will estimate that it is quicker/more efficient to scan an table rather than seek on a index</a:t>
+              <a:t>Overwritten by query hint (MAXDOP)</a:t>
+            </a:r>
+          </a:p>
+          <a:p>
+            <a:r>
+              <a:rPr lang="en-GB" dirty="0" smtClean="0"/>
+              <a:t>Not always possible	</a:t>
             </a:r>
           </a:p>
           <a:p>
             <a:pPr lvl="1"/>
             <a:r>
               <a:rPr lang="en-GB" dirty="0" smtClean="0"/>
-              <a:t>Usually around 30% of the pages in the table are being read</a:t>
-            </a:r>
-          </a:p>
-          <a:p>
-            <a:pPr lvl="2"/>
-            <a:r>
-              <a:rPr lang="en-GB" dirty="0" smtClean="0"/>
-              <a:t>Varies based on parallelism</a:t>
-            </a:r>
-          </a:p>
-          <a:p>
-            <a:pPr lvl="2"/>
-            <a:r>
-              <a:rPr lang="en-GB" dirty="0" smtClean="0"/>
-              <a:t>Or, memory pressure</a:t>
-            </a:r>
-          </a:p>
-          <a:p>
-            <a:pPr lvl="2"/>
-            <a:r>
-              <a:rPr lang="en-GB" dirty="0" smtClean="0"/>
-              <a:t>Never happens on a covering non clustered index</a:t>
+              <a:t>Distinct Count</a:t>
+            </a:r>
+          </a:p>
+          <a:p>
+            <a:r>
+              <a:rPr lang="en-GB" dirty="0" smtClean="0"/>
+              <a:t>Not always wanted</a:t>
+            </a:r>
+          </a:p>
+          <a:p>
+            <a:r>
+              <a:rPr lang="en-GB" dirty="0" smtClean="0"/>
+              <a:t>Skewed statistics leads to uneven threads</a:t>
             </a:r>
             <a:endParaRPr lang="en-GB" dirty="0"/>
           </a:p>
@@ -4954,7 +12193,7 @@
     </p:spTree>
     <p:extLst>
       <p:ext uri="{BB962C8B-B14F-4D97-AF65-F5344CB8AC3E}">
-        <p14:creationId xmlns:p14="http://schemas.microsoft.com/office/powerpoint/2010/main" val="1379164342"/>
+        <p14:creationId xmlns:p14="http://schemas.microsoft.com/office/powerpoint/2010/main" val="2989566329"/>
       </p:ext>
     </p:extLst>
   </p:cSld>
@@ -5223,4 +12462,265 @@
     </a:ext>
   </a:extLst>
 </a:theme>
+</file>
+
+<file path=ppt/theme/theme2.xml><?xml version="1.0" encoding="utf-8"?>
+<a:theme xmlns:a="http://schemas.openxmlformats.org/drawingml/2006/main" name="Office Theme">
+  <a:themeElements>
+    <a:clrScheme name="Office">
+      <a:dk1>
+        <a:sysClr val="windowText" lastClr="000000"/>
+      </a:dk1>
+      <a:lt1>
+        <a:sysClr val="window" lastClr="FFFFFF"/>
+      </a:lt1>
+      <a:dk2>
+        <a:srgbClr val="44546A"/>
+      </a:dk2>
+      <a:lt2>
+        <a:srgbClr val="E7E6E6"/>
+      </a:lt2>
+      <a:accent1>
+        <a:srgbClr val="5B9BD5"/>
+      </a:accent1>
+      <a:accent2>
+        <a:srgbClr val="ED7D31"/>
+      </a:accent2>
+      <a:accent3>
+        <a:srgbClr val="A5A5A5"/>
+      </a:accent3>
+      <a:accent4>
+        <a:srgbClr val="FFC000"/>
+      </a:accent4>
+      <a:accent5>
+        <a:srgbClr val="4472C4"/>
+      </a:accent5>
+      <a:accent6>
+        <a:srgbClr val="70AD47"/>
+      </a:accent6>
+      <a:hlink>
+        <a:srgbClr val="0563C1"/>
+      </a:hlink>
+      <a:folHlink>
+        <a:srgbClr val="954F72"/>
+      </a:folHlink>
+    </a:clrScheme>
+    <a:fontScheme name="Office">
+      <a:majorFont>
+        <a:latin typeface="Calibri Light" panose="020F0302020204030204"/>
+        <a:ea typeface=""/>
+        <a:cs typeface=""/>
+        <a:font script="Jpan" typeface="ＭＳ Ｐゴシック"/>
+        <a:font script="Hang" typeface="맑은 고딕"/>
+        <a:font script="Hans" typeface="宋体"/>
+        <a:font script="Hant" typeface="新細明體"/>
+        <a:font script="Arab" typeface="Times New Roman"/>
+        <a:font script="Hebr" typeface="Times New Roman"/>
+        <a:font script="Thai" typeface="Angsana New"/>
+        <a:font script="Ethi" typeface="Nyala"/>
+        <a:font script="Beng" typeface="Vrinda"/>
+        <a:font script="Gujr" typeface="Shruti"/>
+        <a:font script="Khmr" typeface="MoolBoran"/>
+        <a:font script="Knda" typeface="Tunga"/>
+        <a:font script="Guru" typeface="Raavi"/>
+        <a:font script="Cans" typeface="Euphemia"/>
+        <a:font script="Cher" typeface="Plantagenet Cherokee"/>
+        <a:font script="Yiii" typeface="Microsoft Yi Baiti"/>
+        <a:font script="Tibt" typeface="Microsoft Himalaya"/>
+        <a:font script="Thaa" typeface="MV Boli"/>
+        <a:font script="Deva" typeface="Mangal"/>
+        <a:font script="Telu" typeface="Gautami"/>
+        <a:font script="Taml" typeface="Latha"/>
+        <a:font script="Syrc" typeface="Estrangelo Edessa"/>
+        <a:font script="Orya" typeface="Kalinga"/>
+        <a:font script="Mlym" typeface="Kartika"/>
+        <a:font script="Laoo" typeface="DokChampa"/>
+        <a:font script="Sinh" typeface="Iskoola Pota"/>
+        <a:font script="Mong" typeface="Mongolian Baiti"/>
+        <a:font script="Viet" typeface="Times New Roman"/>
+        <a:font script="Uigh" typeface="Microsoft Uighur"/>
+        <a:font script="Geor" typeface="Sylfaen"/>
+      </a:majorFont>
+      <a:minorFont>
+        <a:latin typeface="Calibri" panose="020F0502020204030204"/>
+        <a:ea typeface=""/>
+        <a:cs typeface=""/>
+        <a:font script="Jpan" typeface="ＭＳ Ｐゴシック"/>
+        <a:font script="Hang" typeface="맑은 고딕"/>
+        <a:font script="Hans" typeface="宋体"/>
+        <a:font script="Hant" typeface="新細明體"/>
+        <a:font script="Arab" typeface="Arial"/>
+        <a:font script="Hebr" typeface="Arial"/>
+        <a:font script="Thai" typeface="Cordia New"/>
+        <a:font script="Ethi" typeface="Nyala"/>
+        <a:font script="Beng" typeface="Vrinda"/>
+        <a:font script="Gujr" typeface="Shruti"/>
+        <a:font script="Khmr" typeface="DaunPenh"/>
+        <a:font script="Knda" typeface="Tunga"/>
+        <a:font script="Guru" typeface="Raavi"/>
+        <a:font script="Cans" typeface="Euphemia"/>
+        <a:font script="Cher" typeface="Plantagenet Cherokee"/>
+        <a:font script="Yiii" typeface="Microsoft Yi Baiti"/>
+        <a:font script="Tibt" typeface="Microsoft Himalaya"/>
+        <a:font script="Thaa" typeface="MV Boli"/>
+        <a:font script="Deva" typeface="Mangal"/>
+        <a:font script="Telu" typeface="Gautami"/>
+        <a:font script="Taml" typeface="Latha"/>
+        <a:font script="Syrc" typeface="Estrangelo Edessa"/>
+        <a:font script="Orya" typeface="Kalinga"/>
+        <a:font script="Mlym" typeface="Kartika"/>
+        <a:font script="Laoo" typeface="DokChampa"/>
+        <a:font script="Sinh" typeface="Iskoola Pota"/>
+        <a:font script="Mong" typeface="Mongolian Baiti"/>
+        <a:font script="Viet" typeface="Arial"/>
+        <a:font script="Uigh" typeface="Microsoft Uighur"/>
+        <a:font script="Geor" typeface="Sylfaen"/>
+      </a:minorFont>
+    </a:fontScheme>
+    <a:fmtScheme name="Office">
+      <a:fillStyleLst>
+        <a:solidFill>
+          <a:schemeClr val="phClr"/>
+        </a:solidFill>
+        <a:gradFill rotWithShape="1">
+          <a:gsLst>
+            <a:gs pos="0">
+              <a:schemeClr val="phClr">
+                <a:lumMod val="110000"/>
+                <a:satMod val="105000"/>
+                <a:tint val="67000"/>
+              </a:schemeClr>
+            </a:gs>
+            <a:gs pos="50000">
+              <a:schemeClr val="phClr">
+                <a:lumMod val="105000"/>
+                <a:satMod val="103000"/>
+                <a:tint val="73000"/>
+              </a:schemeClr>
+            </a:gs>
+            <a:gs pos="100000">
+              <a:schemeClr val="phClr">
+                <a:lumMod val="105000"/>
+                <a:satMod val="109000"/>
+                <a:tint val="81000"/>
+              </a:schemeClr>
+            </a:gs>
+          </a:gsLst>
+          <a:lin ang="5400000" scaled="0"/>
+        </a:gradFill>
+        <a:gradFill rotWithShape="1">
+          <a:gsLst>
+            <a:gs pos="0">
+              <a:schemeClr val="phClr">
+                <a:satMod val="103000"/>
+                <a:lumMod val="102000"/>
+                <a:tint val="94000"/>
+              </a:schemeClr>
+            </a:gs>
+            <a:gs pos="50000">
+              <a:schemeClr val="phClr">
+                <a:satMod val="110000"/>
+                <a:lumMod val="100000"/>
+                <a:shade val="100000"/>
+              </a:schemeClr>
+            </a:gs>
+            <a:gs pos="100000">
+              <a:schemeClr val="phClr">
+                <a:lumMod val="99000"/>
+                <a:satMod val="120000"/>
+                <a:shade val="78000"/>
+              </a:schemeClr>
+            </a:gs>
+          </a:gsLst>
+          <a:lin ang="5400000" scaled="0"/>
+        </a:gradFill>
+      </a:fillStyleLst>
+      <a:lnStyleLst>
+        <a:ln w="6350" cap="flat" cmpd="sng" algn="ctr">
+          <a:solidFill>
+            <a:schemeClr val="phClr"/>
+          </a:solidFill>
+          <a:prstDash val="solid"/>
+          <a:miter lim="800000"/>
+        </a:ln>
+        <a:ln w="12700" cap="flat" cmpd="sng" algn="ctr">
+          <a:solidFill>
+            <a:schemeClr val="phClr"/>
+          </a:solidFill>
+          <a:prstDash val="solid"/>
+          <a:miter lim="800000"/>
+        </a:ln>
+        <a:ln w="19050" cap="flat" cmpd="sng" algn="ctr">
+          <a:solidFill>
+            <a:schemeClr val="phClr"/>
+          </a:solidFill>
+          <a:prstDash val="solid"/>
+          <a:miter lim="800000"/>
+        </a:ln>
+      </a:lnStyleLst>
+      <a:effectStyleLst>
+        <a:effectStyle>
+          <a:effectLst/>
+        </a:effectStyle>
+        <a:effectStyle>
+          <a:effectLst/>
+        </a:effectStyle>
+        <a:effectStyle>
+          <a:effectLst>
+            <a:outerShdw blurRad="57150" dist="19050" dir="5400000" algn="ctr" rotWithShape="0">
+              <a:srgbClr val="000000">
+                <a:alpha val="63000"/>
+              </a:srgbClr>
+            </a:outerShdw>
+          </a:effectLst>
+        </a:effectStyle>
+      </a:effectStyleLst>
+      <a:bgFillStyleLst>
+        <a:solidFill>
+          <a:schemeClr val="phClr"/>
+        </a:solidFill>
+        <a:solidFill>
+          <a:schemeClr val="phClr">
+            <a:tint val="95000"/>
+            <a:satMod val="170000"/>
+          </a:schemeClr>
+        </a:solidFill>
+        <a:gradFill rotWithShape="1">
+          <a:gsLst>
+            <a:gs pos="0">
+              <a:schemeClr val="phClr">
+                <a:tint val="93000"/>
+                <a:satMod val="150000"/>
+                <a:shade val="98000"/>
+                <a:lumMod val="102000"/>
+              </a:schemeClr>
+            </a:gs>
+            <a:gs pos="50000">
+              <a:schemeClr val="phClr">
+                <a:tint val="98000"/>
+                <a:satMod val="130000"/>
+                <a:shade val="90000"/>
+                <a:lumMod val="103000"/>
+              </a:schemeClr>
+            </a:gs>
+            <a:gs pos="100000">
+              <a:schemeClr val="phClr">
+                <a:shade val="63000"/>
+                <a:satMod val="120000"/>
+              </a:schemeClr>
+            </a:gs>
+          </a:gsLst>
+          <a:lin ang="5400000" scaled="0"/>
+        </a:gradFill>
+      </a:bgFillStyleLst>
+    </a:fmtScheme>
+  </a:themeElements>
+  <a:objectDefaults/>
+  <a:extraClrSchemeLst/>
+  <a:extLst>
+    <a:ext uri="{05A4C25C-085E-4340-85A3-A5531E510DB2}">
+      <thm15:themeFamily xmlns:thm15="http://schemas.microsoft.com/office/thememl/2012/main" name="Office Theme" id="{62F939B6-93AF-4DB8-9C6B-D6C7DFDC589F}" vid="{4A3C46E8-61CC-4603-A589-7422A47A8E4A}"/>
+    </a:ext>
+  </a:extLst>
+</a:theme>
 </file>
--- a/Slides/2. Query Execution.pptx
+++ b/Slides/2. Query Execution.pptx
@@ -5,7 +5,7 @@
     <p:sldMasterId id="2147483648" r:id="rId1"/>
   </p:sldMasterIdLst>
   <p:notesMasterIdLst>
-    <p:notesMasterId r:id="rId25"/>
+    <p:notesMasterId r:id="rId26"/>
   </p:notesMasterIdLst>
   <p:sldIdLst>
     <p:sldId id="256" r:id="rId2"/>
@@ -31,6 +31,7 @@
     <p:sldId id="273" r:id="rId22"/>
     <p:sldId id="271" r:id="rId23"/>
     <p:sldId id="274" r:id="rId24"/>
+    <p:sldId id="282" r:id="rId25"/>
   </p:sldIdLst>
   <p:sldSz cx="12192000" cy="6858000"/>
   <p:notesSz cx="6858000" cy="9144000"/>
@@ -1487,8 +1488,8 @@
     <dgm:cxn modelId="{46994509-5C8E-492F-B35A-DF3CC15BC75D}" srcId="{47179704-B36E-43EE-A8E7-3C65146642B3}" destId="{AC504D79-5753-4100-AF16-7F4F5A98AA0C}" srcOrd="0" destOrd="0" parTransId="{1A5F847E-1F2B-4148-9193-BCFF04593C0F}" sibTransId="{37AC889E-5E62-4381-A909-A06E9208EE45}"/>
     <dgm:cxn modelId="{7BB7CA47-D793-4782-BFC5-BB7690881028}" srcId="{A688FFC1-229D-4906-8037-92FBAEDDA5D4}" destId="{B4B452B6-9DBE-4AC5-8ADB-F43BA3F489CA}" srcOrd="2" destOrd="0" parTransId="{65B7C0BA-4E1C-493C-B97A-DD4DF72DC4D0}" sibTransId="{9C64C543-5D3A-43B5-874D-098B56BA88E8}"/>
     <dgm:cxn modelId="{E27F034D-82BA-4DCA-A2A5-5AE0E5CCDDCC}" type="presOf" srcId="{A688FFC1-229D-4906-8037-92FBAEDDA5D4}" destId="{003FA6EB-E41C-427E-B3A7-B33C6D1A6409}" srcOrd="0" destOrd="0" presId="urn:microsoft.com/office/officeart/2005/8/layout/balance1"/>
+    <dgm:cxn modelId="{88938031-BA9A-4A49-A95D-6370EF3D73FA}" type="presOf" srcId="{381B9D55-AB07-4BB6-A7FA-6BAB38DC6611}" destId="{2BDF2C11-42FC-4D0D-84E7-5A028936F2ED}" srcOrd="0" destOrd="0" presId="urn:microsoft.com/office/officeart/2005/8/layout/balance1"/>
     <dgm:cxn modelId="{3B83173D-DB52-4471-90F0-EB73C6F571D1}" srcId="{A688FFC1-229D-4906-8037-92FBAEDDA5D4}" destId="{381B9D55-AB07-4BB6-A7FA-6BAB38DC6611}" srcOrd="0" destOrd="0" parTransId="{8B882347-5B73-4471-834A-3500B987C59B}" sibTransId="{D1742CDD-52E8-4D60-BFD9-254101B5BAB5}"/>
-    <dgm:cxn modelId="{88938031-BA9A-4A49-A95D-6370EF3D73FA}" type="presOf" srcId="{381B9D55-AB07-4BB6-A7FA-6BAB38DC6611}" destId="{2BDF2C11-42FC-4D0D-84E7-5A028936F2ED}" srcOrd="0" destOrd="0" presId="urn:microsoft.com/office/officeart/2005/8/layout/balance1"/>
     <dgm:cxn modelId="{597A167F-2BC7-4B40-B0F2-1E4361D94248}" type="presOf" srcId="{B4B452B6-9DBE-4AC5-8ADB-F43BA3F489CA}" destId="{59DFEEDD-8F3A-46D8-8E70-54C16210FEC5}" srcOrd="0" destOrd="0" presId="urn:microsoft.com/office/officeart/2005/8/layout/balance1"/>
     <dgm:cxn modelId="{B9C166AB-2BF2-433A-B7E8-A87DE619EA74}" srcId="{AC504D79-5753-4100-AF16-7F4F5A98AA0C}" destId="{1E1BD6B2-340B-4584-AC37-CFE3D3813FF3}" srcOrd="1" destOrd="0" parTransId="{8E260586-5D10-4577-9CBE-DF6CB90EECE2}" sibTransId="{AA099CFE-B85C-4434-8FC5-11F177FBEF9F}"/>
     <dgm:cxn modelId="{D6F668C4-5C73-4A4A-B9F3-8EF5F70CDAEB}" srcId="{47179704-B36E-43EE-A8E7-3C65146642B3}" destId="{A688FFC1-229D-4906-8037-92FBAEDDA5D4}" srcOrd="1" destOrd="0" parTransId="{F5247E29-1996-4103-8A4B-4E8C6DC97C50}" sibTransId="{AD02AB81-96E7-4779-ADC2-C406A7EDBBC1}"/>
@@ -6401,7 +6402,7 @@
           <a:p>
             <a:fld id="{C33E546B-25B4-4054-B726-50ABAEF81226}" type="datetimeFigureOut">
               <a:rPr lang="en-GB" smtClean="0"/>
-              <a:t>21/01/2016</a:t>
+              <a:t>11/02/2016</a:t>
             </a:fld>
             <a:endParaRPr lang="en-GB"/>
           </a:p>
@@ -6966,7 +6967,7 @@
           <a:p>
             <a:fld id="{8204E7FD-169F-464A-8003-B2893D8D8FF1}" type="datetimeFigureOut">
               <a:rPr lang="en-GB" smtClean="0"/>
-              <a:t>21/01/2016</a:t>
+              <a:t>11/02/2016</a:t>
             </a:fld>
             <a:endParaRPr lang="en-GB"/>
           </a:p>
@@ -7136,7 +7137,7 @@
           <a:p>
             <a:fld id="{8204E7FD-169F-464A-8003-B2893D8D8FF1}" type="datetimeFigureOut">
               <a:rPr lang="en-GB" smtClean="0"/>
-              <a:t>21/01/2016</a:t>
+              <a:t>11/02/2016</a:t>
             </a:fld>
             <a:endParaRPr lang="en-GB"/>
           </a:p>
@@ -7316,7 +7317,7 @@
           <a:p>
             <a:fld id="{8204E7FD-169F-464A-8003-B2893D8D8FF1}" type="datetimeFigureOut">
               <a:rPr lang="en-GB" smtClean="0"/>
-              <a:t>21/01/2016</a:t>
+              <a:t>11/02/2016</a:t>
             </a:fld>
             <a:endParaRPr lang="en-GB"/>
           </a:p>
@@ -7486,7 +7487,7 @@
           <a:p>
             <a:fld id="{8204E7FD-169F-464A-8003-B2893D8D8FF1}" type="datetimeFigureOut">
               <a:rPr lang="en-GB" smtClean="0"/>
-              <a:t>21/01/2016</a:t>
+              <a:t>11/02/2016</a:t>
             </a:fld>
             <a:endParaRPr lang="en-GB"/>
           </a:p>
@@ -7732,7 +7733,7 @@
           <a:p>
             <a:fld id="{8204E7FD-169F-464A-8003-B2893D8D8FF1}" type="datetimeFigureOut">
               <a:rPr lang="en-GB" smtClean="0"/>
-              <a:t>21/01/2016</a:t>
+              <a:t>11/02/2016</a:t>
             </a:fld>
             <a:endParaRPr lang="en-GB"/>
           </a:p>
@@ -7964,7 +7965,7 @@
           <a:p>
             <a:fld id="{8204E7FD-169F-464A-8003-B2893D8D8FF1}" type="datetimeFigureOut">
               <a:rPr lang="en-GB" smtClean="0"/>
-              <a:t>21/01/2016</a:t>
+              <a:t>11/02/2016</a:t>
             </a:fld>
             <a:endParaRPr lang="en-GB"/>
           </a:p>
@@ -8331,7 +8332,7 @@
           <a:p>
             <a:fld id="{8204E7FD-169F-464A-8003-B2893D8D8FF1}" type="datetimeFigureOut">
               <a:rPr lang="en-GB" smtClean="0"/>
-              <a:t>21/01/2016</a:t>
+              <a:t>11/02/2016</a:t>
             </a:fld>
             <a:endParaRPr lang="en-GB"/>
           </a:p>
@@ -8449,7 +8450,7 @@
           <a:p>
             <a:fld id="{8204E7FD-169F-464A-8003-B2893D8D8FF1}" type="datetimeFigureOut">
               <a:rPr lang="en-GB" smtClean="0"/>
-              <a:t>21/01/2016</a:t>
+              <a:t>11/02/2016</a:t>
             </a:fld>
             <a:endParaRPr lang="en-GB"/>
           </a:p>
@@ -8544,7 +8545,7 @@
           <a:p>
             <a:fld id="{8204E7FD-169F-464A-8003-B2893D8D8FF1}" type="datetimeFigureOut">
               <a:rPr lang="en-GB" smtClean="0"/>
-              <a:t>21/01/2016</a:t>
+              <a:t>11/02/2016</a:t>
             </a:fld>
             <a:endParaRPr lang="en-GB"/>
           </a:p>
@@ -8821,7 +8822,7 @@
           <a:p>
             <a:fld id="{8204E7FD-169F-464A-8003-B2893D8D8FF1}" type="datetimeFigureOut">
               <a:rPr lang="en-GB" smtClean="0"/>
-              <a:t>21/01/2016</a:t>
+              <a:t>11/02/2016</a:t>
             </a:fld>
             <a:endParaRPr lang="en-GB"/>
           </a:p>
@@ -9074,7 +9075,7 @@
           <a:p>
             <a:fld id="{8204E7FD-169F-464A-8003-B2893D8D8FF1}" type="datetimeFigureOut">
               <a:rPr lang="en-GB" smtClean="0"/>
-              <a:t>21/01/2016</a:t>
+              <a:t>11/02/2016</a:t>
             </a:fld>
             <a:endParaRPr lang="en-GB"/>
           </a:p>
@@ -9287,7 +9288,7 @@
           <a:p>
             <a:fld id="{8204E7FD-169F-464A-8003-B2893D8D8FF1}" type="datetimeFigureOut">
               <a:rPr lang="en-GB" smtClean="0"/>
-              <a:t>21/01/2016</a:t>
+              <a:t>11/02/2016</a:t>
             </a:fld>
             <a:endParaRPr lang="en-GB"/>
           </a:p>
@@ -9781,7 +9782,7 @@
           <a:p>
             <a:r>
               <a:rPr lang="en-GB" dirty="0" smtClean="0"/>
-              <a:t>Demo</a:t>
+              <a:t>Screenshot</a:t>
             </a:r>
             <a:endParaRPr lang="en-GB" dirty="0"/>
           </a:p>
@@ -10034,11 +10035,11 @@
   <p:clrMapOvr>
     <a:masterClrMapping/>
   </p:clrMapOvr>
-  <mc:AlternateContent xmlns:mc="http://schemas.openxmlformats.org/markup-compatibility/2006">
-    <mc:Choice xmlns:p14="http://schemas.microsoft.com/office/powerpoint/2010/main" Requires="p14">
+  <mc:AlternateContent xmlns:mc="http://schemas.openxmlformats.org/markup-compatibility/2006" xmlns:p14="http://schemas.microsoft.com/office/powerpoint/2010/main">
+    <mc:Choice Requires="p14">
       <p:transition spd="slow" p14:dur="2000"/>
     </mc:Choice>
-    <mc:Fallback>
+    <mc:Fallback xmlns="">
       <p:transition spd="slow"/>
     </mc:Fallback>
   </mc:AlternateContent>
@@ -10233,11 +10234,11 @@
   <p:clrMapOvr>
     <a:masterClrMapping/>
   </p:clrMapOvr>
-  <mc:AlternateContent xmlns:mc="http://schemas.openxmlformats.org/markup-compatibility/2006">
-    <mc:Choice xmlns:p14="http://schemas.microsoft.com/office/powerpoint/2010/main" Requires="p14">
+  <mc:AlternateContent xmlns:mc="http://schemas.openxmlformats.org/markup-compatibility/2006" xmlns:p14="http://schemas.microsoft.com/office/powerpoint/2010/main">
+    <mc:Choice Requires="p14">
       <p:transition spd="slow" p14:dur="2000"/>
     </mc:Choice>
-    <mc:Fallback>
+    <mc:Fallback xmlns="">
       <p:transition spd="slow"/>
     </mc:Fallback>
   </mc:AlternateContent>
@@ -10350,11 +10351,11 @@
   <p:clrMapOvr>
     <a:masterClrMapping/>
   </p:clrMapOvr>
-  <mc:AlternateContent xmlns:mc="http://schemas.openxmlformats.org/markup-compatibility/2006">
-    <mc:Choice xmlns:p14="http://schemas.microsoft.com/office/powerpoint/2010/main" Requires="p14">
+  <mc:AlternateContent xmlns:mc="http://schemas.openxmlformats.org/markup-compatibility/2006" xmlns:p14="http://schemas.microsoft.com/office/powerpoint/2010/main">
+    <mc:Choice Requires="p14">
       <p:transition spd="slow" p14:dur="2000"/>
     </mc:Choice>
-    <mc:Fallback>
+    <mc:Fallback xmlns="">
       <p:transition spd="slow"/>
     </mc:Fallback>
   </mc:AlternateContent>
@@ -10432,11 +10433,7 @@
             <a:pPr lvl="1"/>
             <a:r>
               <a:rPr lang="en-GB" dirty="0" smtClean="0"/>
-              <a:t>Fast for small </a:t>
-            </a:r>
-            <a:r>
-              <a:rPr lang="en-GB" dirty="0" smtClean="0"/>
-              <a:t>datasets</a:t>
+              <a:t>Fast for small datasets</a:t>
             </a:r>
           </a:p>
           <a:p>
@@ -10452,7 +10449,6 @@
               <a:rPr lang="en-GB" dirty="0" smtClean="0"/>
               <a:t>Bad is wrong estimates</a:t>
             </a:r>
-            <a:endParaRPr lang="en-GB" dirty="0" smtClean="0"/>
           </a:p>
           <a:p>
             <a:r>
@@ -10980,11 +10976,11 @@
   <p:clrMapOvr>
     <a:masterClrMapping/>
   </p:clrMapOvr>
-  <mc:AlternateContent xmlns:mc="http://schemas.openxmlformats.org/markup-compatibility/2006">
-    <mc:Choice xmlns:p14="http://schemas.microsoft.com/office/powerpoint/2010/main" Requires="p14">
+  <mc:AlternateContent xmlns:mc="http://schemas.openxmlformats.org/markup-compatibility/2006" xmlns:p14="http://schemas.microsoft.com/office/powerpoint/2010/main">
+    <mc:Choice Requires="p14">
       <p:transition spd="slow" p14:dur="2000"/>
     </mc:Choice>
-    <mc:Fallback>
+    <mc:Fallback xmlns="">
       <p:transition spd="slow"/>
     </mc:Fallback>
   </mc:AlternateContent>
@@ -11408,6 +11404,106 @@
 </p:sld>
 </file>
 
+<file path=ppt/slides/slide24.xml><?xml version="1.0" encoding="utf-8"?>
+<p:sld xmlns:a="http://schemas.openxmlformats.org/drawingml/2006/main" xmlns:r="http://schemas.openxmlformats.org/officeDocument/2006/relationships" xmlns:p="http://schemas.openxmlformats.org/presentationml/2006/main">
+  <p:cSld>
+    <p:spTree>
+      <p:nvGrpSpPr>
+        <p:cNvPr id="1" name=""/>
+        <p:cNvGrpSpPr/>
+        <p:nvPr/>
+      </p:nvGrpSpPr>
+      <p:grpSpPr>
+        <a:xfrm>
+          <a:off x="0" y="0"/>
+          <a:ext cx="0" cy="0"/>
+          <a:chOff x="0" y="0"/>
+          <a:chExt cx="0" cy="0"/>
+        </a:xfrm>
+      </p:grpSpPr>
+      <p:sp>
+        <p:nvSpPr>
+          <p:cNvPr id="2" name="Title 1"/>
+          <p:cNvSpPr>
+            <a:spLocks noGrp="1"/>
+          </p:cNvSpPr>
+          <p:nvPr>
+            <p:ph type="title"/>
+          </p:nvPr>
+        </p:nvSpPr>
+        <p:spPr/>
+        <p:txBody>
+          <a:bodyPr/>
+          <a:lstStyle/>
+          <a:p>
+            <a:r>
+              <a:rPr lang="en-GB" dirty="0" smtClean="0"/>
+              <a:t>Notes</a:t>
+            </a:r>
+            <a:endParaRPr lang="en-GB" dirty="0"/>
+          </a:p>
+        </p:txBody>
+      </p:sp>
+      <p:sp>
+        <p:nvSpPr>
+          <p:cNvPr id="3" name="Content Placeholder 2"/>
+          <p:cNvSpPr>
+            <a:spLocks noGrp="1"/>
+          </p:cNvSpPr>
+          <p:nvPr>
+            <p:ph idx="1"/>
+          </p:nvPr>
+        </p:nvSpPr>
+        <p:spPr/>
+        <p:txBody>
+          <a:bodyPr/>
+          <a:lstStyle/>
+          <a:p>
+            <a:r>
+              <a:rPr lang="en-GB" dirty="0" smtClean="0"/>
+              <a:t>Threshold Cost</a:t>
+            </a:r>
+          </a:p>
+          <a:p>
+            <a:r>
+              <a:rPr lang="en-GB" dirty="0" err="1" smtClean="0"/>
+              <a:t>Paramistasion</a:t>
+            </a:r>
+            <a:endParaRPr lang="en-GB" dirty="0" smtClean="0"/>
+          </a:p>
+          <a:p>
+            <a:r>
+              <a:rPr lang="en-GB" dirty="0" smtClean="0"/>
+              <a:t>SET options</a:t>
+            </a:r>
+          </a:p>
+          <a:p>
+            <a:r>
+              <a:rPr lang="en-GB" dirty="0" smtClean="0"/>
+              <a:t>Linked Servers</a:t>
+            </a:r>
+          </a:p>
+          <a:p>
+            <a:endParaRPr lang="en-GB" dirty="0" smtClean="0"/>
+          </a:p>
+          <a:p>
+            <a:endParaRPr lang="en-GB" dirty="0"/>
+          </a:p>
+        </p:txBody>
+      </p:sp>
+    </p:spTree>
+    <p:extLst>
+      <p:ext uri="{BB962C8B-B14F-4D97-AF65-F5344CB8AC3E}">
+        <p14:creationId xmlns:p14="http://schemas.microsoft.com/office/powerpoint/2010/main" val="3284504710"/>
+      </p:ext>
+    </p:extLst>
+  </p:cSld>
+  <p:clrMapOvr>
+    <a:masterClrMapping/>
+  </p:clrMapOvr>
+</p:sld>
+</file>
+
 <file path=ppt/slides/slide3.xml><?xml version="1.0" encoding="utf-8"?>
 <p:sld xmlns:a="http://schemas.openxmlformats.org/drawingml/2006/main" xmlns:r="http://schemas.openxmlformats.org/officeDocument/2006/relationships" xmlns:p="http://schemas.openxmlformats.org/presentationml/2006/main">
   <p:cSld>
@@ -11646,11 +11742,11 @@
   <p:clrMapOvr>
     <a:masterClrMapping/>
   </p:clrMapOvr>
-  <mc:AlternateContent xmlns:mc="http://schemas.openxmlformats.org/markup-compatibility/2006">
-    <mc:Choice xmlns:p14="http://schemas.microsoft.com/office/powerpoint/2010/main" Requires="p14">
+  <mc:AlternateContent xmlns:mc="http://schemas.openxmlformats.org/markup-compatibility/2006" xmlns:p14="http://schemas.microsoft.com/office/powerpoint/2010/main">
+    <mc:Choice Requires="p14">
       <p:transition spd="slow" p14:dur="2000"/>
     </mc:Choice>
-    <mc:Fallback>
+    <mc:Fallback xmlns="">
       <p:transition spd="slow"/>
     </mc:Fallback>
   </mc:AlternateContent>
@@ -11784,11 +11880,11 @@
   <p:clrMapOvr>
     <a:masterClrMapping/>
   </p:clrMapOvr>
-  <mc:AlternateContent xmlns:mc="http://schemas.openxmlformats.org/markup-compatibility/2006">
-    <mc:Choice xmlns:p14="http://schemas.microsoft.com/office/powerpoint/2010/main" Requires="p14">
+  <mc:AlternateContent xmlns:mc="http://schemas.openxmlformats.org/markup-compatibility/2006" xmlns:p14="http://schemas.microsoft.com/office/powerpoint/2010/main">
+    <mc:Choice Requires="p14">
       <p:transition spd="slow" p14:dur="2000"/>
     </mc:Choice>
-    <mc:Fallback>
+    <mc:Fallback xmlns="">
       <p:transition spd="slow"/>
     </mc:Fallback>
   </mc:AlternateContent>
@@ -11982,8 +12078,17 @@
           <a:p>
             <a:r>
               <a:rPr lang="en-GB" dirty="0" smtClean="0"/>
-              <a:t>Manually update with UPDATE STATISTICS</a:t>
-            </a:r>
+              <a:t>Manually update with UPDATE </a:t>
+            </a:r>
+            <a:r>
+              <a:rPr lang="en-GB" dirty="0" smtClean="0"/>
+              <a:t>STATISTICS</a:t>
+            </a:r>
+          </a:p>
+          <a:p>
+            <a:pPr marL="0" indent="0">
+              <a:buNone/>
+            </a:pPr>
             <a:endParaRPr lang="en-GB" dirty="0"/>
           </a:p>
         </p:txBody>
@@ -12035,7 +12140,7 @@
           <a:p>
             <a:r>
               <a:rPr lang="en-GB" dirty="0" smtClean="0"/>
-              <a:t>Demo</a:t>
+              <a:t>Screenshot</a:t>
             </a:r>
             <a:endParaRPr lang="en-GB" dirty="0"/>
           </a:p>
@@ -12058,7 +12163,17 @@
           <a:p>
             <a:r>
               <a:rPr lang="en-GB" dirty="0" smtClean="0"/>
-              <a:t>Create demo of DBCC SHOWSTATISTICS</a:t>
+              <a:t>Create demo of DBCC </a:t>
+            </a:r>
+            <a:r>
+              <a:rPr lang="en-GB" dirty="0" smtClean="0"/>
+              <a:t>SHOWSTATISTICS</a:t>
+            </a:r>
+          </a:p>
+          <a:p>
+            <a:r>
+              <a:rPr lang="en-GB" dirty="0" smtClean="0"/>
+              <a:t>Histogram</a:t>
             </a:r>
             <a:endParaRPr lang="en-GB" dirty="0"/>
           </a:p>
@@ -12184,7 +12299,11 @@
           <a:p>
             <a:r>
               <a:rPr lang="en-GB" dirty="0" smtClean="0"/>
-              <a:t>Skewed statistics leads to uneven threads</a:t>
+              <a:t>Skewed statistics leads to uneven </a:t>
+            </a:r>
+            <a:r>
+              <a:rPr lang="en-GB" dirty="0" smtClean="0"/>
+              <a:t>threads (CXPACKET)</a:t>
             </a:r>
             <a:endParaRPr lang="en-GB" dirty="0"/>
           </a:p>
